--- a/presentatie.pptx
+++ b/presentatie.pptx
@@ -12627,6 +12627,53 @@
       </p:grpSpPr>
       <p:sp>
         <p:nvSpPr>
+          <p:cNvPr id="1025" name="Rectangle 1024">
+            <a:extLst>
+              <a:ext uri="{FF2B5EF4-FFF2-40B4-BE49-F238E27FC236}">
+                <a16:creationId xmlns:a16="http://schemas.microsoft.com/office/drawing/2014/main" id="{6A89272F-BA09-4D6B-98E8-342F8700FC7D}"/>
+              </a:ext>
+            </a:extLst>
+          </p:cNvPr>
+          <p:cNvSpPr/>
+          <p:nvPr/>
+        </p:nvSpPr>
+        <p:spPr>
+          <a:xfrm>
+            <a:off x="5925792" y="2848726"/>
+            <a:ext cx="1383957" cy="1383957"/>
+          </a:xfrm>
+          <a:prstGeom prst="rect">
+            <a:avLst/>
+          </a:prstGeom>
+          <a:noFill/>
+        </p:spPr>
+        <p:style>
+          <a:lnRef idx="2">
+            <a:schemeClr val="accent1">
+              <a:shade val="50000"/>
+            </a:schemeClr>
+          </a:lnRef>
+          <a:fillRef idx="1">
+            <a:schemeClr val="accent1"/>
+          </a:fillRef>
+          <a:effectRef idx="0">
+            <a:schemeClr val="accent1"/>
+          </a:effectRef>
+          <a:fontRef idx="minor">
+            <a:schemeClr val="lt1"/>
+          </a:fontRef>
+        </p:style>
+        <p:txBody>
+          <a:bodyPr rtlCol="0" anchor="ctr"/>
+          <a:lstStyle/>
+          <a:p>
+            <a:pPr algn="ctr"/>
+            <a:endParaRPr lang="nl-NL"/>
+          </a:p>
+        </p:txBody>
+      </p:sp>
+      <p:sp>
+        <p:nvSpPr>
           <p:cNvPr id="5" name="Rectangle 4">
             <a:extLst>
               <a:ext uri="{FF2B5EF4-FFF2-40B4-BE49-F238E27FC236}">
@@ -12639,15 +12686,13 @@
         </p:nvSpPr>
         <p:spPr>
           <a:xfrm>
-            <a:off x="6170141" y="1389063"/>
-            <a:ext cx="5061065" cy="4303283"/>
+            <a:off x="5585255" y="1389063"/>
+            <a:ext cx="5645952" cy="4303283"/>
           </a:xfrm>
           <a:prstGeom prst="rect">
             <a:avLst/>
           </a:prstGeom>
-          <a:solidFill>
-            <a:schemeClr val="bg1"/>
-          </a:solidFill>
+          <a:noFill/>
           <a:ln>
             <a:solidFill>
               <a:schemeClr val="tx2"/>
@@ -12795,17 +12840,19 @@
       </p:sp>
       <p:pic>
         <p:nvPicPr>
-          <p:cNvPr id="1026" name="Picture 2" descr="https://www.docker.com/sites/default/files/Whale%20Logo332_5.png">
+          <p:cNvPr id="1028" name="Picture 4" descr="https://avatars2.githubusercontent.com/u/1412239?v=3&amp;s=200">
             <a:extLst>
               <a:ext uri="{FF2B5EF4-FFF2-40B4-BE49-F238E27FC236}">
-                <a16:creationId xmlns:a16="http://schemas.microsoft.com/office/drawing/2014/main" id="{27DB8A0C-ACB5-433D-B6A3-3F7EB305C86D}"/>
+                <a16:creationId xmlns:a16="http://schemas.microsoft.com/office/drawing/2014/main" id="{52C69478-4875-407F-BD57-E437C0668C55}"/>
               </a:ext>
             </a:extLst>
           </p:cNvPr>
           <p:cNvPicPr>
-            <a:picLocks noChangeAspect="1" noChangeArrowheads="1"/>
+            <a:picLocks noGrp="1" noChangeAspect="1" noChangeArrowheads="1"/>
           </p:cNvPicPr>
-          <p:nvPr/>
+          <p:nvPr>
+            <p:ph idx="1"/>
+          </p:nvPr>
         </p:nvPicPr>
         <p:blipFill>
           <a:blip r:embed="rId2">
@@ -12822,8 +12869,8 @@
         </p:blipFill>
         <p:spPr bwMode="auto">
           <a:xfrm>
-            <a:off x="5926997" y="987021"/>
-            <a:ext cx="1325005" cy="990060"/>
+            <a:off x="6183777" y="3104984"/>
+            <a:ext cx="867986" cy="867986"/>
           </a:xfrm>
           <a:prstGeom prst="rect">
             <a:avLst/>
@@ -12840,196 +12887,6 @@
           </a:extLst>
         </p:spPr>
       </p:pic>
-      <p:pic>
-        <p:nvPicPr>
-          <p:cNvPr id="1028" name="Picture 4" descr="https://avatars2.githubusercontent.com/u/1412239?v=3&amp;s=200">
-            <a:extLst>
-              <a:ext uri="{FF2B5EF4-FFF2-40B4-BE49-F238E27FC236}">
-                <a16:creationId xmlns:a16="http://schemas.microsoft.com/office/drawing/2014/main" id="{52C69478-4875-407F-BD57-E437C0668C55}"/>
-              </a:ext>
-            </a:extLst>
-          </p:cNvPr>
-          <p:cNvPicPr>
-            <a:picLocks noGrp="1" noChangeAspect="1" noChangeArrowheads="1"/>
-          </p:cNvPicPr>
-          <p:nvPr>
-            <p:ph idx="1"/>
-          </p:nvPr>
-        </p:nvPicPr>
-        <p:blipFill>
-          <a:blip r:embed="rId3">
-            <a:extLst>
-              <a:ext uri="{28A0092B-C50C-407E-A947-70E740481C1C}">
-                <a14:useLocalDpi xmlns:a14="http://schemas.microsoft.com/office/drawing/2010/main" val="0"/>
-              </a:ext>
-            </a:extLst>
-          </a:blip>
-          <a:srcRect/>
-          <a:stretch>
-            <a:fillRect/>
-          </a:stretch>
-        </p:blipFill>
-        <p:spPr bwMode="auto">
-          <a:xfrm>
-            <a:off x="6384016" y="3106711"/>
-            <a:ext cx="867986" cy="867986"/>
-          </a:xfrm>
-          <a:prstGeom prst="rect">
-            <a:avLst/>
-          </a:prstGeom>
-          <a:noFill/>
-          <a:extLst>
-            <a:ext uri="{909E8E84-426E-40DD-AFC4-6F175D3DCCD1}">
-              <a14:hiddenFill xmlns:a14="http://schemas.microsoft.com/office/drawing/2010/main">
-                <a:solidFill>
-                  <a:srgbClr val="FFFFFF"/>
-                </a:solidFill>
-              </a14:hiddenFill>
-            </a:ext>
-          </a:extLst>
-        </p:spPr>
-      </p:pic>
-      <p:pic>
-        <p:nvPicPr>
-          <p:cNvPr id="1030" name="Picture 6" descr="https://codeopinion.com/wp-content/uploads/2016/02/aspnetcore.png">
-            <a:extLst>
-              <a:ext uri="{FF2B5EF4-FFF2-40B4-BE49-F238E27FC236}">
-                <a16:creationId xmlns:a16="http://schemas.microsoft.com/office/drawing/2014/main" id="{83797498-A30C-420A-8438-7B7A9A42722A}"/>
-              </a:ext>
-            </a:extLst>
-          </p:cNvPr>
-          <p:cNvPicPr>
-            <a:picLocks noChangeAspect="1" noChangeArrowheads="1"/>
-          </p:cNvPicPr>
-          <p:nvPr/>
-        </p:nvPicPr>
-        <p:blipFill>
-          <a:blip r:embed="rId4">
-            <a:extLst>
-              <a:ext uri="{28A0092B-C50C-407E-A947-70E740481C1C}">
-                <a14:useLocalDpi xmlns:a14="http://schemas.microsoft.com/office/drawing/2010/main" val="0"/>
-              </a:ext>
-            </a:extLst>
-          </a:blip>
-          <a:srcRect/>
-          <a:stretch>
-            <a:fillRect/>
-          </a:stretch>
-        </p:blipFill>
-        <p:spPr bwMode="auto">
-          <a:xfrm>
-            <a:off x="9063138" y="1721065"/>
-            <a:ext cx="1404037" cy="1020267"/>
-          </a:xfrm>
-          <a:prstGeom prst="rect">
-            <a:avLst/>
-          </a:prstGeom>
-          <a:noFill/>
-          <a:extLst>
-            <a:ext uri="{909E8E84-426E-40DD-AFC4-6F175D3DCCD1}">
-              <a14:hiddenFill xmlns:a14="http://schemas.microsoft.com/office/drawing/2010/main">
-                <a:solidFill>
-                  <a:srgbClr val="FFFFFF"/>
-                </a:solidFill>
-              </a14:hiddenFill>
-            </a:ext>
-          </a:extLst>
-        </p:spPr>
-      </p:pic>
-      <p:pic>
-        <p:nvPicPr>
-          <p:cNvPr id="1032" name="Picture 8" descr="https://upload.wikimedia.org/wikipedia/commons/thumb/7/7e/Node.js_logo_2015.svg/2000px-Node.js_logo_2015.svg.png">
-            <a:extLst>
-              <a:ext uri="{FF2B5EF4-FFF2-40B4-BE49-F238E27FC236}">
-                <a16:creationId xmlns:a16="http://schemas.microsoft.com/office/drawing/2014/main" id="{68FF180B-A6DD-4008-914C-69D3027F4F6E}"/>
-              </a:ext>
-            </a:extLst>
-          </p:cNvPr>
-          <p:cNvPicPr>
-            <a:picLocks noChangeAspect="1" noChangeArrowheads="1"/>
-          </p:cNvPicPr>
-          <p:nvPr/>
-        </p:nvPicPr>
-        <p:blipFill>
-          <a:blip r:embed="rId5">
-            <a:extLst>
-              <a:ext uri="{28A0092B-C50C-407E-A947-70E740481C1C}">
-                <a14:useLocalDpi xmlns:a14="http://schemas.microsoft.com/office/drawing/2010/main" val="0"/>
-              </a:ext>
-            </a:extLst>
-          </a:blip>
-          <a:srcRect/>
-          <a:stretch>
-            <a:fillRect/>
-          </a:stretch>
-        </p:blipFill>
-        <p:spPr bwMode="auto">
-          <a:xfrm>
-            <a:off x="9063138" y="3334408"/>
-            <a:ext cx="1533745" cy="412593"/>
-          </a:xfrm>
-          <a:prstGeom prst="rect">
-            <a:avLst/>
-          </a:prstGeom>
-          <a:noFill/>
-          <a:extLst>
-            <a:ext uri="{909E8E84-426E-40DD-AFC4-6F175D3DCCD1}">
-              <a14:hiddenFill xmlns:a14="http://schemas.microsoft.com/office/drawing/2010/main">
-                <a:solidFill>
-                  <a:srgbClr val="FFFFFF"/>
-                </a:solidFill>
-              </a14:hiddenFill>
-            </a:ext>
-          </a:extLst>
-        </p:spPr>
-      </p:pic>
-      <p:pic>
-        <p:nvPicPr>
-          <p:cNvPr id="1034" name="Picture 10" descr="Image result for php logo">
-            <a:extLst>
-              <a:ext uri="{FF2B5EF4-FFF2-40B4-BE49-F238E27FC236}">
-                <a16:creationId xmlns:a16="http://schemas.microsoft.com/office/drawing/2014/main" id="{899EBDCA-06DF-4213-9DC3-A7544F7AA857}"/>
-              </a:ext>
-            </a:extLst>
-          </p:cNvPr>
-          <p:cNvPicPr>
-            <a:picLocks noChangeAspect="1" noChangeArrowheads="1"/>
-          </p:cNvPicPr>
-          <p:nvPr/>
-        </p:nvPicPr>
-        <p:blipFill>
-          <a:blip r:embed="rId6">
-            <a:extLst>
-              <a:ext uri="{28A0092B-C50C-407E-A947-70E740481C1C}">
-                <a14:useLocalDpi xmlns:a14="http://schemas.microsoft.com/office/drawing/2010/main" val="0"/>
-              </a:ext>
-            </a:extLst>
-          </a:blip>
-          <a:srcRect/>
-          <a:stretch>
-            <a:fillRect/>
-          </a:stretch>
-        </p:blipFill>
-        <p:spPr bwMode="auto">
-          <a:xfrm>
-            <a:off x="9063137" y="4340077"/>
-            <a:ext cx="1533745" cy="828222"/>
-          </a:xfrm>
-          <a:prstGeom prst="rect">
-            <a:avLst/>
-          </a:prstGeom>
-          <a:noFill/>
-          <a:extLst>
-            <a:ext uri="{909E8E84-426E-40DD-AFC4-6F175D3DCCD1}">
-              <a14:hiddenFill xmlns:a14="http://schemas.microsoft.com/office/drawing/2010/main">
-                <a:solidFill>
-                  <a:srgbClr val="FFFFFF"/>
-                </a:solidFill>
-              </a14:hiddenFill>
-            </a:ext>
-          </a:extLst>
-        </p:spPr>
-      </p:pic>
       <p:cxnSp>
         <p:nvCxnSpPr>
           <p:cNvPr id="7" name="Straight Arrow Connector 6">
@@ -13040,15 +12897,16 @@
             </a:extLst>
           </p:cNvPr>
           <p:cNvCxnSpPr>
-            <a:stCxn id="1028" idx="3"/>
-            <a:endCxn id="1034" idx="1"/>
+            <a:cxnSpLocks/>
+            <a:stCxn id="1025" idx="3"/>
+            <a:endCxn id="52" idx="1"/>
           </p:cNvCxnSpPr>
           <p:nvPr/>
         </p:nvCxnSpPr>
         <p:spPr>
           <a:xfrm>
-            <a:off x="7252002" y="3540704"/>
-            <a:ext cx="1811135" cy="1213484"/>
+            <a:off x="7309749" y="3540705"/>
+            <a:ext cx="1900161" cy="1371707"/>
           </a:xfrm>
           <a:prstGeom prst="straightConnector1">
             <a:avLst/>
@@ -13083,15 +12941,15 @@
           </p:cNvPr>
           <p:cNvCxnSpPr>
             <a:cxnSpLocks/>
-            <a:stCxn id="1028" idx="3"/>
-            <a:endCxn id="1032" idx="1"/>
+            <a:stCxn id="1025" idx="3"/>
+            <a:endCxn id="51" idx="1"/>
           </p:cNvCxnSpPr>
           <p:nvPr/>
         </p:nvCxnSpPr>
         <p:spPr>
           <a:xfrm>
-            <a:off x="7252002" y="3540704"/>
-            <a:ext cx="1811136" cy="1"/>
+            <a:off x="7309749" y="3540705"/>
+            <a:ext cx="1900162" cy="5935"/>
           </a:xfrm>
           <a:prstGeom prst="straightConnector1">
             <a:avLst/>
@@ -13126,15 +12984,15 @@
           </p:cNvPr>
           <p:cNvCxnSpPr>
             <a:cxnSpLocks/>
-            <a:stCxn id="1028" idx="3"/>
-            <a:endCxn id="1030" idx="1"/>
+            <a:stCxn id="1025" idx="3"/>
+            <a:endCxn id="48" idx="1"/>
           </p:cNvCxnSpPr>
           <p:nvPr/>
         </p:nvCxnSpPr>
         <p:spPr>
           <a:xfrm flipV="1">
-            <a:off x="7252002" y="2231199"/>
-            <a:ext cx="1811136" cy="1309505"/>
+            <a:off x="7309749" y="2216122"/>
+            <a:ext cx="1900164" cy="1324583"/>
           </a:xfrm>
           <a:prstGeom prst="straightConnector1">
             <a:avLst/>
@@ -13214,15 +13072,16 @@
             </a:extLst>
           </p:cNvPr>
           <p:cNvCxnSpPr>
+            <a:cxnSpLocks/>
             <a:stCxn id="23" idx="0"/>
-            <a:endCxn id="1028" idx="1"/>
+            <a:endCxn id="1025" idx="1"/>
           </p:cNvCxnSpPr>
           <p:nvPr/>
         </p:nvCxnSpPr>
         <p:spPr>
           <a:xfrm>
             <a:off x="4199455" y="3538977"/>
-            <a:ext cx="2184561" cy="1727"/>
+            <a:ext cx="1726337" cy="1728"/>
           </a:xfrm>
           <a:prstGeom prst="straightConnector1">
             <a:avLst/>
@@ -13247,6 +13106,742 @@
           </a:fontRef>
         </p:style>
       </p:cxnSp>
+      <p:pic>
+        <p:nvPicPr>
+          <p:cNvPr id="42" name="Picture 2" descr="https://www.docker.com/sites/default/files/Whale%20Logo332_5.png">
+            <a:extLst>
+              <a:ext uri="{FF2B5EF4-FFF2-40B4-BE49-F238E27FC236}">
+                <a16:creationId xmlns:a16="http://schemas.microsoft.com/office/drawing/2014/main" id="{4301099C-8356-4D1C-8AF5-6FD6B2DB0B58}"/>
+              </a:ext>
+            </a:extLst>
+          </p:cNvPr>
+          <p:cNvPicPr>
+            <a:picLocks noChangeAspect="1" noChangeArrowheads="1"/>
+          </p:cNvPicPr>
+          <p:nvPr/>
+        </p:nvPicPr>
+        <p:blipFill>
+          <a:blip r:embed="rId3">
+            <a:extLst>
+              <a:ext uri="{28A0092B-C50C-407E-A947-70E740481C1C}">
+                <a14:useLocalDpi xmlns:a14="http://schemas.microsoft.com/office/drawing/2010/main" val="0"/>
+              </a:ext>
+            </a:extLst>
+          </a:blip>
+          <a:srcRect/>
+          <a:stretch>
+            <a:fillRect/>
+          </a:stretch>
+        </p:blipFill>
+        <p:spPr bwMode="auto">
+          <a:xfrm>
+            <a:off x="5744848" y="2628942"/>
+            <a:ext cx="658529" cy="492061"/>
+          </a:xfrm>
+          <a:prstGeom prst="rect">
+            <a:avLst/>
+          </a:prstGeom>
+          <a:noFill/>
+          <a:extLst>
+            <a:ext uri="{909E8E84-426E-40DD-AFC4-6F175D3DCCD1}">
+              <a14:hiddenFill xmlns:a14="http://schemas.microsoft.com/office/drawing/2010/main">
+                <a:solidFill>
+                  <a:srgbClr val="FFFFFF"/>
+                </a:solidFill>
+              </a14:hiddenFill>
+            </a:ext>
+          </a:extLst>
+        </p:spPr>
+      </p:pic>
+      <p:grpSp>
+        <p:nvGrpSpPr>
+          <p:cNvPr id="1054" name="Group 1053">
+            <a:extLst>
+              <a:ext uri="{FF2B5EF4-FFF2-40B4-BE49-F238E27FC236}">
+                <a16:creationId xmlns:a16="http://schemas.microsoft.com/office/drawing/2014/main" id="{EF091579-8E08-44EF-BA94-C87FB2365E5B}"/>
+              </a:ext>
+            </a:extLst>
+          </p:cNvPr>
+          <p:cNvGrpSpPr/>
+          <p:nvPr/>
+        </p:nvGrpSpPr>
+        <p:grpSpPr>
+          <a:xfrm>
+            <a:off x="9073746" y="1436188"/>
+            <a:ext cx="1762044" cy="1324582"/>
+            <a:chOff x="8826606" y="1436188"/>
+            <a:chExt cx="1762044" cy="1324582"/>
+          </a:xfrm>
+        </p:grpSpPr>
+        <p:grpSp>
+          <p:nvGrpSpPr>
+            <p:cNvPr id="1041" name="Group 1040">
+              <a:extLst>
+                <a:ext uri="{FF2B5EF4-FFF2-40B4-BE49-F238E27FC236}">
+                  <a16:creationId xmlns:a16="http://schemas.microsoft.com/office/drawing/2014/main" id="{EA91D407-9EC0-4205-9A2E-A5AD22BBBEEA}"/>
+                </a:ext>
+              </a:extLst>
+            </p:cNvPr>
+            <p:cNvGrpSpPr/>
+            <p:nvPr/>
+          </p:nvGrpSpPr>
+          <p:grpSpPr>
+            <a:xfrm>
+              <a:off x="8962773" y="1671474"/>
+              <a:ext cx="1625877" cy="1089296"/>
+              <a:chOff x="8962773" y="1919372"/>
+              <a:chExt cx="1625877" cy="1089296"/>
+            </a:xfrm>
+          </p:grpSpPr>
+          <p:pic>
+            <p:nvPicPr>
+              <p:cNvPr id="1030" name="Picture 6" descr="https://codeopinion.com/wp-content/uploads/2016/02/aspnetcore.png">
+                <a:extLst>
+                  <a:ext uri="{FF2B5EF4-FFF2-40B4-BE49-F238E27FC236}">
+                    <a16:creationId xmlns:a16="http://schemas.microsoft.com/office/drawing/2014/main" id="{83797498-A30C-420A-8438-7B7A9A42722A}"/>
+                  </a:ext>
+                </a:extLst>
+              </p:cNvPr>
+              <p:cNvPicPr>
+                <a:picLocks noChangeAspect="1" noChangeArrowheads="1"/>
+              </p:cNvPicPr>
+              <p:nvPr/>
+            </p:nvPicPr>
+            <p:blipFill>
+              <a:blip r:embed="rId4">
+                <a:extLst>
+                  <a:ext uri="{28A0092B-C50C-407E-A947-70E740481C1C}">
+                    <a14:useLocalDpi xmlns:a14="http://schemas.microsoft.com/office/drawing/2010/main" val="0"/>
+                  </a:ext>
+                </a:extLst>
+              </a:blip>
+              <a:srcRect/>
+              <a:stretch>
+                <a:fillRect/>
+              </a:stretch>
+            </p:blipFill>
+            <p:spPr bwMode="auto">
+              <a:xfrm>
+                <a:off x="9073692" y="1953886"/>
+                <a:ext cx="1404037" cy="1020267"/>
+              </a:xfrm>
+              <a:prstGeom prst="rect">
+                <a:avLst/>
+              </a:prstGeom>
+              <a:noFill/>
+              <a:extLst>
+                <a:ext uri="{909E8E84-426E-40DD-AFC4-6F175D3DCCD1}">
+                  <a14:hiddenFill xmlns:a14="http://schemas.microsoft.com/office/drawing/2010/main">
+                    <a:solidFill>
+                      <a:srgbClr val="FFFFFF"/>
+                    </a:solidFill>
+                  </a14:hiddenFill>
+                </a:ext>
+              </a:extLst>
+            </p:spPr>
+          </p:pic>
+          <p:sp>
+            <p:nvSpPr>
+              <p:cNvPr id="48" name="Rectangle 47">
+                <a:extLst>
+                  <a:ext uri="{FF2B5EF4-FFF2-40B4-BE49-F238E27FC236}">
+                    <a16:creationId xmlns:a16="http://schemas.microsoft.com/office/drawing/2014/main" id="{058DC6CE-FCCE-4F68-B5EB-377CF03BBAF9}"/>
+                  </a:ext>
+                </a:extLst>
+              </p:cNvPr>
+              <p:cNvSpPr/>
+              <p:nvPr/>
+            </p:nvSpPr>
+            <p:spPr>
+              <a:xfrm>
+                <a:off x="8962773" y="1919372"/>
+                <a:ext cx="1625877" cy="1089296"/>
+              </a:xfrm>
+              <a:prstGeom prst="rect">
+                <a:avLst/>
+              </a:prstGeom>
+              <a:noFill/>
+            </p:spPr>
+            <p:style>
+              <a:lnRef idx="2">
+                <a:schemeClr val="accent1">
+                  <a:shade val="50000"/>
+                </a:schemeClr>
+              </a:lnRef>
+              <a:fillRef idx="1">
+                <a:schemeClr val="accent1"/>
+              </a:fillRef>
+              <a:effectRef idx="0">
+                <a:schemeClr val="accent1"/>
+              </a:effectRef>
+              <a:fontRef idx="minor">
+                <a:schemeClr val="lt1"/>
+              </a:fontRef>
+            </p:style>
+            <p:txBody>
+              <a:bodyPr rtlCol="0" anchor="ctr"/>
+              <a:lstStyle/>
+              <a:p>
+                <a:pPr algn="ctr"/>
+                <a:endParaRPr lang="nl-NL"/>
+              </a:p>
+            </p:txBody>
+          </p:sp>
+        </p:grpSp>
+        <p:pic>
+          <p:nvPicPr>
+            <p:cNvPr id="66" name="Picture 2" descr="https://www.docker.com/sites/default/files/Whale%20Logo332_5.png">
+              <a:extLst>
+                <a:ext uri="{FF2B5EF4-FFF2-40B4-BE49-F238E27FC236}">
+                  <a16:creationId xmlns:a16="http://schemas.microsoft.com/office/drawing/2014/main" id="{3B6B5A53-CAE6-4855-A690-B9EB94D9A936}"/>
+                </a:ext>
+              </a:extLst>
+            </p:cNvPr>
+            <p:cNvPicPr>
+              <a:picLocks noChangeAspect="1" noChangeArrowheads="1"/>
+            </p:cNvPicPr>
+            <p:nvPr/>
+          </p:nvPicPr>
+          <p:blipFill>
+            <a:blip r:embed="rId3">
+              <a:extLst>
+                <a:ext uri="{28A0092B-C50C-407E-A947-70E740481C1C}">
+                  <a14:useLocalDpi xmlns:a14="http://schemas.microsoft.com/office/drawing/2010/main" val="0"/>
+                </a:ext>
+              </a:extLst>
+            </a:blip>
+            <a:srcRect/>
+            <a:stretch>
+              <a:fillRect/>
+            </a:stretch>
+          </p:blipFill>
+          <p:spPr bwMode="auto">
+            <a:xfrm>
+              <a:off x="8826606" y="1436188"/>
+              <a:ext cx="658529" cy="492061"/>
+            </a:xfrm>
+            <a:prstGeom prst="rect">
+              <a:avLst/>
+            </a:prstGeom>
+            <a:noFill/>
+            <a:extLst>
+              <a:ext uri="{909E8E84-426E-40DD-AFC4-6F175D3DCCD1}">
+                <a14:hiddenFill xmlns:a14="http://schemas.microsoft.com/office/drawing/2010/main">
+                  <a:solidFill>
+                    <a:srgbClr val="FFFFFF"/>
+                  </a:solidFill>
+                </a14:hiddenFill>
+              </a:ext>
+            </a:extLst>
+          </p:spPr>
+        </p:pic>
+      </p:grpSp>
+      <p:grpSp>
+        <p:nvGrpSpPr>
+          <p:cNvPr id="1053" name="Group 1052">
+            <a:extLst>
+              <a:ext uri="{FF2B5EF4-FFF2-40B4-BE49-F238E27FC236}">
+                <a16:creationId xmlns:a16="http://schemas.microsoft.com/office/drawing/2014/main" id="{D2B92564-A921-45C3-96EB-C47C5CDE81CA}"/>
+              </a:ext>
+            </a:extLst>
+          </p:cNvPr>
+          <p:cNvGrpSpPr/>
+          <p:nvPr/>
+        </p:nvGrpSpPr>
+        <p:grpSpPr>
+          <a:xfrm>
+            <a:off x="9073186" y="2793223"/>
+            <a:ext cx="1762602" cy="1298065"/>
+            <a:chOff x="8826046" y="2809699"/>
+            <a:chExt cx="1762602" cy="1298065"/>
+          </a:xfrm>
+        </p:grpSpPr>
+        <p:grpSp>
+          <p:nvGrpSpPr>
+            <p:cNvPr id="1042" name="Group 1041">
+              <a:extLst>
+                <a:ext uri="{FF2B5EF4-FFF2-40B4-BE49-F238E27FC236}">
+                  <a16:creationId xmlns:a16="http://schemas.microsoft.com/office/drawing/2014/main" id="{A3B7C3CA-61AA-4000-A26F-1DB1F402C988}"/>
+                </a:ext>
+              </a:extLst>
+            </p:cNvPr>
+            <p:cNvGrpSpPr/>
+            <p:nvPr/>
+          </p:nvGrpSpPr>
+          <p:grpSpPr>
+            <a:xfrm>
+              <a:off x="8962771" y="3018468"/>
+              <a:ext cx="1625877" cy="1089296"/>
+              <a:chOff x="8962771" y="3043182"/>
+              <a:chExt cx="1625877" cy="1089296"/>
+            </a:xfrm>
+          </p:grpSpPr>
+          <p:pic>
+            <p:nvPicPr>
+              <p:cNvPr id="1032" name="Picture 8" descr="https://upload.wikimedia.org/wikipedia/commons/thumb/7/7e/Node.js_logo_2015.svg/2000px-Node.js_logo_2015.svg.png">
+                <a:extLst>
+                  <a:ext uri="{FF2B5EF4-FFF2-40B4-BE49-F238E27FC236}">
+                    <a16:creationId xmlns:a16="http://schemas.microsoft.com/office/drawing/2014/main" id="{68FF180B-A6DD-4008-914C-69D3027F4F6E}"/>
+                  </a:ext>
+                </a:extLst>
+              </p:cNvPr>
+              <p:cNvPicPr>
+                <a:picLocks noChangeAspect="1" noChangeArrowheads="1"/>
+              </p:cNvPicPr>
+              <p:nvPr/>
+            </p:nvPicPr>
+            <p:blipFill>
+              <a:blip r:embed="rId5">
+                <a:extLst>
+                  <a:ext uri="{28A0092B-C50C-407E-A947-70E740481C1C}">
+                    <a14:useLocalDpi xmlns:a14="http://schemas.microsoft.com/office/drawing/2010/main" val="0"/>
+                  </a:ext>
+                </a:extLst>
+              </a:blip>
+              <a:srcRect/>
+              <a:stretch>
+                <a:fillRect/>
+              </a:stretch>
+            </p:blipFill>
+            <p:spPr bwMode="auto">
+              <a:xfrm>
+                <a:off x="9043295" y="3332680"/>
+                <a:ext cx="1533745" cy="412593"/>
+              </a:xfrm>
+              <a:prstGeom prst="rect">
+                <a:avLst/>
+              </a:prstGeom>
+              <a:noFill/>
+              <a:extLst>
+                <a:ext uri="{909E8E84-426E-40DD-AFC4-6F175D3DCCD1}">
+                  <a14:hiddenFill xmlns:a14="http://schemas.microsoft.com/office/drawing/2010/main">
+                    <a:solidFill>
+                      <a:srgbClr val="FFFFFF"/>
+                    </a:solidFill>
+                  </a14:hiddenFill>
+                </a:ext>
+              </a:extLst>
+            </p:spPr>
+          </p:pic>
+          <p:sp>
+            <p:nvSpPr>
+              <p:cNvPr id="51" name="Rectangle 50">
+                <a:extLst>
+                  <a:ext uri="{FF2B5EF4-FFF2-40B4-BE49-F238E27FC236}">
+                    <a16:creationId xmlns:a16="http://schemas.microsoft.com/office/drawing/2014/main" id="{70252D1B-D828-4C6C-9DC1-F50AE2DFA937}"/>
+                  </a:ext>
+                </a:extLst>
+              </p:cNvPr>
+              <p:cNvSpPr/>
+              <p:nvPr/>
+            </p:nvSpPr>
+            <p:spPr>
+              <a:xfrm>
+                <a:off x="8962771" y="3043182"/>
+                <a:ext cx="1625877" cy="1089296"/>
+              </a:xfrm>
+              <a:prstGeom prst="rect">
+                <a:avLst/>
+              </a:prstGeom>
+              <a:noFill/>
+            </p:spPr>
+            <p:style>
+              <a:lnRef idx="2">
+                <a:schemeClr val="accent1">
+                  <a:shade val="50000"/>
+                </a:schemeClr>
+              </a:lnRef>
+              <a:fillRef idx="1">
+                <a:schemeClr val="accent1"/>
+              </a:fillRef>
+              <a:effectRef idx="0">
+                <a:schemeClr val="accent1"/>
+              </a:effectRef>
+              <a:fontRef idx="minor">
+                <a:schemeClr val="lt1"/>
+              </a:fontRef>
+            </p:style>
+            <p:txBody>
+              <a:bodyPr rtlCol="0" anchor="ctr"/>
+              <a:lstStyle/>
+              <a:p>
+                <a:pPr algn="ctr"/>
+                <a:endParaRPr lang="nl-NL"/>
+              </a:p>
+            </p:txBody>
+          </p:sp>
+        </p:grpSp>
+        <p:pic>
+          <p:nvPicPr>
+            <p:cNvPr id="67" name="Picture 2" descr="https://www.docker.com/sites/default/files/Whale%20Logo332_5.png">
+              <a:extLst>
+                <a:ext uri="{FF2B5EF4-FFF2-40B4-BE49-F238E27FC236}">
+                  <a16:creationId xmlns:a16="http://schemas.microsoft.com/office/drawing/2014/main" id="{4150094E-C169-4575-A0AD-3B7EE6BC0CF0}"/>
+                </a:ext>
+              </a:extLst>
+            </p:cNvPr>
+            <p:cNvPicPr>
+              <a:picLocks noChangeAspect="1" noChangeArrowheads="1"/>
+            </p:cNvPicPr>
+            <p:nvPr/>
+          </p:nvPicPr>
+          <p:blipFill>
+            <a:blip r:embed="rId3">
+              <a:extLst>
+                <a:ext uri="{28A0092B-C50C-407E-A947-70E740481C1C}">
+                  <a14:useLocalDpi xmlns:a14="http://schemas.microsoft.com/office/drawing/2010/main" val="0"/>
+                </a:ext>
+              </a:extLst>
+            </a:blip>
+            <a:srcRect/>
+            <a:stretch>
+              <a:fillRect/>
+            </a:stretch>
+          </p:blipFill>
+          <p:spPr bwMode="auto">
+            <a:xfrm>
+              <a:off x="8826046" y="2809699"/>
+              <a:ext cx="658529" cy="492061"/>
+            </a:xfrm>
+            <a:prstGeom prst="rect">
+              <a:avLst/>
+            </a:prstGeom>
+            <a:noFill/>
+            <a:extLst>
+              <a:ext uri="{909E8E84-426E-40DD-AFC4-6F175D3DCCD1}">
+                <a14:hiddenFill xmlns:a14="http://schemas.microsoft.com/office/drawing/2010/main">
+                  <a:solidFill>
+                    <a:srgbClr val="FFFFFF"/>
+                  </a:solidFill>
+                </a14:hiddenFill>
+              </a:ext>
+            </a:extLst>
+          </p:spPr>
+        </p:pic>
+      </p:grpSp>
+      <p:grpSp>
+        <p:nvGrpSpPr>
+          <p:cNvPr id="1052" name="Group 1051">
+            <a:extLst>
+              <a:ext uri="{FF2B5EF4-FFF2-40B4-BE49-F238E27FC236}">
+                <a16:creationId xmlns:a16="http://schemas.microsoft.com/office/drawing/2014/main" id="{445FF9BD-C88D-437D-AF65-CBFBCBC2F1A7}"/>
+              </a:ext>
+            </a:extLst>
+          </p:cNvPr>
+          <p:cNvGrpSpPr/>
+          <p:nvPr/>
+        </p:nvGrpSpPr>
+        <p:grpSpPr>
+          <a:xfrm>
+            <a:off x="9073746" y="4161027"/>
+            <a:ext cx="1762041" cy="1296033"/>
+            <a:chOff x="8826606" y="4161027"/>
+            <a:chExt cx="1762041" cy="1296033"/>
+          </a:xfrm>
+        </p:grpSpPr>
+        <p:grpSp>
+          <p:nvGrpSpPr>
+            <p:cNvPr id="1043" name="Group 1042">
+              <a:extLst>
+                <a:ext uri="{FF2B5EF4-FFF2-40B4-BE49-F238E27FC236}">
+                  <a16:creationId xmlns:a16="http://schemas.microsoft.com/office/drawing/2014/main" id="{78044B33-0FCD-4097-A6E9-01E1209972AD}"/>
+                </a:ext>
+              </a:extLst>
+            </p:cNvPr>
+            <p:cNvGrpSpPr/>
+            <p:nvPr/>
+          </p:nvGrpSpPr>
+          <p:grpSpPr>
+            <a:xfrm>
+              <a:off x="8962770" y="4367764"/>
+              <a:ext cx="1625877" cy="1089296"/>
+              <a:chOff x="8962770" y="4170200"/>
+              <a:chExt cx="1625877" cy="1089296"/>
+            </a:xfrm>
+          </p:grpSpPr>
+          <p:pic>
+            <p:nvPicPr>
+              <p:cNvPr id="1034" name="Picture 10" descr="Image result for php logo">
+                <a:extLst>
+                  <a:ext uri="{FF2B5EF4-FFF2-40B4-BE49-F238E27FC236}">
+                    <a16:creationId xmlns:a16="http://schemas.microsoft.com/office/drawing/2014/main" id="{899EBDCA-06DF-4213-9DC3-A7544F7AA857}"/>
+                  </a:ext>
+                </a:extLst>
+              </p:cNvPr>
+              <p:cNvPicPr>
+                <a:picLocks noChangeAspect="1" noChangeArrowheads="1"/>
+              </p:cNvPicPr>
+              <p:nvPr/>
+            </p:nvPicPr>
+            <p:blipFill>
+              <a:blip r:embed="rId6">
+                <a:extLst>
+                  <a:ext uri="{28A0092B-C50C-407E-A947-70E740481C1C}">
+                    <a14:useLocalDpi xmlns:a14="http://schemas.microsoft.com/office/drawing/2010/main" val="0"/>
+                  </a:ext>
+                </a:extLst>
+              </a:blip>
+              <a:srcRect/>
+              <a:stretch>
+                <a:fillRect/>
+              </a:stretch>
+            </p:blipFill>
+            <p:spPr bwMode="auto">
+              <a:xfrm>
+                <a:off x="9010092" y="4300737"/>
+                <a:ext cx="1533745" cy="828222"/>
+              </a:xfrm>
+              <a:prstGeom prst="rect">
+                <a:avLst/>
+              </a:prstGeom>
+              <a:noFill/>
+              <a:extLst>
+                <a:ext uri="{909E8E84-426E-40DD-AFC4-6F175D3DCCD1}">
+                  <a14:hiddenFill xmlns:a14="http://schemas.microsoft.com/office/drawing/2010/main">
+                    <a:solidFill>
+                      <a:srgbClr val="FFFFFF"/>
+                    </a:solidFill>
+                  </a14:hiddenFill>
+                </a:ext>
+              </a:extLst>
+            </p:spPr>
+          </p:pic>
+          <p:sp>
+            <p:nvSpPr>
+              <p:cNvPr id="52" name="Rectangle 51">
+                <a:extLst>
+                  <a:ext uri="{FF2B5EF4-FFF2-40B4-BE49-F238E27FC236}">
+                    <a16:creationId xmlns:a16="http://schemas.microsoft.com/office/drawing/2014/main" id="{DC7F4E87-93BF-4E2C-8101-C0B7E55FC448}"/>
+                  </a:ext>
+                </a:extLst>
+              </p:cNvPr>
+              <p:cNvSpPr/>
+              <p:nvPr/>
+            </p:nvSpPr>
+            <p:spPr>
+              <a:xfrm>
+                <a:off x="8962770" y="4170200"/>
+                <a:ext cx="1625877" cy="1089296"/>
+              </a:xfrm>
+              <a:prstGeom prst="rect">
+                <a:avLst/>
+              </a:prstGeom>
+              <a:noFill/>
+            </p:spPr>
+            <p:style>
+              <a:lnRef idx="2">
+                <a:schemeClr val="accent1">
+                  <a:shade val="50000"/>
+                </a:schemeClr>
+              </a:lnRef>
+              <a:fillRef idx="1">
+                <a:schemeClr val="accent1"/>
+              </a:fillRef>
+              <a:effectRef idx="0">
+                <a:schemeClr val="accent1"/>
+              </a:effectRef>
+              <a:fontRef idx="minor">
+                <a:schemeClr val="lt1"/>
+              </a:fontRef>
+            </p:style>
+            <p:txBody>
+              <a:bodyPr rtlCol="0" anchor="ctr"/>
+              <a:lstStyle/>
+              <a:p>
+                <a:pPr algn="ctr"/>
+                <a:endParaRPr lang="nl-NL"/>
+              </a:p>
+            </p:txBody>
+          </p:sp>
+        </p:grpSp>
+        <p:pic>
+          <p:nvPicPr>
+            <p:cNvPr id="68" name="Picture 2" descr="https://www.docker.com/sites/default/files/Whale%20Logo332_5.png">
+              <a:extLst>
+                <a:ext uri="{FF2B5EF4-FFF2-40B4-BE49-F238E27FC236}">
+                  <a16:creationId xmlns:a16="http://schemas.microsoft.com/office/drawing/2014/main" id="{58BA554F-BE4C-45F1-9474-D774688E1D6D}"/>
+                </a:ext>
+              </a:extLst>
+            </p:cNvPr>
+            <p:cNvPicPr>
+              <a:picLocks noChangeAspect="1" noChangeArrowheads="1"/>
+            </p:cNvPicPr>
+            <p:nvPr/>
+          </p:nvPicPr>
+          <p:blipFill>
+            <a:blip r:embed="rId3">
+              <a:extLst>
+                <a:ext uri="{28A0092B-C50C-407E-A947-70E740481C1C}">
+                  <a14:useLocalDpi xmlns:a14="http://schemas.microsoft.com/office/drawing/2010/main" val="0"/>
+                </a:ext>
+              </a:extLst>
+            </a:blip>
+            <a:srcRect/>
+            <a:stretch>
+              <a:fillRect/>
+            </a:stretch>
+          </p:blipFill>
+          <p:spPr bwMode="auto">
+            <a:xfrm>
+              <a:off x="8826606" y="4161027"/>
+              <a:ext cx="658529" cy="492061"/>
+            </a:xfrm>
+            <a:prstGeom prst="rect">
+              <a:avLst/>
+            </a:prstGeom>
+            <a:noFill/>
+            <a:extLst>
+              <a:ext uri="{909E8E84-426E-40DD-AFC4-6F175D3DCCD1}">
+                <a14:hiddenFill xmlns:a14="http://schemas.microsoft.com/office/drawing/2010/main">
+                  <a:solidFill>
+                    <a:srgbClr val="FFFFFF"/>
+                  </a:solidFill>
+                </a14:hiddenFill>
+              </a:ext>
+            </a:extLst>
+          </p:spPr>
+        </p:pic>
+      </p:grpSp>
+      <p:sp>
+        <p:nvSpPr>
+          <p:cNvPr id="1055" name="TextBox 1054">
+            <a:extLst>
+              <a:ext uri="{FF2B5EF4-FFF2-40B4-BE49-F238E27FC236}">
+                <a16:creationId xmlns:a16="http://schemas.microsoft.com/office/drawing/2014/main" id="{9690521A-4286-445D-80AB-47279576D376}"/>
+              </a:ext>
+            </a:extLst>
+          </p:cNvPr>
+          <p:cNvSpPr txBox="1"/>
+          <p:nvPr/>
+        </p:nvSpPr>
+        <p:spPr>
+          <a:xfrm>
+            <a:off x="4164917" y="3275909"/>
+            <a:ext cx="1447832" cy="369332"/>
+          </a:xfrm>
+          <a:prstGeom prst="rect">
+            <a:avLst/>
+          </a:prstGeom>
+          <a:noFill/>
+        </p:spPr>
+        <p:txBody>
+          <a:bodyPr wrap="none" rtlCol="0">
+            <a:spAutoFit/>
+          </a:bodyPr>
+          <a:lstStyle/>
+          <a:p>
+            <a:r>
+              <a:rPr lang="nl-NL" dirty="0"/>
+              <a:t>local.sdfg:80</a:t>
+            </a:r>
+          </a:p>
+        </p:txBody>
+      </p:sp>
+      <p:sp>
+        <p:nvSpPr>
+          <p:cNvPr id="32" name="TextBox 31">
+            <a:extLst>
+              <a:ext uri="{FF2B5EF4-FFF2-40B4-BE49-F238E27FC236}">
+                <a16:creationId xmlns:a16="http://schemas.microsoft.com/office/drawing/2014/main" id="{DF5BFE42-549C-4828-BE27-379266D859ED}"/>
+              </a:ext>
+            </a:extLst>
+          </p:cNvPr>
+          <p:cNvSpPr txBox="1"/>
+          <p:nvPr/>
+        </p:nvSpPr>
+        <p:spPr>
+          <a:xfrm rot="19516636">
+            <a:off x="7432820" y="2440365"/>
+            <a:ext cx="1709122" cy="369332"/>
+          </a:xfrm>
+          <a:prstGeom prst="rect">
+            <a:avLst/>
+          </a:prstGeom>
+          <a:noFill/>
+        </p:spPr>
+        <p:txBody>
+          <a:bodyPr wrap="none" rtlCol="0">
+            <a:spAutoFit/>
+          </a:bodyPr>
+          <a:lstStyle/>
+          <a:p>
+            <a:r>
+              <a:rPr lang="nl-NL" dirty="0"/>
+              <a:t>172.29.136.231</a:t>
+            </a:r>
+          </a:p>
+        </p:txBody>
+      </p:sp>
+      <p:sp>
+        <p:nvSpPr>
+          <p:cNvPr id="74" name="TextBox 73">
+            <a:extLst>
+              <a:ext uri="{FF2B5EF4-FFF2-40B4-BE49-F238E27FC236}">
+                <a16:creationId xmlns:a16="http://schemas.microsoft.com/office/drawing/2014/main" id="{5A3E16AE-BDA0-4EAF-9E24-E47D223411BE}"/>
+              </a:ext>
+            </a:extLst>
+          </p:cNvPr>
+          <p:cNvSpPr txBox="1"/>
+          <p:nvPr/>
+        </p:nvSpPr>
+        <p:spPr>
+          <a:xfrm rot="2143706">
+            <a:off x="7443688" y="4306668"/>
+            <a:ext cx="1709122" cy="369332"/>
+          </a:xfrm>
+          <a:prstGeom prst="rect">
+            <a:avLst/>
+          </a:prstGeom>
+          <a:noFill/>
+        </p:spPr>
+        <p:txBody>
+          <a:bodyPr wrap="none" rtlCol="0">
+            <a:spAutoFit/>
+          </a:bodyPr>
+          <a:lstStyle/>
+          <a:p>
+            <a:r>
+              <a:rPr lang="nl-NL" dirty="0"/>
+              <a:t>172.29.136.233</a:t>
+            </a:r>
+          </a:p>
+        </p:txBody>
+      </p:sp>
+      <p:sp>
+        <p:nvSpPr>
+          <p:cNvPr id="33" name="TextBox 32">
+            <a:extLst>
+              <a:ext uri="{FF2B5EF4-FFF2-40B4-BE49-F238E27FC236}">
+                <a16:creationId xmlns:a16="http://schemas.microsoft.com/office/drawing/2014/main" id="{3BE10997-CE8D-4FCB-A09F-F26F4869516F}"/>
+              </a:ext>
+            </a:extLst>
+          </p:cNvPr>
+          <p:cNvSpPr txBox="1"/>
+          <p:nvPr/>
+        </p:nvSpPr>
+        <p:spPr>
+          <a:xfrm>
+            <a:off x="7510414" y="3272718"/>
+            <a:ext cx="1709122" cy="369332"/>
+          </a:xfrm>
+          <a:prstGeom prst="rect">
+            <a:avLst/>
+          </a:prstGeom>
+          <a:noFill/>
+        </p:spPr>
+        <p:txBody>
+          <a:bodyPr wrap="none" rtlCol="0">
+            <a:spAutoFit/>
+          </a:bodyPr>
+          <a:lstStyle/>
+          <a:p>
+            <a:r>
+              <a:rPr lang="nl-NL" dirty="0"/>
+              <a:t>172.29.136.232</a:t>
+            </a:r>
+          </a:p>
+        </p:txBody>
+      </p:sp>
     </p:spTree>
     <p:extLst>
       <p:ext uri="{BB962C8B-B14F-4D97-AF65-F5344CB8AC3E}">

--- a/presentatie.pptx
+++ b/presentatie.pptx
@@ -13732,7 +13732,7 @@
           <a:p>
             <a:r>
               <a:rPr lang="nl-NL" dirty="0"/>
-              <a:t>local.sdfg:80</a:t>
+              <a:t>sdfg.local:80</a:t>
             </a:r>
           </a:p>
         </p:txBody>
@@ -13751,7 +13751,7 @@
         </p:nvSpPr>
         <p:spPr>
           <a:xfrm rot="19516636">
-            <a:off x="7432820" y="2440365"/>
+            <a:off x="7506962" y="2514507"/>
             <a:ext cx="1709122" cy="369332"/>
           </a:xfrm>
           <a:prstGeom prst="rect">
@@ -13786,7 +13786,7 @@
         </p:nvSpPr>
         <p:spPr>
           <a:xfrm rot="2143706">
-            <a:off x="7443688" y="4306668"/>
+            <a:off x="7542544" y="4034814"/>
             <a:ext cx="1709122" cy="369332"/>
           </a:xfrm>
           <a:prstGeom prst="rect">

--- a/presentatie.pptx
+++ b/presentatie.pptx
@@ -8,20 +8,22 @@
     <p:sldMasterId id="2147483777" r:id="rId4"/>
   </p:sldMasterIdLst>
   <p:notesMasterIdLst>
-    <p:notesMasterId r:id="rId16"/>
+    <p:notesMasterId r:id="rId18"/>
   </p:notesMasterIdLst>
   <p:sldIdLst>
     <p:sldId id="256" r:id="rId5"/>
     <p:sldId id="271" r:id="rId6"/>
-    <p:sldId id="272" r:id="rId7"/>
-    <p:sldId id="261" r:id="rId8"/>
-    <p:sldId id="264" r:id="rId9"/>
-    <p:sldId id="263" r:id="rId10"/>
-    <p:sldId id="262" r:id="rId11"/>
-    <p:sldId id="268" r:id="rId12"/>
-    <p:sldId id="269" r:id="rId13"/>
-    <p:sldId id="270" r:id="rId14"/>
-    <p:sldId id="265" r:id="rId15"/>
+    <p:sldId id="273" r:id="rId7"/>
+    <p:sldId id="274" r:id="rId8"/>
+    <p:sldId id="272" r:id="rId9"/>
+    <p:sldId id="261" r:id="rId10"/>
+    <p:sldId id="264" r:id="rId11"/>
+    <p:sldId id="263" r:id="rId12"/>
+    <p:sldId id="262" r:id="rId13"/>
+    <p:sldId id="268" r:id="rId14"/>
+    <p:sldId id="269" r:id="rId15"/>
+    <p:sldId id="270" r:id="rId16"/>
+    <p:sldId id="265" r:id="rId17"/>
   </p:sldIdLst>
   <p:sldSz cx="12192000" cy="6858000"/>
   <p:notesSz cx="6858000" cy="9144000"/>
@@ -139,6 +141,10 @@
 </p:presentation>
 </file>
 
+<file path=ppt/revisionInfo.xml><?xml version="1.0" encoding="utf-8"?>
+<p1510:revInfo xmlns:a="http://schemas.openxmlformats.org/drawingml/2006/main" xmlns:r="http://schemas.openxmlformats.org/officeDocument/2006/relationships" xmlns:p1510="http://schemas.microsoft.com/office/powerpoint/2015/10/main"/>
+</file>
+
 <file path=ppt/notesMasters/notesMaster1.xml><?xml version="1.0" encoding="utf-8"?>
 <p:notesMaster xmlns:a="http://schemas.openxmlformats.org/drawingml/2006/main" xmlns:r="http://schemas.openxmlformats.org/officeDocument/2006/relationships" xmlns:p="http://schemas.openxmlformats.org/presentationml/2006/main">
   <p:cSld>
@@ -379,7 +385,7 @@
           <a:p>
             <a:fld id="{83F17A60-5211-564C-AE51-C5EE6D827C53}" type="slidenum">
               <a:rPr lang="en-US" smtClean="0"/>
-              <a:t>‹#›</a:t>
+              <a:t>‹nr.›</a:t>
             </a:fld>
             <a:endParaRPr lang="en-US"/>
           </a:p>
@@ -553,7 +559,7 @@
           <a:p>
             <a:fld id="{66B52349-C4E0-4519-BB5A-69D36C66CAF5}" type="slidenum">
               <a:rPr lang="en-US" smtClean="0"/>
-              <a:t>4</a:t>
+              <a:t>6</a:t>
             </a:fld>
             <a:endParaRPr lang="en-US"/>
           </a:p>
@@ -1754,7 +1760,7 @@
             <a:fld id="{3847DB54-D037-B84F-B6F1-2E8DA40D09AD}" type="slidenum">
               <a:rPr lang="en-US" smtClean="0"/>
               <a:pPr/>
-              <a:t>‹#›</a:t>
+              <a:t>‹nr.›</a:t>
             </a:fld>
             <a:endParaRPr lang="en-US"/>
           </a:p>
@@ -1885,7 +1891,7 @@
             <a:fld id="{3847DB54-D037-B84F-B6F1-2E8DA40D09AD}" type="slidenum">
               <a:rPr lang="en-US" smtClean="0"/>
               <a:pPr/>
-              <a:t>‹#›</a:t>
+              <a:t>‹nr.›</a:t>
             </a:fld>
             <a:endParaRPr lang="en-US"/>
           </a:p>
@@ -3036,7 +3042,7 @@
             <a:fld id="{3847DB54-D037-B84F-B6F1-2E8DA40D09AD}" type="slidenum">
               <a:rPr lang="en-US" smtClean="0"/>
               <a:pPr/>
-              <a:t>‹#›</a:t>
+              <a:t>‹nr.›</a:t>
             </a:fld>
             <a:endParaRPr lang="en-US"/>
           </a:p>
@@ -3320,7 +3326,7 @@
             <a:fld id="{3847DB54-D037-B84F-B6F1-2E8DA40D09AD}" type="slidenum">
               <a:rPr lang="en-US" smtClean="0"/>
               <a:pPr/>
-              <a:t>‹#›</a:t>
+              <a:t>‹nr.›</a:t>
             </a:fld>
             <a:endParaRPr lang="en-US"/>
           </a:p>
@@ -3643,7 +3649,7 @@
             <a:fld id="{3847DB54-D037-B84F-B6F1-2E8DA40D09AD}" type="slidenum">
               <a:rPr lang="en-US" smtClean="0"/>
               <a:pPr/>
-              <a:t>‹#›</a:t>
+              <a:t>‹nr.›</a:t>
             </a:fld>
             <a:endParaRPr lang="en-US"/>
           </a:p>
@@ -3774,7 +3780,7 @@
             <a:fld id="{3847DB54-D037-B84F-B6F1-2E8DA40D09AD}" type="slidenum">
               <a:rPr lang="en-US" smtClean="0"/>
               <a:pPr/>
-              <a:t>‹#›</a:t>
+              <a:t>‹nr.›</a:t>
             </a:fld>
             <a:endParaRPr lang="en-US"/>
           </a:p>
@@ -3889,7 +3895,7 @@
             <a:fld id="{3847DB54-D037-B84F-B6F1-2E8DA40D09AD}" type="slidenum">
               <a:rPr lang="en-US" smtClean="0"/>
               <a:pPr/>
-              <a:t>‹#›</a:t>
+              <a:t>‹nr.›</a:t>
             </a:fld>
             <a:endParaRPr lang="en-US"/>
           </a:p>
@@ -4066,7 +4072,7 @@
             <a:fld id="{3847DB54-D037-B84F-B6F1-2E8DA40D09AD}" type="slidenum">
               <a:rPr lang="en-US" smtClean="0"/>
               <a:pPr/>
-              <a:t>‹#›</a:t>
+              <a:t>‹nr.›</a:t>
             </a:fld>
             <a:endParaRPr lang="en-US"/>
           </a:p>
@@ -4288,7 +4294,7 @@
             <a:fld id="{3847DB54-D037-B84F-B6F1-2E8DA40D09AD}" type="slidenum">
               <a:rPr lang="en-US" smtClean="0"/>
               <a:pPr/>
-              <a:t>‹#›</a:t>
+              <a:t>‹nr.›</a:t>
             </a:fld>
             <a:endParaRPr lang="en-US"/>
           </a:p>
@@ -4657,7 +4663,7 @@
             <a:fld id="{3847DB54-D037-B84F-B6F1-2E8DA40D09AD}" type="slidenum">
               <a:rPr lang="en-US" smtClean="0"/>
               <a:pPr/>
-              <a:t>‹#›</a:t>
+              <a:t>‹nr.›</a:t>
             </a:fld>
             <a:endParaRPr lang="en-US"/>
           </a:p>
@@ -4914,7 +4920,7 @@
             <a:fld id="{3847DB54-D037-B84F-B6F1-2E8DA40D09AD}" type="slidenum">
               <a:rPr lang="en-US" smtClean="0"/>
               <a:pPr/>
-              <a:t>‹#›</a:t>
+              <a:t>‹nr.›</a:t>
             </a:fld>
             <a:endParaRPr lang="en-US"/>
           </a:p>
@@ -5237,7 +5243,7 @@
             <a:fld id="{3847DB54-D037-B84F-B6F1-2E8DA40D09AD}" type="slidenum">
               <a:rPr lang="en-US" smtClean="0"/>
               <a:pPr/>
-              <a:t>‹#›</a:t>
+              <a:t>‹nr.›</a:t>
             </a:fld>
             <a:endParaRPr lang="en-US"/>
           </a:p>
@@ -5368,7 +5374,7 @@
             <a:fld id="{3847DB54-D037-B84F-B6F1-2E8DA40D09AD}" type="slidenum">
               <a:rPr lang="en-US" smtClean="0"/>
               <a:pPr/>
-              <a:t>‹#›</a:t>
+              <a:t>‹nr.›</a:t>
             </a:fld>
             <a:endParaRPr lang="en-US"/>
           </a:p>
@@ -5483,7 +5489,7 @@
             <a:fld id="{3847DB54-D037-B84F-B6F1-2E8DA40D09AD}" type="slidenum">
               <a:rPr lang="en-US" smtClean="0"/>
               <a:pPr/>
-              <a:t>‹#›</a:t>
+              <a:t>‹nr.›</a:t>
             </a:fld>
             <a:endParaRPr lang="en-US"/>
           </a:p>
@@ -6472,7 +6478,7 @@
             <a:fld id="{3847DB54-D037-B84F-B6F1-2E8DA40D09AD}" type="slidenum">
               <a:rPr lang="en-US" smtClean="0"/>
               <a:pPr/>
-              <a:t>‹#›</a:t>
+              <a:t>‹nr.›</a:t>
             </a:fld>
             <a:endParaRPr lang="en-US"/>
           </a:p>
@@ -6793,7 +6799,7 @@
             <a:fld id="{3847DB54-D037-B84F-B6F1-2E8DA40D09AD}" type="slidenum">
               <a:rPr lang="en-US" smtClean="0"/>
               <a:pPr/>
-              <a:t>‹#›</a:t>
+              <a:t>‹nr.›</a:t>
             </a:fld>
             <a:endParaRPr lang="en-US"/>
           </a:p>
@@ -7036,7 +7042,7 @@
             <a:fld id="{3847DB54-D037-B84F-B6F1-2E8DA40D09AD}" type="slidenum">
               <a:rPr lang="en-US" smtClean="0"/>
               <a:pPr/>
-              <a:t>‹#›</a:t>
+              <a:t>‹nr.›</a:t>
             </a:fld>
             <a:endParaRPr lang="en-US"/>
           </a:p>
@@ -8398,7 +8404,7 @@
             <a:fld id="{3847DB54-D037-B84F-B6F1-2E8DA40D09AD}" type="slidenum">
               <a:rPr lang="en-US" smtClean="0"/>
               <a:pPr/>
-              <a:t>‹#›</a:t>
+              <a:t>‹nr.›</a:t>
             </a:fld>
             <a:endParaRPr lang="en-US"/>
           </a:p>
@@ -9846,7 +9852,7 @@
             <a:fld id="{3847DB54-D037-B84F-B6F1-2E8DA40D09AD}" type="slidenum">
               <a:rPr lang="en-US" smtClean="0"/>
               <a:pPr/>
-              <a:t>‹#›</a:t>
+              <a:t>‹nr.›</a:t>
             </a:fld>
             <a:endParaRPr lang="en-US"/>
           </a:p>
@@ -12217,6 +12223,77 @@
       </p:grpSpPr>
       <p:sp>
         <p:nvSpPr>
+          <p:cNvPr id="5" name="Subtitle 4"/>
+          <p:cNvSpPr>
+            <a:spLocks noGrp="1"/>
+          </p:cNvSpPr>
+          <p:nvPr>
+            <p:ph type="subTitle" idx="1"/>
+          </p:nvPr>
+        </p:nvSpPr>
+        <p:spPr/>
+        <p:txBody>
+          <a:bodyPr/>
+          <a:lstStyle/>
+          <a:p>
+            <a:endParaRPr lang="en-GB"/>
+          </a:p>
+        </p:txBody>
+      </p:sp>
+      <p:sp>
+        <p:nvSpPr>
+          <p:cNvPr id="4" name="Title 3"/>
+          <p:cNvSpPr>
+            <a:spLocks noGrp="1"/>
+          </p:cNvSpPr>
+          <p:nvPr>
+            <p:ph type="title"/>
+          </p:nvPr>
+        </p:nvSpPr>
+        <p:spPr/>
+        <p:txBody>
+          <a:bodyPr/>
+          <a:lstStyle/>
+          <a:p>
+            <a:endParaRPr lang="en-GB"/>
+          </a:p>
+        </p:txBody>
+      </p:sp>
+    </p:spTree>
+    <p:extLst>
+      <p:ext uri="{BB962C8B-B14F-4D97-AF65-F5344CB8AC3E}">
+        <p14:creationId xmlns:p14="http://schemas.microsoft.com/office/powerpoint/2010/main" val="3823633715"/>
+      </p:ext>
+    </p:extLst>
+  </p:cSld>
+  <p:clrMapOvr>
+    <a:masterClrMapping/>
+  </p:clrMapOvr>
+  <p:transition>
+    <p:fade/>
+  </p:transition>
+</p:sld>
+</file>
+
+<file path=ppt/slides/slide11.xml><?xml version="1.0" encoding="utf-8"?>
+<p:sld xmlns:a="http://schemas.openxmlformats.org/drawingml/2006/main" xmlns:r="http://schemas.openxmlformats.org/officeDocument/2006/relationships" xmlns:p="http://schemas.openxmlformats.org/presentationml/2006/main">
+  <p:cSld>
+    <p:spTree>
+      <p:nvGrpSpPr>
+        <p:cNvPr id="1" name=""/>
+        <p:cNvGrpSpPr/>
+        <p:nvPr/>
+      </p:nvGrpSpPr>
+      <p:grpSpPr>
+        <a:xfrm>
+          <a:off x="0" y="0"/>
+          <a:ext cx="0" cy="0"/>
+          <a:chOff x="0" y="0"/>
+          <a:chExt cx="0" cy="0"/>
+        </a:xfrm>
+      </p:grpSpPr>
+      <p:sp>
+        <p:nvSpPr>
           <p:cNvPr id="2" name="Slide Number Placeholder 1"/>
           <p:cNvSpPr>
             <a:spLocks noGrp="1"/>
@@ -12233,7 +12310,102 @@
             <a:fld id="{3847DB54-D037-B84F-B6F1-2E8DA40D09AD}" type="slidenum">
               <a:rPr lang="en-US" smtClean="0"/>
               <a:pPr/>
-              <a:t>10</a:t>
+              <a:t>11</a:t>
+            </a:fld>
+            <a:endParaRPr lang="en-US"/>
+          </a:p>
+        </p:txBody>
+      </p:sp>
+      <p:sp>
+        <p:nvSpPr>
+          <p:cNvPr id="3" name="Content Placeholder 2"/>
+          <p:cNvSpPr>
+            <a:spLocks noGrp="1"/>
+          </p:cNvSpPr>
+          <p:nvPr>
+            <p:ph idx="1"/>
+          </p:nvPr>
+        </p:nvSpPr>
+        <p:spPr/>
+        <p:txBody>
+          <a:bodyPr/>
+          <a:lstStyle/>
+          <a:p>
+            <a:endParaRPr lang="en-GB"/>
+          </a:p>
+        </p:txBody>
+      </p:sp>
+      <p:sp>
+        <p:nvSpPr>
+          <p:cNvPr id="4" name="Title 3"/>
+          <p:cNvSpPr>
+            <a:spLocks noGrp="1"/>
+          </p:cNvSpPr>
+          <p:nvPr>
+            <p:ph type="title"/>
+          </p:nvPr>
+        </p:nvSpPr>
+        <p:spPr/>
+        <p:txBody>
+          <a:bodyPr/>
+          <a:lstStyle/>
+          <a:p>
+            <a:endParaRPr lang="en-GB"/>
+          </a:p>
+        </p:txBody>
+      </p:sp>
+    </p:spTree>
+    <p:extLst>
+      <p:ext uri="{BB962C8B-B14F-4D97-AF65-F5344CB8AC3E}">
+        <p14:creationId xmlns:p14="http://schemas.microsoft.com/office/powerpoint/2010/main" val="2553276665"/>
+      </p:ext>
+    </p:extLst>
+  </p:cSld>
+  <p:clrMapOvr>
+    <a:masterClrMapping/>
+  </p:clrMapOvr>
+  <p:transition>
+    <p:fade/>
+  </p:transition>
+</p:sld>
+</file>
+
+<file path=ppt/slides/slide12.xml><?xml version="1.0" encoding="utf-8"?>
+<p:sld xmlns:a="http://schemas.openxmlformats.org/drawingml/2006/main" xmlns:r="http://schemas.openxmlformats.org/officeDocument/2006/relationships" xmlns:p="http://schemas.openxmlformats.org/presentationml/2006/main">
+  <p:cSld>
+    <p:spTree>
+      <p:nvGrpSpPr>
+        <p:cNvPr id="1" name=""/>
+        <p:cNvGrpSpPr/>
+        <p:nvPr/>
+      </p:nvGrpSpPr>
+      <p:grpSpPr>
+        <a:xfrm>
+          <a:off x="0" y="0"/>
+          <a:ext cx="0" cy="0"/>
+          <a:chOff x="0" y="0"/>
+          <a:chExt cx="0" cy="0"/>
+        </a:xfrm>
+      </p:grpSpPr>
+      <p:sp>
+        <p:nvSpPr>
+          <p:cNvPr id="2" name="Slide Number Placeholder 1"/>
+          <p:cNvSpPr>
+            <a:spLocks noGrp="1"/>
+          </p:cNvSpPr>
+          <p:nvPr>
+            <p:ph type="sldNum" sz="quarter" idx="12"/>
+          </p:nvPr>
+        </p:nvSpPr>
+        <p:spPr/>
+        <p:txBody>
+          <a:bodyPr/>
+          <a:lstStyle/>
+          <a:p>
+            <a:fld id="{3847DB54-D037-B84F-B6F1-2E8DA40D09AD}" type="slidenum">
+              <a:rPr lang="en-US" smtClean="0"/>
+              <a:pPr/>
+              <a:t>12</a:t>
             </a:fld>
             <a:endParaRPr lang="en-US"/>
           </a:p>
@@ -12293,7 +12465,7 @@
 </p:sld>
 </file>
 
-<file path=ppt/slides/slide11.xml><?xml version="1.0" encoding="utf-8"?>
+<file path=ppt/slides/slide13.xml><?xml version="1.0" encoding="utf-8"?>
 <p:sld xmlns:a="http://schemas.openxmlformats.org/drawingml/2006/main" xmlns:r="http://schemas.openxmlformats.org/officeDocument/2006/relationships" xmlns:p="http://schemas.openxmlformats.org/presentationml/2006/main">
   <p:cSld>
     <p:spTree>
@@ -12627,6 +12799,240 @@
       </p:grpSpPr>
       <p:sp>
         <p:nvSpPr>
+          <p:cNvPr id="2" name="Tijdelijke aanduiding voor dianummer 1">
+            <a:extLst>
+              <a:ext uri="{FF2B5EF4-FFF2-40B4-BE49-F238E27FC236}">
+                <a16:creationId xmlns:a16="http://schemas.microsoft.com/office/drawing/2014/main" id="{44CF3062-410F-4013-9E73-FE7DED8BBD27}"/>
+              </a:ext>
+            </a:extLst>
+          </p:cNvPr>
+          <p:cNvSpPr>
+            <a:spLocks noGrp="1"/>
+          </p:cNvSpPr>
+          <p:nvPr>
+            <p:ph type="sldNum" sz="quarter" idx="12"/>
+          </p:nvPr>
+        </p:nvSpPr>
+        <p:spPr/>
+        <p:txBody>
+          <a:bodyPr/>
+          <a:lstStyle/>
+          <a:p>
+            <a:fld id="{3847DB54-D037-B84F-B6F1-2E8DA40D09AD}" type="slidenum">
+              <a:rPr lang="en-US" smtClean="0"/>
+              <a:pPr/>
+              <a:t>3</a:t>
+            </a:fld>
+            <a:endParaRPr lang="en-US"/>
+          </a:p>
+        </p:txBody>
+      </p:sp>
+      <p:sp>
+        <p:nvSpPr>
+          <p:cNvPr id="3" name="Tijdelijke aanduiding voor inhoud 2">
+            <a:extLst>
+              <a:ext uri="{FF2B5EF4-FFF2-40B4-BE49-F238E27FC236}">
+                <a16:creationId xmlns:a16="http://schemas.microsoft.com/office/drawing/2014/main" id="{8B7D9522-B756-478B-91AD-0B9011E8E6AA}"/>
+              </a:ext>
+            </a:extLst>
+          </p:cNvPr>
+          <p:cNvSpPr>
+            <a:spLocks noGrp="1"/>
+          </p:cNvSpPr>
+          <p:nvPr>
+            <p:ph idx="1"/>
+          </p:nvPr>
+        </p:nvSpPr>
+        <p:spPr/>
+        <p:txBody>
+          <a:bodyPr/>
+          <a:lstStyle/>
+          <a:p>
+            <a:endParaRPr lang="nl-NL"/>
+          </a:p>
+        </p:txBody>
+      </p:sp>
+      <p:sp>
+        <p:nvSpPr>
+          <p:cNvPr id="4" name="Titel 3">
+            <a:extLst>
+              <a:ext uri="{FF2B5EF4-FFF2-40B4-BE49-F238E27FC236}">
+                <a16:creationId xmlns:a16="http://schemas.microsoft.com/office/drawing/2014/main" id="{E89B2ECF-BC8C-43C0-8A00-0E90B5709283}"/>
+              </a:ext>
+            </a:extLst>
+          </p:cNvPr>
+          <p:cNvSpPr>
+            <a:spLocks noGrp="1"/>
+          </p:cNvSpPr>
+          <p:nvPr>
+            <p:ph type="title"/>
+          </p:nvPr>
+        </p:nvSpPr>
+        <p:spPr/>
+        <p:txBody>
+          <a:bodyPr/>
+          <a:lstStyle/>
+          <a:p>
+            <a:r>
+              <a:rPr lang="en-GB" dirty="0"/>
+              <a:t>Demo 1: Cross Platform Containers</a:t>
+            </a:r>
+            <a:endParaRPr lang="nl-NL" dirty="0"/>
+          </a:p>
+        </p:txBody>
+      </p:sp>
+    </p:spTree>
+    <p:extLst>
+      <p:ext uri="{BB962C8B-B14F-4D97-AF65-F5344CB8AC3E}">
+        <p14:creationId xmlns:p14="http://schemas.microsoft.com/office/powerpoint/2010/main" val="2028641943"/>
+      </p:ext>
+    </p:extLst>
+  </p:cSld>
+  <p:clrMapOvr>
+    <a:masterClrMapping/>
+  </p:clrMapOvr>
+  <p:transition>
+    <p:fade/>
+  </p:transition>
+</p:sld>
+</file>
+
+<file path=ppt/slides/slide4.xml><?xml version="1.0" encoding="utf-8"?>
+<p:sld xmlns:a="http://schemas.openxmlformats.org/drawingml/2006/main" xmlns:r="http://schemas.openxmlformats.org/officeDocument/2006/relationships" xmlns:p="http://schemas.openxmlformats.org/presentationml/2006/main">
+  <p:cSld>
+    <p:spTree>
+      <p:nvGrpSpPr>
+        <p:cNvPr id="1" name=""/>
+        <p:cNvGrpSpPr/>
+        <p:nvPr/>
+      </p:nvGrpSpPr>
+      <p:grpSpPr>
+        <a:xfrm>
+          <a:off x="0" y="0"/>
+          <a:ext cx="0" cy="0"/>
+          <a:chOff x="0" y="0"/>
+          <a:chExt cx="0" cy="0"/>
+        </a:xfrm>
+      </p:grpSpPr>
+      <p:sp>
+        <p:nvSpPr>
+          <p:cNvPr id="2" name="Tijdelijke aanduiding voor dianummer 1">
+            <a:extLst>
+              <a:ext uri="{FF2B5EF4-FFF2-40B4-BE49-F238E27FC236}">
+                <a16:creationId xmlns:a16="http://schemas.microsoft.com/office/drawing/2014/main" id="{341607A9-77BC-4D2C-9622-177D8E5CF492}"/>
+              </a:ext>
+            </a:extLst>
+          </p:cNvPr>
+          <p:cNvSpPr>
+            <a:spLocks noGrp="1"/>
+          </p:cNvSpPr>
+          <p:nvPr>
+            <p:ph type="sldNum" sz="quarter" idx="12"/>
+          </p:nvPr>
+        </p:nvSpPr>
+        <p:spPr/>
+        <p:txBody>
+          <a:bodyPr/>
+          <a:lstStyle/>
+          <a:p>
+            <a:fld id="{3847DB54-D037-B84F-B6F1-2E8DA40D09AD}" type="slidenum">
+              <a:rPr lang="en-US" smtClean="0"/>
+              <a:pPr/>
+              <a:t>4</a:t>
+            </a:fld>
+            <a:endParaRPr lang="en-US"/>
+          </a:p>
+        </p:txBody>
+      </p:sp>
+      <p:sp>
+        <p:nvSpPr>
+          <p:cNvPr id="3" name="Tijdelijke aanduiding voor inhoud 2">
+            <a:extLst>
+              <a:ext uri="{FF2B5EF4-FFF2-40B4-BE49-F238E27FC236}">
+                <a16:creationId xmlns:a16="http://schemas.microsoft.com/office/drawing/2014/main" id="{2EE2F493-01B3-4458-A39B-AFAF5089DD0B}"/>
+              </a:ext>
+            </a:extLst>
+          </p:cNvPr>
+          <p:cNvSpPr>
+            <a:spLocks noGrp="1"/>
+          </p:cNvSpPr>
+          <p:nvPr>
+            <p:ph idx="1"/>
+          </p:nvPr>
+        </p:nvSpPr>
+        <p:spPr/>
+        <p:txBody>
+          <a:bodyPr/>
+          <a:lstStyle/>
+          <a:p>
+            <a:endParaRPr lang="nl-NL"/>
+          </a:p>
+        </p:txBody>
+      </p:sp>
+      <p:sp>
+        <p:nvSpPr>
+          <p:cNvPr id="4" name="Titel 3">
+            <a:extLst>
+              <a:ext uri="{FF2B5EF4-FFF2-40B4-BE49-F238E27FC236}">
+                <a16:creationId xmlns:a16="http://schemas.microsoft.com/office/drawing/2014/main" id="{7500CC26-0A1B-485E-85B7-2D8577929788}"/>
+              </a:ext>
+            </a:extLst>
+          </p:cNvPr>
+          <p:cNvSpPr>
+            <a:spLocks noGrp="1"/>
+          </p:cNvSpPr>
+          <p:nvPr>
+            <p:ph type="title"/>
+          </p:nvPr>
+        </p:nvSpPr>
+        <p:spPr/>
+        <p:txBody>
+          <a:bodyPr/>
+          <a:lstStyle/>
+          <a:p>
+            <a:r>
+              <a:rPr lang="en-GB" dirty="0"/>
+              <a:t>Demo 2: Multi architecture</a:t>
+            </a:r>
+            <a:endParaRPr lang="nl-NL" dirty="0"/>
+          </a:p>
+        </p:txBody>
+      </p:sp>
+    </p:spTree>
+    <p:extLst>
+      <p:ext uri="{BB962C8B-B14F-4D97-AF65-F5344CB8AC3E}">
+        <p14:creationId xmlns:p14="http://schemas.microsoft.com/office/powerpoint/2010/main" val="4258537992"/>
+      </p:ext>
+    </p:extLst>
+  </p:cSld>
+  <p:clrMapOvr>
+    <a:masterClrMapping/>
+  </p:clrMapOvr>
+  <p:transition>
+    <p:fade/>
+  </p:transition>
+</p:sld>
+</file>
+
+<file path=ppt/slides/slide5.xml><?xml version="1.0" encoding="utf-8"?>
+<p:sld xmlns:a="http://schemas.openxmlformats.org/drawingml/2006/main" xmlns:r="http://schemas.openxmlformats.org/officeDocument/2006/relationships" xmlns:p="http://schemas.openxmlformats.org/presentationml/2006/main">
+  <p:cSld>
+    <p:spTree>
+      <p:nvGrpSpPr>
+        <p:cNvPr id="1" name=""/>
+        <p:cNvGrpSpPr/>
+        <p:nvPr/>
+      </p:nvGrpSpPr>
+      <p:grpSpPr>
+        <a:xfrm>
+          <a:off x="0" y="0"/>
+          <a:ext cx="0" cy="0"/>
+          <a:chOff x="0" y="0"/>
+          <a:chExt cx="0" cy="0"/>
+        </a:xfrm>
+      </p:grpSpPr>
+      <p:sp>
+        <p:nvSpPr>
           <p:cNvPr id="1025" name="Rectangle 1024">
             <a:extLst>
               <a:ext uri="{FF2B5EF4-FFF2-40B4-BE49-F238E27FC236}">
@@ -12639,7 +13045,7 @@
         </p:nvSpPr>
         <p:spPr>
           <a:xfrm>
-            <a:off x="5925792" y="2848726"/>
+            <a:off x="4879585" y="2848726"/>
             <a:ext cx="1383957" cy="1383957"/>
           </a:xfrm>
           <a:prstGeom prst="rect">
@@ -12686,7 +13092,7 @@
         </p:nvSpPr>
         <p:spPr>
           <a:xfrm>
-            <a:off x="5585255" y="1389063"/>
+            <a:off x="4539048" y="1389063"/>
             <a:ext cx="5645952" cy="4303283"/>
           </a:xfrm>
           <a:prstGeom prst="rect">
@@ -12790,7 +13196,7 @@
                 <a:tabLst/>
                 <a:defRPr/>
               </a:pPr>
-              <a:t>3</a:t>
+              <a:t>5</a:t>
             </a:fld>
             <a:endParaRPr kumimoji="0" lang="en-US" sz="1050" b="0" i="0" u="none" strike="noStrike" kern="1200" cap="none" spc="0" normalizeH="0" baseline="0" noProof="0">
               <a:ln>
@@ -12828,13 +13234,8 @@
           <a:p>
             <a:r>
               <a:rPr lang="en-GB" dirty="0"/>
-              <a:t>Demo </a:t>
+              <a:t>Demo 3: NGINX reverse proxy</a:t>
             </a:r>
-            <a:r>
-              <a:rPr lang="en-GB" dirty="0" err="1"/>
-              <a:t>één</a:t>
-            </a:r>
-            <a:endParaRPr lang="en-GB" dirty="0"/>
           </a:p>
         </p:txBody>
       </p:sp>
@@ -12869,7 +13270,7 @@
         </p:blipFill>
         <p:spPr bwMode="auto">
           <a:xfrm>
-            <a:off x="6183777" y="3104984"/>
+            <a:off x="5137570" y="3104984"/>
             <a:ext cx="867986" cy="867986"/>
           </a:xfrm>
           <a:prstGeom prst="rect">
@@ -12905,7 +13306,7 @@
         </p:nvCxnSpPr>
         <p:spPr>
           <a:xfrm>
-            <a:off x="7309749" y="3540705"/>
+            <a:off x="6263542" y="3540705"/>
             <a:ext cx="1900161" cy="1371707"/>
           </a:xfrm>
           <a:prstGeom prst="straightConnector1">
@@ -12948,7 +13349,7 @@
         </p:nvCxnSpPr>
         <p:spPr>
           <a:xfrm>
-            <a:off x="7309749" y="3540705"/>
+            <a:off x="6263542" y="3540705"/>
             <a:ext cx="1900162" cy="5935"/>
           </a:xfrm>
           <a:prstGeom prst="straightConnector1">
@@ -12991,7 +13392,7 @@
         </p:nvCxnSpPr>
         <p:spPr>
           <a:xfrm flipV="1">
-            <a:off x="7309749" y="2216122"/>
+            <a:off x="6263542" y="2216122"/>
             <a:ext cx="1900164" cy="1324583"/>
           </a:xfrm>
           <a:prstGeom prst="straightConnector1">
@@ -13016,52 +13417,6 @@
           </a:fontRef>
         </p:style>
       </p:cxnSp>
-      <p:sp>
-        <p:nvSpPr>
-          <p:cNvPr id="23" name="Cloud 22">
-            <a:extLst>
-              <a:ext uri="{FF2B5EF4-FFF2-40B4-BE49-F238E27FC236}">
-                <a16:creationId xmlns:a16="http://schemas.microsoft.com/office/drawing/2014/main" id="{B8EA7D2B-2969-4662-A087-D7F5B753A645}"/>
-              </a:ext>
-            </a:extLst>
-          </p:cNvPr>
-          <p:cNvSpPr/>
-          <p:nvPr/>
-        </p:nvSpPr>
-        <p:spPr>
-          <a:xfrm>
-            <a:off x="1647853" y="2737877"/>
-            <a:ext cx="2553730" cy="1602200"/>
-          </a:xfrm>
-          <a:prstGeom prst="cloud">
-            <a:avLst/>
-          </a:prstGeom>
-        </p:spPr>
-        <p:style>
-          <a:lnRef idx="2">
-            <a:schemeClr val="accent1">
-              <a:shade val="50000"/>
-            </a:schemeClr>
-          </a:lnRef>
-          <a:fillRef idx="1">
-            <a:schemeClr val="accent1"/>
-          </a:fillRef>
-          <a:effectRef idx="0">
-            <a:schemeClr val="accent1"/>
-          </a:effectRef>
-          <a:fontRef idx="minor">
-            <a:schemeClr val="lt1"/>
-          </a:fontRef>
-        </p:style>
-        <p:txBody>
-          <a:bodyPr rtlCol="0" anchor="ctr"/>
-          <a:lstStyle/>
-          <a:p>
-            <a:pPr algn="ctr"/>
-            <a:endParaRPr lang="nl-NL"/>
-          </a:p>
-        </p:txBody>
-      </p:sp>
       <p:cxnSp>
         <p:nvCxnSpPr>
           <p:cNvPr id="25" name="Straight Arrow Connector 24">
@@ -13073,15 +13428,15 @@
           </p:cNvPr>
           <p:cNvCxnSpPr>
             <a:cxnSpLocks/>
-            <a:stCxn id="23" idx="0"/>
+            <a:stCxn id="34" idx="0"/>
             <a:endCxn id="1025" idx="1"/>
           </p:cNvCxnSpPr>
           <p:nvPr/>
         </p:nvCxnSpPr>
         <p:spPr>
           <a:xfrm>
-            <a:off x="4199455" y="3538977"/>
-            <a:ext cx="1726337" cy="1728"/>
+            <a:off x="2893996" y="3540705"/>
+            <a:ext cx="1985589" cy="0"/>
           </a:xfrm>
           <a:prstGeom prst="straightConnector1">
             <a:avLst/>
@@ -13135,7 +13490,7 @@
         </p:blipFill>
         <p:spPr bwMode="auto">
           <a:xfrm>
-            <a:off x="5744848" y="2628942"/>
+            <a:off x="4698641" y="2628942"/>
             <a:ext cx="658529" cy="492061"/>
           </a:xfrm>
           <a:prstGeom prst="rect">
@@ -13167,7 +13522,7 @@
         </p:nvGrpSpPr>
         <p:grpSpPr>
           <a:xfrm>
-            <a:off x="9073746" y="1436188"/>
+            <a:off x="8027539" y="1436188"/>
             <a:ext cx="1762044" cy="1324582"/>
             <a:chOff x="8826606" y="1436188"/>
             <a:chExt cx="1762044" cy="1324582"/>
@@ -13350,7 +13705,7 @@
         </p:nvGrpSpPr>
         <p:grpSpPr>
           <a:xfrm>
-            <a:off x="9073186" y="2793223"/>
+            <a:off x="8026979" y="2793223"/>
             <a:ext cx="1762602" cy="1298065"/>
             <a:chOff x="8826046" y="2809699"/>
             <a:chExt cx="1762602" cy="1298065"/>
@@ -13533,7 +13888,7 @@
         </p:nvGrpSpPr>
         <p:grpSpPr>
           <a:xfrm>
-            <a:off x="9073746" y="4161027"/>
+            <a:off x="8027539" y="4161027"/>
             <a:ext cx="1762041" cy="1296033"/>
             <a:chOff x="8826606" y="4161027"/>
             <a:chExt cx="1762041" cy="1296033"/>
@@ -13716,7 +14071,7 @@
         </p:nvSpPr>
         <p:spPr>
           <a:xfrm>
-            <a:off x="4164917" y="3275909"/>
+            <a:off x="2969112" y="3209444"/>
             <a:ext cx="1447832" cy="369332"/>
           </a:xfrm>
           <a:prstGeom prst="rect">
@@ -13751,7 +14106,7 @@
         </p:nvSpPr>
         <p:spPr>
           <a:xfrm rot="19516636">
-            <a:off x="7506962" y="2514507"/>
+            <a:off x="6519952" y="2397317"/>
             <a:ext cx="1709122" cy="369332"/>
           </a:xfrm>
           <a:prstGeom prst="rect">
@@ -13786,7 +14141,7 @@
         </p:nvSpPr>
         <p:spPr>
           <a:xfrm rot="2143706">
-            <a:off x="7542544" y="4034814"/>
+            <a:off x="6504764" y="3976360"/>
             <a:ext cx="1709122" cy="369332"/>
           </a:xfrm>
           <a:prstGeom prst="rect">
@@ -13821,7 +14176,7 @@
         </p:nvSpPr>
         <p:spPr>
           <a:xfrm>
-            <a:off x="7510414" y="3272718"/>
+            <a:off x="6457207" y="3222153"/>
             <a:ext cx="1709122" cy="369332"/>
           </a:xfrm>
           <a:prstGeom prst="rect">
@@ -13839,6 +14194,52 @@
               <a:rPr lang="nl-NL" dirty="0"/>
               <a:t>172.29.136.232</a:t>
             </a:r>
+          </a:p>
+        </p:txBody>
+      </p:sp>
+      <p:sp>
+        <p:nvSpPr>
+          <p:cNvPr id="34" name="Cloud 22">
+            <a:extLst>
+              <a:ext uri="{FF2B5EF4-FFF2-40B4-BE49-F238E27FC236}">
+                <a16:creationId xmlns:a16="http://schemas.microsoft.com/office/drawing/2014/main" id="{A3776D4E-D73D-4EF8-A8B2-1FB4E37E87C8}"/>
+              </a:ext>
+            </a:extLst>
+          </p:cNvPr>
+          <p:cNvSpPr/>
+          <p:nvPr/>
+        </p:nvSpPr>
+        <p:spPr>
+          <a:xfrm>
+            <a:off x="1377928" y="3065933"/>
+            <a:ext cx="1517332" cy="949544"/>
+          </a:xfrm>
+          <a:prstGeom prst="cloud">
+            <a:avLst/>
+          </a:prstGeom>
+        </p:spPr>
+        <p:style>
+          <a:lnRef idx="2">
+            <a:schemeClr val="accent1">
+              <a:shade val="50000"/>
+            </a:schemeClr>
+          </a:lnRef>
+          <a:fillRef idx="1">
+            <a:schemeClr val="accent1"/>
+          </a:fillRef>
+          <a:effectRef idx="0">
+            <a:schemeClr val="accent1"/>
+          </a:effectRef>
+          <a:fontRef idx="minor">
+            <a:schemeClr val="lt1"/>
+          </a:fontRef>
+        </p:style>
+        <p:txBody>
+          <a:bodyPr rtlCol="0" anchor="ctr"/>
+          <a:lstStyle/>
+          <a:p>
+            <a:pPr algn="ctr"/>
+            <a:endParaRPr lang="nl-NL"/>
           </a:p>
         </p:txBody>
       </p:sp>
@@ -13858,7 +14259,7 @@
 </p:sld>
 </file>
 
-<file path=ppt/slides/slide4.xml><?xml version="1.0" encoding="utf-8"?>
+<file path=ppt/slides/slide6.xml><?xml version="1.0" encoding="utf-8"?>
 <p:sld xmlns:a="http://schemas.openxmlformats.org/drawingml/2006/main" xmlns:r="http://schemas.openxmlformats.org/officeDocument/2006/relationships" xmlns:p="http://schemas.openxmlformats.org/presentationml/2006/main">
   <p:cSld>
     <p:spTree>
@@ -14070,7 +14471,7 @@
 </p:sld>
 </file>
 
-<file path=ppt/slides/slide5.xml><?xml version="1.0" encoding="utf-8"?>
+<file path=ppt/slides/slide7.xml><?xml version="1.0" encoding="utf-8"?>
 <p:sld xmlns:a="http://schemas.openxmlformats.org/drawingml/2006/main" xmlns:r="http://schemas.openxmlformats.org/officeDocument/2006/relationships" xmlns:p="http://schemas.openxmlformats.org/presentationml/2006/main">
   <p:cSld>
     <p:spTree>
@@ -14105,7 +14506,7 @@
             <a:fld id="{04C8A47B-212F-478E-912B-7F15ABA20E0B}" type="slidenum">
               <a:rPr lang="en-US" smtClean="0"/>
               <a:pPr/>
-              <a:t>5</a:t>
+              <a:t>7</a:t>
             </a:fld>
             <a:endParaRPr lang="en-US" dirty="0"/>
           </a:p>
@@ -15495,7 +15896,7 @@
 </p:sld>
 </file>
 
-<file path=ppt/slides/slide6.xml><?xml version="1.0" encoding="utf-8"?>
+<file path=ppt/slides/slide8.xml><?xml version="1.0" encoding="utf-8"?>
 <p:sld xmlns:a="http://schemas.openxmlformats.org/drawingml/2006/main" xmlns:r="http://schemas.openxmlformats.org/officeDocument/2006/relationships" xmlns:p="http://schemas.openxmlformats.org/presentationml/2006/main">
   <p:cSld>
     <p:spTree>
@@ -15530,7 +15931,7 @@
             <a:fld id="{04C8A47B-212F-478E-912B-7F15ABA20E0B}" type="slidenum">
               <a:rPr lang="en-US" smtClean="0"/>
               <a:pPr/>
-              <a:t>6</a:t>
+              <a:t>8</a:t>
             </a:fld>
             <a:endParaRPr lang="en-US" dirty="0"/>
           </a:p>
@@ -16903,7 +17304,7 @@
 </p:sld>
 </file>
 
-<file path=ppt/slides/slide7.xml><?xml version="1.0" encoding="utf-8"?>
+<file path=ppt/slides/slide9.xml><?xml version="1.0" encoding="utf-8"?>
 <p:sld xmlns:a="http://schemas.openxmlformats.org/drawingml/2006/main" xmlns:r="http://schemas.openxmlformats.org/officeDocument/2006/relationships" xmlns:p="http://schemas.openxmlformats.org/presentationml/2006/main">
   <p:cSld>
     <p:spTree>
@@ -16938,7 +17339,7 @@
             <a:fld id="{04C8A47B-212F-478E-912B-7F15ABA20E0B}" type="slidenum">
               <a:rPr lang="en-US" smtClean="0"/>
               <a:pPr/>
-              <a:t>7</a:t>
+              <a:t>9</a:t>
             </a:fld>
             <a:endParaRPr lang="en-US" dirty="0"/>
           </a:p>
@@ -18339,172 +18740,6 @@
 </p:sld>
 </file>
 
-<file path=ppt/slides/slide8.xml><?xml version="1.0" encoding="utf-8"?>
-<p:sld xmlns:a="http://schemas.openxmlformats.org/drawingml/2006/main" xmlns:r="http://schemas.openxmlformats.org/officeDocument/2006/relationships" xmlns:p="http://schemas.openxmlformats.org/presentationml/2006/main">
-  <p:cSld>
-    <p:spTree>
-      <p:nvGrpSpPr>
-        <p:cNvPr id="1" name=""/>
-        <p:cNvGrpSpPr/>
-        <p:nvPr/>
-      </p:nvGrpSpPr>
-      <p:grpSpPr>
-        <a:xfrm>
-          <a:off x="0" y="0"/>
-          <a:ext cx="0" cy="0"/>
-          <a:chOff x="0" y="0"/>
-          <a:chExt cx="0" cy="0"/>
-        </a:xfrm>
-      </p:grpSpPr>
-      <p:sp>
-        <p:nvSpPr>
-          <p:cNvPr id="5" name="Subtitle 4"/>
-          <p:cNvSpPr>
-            <a:spLocks noGrp="1"/>
-          </p:cNvSpPr>
-          <p:nvPr>
-            <p:ph type="subTitle" idx="1"/>
-          </p:nvPr>
-        </p:nvSpPr>
-        <p:spPr/>
-        <p:txBody>
-          <a:bodyPr/>
-          <a:lstStyle/>
-          <a:p>
-            <a:endParaRPr lang="en-GB"/>
-          </a:p>
-        </p:txBody>
-      </p:sp>
-      <p:sp>
-        <p:nvSpPr>
-          <p:cNvPr id="4" name="Title 3"/>
-          <p:cNvSpPr>
-            <a:spLocks noGrp="1"/>
-          </p:cNvSpPr>
-          <p:nvPr>
-            <p:ph type="title"/>
-          </p:nvPr>
-        </p:nvSpPr>
-        <p:spPr/>
-        <p:txBody>
-          <a:bodyPr/>
-          <a:lstStyle/>
-          <a:p>
-            <a:endParaRPr lang="en-GB"/>
-          </a:p>
-        </p:txBody>
-      </p:sp>
-    </p:spTree>
-    <p:extLst>
-      <p:ext uri="{BB962C8B-B14F-4D97-AF65-F5344CB8AC3E}">
-        <p14:creationId xmlns:p14="http://schemas.microsoft.com/office/powerpoint/2010/main" val="3823633715"/>
-      </p:ext>
-    </p:extLst>
-  </p:cSld>
-  <p:clrMapOvr>
-    <a:masterClrMapping/>
-  </p:clrMapOvr>
-  <p:transition>
-    <p:fade/>
-  </p:transition>
-</p:sld>
-</file>
-
-<file path=ppt/slides/slide9.xml><?xml version="1.0" encoding="utf-8"?>
-<p:sld xmlns:a="http://schemas.openxmlformats.org/drawingml/2006/main" xmlns:r="http://schemas.openxmlformats.org/officeDocument/2006/relationships" xmlns:p="http://schemas.openxmlformats.org/presentationml/2006/main">
-  <p:cSld>
-    <p:spTree>
-      <p:nvGrpSpPr>
-        <p:cNvPr id="1" name=""/>
-        <p:cNvGrpSpPr/>
-        <p:nvPr/>
-      </p:nvGrpSpPr>
-      <p:grpSpPr>
-        <a:xfrm>
-          <a:off x="0" y="0"/>
-          <a:ext cx="0" cy="0"/>
-          <a:chOff x="0" y="0"/>
-          <a:chExt cx="0" cy="0"/>
-        </a:xfrm>
-      </p:grpSpPr>
-      <p:sp>
-        <p:nvSpPr>
-          <p:cNvPr id="2" name="Slide Number Placeholder 1"/>
-          <p:cNvSpPr>
-            <a:spLocks noGrp="1"/>
-          </p:cNvSpPr>
-          <p:nvPr>
-            <p:ph type="sldNum" sz="quarter" idx="12"/>
-          </p:nvPr>
-        </p:nvSpPr>
-        <p:spPr/>
-        <p:txBody>
-          <a:bodyPr/>
-          <a:lstStyle/>
-          <a:p>
-            <a:fld id="{3847DB54-D037-B84F-B6F1-2E8DA40D09AD}" type="slidenum">
-              <a:rPr lang="en-US" smtClean="0"/>
-              <a:pPr/>
-              <a:t>9</a:t>
-            </a:fld>
-            <a:endParaRPr lang="en-US"/>
-          </a:p>
-        </p:txBody>
-      </p:sp>
-      <p:sp>
-        <p:nvSpPr>
-          <p:cNvPr id="3" name="Content Placeholder 2"/>
-          <p:cNvSpPr>
-            <a:spLocks noGrp="1"/>
-          </p:cNvSpPr>
-          <p:nvPr>
-            <p:ph idx="1"/>
-          </p:nvPr>
-        </p:nvSpPr>
-        <p:spPr/>
-        <p:txBody>
-          <a:bodyPr/>
-          <a:lstStyle/>
-          <a:p>
-            <a:endParaRPr lang="en-GB"/>
-          </a:p>
-        </p:txBody>
-      </p:sp>
-      <p:sp>
-        <p:nvSpPr>
-          <p:cNvPr id="4" name="Title 3"/>
-          <p:cNvSpPr>
-            <a:spLocks noGrp="1"/>
-          </p:cNvSpPr>
-          <p:nvPr>
-            <p:ph type="title"/>
-          </p:nvPr>
-        </p:nvSpPr>
-        <p:spPr/>
-        <p:txBody>
-          <a:bodyPr/>
-          <a:lstStyle/>
-          <a:p>
-            <a:endParaRPr lang="en-GB"/>
-          </a:p>
-        </p:txBody>
-      </p:sp>
-    </p:spTree>
-    <p:extLst>
-      <p:ext uri="{BB962C8B-B14F-4D97-AF65-F5344CB8AC3E}">
-        <p14:creationId xmlns:p14="http://schemas.microsoft.com/office/powerpoint/2010/main" val="2553276665"/>
-      </p:ext>
-    </p:extLst>
-  </p:cSld>
-  <p:clrMapOvr>
-    <a:masterClrMapping/>
-  </p:clrMapOvr>
-  <p:transition>
-    <p:fade/>
-  </p:transition>
-</p:sld>
-</file>
-
 <file path=ppt/theme/theme1.xml><?xml version="1.0" encoding="utf-8"?>
 <a:theme xmlns:a="http://schemas.openxmlformats.org/drawingml/2006/main" name="Highly Confidential">
   <a:themeElements>

--- a/presentatie.pptx
+++ b/presentatie.pptx
@@ -8,22 +8,19 @@
     <p:sldMasterId id="2147483777" r:id="rId4"/>
   </p:sldMasterIdLst>
   <p:notesMasterIdLst>
-    <p:notesMasterId r:id="rId18"/>
+    <p:notesMasterId r:id="rId15"/>
   </p:notesMasterIdLst>
   <p:sldIdLst>
     <p:sldId id="256" r:id="rId5"/>
-    <p:sldId id="271" r:id="rId6"/>
-    <p:sldId id="273" r:id="rId7"/>
-    <p:sldId id="274" r:id="rId8"/>
+    <p:sldId id="279" r:id="rId6"/>
+    <p:sldId id="271" r:id="rId7"/>
+    <p:sldId id="273" r:id="rId8"/>
     <p:sldId id="272" r:id="rId9"/>
-    <p:sldId id="261" r:id="rId10"/>
-    <p:sldId id="264" r:id="rId11"/>
-    <p:sldId id="263" r:id="rId12"/>
-    <p:sldId id="262" r:id="rId13"/>
-    <p:sldId id="268" r:id="rId14"/>
-    <p:sldId id="269" r:id="rId15"/>
-    <p:sldId id="270" r:id="rId16"/>
-    <p:sldId id="265" r:id="rId17"/>
+    <p:sldId id="278" r:id="rId10"/>
+    <p:sldId id="276" r:id="rId11"/>
+    <p:sldId id="275" r:id="rId12"/>
+    <p:sldId id="268" r:id="rId13"/>
+    <p:sldId id="277" r:id="rId14"/>
   </p:sldIdLst>
   <p:sldSz cx="12192000" cy="6858000"/>
   <p:notesSz cx="6858000" cy="9144000"/>
@@ -227,7 +224,7 @@
           <a:p>
             <a:fld id="{1A323134-CEB1-9C43-B6DE-74B10BFB1C0A}" type="datetimeFigureOut">
               <a:rPr lang="en-US" smtClean="0"/>
-              <a:t>6/25/2017</a:t>
+              <a:t>6/28/2017</a:t>
             </a:fld>
             <a:endParaRPr lang="en-US"/>
           </a:p>
@@ -494,90 +491,6 @@
 </p:notesMaster>
 </file>
 
-<file path=ppt/notesSlides/notesSlide1.xml><?xml version="1.0" encoding="utf-8"?>
-<p:notes xmlns:a="http://schemas.openxmlformats.org/drawingml/2006/main" xmlns:r="http://schemas.openxmlformats.org/officeDocument/2006/relationships" xmlns:p="http://schemas.openxmlformats.org/presentationml/2006/main">
-  <p:cSld>
-    <p:spTree>
-      <p:nvGrpSpPr>
-        <p:cNvPr id="1" name=""/>
-        <p:cNvGrpSpPr/>
-        <p:nvPr/>
-      </p:nvGrpSpPr>
-      <p:grpSpPr>
-        <a:xfrm>
-          <a:off x="0" y="0"/>
-          <a:ext cx="0" cy="0"/>
-          <a:chOff x="0" y="0"/>
-          <a:chExt cx="0" cy="0"/>
-        </a:xfrm>
-      </p:grpSpPr>
-      <p:sp>
-        <p:nvSpPr>
-          <p:cNvPr id="2" name="Slide Image Placeholder 1"/>
-          <p:cNvSpPr>
-            <a:spLocks noGrp="1" noRot="1" noChangeAspect="1"/>
-          </p:cNvSpPr>
-          <p:nvPr>
-            <p:ph type="sldImg"/>
-          </p:nvPr>
-        </p:nvSpPr>
-        <p:spPr/>
-      </p:sp>
-      <p:sp>
-        <p:nvSpPr>
-          <p:cNvPr id="3" name="Notes Placeholder 2"/>
-          <p:cNvSpPr>
-            <a:spLocks noGrp="1"/>
-          </p:cNvSpPr>
-          <p:nvPr>
-            <p:ph type="body" idx="1"/>
-          </p:nvPr>
-        </p:nvSpPr>
-        <p:spPr/>
-        <p:txBody>
-          <a:bodyPr/>
-          <a:lstStyle/>
-          <a:p>
-            <a:endParaRPr lang="en-US" dirty="0"/>
-          </a:p>
-        </p:txBody>
-      </p:sp>
-      <p:sp>
-        <p:nvSpPr>
-          <p:cNvPr id="4" name="Slide Number Placeholder 3"/>
-          <p:cNvSpPr>
-            <a:spLocks noGrp="1"/>
-          </p:cNvSpPr>
-          <p:nvPr>
-            <p:ph type="sldNum" sz="quarter" idx="10"/>
-          </p:nvPr>
-        </p:nvSpPr>
-        <p:spPr/>
-        <p:txBody>
-          <a:bodyPr/>
-          <a:lstStyle/>
-          <a:p>
-            <a:fld id="{66B52349-C4E0-4519-BB5A-69D36C66CAF5}" type="slidenum">
-              <a:rPr lang="en-US" smtClean="0"/>
-              <a:t>6</a:t>
-            </a:fld>
-            <a:endParaRPr lang="en-US"/>
-          </a:p>
-        </p:txBody>
-      </p:sp>
-    </p:spTree>
-    <p:extLst>
-      <p:ext uri="{BB962C8B-B14F-4D97-AF65-F5344CB8AC3E}">
-        <p14:creationId xmlns:p14="http://schemas.microsoft.com/office/powerpoint/2010/main" val="2174514584"/>
-      </p:ext>
-    </p:extLst>
-  </p:cSld>
-  <p:clrMapOvr>
-    <a:masterClrMapping/>
-  </p:clrMapOvr>
-</p:notes>
-</file>
-
 <file path=ppt/slideLayouts/slideLayout1.xml><?xml version="1.0" encoding="utf-8"?>
 <p:sldLayout xmlns:a="http://schemas.openxmlformats.org/drawingml/2006/main" xmlns:r="http://schemas.openxmlformats.org/officeDocument/2006/relationships" xmlns:p="http://schemas.openxmlformats.org/presentationml/2006/main" showMasterSp="0" preserve="1" userDrawn="1">
   <p:cSld name="2_Aurora - Divider slide">
@@ -12223,25 +12136,6 @@
       </p:grpSpPr>
       <p:sp>
         <p:nvSpPr>
-          <p:cNvPr id="5" name="Subtitle 4"/>
-          <p:cNvSpPr>
-            <a:spLocks noGrp="1"/>
-          </p:cNvSpPr>
-          <p:nvPr>
-            <p:ph type="subTitle" idx="1"/>
-          </p:nvPr>
-        </p:nvSpPr>
-        <p:spPr/>
-        <p:txBody>
-          <a:bodyPr/>
-          <a:lstStyle/>
-          <a:p>
-            <a:endParaRPr lang="en-GB"/>
-          </a:p>
-        </p:txBody>
-      </p:sp>
-      <p:sp>
-        <p:nvSpPr>
           <p:cNvPr id="4" name="Title 3"/>
           <p:cNvSpPr>
             <a:spLocks noGrp="1"/>
@@ -12250,19 +12144,55 @@
             <p:ph type="title"/>
           </p:nvPr>
         </p:nvSpPr>
-        <p:spPr/>
-        <p:txBody>
-          <a:bodyPr/>
+        <p:spPr>
+          <a:xfrm>
+            <a:off x="2557849" y="2984157"/>
+            <a:ext cx="7076303" cy="889686"/>
+          </a:xfrm>
+        </p:spPr>
+        <p:txBody>
+          <a:bodyPr anchor="ctr"/>
           <a:lstStyle/>
           <a:p>
-            <a:endParaRPr lang="en-GB"/>
+            <a:r>
+              <a:rPr lang="en-GB" dirty="0" err="1"/>
+              <a:t>Tijd</a:t>
+            </a:r>
+            <a:r>
+              <a:rPr lang="en-GB" dirty="0"/>
+              <a:t> </a:t>
+            </a:r>
+            <a:r>
+              <a:rPr lang="en-GB" dirty="0" err="1"/>
+              <a:t>voor</a:t>
+            </a:r>
+            <a:r>
+              <a:rPr lang="en-GB" dirty="0"/>
+              <a:t> </a:t>
+            </a:r>
+            <a:r>
+              <a:rPr lang="en-GB" dirty="0" err="1"/>
+              <a:t>vragen</a:t>
+            </a:r>
+            <a:r>
+              <a:rPr lang="en-GB" dirty="0"/>
+              <a:t> / </a:t>
+            </a:r>
+            <a:r>
+              <a:rPr lang="en-GB" dirty="0" err="1"/>
+              <a:t>discussie</a:t>
+            </a:r>
+            <a:r>
+              <a:rPr lang="en-GB" dirty="0"/>
+              <a:t>!</a:t>
+            </a:r>
           </a:p>
         </p:txBody>
       </p:sp>
     </p:spTree>
     <p:extLst>
       <p:ext uri="{BB962C8B-B14F-4D97-AF65-F5344CB8AC3E}">
-        <p14:creationId xmlns:p14="http://schemas.microsoft.com/office/powerpoint/2010/main" val="3823633715"/>
+        <p14:creationId xmlns:p14="http://schemas.microsoft.com/office/powerpoint/2010/main" val="2232052767"/>
       </p:ext>
     </p:extLst>
   </p:cSld>
@@ -12275,7 +12205,7 @@
 </p:sld>
 </file>
 
-<file path=ppt/slides/slide11.xml><?xml version="1.0" encoding="utf-8"?>
+<file path=ppt/slides/slide2.xml><?xml version="1.0" encoding="utf-8"?>
 <p:sld xmlns:a="http://schemas.openxmlformats.org/drawingml/2006/main" xmlns:r="http://schemas.openxmlformats.org/officeDocument/2006/relationships" xmlns:p="http://schemas.openxmlformats.org/presentationml/2006/main">
   <p:cSld>
     <p:spTree>
@@ -12294,12 +12224,18 @@
       </p:grpSpPr>
       <p:sp>
         <p:nvSpPr>
-          <p:cNvPr id="2" name="Slide Number Placeholder 1"/>
+          <p:cNvPr id="2" name="Ondertitel 1">
+            <a:extLst>
+              <a:ext uri="{FF2B5EF4-FFF2-40B4-BE49-F238E27FC236}">
+                <a16:creationId xmlns:a16="http://schemas.microsoft.com/office/drawing/2014/main" id="{880FDD70-C419-45EE-89D6-750A489948FE}"/>
+              </a:ext>
+            </a:extLst>
+          </p:cNvPr>
           <p:cNvSpPr>
             <a:spLocks noGrp="1"/>
           </p:cNvSpPr>
           <p:nvPr>
-            <p:ph type="sldNum" sz="quarter" idx="12"/>
+            <p:ph type="subTitle" idx="1"/>
           </p:nvPr>
         </p:nvSpPr>
         <p:spPr/>
@@ -12307,37 +12243,23 @@
           <a:bodyPr/>
           <a:lstStyle/>
           <a:p>
-            <a:fld id="{3847DB54-D037-B84F-B6F1-2E8DA40D09AD}" type="slidenum">
-              <a:rPr lang="en-US" smtClean="0"/>
-              <a:pPr/>
-              <a:t>11</a:t>
-            </a:fld>
-            <a:endParaRPr lang="en-US"/>
-          </a:p>
-        </p:txBody>
-      </p:sp>
-      <p:sp>
-        <p:nvSpPr>
-          <p:cNvPr id="3" name="Content Placeholder 2"/>
-          <p:cNvSpPr>
-            <a:spLocks noGrp="1"/>
-          </p:cNvSpPr>
-          <p:nvPr>
-            <p:ph idx="1"/>
-          </p:nvPr>
-        </p:nvSpPr>
-        <p:spPr/>
-        <p:txBody>
-          <a:bodyPr/>
-          <a:lstStyle/>
-          <a:p>
-            <a:endParaRPr lang="en-GB"/>
-          </a:p>
-        </p:txBody>
-      </p:sp>
-      <p:sp>
-        <p:nvSpPr>
-          <p:cNvPr id="4" name="Title 3"/>
+            <a:r>
+              <a:rPr lang="en-GB" dirty="0"/>
+              <a:t>Erwin van Drongelen &amp; André Geuze</a:t>
+            </a:r>
+            <a:endParaRPr lang="nl-NL" dirty="0"/>
+          </a:p>
+        </p:txBody>
+      </p:sp>
+      <p:sp>
+        <p:nvSpPr>
+          <p:cNvPr id="3" name="Titel 2">
+            <a:extLst>
+              <a:ext uri="{FF2B5EF4-FFF2-40B4-BE49-F238E27FC236}">
+                <a16:creationId xmlns:a16="http://schemas.microsoft.com/office/drawing/2014/main" id="{59D9C949-1865-40B5-92B3-27A0F73E722A}"/>
+              </a:ext>
+            </a:extLst>
+          </p:cNvPr>
           <p:cNvSpPr>
             <a:spLocks noGrp="1"/>
           </p:cNvSpPr>
@@ -12345,19 +12267,55 @@
             <p:ph type="title"/>
           </p:nvPr>
         </p:nvSpPr>
-        <p:spPr/>
+        <p:spPr>
+          <a:xfrm>
+            <a:off x="1074875" y="2743200"/>
+            <a:ext cx="10533409" cy="1330036"/>
+          </a:xfrm>
+        </p:spPr>
         <p:txBody>
           <a:bodyPr/>
           <a:lstStyle/>
           <a:p>
-            <a:endParaRPr lang="en-GB"/>
+            <a:r>
+              <a:rPr lang="en-GB" dirty="0"/>
+              <a:t>Van </a:t>
+            </a:r>
+            <a:r>
+              <a:rPr lang="en-GB" dirty="0" err="1"/>
+              <a:t>ontwikkel</a:t>
+            </a:r>
+            <a:r>
+              <a:rPr lang="en-GB" dirty="0"/>
+              <a:t> </a:t>
+            </a:r>
+            <a:r>
+              <a:rPr lang="en-GB" dirty="0" err="1"/>
+              <a:t>naar</a:t>
+            </a:r>
+            <a:r>
+              <a:rPr lang="en-GB" dirty="0"/>
+              <a:t> </a:t>
+            </a:r>
+            <a:r>
+              <a:rPr lang="en-GB" dirty="0" err="1"/>
+              <a:t>productie</a:t>
+            </a:r>
+            <a:br>
+              <a:rPr lang="en-GB" dirty="0"/>
+            </a:br>
+            <a:r>
+              <a:rPr lang="en-GB" dirty="0"/>
+              <a:t>met Docker Compose</a:t>
+            </a:r>
+            <a:endParaRPr lang="nl-NL" dirty="0"/>
           </a:p>
         </p:txBody>
       </p:sp>
     </p:spTree>
     <p:extLst>
       <p:ext uri="{BB962C8B-B14F-4D97-AF65-F5344CB8AC3E}">
-        <p14:creationId xmlns:p14="http://schemas.microsoft.com/office/powerpoint/2010/main" val="2553276665"/>
+        <p14:creationId xmlns:p14="http://schemas.microsoft.com/office/powerpoint/2010/main" val="122923646"/>
       </p:ext>
     </p:extLst>
   </p:cSld>
@@ -12370,135 +12328,7 @@
 </p:sld>
 </file>
 
-<file path=ppt/slides/slide12.xml><?xml version="1.0" encoding="utf-8"?>
-<p:sld xmlns:a="http://schemas.openxmlformats.org/drawingml/2006/main" xmlns:r="http://schemas.openxmlformats.org/officeDocument/2006/relationships" xmlns:p="http://schemas.openxmlformats.org/presentationml/2006/main">
-  <p:cSld>
-    <p:spTree>
-      <p:nvGrpSpPr>
-        <p:cNvPr id="1" name=""/>
-        <p:cNvGrpSpPr/>
-        <p:nvPr/>
-      </p:nvGrpSpPr>
-      <p:grpSpPr>
-        <a:xfrm>
-          <a:off x="0" y="0"/>
-          <a:ext cx="0" cy="0"/>
-          <a:chOff x="0" y="0"/>
-          <a:chExt cx="0" cy="0"/>
-        </a:xfrm>
-      </p:grpSpPr>
-      <p:sp>
-        <p:nvSpPr>
-          <p:cNvPr id="2" name="Slide Number Placeholder 1"/>
-          <p:cNvSpPr>
-            <a:spLocks noGrp="1"/>
-          </p:cNvSpPr>
-          <p:nvPr>
-            <p:ph type="sldNum" sz="quarter" idx="12"/>
-          </p:nvPr>
-        </p:nvSpPr>
-        <p:spPr/>
-        <p:txBody>
-          <a:bodyPr/>
-          <a:lstStyle/>
-          <a:p>
-            <a:fld id="{3847DB54-D037-B84F-B6F1-2E8DA40D09AD}" type="slidenum">
-              <a:rPr lang="en-US" smtClean="0"/>
-              <a:pPr/>
-              <a:t>12</a:t>
-            </a:fld>
-            <a:endParaRPr lang="en-US"/>
-          </a:p>
-        </p:txBody>
-      </p:sp>
-      <p:sp>
-        <p:nvSpPr>
-          <p:cNvPr id="3" name="Content Placeholder 2"/>
-          <p:cNvSpPr>
-            <a:spLocks noGrp="1"/>
-          </p:cNvSpPr>
-          <p:nvPr>
-            <p:ph idx="1"/>
-          </p:nvPr>
-        </p:nvSpPr>
-        <p:spPr/>
-        <p:txBody>
-          <a:bodyPr/>
-          <a:lstStyle/>
-          <a:p>
-            <a:endParaRPr lang="en-GB"/>
-          </a:p>
-        </p:txBody>
-      </p:sp>
-      <p:sp>
-        <p:nvSpPr>
-          <p:cNvPr id="4" name="Title 3"/>
-          <p:cNvSpPr>
-            <a:spLocks noGrp="1"/>
-          </p:cNvSpPr>
-          <p:nvPr>
-            <p:ph type="title"/>
-          </p:nvPr>
-        </p:nvSpPr>
-        <p:spPr/>
-        <p:txBody>
-          <a:bodyPr/>
-          <a:lstStyle/>
-          <a:p>
-            <a:endParaRPr lang="en-GB"/>
-          </a:p>
-        </p:txBody>
-      </p:sp>
-    </p:spTree>
-    <p:extLst>
-      <p:ext uri="{BB962C8B-B14F-4D97-AF65-F5344CB8AC3E}">
-        <p14:creationId xmlns:p14="http://schemas.microsoft.com/office/powerpoint/2010/main" val="2327476310"/>
-      </p:ext>
-    </p:extLst>
-  </p:cSld>
-  <p:clrMapOvr>
-    <a:masterClrMapping/>
-  </p:clrMapOvr>
-  <p:transition>
-    <p:fade/>
-  </p:transition>
-</p:sld>
-</file>
-
-<file path=ppt/slides/slide13.xml><?xml version="1.0" encoding="utf-8"?>
-<p:sld xmlns:a="http://schemas.openxmlformats.org/drawingml/2006/main" xmlns:r="http://schemas.openxmlformats.org/officeDocument/2006/relationships" xmlns:p="http://schemas.openxmlformats.org/presentationml/2006/main">
-  <p:cSld>
-    <p:spTree>
-      <p:nvGrpSpPr>
-        <p:cNvPr id="1" name=""/>
-        <p:cNvGrpSpPr/>
-        <p:nvPr/>
-      </p:nvGrpSpPr>
-      <p:grpSpPr>
-        <a:xfrm>
-          <a:off x="0" y="0"/>
-          <a:ext cx="0" cy="0"/>
-          <a:chOff x="0" y="0"/>
-          <a:chExt cx="0" cy="0"/>
-        </a:xfrm>
-      </p:grpSpPr>
-    </p:spTree>
-    <p:extLst>
-      <p:ext uri="{BB962C8B-B14F-4D97-AF65-F5344CB8AC3E}">
-        <p14:creationId xmlns:p14="http://schemas.microsoft.com/office/powerpoint/2010/main" val="911622658"/>
-      </p:ext>
-    </p:extLst>
-  </p:cSld>
-  <p:clrMapOvr>
-    <a:masterClrMapping/>
-  </p:clrMapOvr>
-  <p:transition>
-    <p:fade/>
-  </p:transition>
-</p:sld>
-</file>
-
-<file path=ppt/slides/slide2.xml><?xml version="1.0" encoding="utf-8"?>
+<file path=ppt/slides/slide3.xml><?xml version="1.0" encoding="utf-8"?>
 <p:sld xmlns:a="http://schemas.openxmlformats.org/drawingml/2006/main" xmlns:r="http://schemas.openxmlformats.org/officeDocument/2006/relationships" xmlns:p="http://schemas.openxmlformats.org/presentationml/2006/main">
   <p:cSld>
     <p:spTree>
@@ -12581,7 +12411,7 @@
                 <a:tabLst/>
                 <a:defRPr/>
               </a:pPr>
-              <a:t>2</a:t>
+              <a:t>3</a:t>
             </a:fld>
             <a:endParaRPr kumimoji="0" lang="en-US" sz="1050" b="0" i="0" u="none" strike="noStrike" kern="1200" cap="none" spc="0" normalizeH="0" baseline="0" noProof="0">
               <a:ln>
@@ -12628,10 +12458,6 @@
               <a:buChar char="•"/>
             </a:pPr>
             <a:r>
-              <a:rPr lang="en-GB" dirty="0"/>
-              <a:t>(Windows en Linux) </a:t>
-            </a:r>
-            <a:r>
               <a:rPr lang="en-GB" dirty="0" err="1"/>
               <a:t>hosten</a:t>
             </a:r>
@@ -12655,7 +12481,7 @@
             </a:pPr>
             <a:r>
               <a:rPr lang="en-GB" dirty="0" err="1"/>
-              <a:t>volgens</a:t>
+              <a:t>onderling</a:t>
             </a:r>
             <a:r>
               <a:rPr lang="en-GB" dirty="0"/>
@@ -12663,26 +12489,7 @@
             </a:r>
             <a:r>
               <a:rPr lang="en-GB" dirty="0" err="1"/>
-              <a:t>een</a:t>
-            </a:r>
-            <a:r>
-              <a:rPr lang="en-GB" dirty="0"/>
-              <a:t> template </a:t>
-            </a:r>
-            <a:r>
-              <a:rPr lang="en-GB" dirty="0" err="1"/>
-              <a:t>aanmaken</a:t>
-            </a:r>
-            <a:endParaRPr lang="en-GB" dirty="0"/>
-          </a:p>
-          <a:p>
-            <a:pPr marL="342900" indent="-342900">
-              <a:buFont typeface="Arial" panose="020B0604020202020204" pitchFamily="34" charset="0"/>
-              <a:buChar char="•"/>
-            </a:pPr>
-            <a:r>
-              <a:rPr lang="en-GB" dirty="0" err="1"/>
-              <a:t>gebruiken</a:t>
+              <a:t>laten</a:t>
             </a:r>
             <a:r>
               <a:rPr lang="en-GB" dirty="0"/>
@@ -12690,26 +12497,75 @@
             </a:r>
             <a:r>
               <a:rPr lang="en-GB" dirty="0" err="1"/>
-              <a:t>voor</a:t>
+              <a:t>communiceren</a:t>
             </a:r>
-            <a:r>
-              <a:rPr lang="en-GB" dirty="0"/>
-              <a:t> het </a:t>
-            </a:r>
-            <a:r>
-              <a:rPr lang="en-GB" dirty="0" err="1"/>
-              <a:t>inrichten</a:t>
-            </a:r>
-            <a:r>
-              <a:rPr lang="en-GB" dirty="0"/>
-              <a:t> van Continuous Integration</a:t>
-            </a:r>
+            <a:endParaRPr lang="en-GB" dirty="0"/>
           </a:p>
           <a:p>
             <a:pPr marL="342900" indent="-342900">
               <a:buFont typeface="Arial" panose="020B0604020202020204" pitchFamily="34" charset="0"/>
               <a:buChar char="•"/>
             </a:pPr>
+            <a:r>
+              <a:rPr lang="en-GB" dirty="0" err="1"/>
+              <a:t>benaderen</a:t>
+            </a:r>
+            <a:r>
+              <a:rPr lang="en-GB" dirty="0"/>
+              <a:t> via </a:t>
+            </a:r>
+            <a:r>
+              <a:rPr lang="en-GB" dirty="0" err="1"/>
+              <a:t>een</a:t>
+            </a:r>
+            <a:r>
+              <a:rPr lang="en-GB" dirty="0"/>
+              <a:t> reverse proxy</a:t>
+            </a:r>
+          </a:p>
+          <a:p>
+            <a:pPr marL="342900" indent="-342900">
+              <a:buFont typeface="Arial" panose="020B0604020202020204" pitchFamily="34" charset="0"/>
+              <a:buChar char="•"/>
+            </a:pPr>
+            <a:r>
+              <a:rPr lang="en-GB" dirty="0" err="1"/>
+              <a:t>deployen</a:t>
+            </a:r>
+            <a:r>
+              <a:rPr lang="en-GB" dirty="0"/>
+              <a:t> met VSTS </a:t>
+            </a:r>
+            <a:r>
+              <a:rPr lang="en-GB" dirty="0" err="1"/>
+              <a:t>en</a:t>
+            </a:r>
+            <a:r>
+              <a:rPr lang="en-GB" dirty="0"/>
+              <a:t> Azure</a:t>
+            </a:r>
+          </a:p>
+          <a:p>
+            <a:pPr marL="342900" indent="-342900">
+              <a:buFont typeface="Arial" panose="020B0604020202020204" pitchFamily="34" charset="0"/>
+              <a:buChar char="•"/>
+            </a:pPr>
+            <a:r>
+              <a:rPr lang="en-GB" dirty="0"/>
+              <a:t>met persistent data </a:t>
+            </a:r>
+            <a:r>
+              <a:rPr lang="en-GB" dirty="0" err="1"/>
+              <a:t>laten</a:t>
+            </a:r>
+            <a:r>
+              <a:rPr lang="en-GB" dirty="0"/>
+              <a:t> </a:t>
+            </a:r>
+            <a:r>
+              <a:rPr lang="en-GB" dirty="0" err="1"/>
+              <a:t>werken</a:t>
+            </a:r>
             <a:endParaRPr lang="en-GB" dirty="0"/>
           </a:p>
         </p:txBody>
@@ -12780,123 +12636,6 @@
 </p:sld>
 </file>
 
-<file path=ppt/slides/slide3.xml><?xml version="1.0" encoding="utf-8"?>
-<p:sld xmlns:a="http://schemas.openxmlformats.org/drawingml/2006/main" xmlns:r="http://schemas.openxmlformats.org/officeDocument/2006/relationships" xmlns:p="http://schemas.openxmlformats.org/presentationml/2006/main">
-  <p:cSld>
-    <p:spTree>
-      <p:nvGrpSpPr>
-        <p:cNvPr id="1" name=""/>
-        <p:cNvGrpSpPr/>
-        <p:nvPr/>
-      </p:nvGrpSpPr>
-      <p:grpSpPr>
-        <a:xfrm>
-          <a:off x="0" y="0"/>
-          <a:ext cx="0" cy="0"/>
-          <a:chOff x="0" y="0"/>
-          <a:chExt cx="0" cy="0"/>
-        </a:xfrm>
-      </p:grpSpPr>
-      <p:sp>
-        <p:nvSpPr>
-          <p:cNvPr id="2" name="Tijdelijke aanduiding voor dianummer 1">
-            <a:extLst>
-              <a:ext uri="{FF2B5EF4-FFF2-40B4-BE49-F238E27FC236}">
-                <a16:creationId xmlns:a16="http://schemas.microsoft.com/office/drawing/2014/main" id="{44CF3062-410F-4013-9E73-FE7DED8BBD27}"/>
-              </a:ext>
-            </a:extLst>
-          </p:cNvPr>
-          <p:cNvSpPr>
-            <a:spLocks noGrp="1"/>
-          </p:cNvSpPr>
-          <p:nvPr>
-            <p:ph type="sldNum" sz="quarter" idx="12"/>
-          </p:nvPr>
-        </p:nvSpPr>
-        <p:spPr/>
-        <p:txBody>
-          <a:bodyPr/>
-          <a:lstStyle/>
-          <a:p>
-            <a:fld id="{3847DB54-D037-B84F-B6F1-2E8DA40D09AD}" type="slidenum">
-              <a:rPr lang="en-US" smtClean="0"/>
-              <a:pPr/>
-              <a:t>3</a:t>
-            </a:fld>
-            <a:endParaRPr lang="en-US"/>
-          </a:p>
-        </p:txBody>
-      </p:sp>
-      <p:sp>
-        <p:nvSpPr>
-          <p:cNvPr id="3" name="Tijdelijke aanduiding voor inhoud 2">
-            <a:extLst>
-              <a:ext uri="{FF2B5EF4-FFF2-40B4-BE49-F238E27FC236}">
-                <a16:creationId xmlns:a16="http://schemas.microsoft.com/office/drawing/2014/main" id="{8B7D9522-B756-478B-91AD-0B9011E8E6AA}"/>
-              </a:ext>
-            </a:extLst>
-          </p:cNvPr>
-          <p:cNvSpPr>
-            <a:spLocks noGrp="1"/>
-          </p:cNvSpPr>
-          <p:nvPr>
-            <p:ph idx="1"/>
-          </p:nvPr>
-        </p:nvSpPr>
-        <p:spPr/>
-        <p:txBody>
-          <a:bodyPr/>
-          <a:lstStyle/>
-          <a:p>
-            <a:endParaRPr lang="nl-NL"/>
-          </a:p>
-        </p:txBody>
-      </p:sp>
-      <p:sp>
-        <p:nvSpPr>
-          <p:cNvPr id="4" name="Titel 3">
-            <a:extLst>
-              <a:ext uri="{FF2B5EF4-FFF2-40B4-BE49-F238E27FC236}">
-                <a16:creationId xmlns:a16="http://schemas.microsoft.com/office/drawing/2014/main" id="{E89B2ECF-BC8C-43C0-8A00-0E90B5709283}"/>
-              </a:ext>
-            </a:extLst>
-          </p:cNvPr>
-          <p:cNvSpPr>
-            <a:spLocks noGrp="1"/>
-          </p:cNvSpPr>
-          <p:nvPr>
-            <p:ph type="title"/>
-          </p:nvPr>
-        </p:nvSpPr>
-        <p:spPr/>
-        <p:txBody>
-          <a:bodyPr/>
-          <a:lstStyle/>
-          <a:p>
-            <a:r>
-              <a:rPr lang="en-GB" dirty="0"/>
-              <a:t>Demo 1: Cross Platform Containers</a:t>
-            </a:r>
-            <a:endParaRPr lang="nl-NL" dirty="0"/>
-          </a:p>
-        </p:txBody>
-      </p:sp>
-    </p:spTree>
-    <p:extLst>
-      <p:ext uri="{BB962C8B-B14F-4D97-AF65-F5344CB8AC3E}">
-        <p14:creationId xmlns:p14="http://schemas.microsoft.com/office/powerpoint/2010/main" val="2028641943"/>
-      </p:ext>
-    </p:extLst>
-  </p:cSld>
-  <p:clrMapOvr>
-    <a:masterClrMapping/>
-  </p:clrMapOvr>
-  <p:transition>
-    <p:fade/>
-  </p:transition>
-</p:sld>
-</file>
-
 <file path=ppt/slides/slide4.xml><?xml version="1.0" encoding="utf-8"?>
 <p:sld xmlns:a="http://schemas.openxmlformats.org/drawingml/2006/main" xmlns:r="http://schemas.openxmlformats.org/officeDocument/2006/relationships" xmlns:p="http://schemas.openxmlformats.org/presentationml/2006/main">
   <p:cSld>
@@ -12919,7 +12658,7 @@
           <p:cNvPr id="2" name="Tijdelijke aanduiding voor dianummer 1">
             <a:extLst>
               <a:ext uri="{FF2B5EF4-FFF2-40B4-BE49-F238E27FC236}">
-                <a16:creationId xmlns:a16="http://schemas.microsoft.com/office/drawing/2014/main" id="{341607A9-77BC-4D2C-9622-177D8E5CF492}"/>
+                <a16:creationId xmlns:a16="http://schemas.microsoft.com/office/drawing/2014/main" id="{44CF3062-410F-4013-9E73-FE7DED8BBD27}"/>
               </a:ext>
             </a:extLst>
           </p:cNvPr>
@@ -12946,35 +12685,10 @@
       </p:sp>
       <p:sp>
         <p:nvSpPr>
-          <p:cNvPr id="3" name="Tijdelijke aanduiding voor inhoud 2">
-            <a:extLst>
-              <a:ext uri="{FF2B5EF4-FFF2-40B4-BE49-F238E27FC236}">
-                <a16:creationId xmlns:a16="http://schemas.microsoft.com/office/drawing/2014/main" id="{2EE2F493-01B3-4458-A39B-AFAF5089DD0B}"/>
-              </a:ext>
-            </a:extLst>
-          </p:cNvPr>
-          <p:cNvSpPr>
-            <a:spLocks noGrp="1"/>
-          </p:cNvSpPr>
-          <p:nvPr>
-            <p:ph idx="1"/>
-          </p:nvPr>
-        </p:nvSpPr>
-        <p:spPr/>
-        <p:txBody>
-          <a:bodyPr/>
-          <a:lstStyle/>
-          <a:p>
-            <a:endParaRPr lang="nl-NL"/>
-          </a:p>
-        </p:txBody>
-      </p:sp>
-      <p:sp>
-        <p:nvSpPr>
           <p:cNvPr id="4" name="Titel 3">
             <a:extLst>
               <a:ext uri="{FF2B5EF4-FFF2-40B4-BE49-F238E27FC236}">
-                <a16:creationId xmlns:a16="http://schemas.microsoft.com/office/drawing/2014/main" id="{7500CC26-0A1B-485E-85B7-2D8577929788}"/>
+                <a16:creationId xmlns:a16="http://schemas.microsoft.com/office/drawing/2014/main" id="{E89B2ECF-BC8C-43C0-8A00-0E90B5709283}"/>
               </a:ext>
             </a:extLst>
           </p:cNvPr>
@@ -12992,16 +12706,1375 @@
           <a:p>
             <a:r>
               <a:rPr lang="en-GB" dirty="0"/>
-              <a:t>Demo 2: Multi architecture</a:t>
+              <a:t>Demo 1: Cross Platform Containers</a:t>
             </a:r>
             <a:endParaRPr lang="nl-NL" dirty="0"/>
           </a:p>
         </p:txBody>
       </p:sp>
+      <p:grpSp>
+        <p:nvGrpSpPr>
+          <p:cNvPr id="52" name="Groep 51">
+            <a:extLst>
+              <a:ext uri="{FF2B5EF4-FFF2-40B4-BE49-F238E27FC236}">
+                <a16:creationId xmlns:a16="http://schemas.microsoft.com/office/drawing/2014/main" id="{1DA60E99-3DCD-4030-B151-C4A0B31AFC2B}"/>
+              </a:ext>
+            </a:extLst>
+          </p:cNvPr>
+          <p:cNvGrpSpPr/>
+          <p:nvPr/>
+        </p:nvGrpSpPr>
+        <p:grpSpPr>
+          <a:xfrm>
+            <a:off x="3131079" y="1097308"/>
+            <a:ext cx="5929843" cy="4722951"/>
+            <a:chOff x="2826950" y="1097308"/>
+            <a:chExt cx="5929843" cy="4722951"/>
+          </a:xfrm>
+        </p:grpSpPr>
+        <p:grpSp>
+          <p:nvGrpSpPr>
+            <p:cNvPr id="49" name="Groep 48">
+              <a:extLst>
+                <a:ext uri="{FF2B5EF4-FFF2-40B4-BE49-F238E27FC236}">
+                  <a16:creationId xmlns:a16="http://schemas.microsoft.com/office/drawing/2014/main" id="{A327D0B3-AB0D-4878-9E4F-60A95BBC012B}"/>
+                </a:ext>
+              </a:extLst>
+            </p:cNvPr>
+            <p:cNvGrpSpPr/>
+            <p:nvPr/>
+          </p:nvGrpSpPr>
+          <p:grpSpPr>
+            <a:xfrm>
+              <a:off x="2826950" y="1102731"/>
+              <a:ext cx="5657642" cy="4717528"/>
+              <a:chOff x="3267179" y="946212"/>
+              <a:chExt cx="5657642" cy="4717528"/>
+            </a:xfrm>
+          </p:grpSpPr>
+          <p:grpSp>
+            <p:nvGrpSpPr>
+              <p:cNvPr id="48" name="Groep 47">
+                <a:extLst>
+                  <a:ext uri="{FF2B5EF4-FFF2-40B4-BE49-F238E27FC236}">
+                    <a16:creationId xmlns:a16="http://schemas.microsoft.com/office/drawing/2014/main" id="{54E15F97-F52C-4FB5-B1EC-AB6602E9F4E5}"/>
+                  </a:ext>
+                </a:extLst>
+              </p:cNvPr>
+              <p:cNvGrpSpPr/>
+              <p:nvPr/>
+            </p:nvGrpSpPr>
+            <p:grpSpPr>
+              <a:xfrm>
+                <a:off x="3267179" y="1360457"/>
+                <a:ext cx="5657642" cy="4303283"/>
+                <a:chOff x="2393090" y="1360457"/>
+                <a:chExt cx="5657642" cy="4303283"/>
+              </a:xfrm>
+            </p:grpSpPr>
+            <p:sp>
+              <p:nvSpPr>
+                <p:cNvPr id="6" name="Rectangle 4">
+                  <a:extLst>
+                    <a:ext uri="{FF2B5EF4-FFF2-40B4-BE49-F238E27FC236}">
+                      <a16:creationId xmlns:a16="http://schemas.microsoft.com/office/drawing/2014/main" id="{00F303F9-0DFE-4D57-B6B0-2819CB1EB5AE}"/>
+                    </a:ext>
+                  </a:extLst>
+                </p:cNvPr>
+                <p:cNvSpPr/>
+                <p:nvPr/>
+              </p:nvSpPr>
+              <p:spPr>
+                <a:xfrm>
+                  <a:off x="5573563" y="1360457"/>
+                  <a:ext cx="2477169" cy="4303283"/>
+                </a:xfrm>
+                <a:prstGeom prst="rect">
+                  <a:avLst/>
+                </a:prstGeom>
+                <a:noFill/>
+                <a:ln>
+                  <a:solidFill>
+                    <a:schemeClr val="tx2"/>
+                  </a:solidFill>
+                </a:ln>
+              </p:spPr>
+              <p:style>
+                <a:lnRef idx="2">
+                  <a:schemeClr val="accent1">
+                    <a:shade val="50000"/>
+                  </a:schemeClr>
+                </a:lnRef>
+                <a:fillRef idx="1">
+                  <a:schemeClr val="accent1"/>
+                </a:fillRef>
+                <a:effectRef idx="0">
+                  <a:schemeClr val="accent1"/>
+                </a:effectRef>
+                <a:fontRef idx="minor">
+                  <a:schemeClr val="lt1"/>
+                </a:fontRef>
+              </p:style>
+              <p:txBody>
+                <a:bodyPr rtlCol="0" anchor="ctr"/>
+                <a:lstStyle/>
+                <a:p>
+                  <a:pPr algn="ctr"/>
+                  <a:endParaRPr lang="nl-NL"/>
+                </a:p>
+              </p:txBody>
+            </p:sp>
+            <p:grpSp>
+              <p:nvGrpSpPr>
+                <p:cNvPr id="12" name="Group 1053">
+                  <a:extLst>
+                    <a:ext uri="{FF2B5EF4-FFF2-40B4-BE49-F238E27FC236}">
+                      <a16:creationId xmlns:a16="http://schemas.microsoft.com/office/drawing/2014/main" id="{F454C413-6DFB-4852-A884-1899F396EF83}"/>
+                    </a:ext>
+                  </a:extLst>
+                </p:cNvPr>
+                <p:cNvGrpSpPr/>
+                <p:nvPr/>
+              </p:nvGrpSpPr>
+              <p:grpSpPr>
+                <a:xfrm>
+                  <a:off x="5893272" y="1407582"/>
+                  <a:ext cx="1762044" cy="1324582"/>
+                  <a:chOff x="8826606" y="1436188"/>
+                  <a:chExt cx="1762044" cy="1324582"/>
+                </a:xfrm>
+              </p:grpSpPr>
+              <p:grpSp>
+                <p:nvGrpSpPr>
+                  <p:cNvPr id="13" name="Group 1040">
+                    <a:extLst>
+                      <a:ext uri="{FF2B5EF4-FFF2-40B4-BE49-F238E27FC236}">
+                        <a16:creationId xmlns:a16="http://schemas.microsoft.com/office/drawing/2014/main" id="{9637401C-FE9F-49F9-97CA-EA62ECDEBA38}"/>
+                      </a:ext>
+                    </a:extLst>
+                  </p:cNvPr>
+                  <p:cNvGrpSpPr/>
+                  <p:nvPr/>
+                </p:nvGrpSpPr>
+                <p:grpSpPr>
+                  <a:xfrm>
+                    <a:off x="8962773" y="1671474"/>
+                    <a:ext cx="1625877" cy="1089296"/>
+                    <a:chOff x="8962773" y="1919372"/>
+                    <a:chExt cx="1625877" cy="1089296"/>
+                  </a:xfrm>
+                </p:grpSpPr>
+                <p:pic>
+                  <p:nvPicPr>
+                    <p:cNvPr id="15" name="Picture 6" descr="https://codeopinion.com/wp-content/uploads/2016/02/aspnetcore.png">
+                      <a:extLst>
+                        <a:ext uri="{FF2B5EF4-FFF2-40B4-BE49-F238E27FC236}">
+                          <a16:creationId xmlns:a16="http://schemas.microsoft.com/office/drawing/2014/main" id="{24E30D71-522C-4A9F-8AEA-94F3DB687383}"/>
+                        </a:ext>
+                      </a:extLst>
+                    </p:cNvPr>
+                    <p:cNvPicPr>
+                      <a:picLocks noChangeAspect="1" noChangeArrowheads="1"/>
+                    </p:cNvPicPr>
+                    <p:nvPr/>
+                  </p:nvPicPr>
+                  <p:blipFill>
+                    <a:blip r:embed="rId2">
+                      <a:extLst>
+                        <a:ext uri="{28A0092B-C50C-407E-A947-70E740481C1C}">
+                          <a14:useLocalDpi xmlns:a14="http://schemas.microsoft.com/office/drawing/2010/main" val="0"/>
+                        </a:ext>
+                      </a:extLst>
+                    </a:blip>
+                    <a:srcRect/>
+                    <a:stretch>
+                      <a:fillRect/>
+                    </a:stretch>
+                  </p:blipFill>
+                  <p:spPr bwMode="auto">
+                    <a:xfrm>
+                      <a:off x="9073692" y="1953886"/>
+                      <a:ext cx="1404037" cy="1020267"/>
+                    </a:xfrm>
+                    <a:prstGeom prst="rect">
+                      <a:avLst/>
+                    </a:prstGeom>
+                    <a:noFill/>
+                    <a:extLst>
+                      <a:ext uri="{909E8E84-426E-40DD-AFC4-6F175D3DCCD1}">
+                        <a14:hiddenFill xmlns:a14="http://schemas.microsoft.com/office/drawing/2010/main">
+                          <a:solidFill>
+                            <a:srgbClr val="FFFFFF"/>
+                          </a:solidFill>
+                        </a14:hiddenFill>
+                      </a:ext>
+                    </a:extLst>
+                  </p:spPr>
+                </p:pic>
+                <p:sp>
+                  <p:nvSpPr>
+                    <p:cNvPr id="16" name="Rectangle 47">
+                      <a:extLst>
+                        <a:ext uri="{FF2B5EF4-FFF2-40B4-BE49-F238E27FC236}">
+                          <a16:creationId xmlns:a16="http://schemas.microsoft.com/office/drawing/2014/main" id="{C1D8FE3B-AF82-49D1-8377-9583B2DC30A6}"/>
+                        </a:ext>
+                      </a:extLst>
+                    </p:cNvPr>
+                    <p:cNvSpPr/>
+                    <p:nvPr/>
+                  </p:nvSpPr>
+                  <p:spPr>
+                    <a:xfrm>
+                      <a:off x="8962773" y="1919372"/>
+                      <a:ext cx="1625877" cy="1089296"/>
+                    </a:xfrm>
+                    <a:prstGeom prst="rect">
+                      <a:avLst/>
+                    </a:prstGeom>
+                    <a:noFill/>
+                  </p:spPr>
+                  <p:style>
+                    <a:lnRef idx="2">
+                      <a:schemeClr val="accent1">
+                        <a:shade val="50000"/>
+                      </a:schemeClr>
+                    </a:lnRef>
+                    <a:fillRef idx="1">
+                      <a:schemeClr val="accent1"/>
+                    </a:fillRef>
+                    <a:effectRef idx="0">
+                      <a:schemeClr val="accent1"/>
+                    </a:effectRef>
+                    <a:fontRef idx="minor">
+                      <a:schemeClr val="lt1"/>
+                    </a:fontRef>
+                  </p:style>
+                  <p:txBody>
+                    <a:bodyPr rtlCol="0" anchor="ctr"/>
+                    <a:lstStyle/>
+                    <a:p>
+                      <a:pPr algn="ctr"/>
+                      <a:endParaRPr lang="nl-NL"/>
+                    </a:p>
+                  </p:txBody>
+                </p:sp>
+              </p:grpSp>
+              <p:pic>
+                <p:nvPicPr>
+                  <p:cNvPr id="14" name="Picture 2" descr="https://www.docker.com/sites/default/files/Whale%20Logo332_5.png">
+                    <a:extLst>
+                      <a:ext uri="{FF2B5EF4-FFF2-40B4-BE49-F238E27FC236}">
+                        <a16:creationId xmlns:a16="http://schemas.microsoft.com/office/drawing/2014/main" id="{3740D800-ED86-4BDA-AC4B-F443C7D4DC71}"/>
+                      </a:ext>
+                    </a:extLst>
+                  </p:cNvPr>
+                  <p:cNvPicPr>
+                    <a:picLocks noChangeAspect="1" noChangeArrowheads="1"/>
+                  </p:cNvPicPr>
+                  <p:nvPr/>
+                </p:nvPicPr>
+                <p:blipFill>
+                  <a:blip r:embed="rId3">
+                    <a:extLst>
+                      <a:ext uri="{28A0092B-C50C-407E-A947-70E740481C1C}">
+                        <a14:useLocalDpi xmlns:a14="http://schemas.microsoft.com/office/drawing/2010/main" val="0"/>
+                      </a:ext>
+                    </a:extLst>
+                  </a:blip>
+                  <a:srcRect/>
+                  <a:stretch>
+                    <a:fillRect/>
+                  </a:stretch>
+                </p:blipFill>
+                <p:spPr bwMode="auto">
+                  <a:xfrm>
+                    <a:off x="8826606" y="1436188"/>
+                    <a:ext cx="658529" cy="492061"/>
+                  </a:xfrm>
+                  <a:prstGeom prst="rect">
+                    <a:avLst/>
+                  </a:prstGeom>
+                  <a:noFill/>
+                  <a:extLst>
+                    <a:ext uri="{909E8E84-426E-40DD-AFC4-6F175D3DCCD1}">
+                      <a14:hiddenFill xmlns:a14="http://schemas.microsoft.com/office/drawing/2010/main">
+                        <a:solidFill>
+                          <a:srgbClr val="FFFFFF"/>
+                        </a:solidFill>
+                      </a14:hiddenFill>
+                    </a:ext>
+                  </a:extLst>
+                </p:spPr>
+              </p:pic>
+            </p:grpSp>
+            <p:grpSp>
+              <p:nvGrpSpPr>
+                <p:cNvPr id="17" name="Group 1052">
+                  <a:extLst>
+                    <a:ext uri="{FF2B5EF4-FFF2-40B4-BE49-F238E27FC236}">
+                      <a16:creationId xmlns:a16="http://schemas.microsoft.com/office/drawing/2014/main" id="{1915D272-0541-4DFE-A78D-82F89F22F130}"/>
+                    </a:ext>
+                  </a:extLst>
+                </p:cNvPr>
+                <p:cNvGrpSpPr/>
+                <p:nvPr/>
+              </p:nvGrpSpPr>
+              <p:grpSpPr>
+                <a:xfrm>
+                  <a:off x="5892712" y="2764617"/>
+                  <a:ext cx="1762602" cy="1298065"/>
+                  <a:chOff x="8826046" y="2809699"/>
+                  <a:chExt cx="1762602" cy="1298065"/>
+                </a:xfrm>
+              </p:grpSpPr>
+              <p:grpSp>
+                <p:nvGrpSpPr>
+                  <p:cNvPr id="18" name="Group 1041">
+                    <a:extLst>
+                      <a:ext uri="{FF2B5EF4-FFF2-40B4-BE49-F238E27FC236}">
+                        <a16:creationId xmlns:a16="http://schemas.microsoft.com/office/drawing/2014/main" id="{0D64BB2E-63DF-4562-84A7-93FDFDE985C9}"/>
+                      </a:ext>
+                    </a:extLst>
+                  </p:cNvPr>
+                  <p:cNvGrpSpPr/>
+                  <p:nvPr/>
+                </p:nvGrpSpPr>
+                <p:grpSpPr>
+                  <a:xfrm>
+                    <a:off x="8962771" y="3018468"/>
+                    <a:ext cx="1625877" cy="1089296"/>
+                    <a:chOff x="8962771" y="3043182"/>
+                    <a:chExt cx="1625877" cy="1089296"/>
+                  </a:xfrm>
+                </p:grpSpPr>
+                <p:pic>
+                  <p:nvPicPr>
+                    <p:cNvPr id="20" name="Picture 8" descr="https://upload.wikimedia.org/wikipedia/commons/thumb/7/7e/Node.js_logo_2015.svg/2000px-Node.js_logo_2015.svg.png">
+                      <a:extLst>
+                        <a:ext uri="{FF2B5EF4-FFF2-40B4-BE49-F238E27FC236}">
+                          <a16:creationId xmlns:a16="http://schemas.microsoft.com/office/drawing/2014/main" id="{1CC5B79F-27AB-43C4-85F4-D3929ECE3769}"/>
+                        </a:ext>
+                      </a:extLst>
+                    </p:cNvPr>
+                    <p:cNvPicPr>
+                      <a:picLocks noChangeAspect="1" noChangeArrowheads="1"/>
+                    </p:cNvPicPr>
+                    <p:nvPr/>
+                  </p:nvPicPr>
+                  <p:blipFill>
+                    <a:blip r:embed="rId4">
+                      <a:extLst>
+                        <a:ext uri="{28A0092B-C50C-407E-A947-70E740481C1C}">
+                          <a14:useLocalDpi xmlns:a14="http://schemas.microsoft.com/office/drawing/2010/main" val="0"/>
+                        </a:ext>
+                      </a:extLst>
+                    </a:blip>
+                    <a:srcRect/>
+                    <a:stretch>
+                      <a:fillRect/>
+                    </a:stretch>
+                  </p:blipFill>
+                  <p:spPr bwMode="auto">
+                    <a:xfrm>
+                      <a:off x="9043295" y="3332680"/>
+                      <a:ext cx="1533745" cy="412593"/>
+                    </a:xfrm>
+                    <a:prstGeom prst="rect">
+                      <a:avLst/>
+                    </a:prstGeom>
+                    <a:noFill/>
+                    <a:extLst>
+                      <a:ext uri="{909E8E84-426E-40DD-AFC4-6F175D3DCCD1}">
+                        <a14:hiddenFill xmlns:a14="http://schemas.microsoft.com/office/drawing/2010/main">
+                          <a:solidFill>
+                            <a:srgbClr val="FFFFFF"/>
+                          </a:solidFill>
+                        </a14:hiddenFill>
+                      </a:ext>
+                    </a:extLst>
+                  </p:spPr>
+                </p:pic>
+                <p:sp>
+                  <p:nvSpPr>
+                    <p:cNvPr id="21" name="Rectangle 50">
+                      <a:extLst>
+                        <a:ext uri="{FF2B5EF4-FFF2-40B4-BE49-F238E27FC236}">
+                          <a16:creationId xmlns:a16="http://schemas.microsoft.com/office/drawing/2014/main" id="{494074A3-9B54-493B-9F9E-5BDB7115D489}"/>
+                        </a:ext>
+                      </a:extLst>
+                    </p:cNvPr>
+                    <p:cNvSpPr/>
+                    <p:nvPr/>
+                  </p:nvSpPr>
+                  <p:spPr>
+                    <a:xfrm>
+                      <a:off x="8962771" y="3043182"/>
+                      <a:ext cx="1625877" cy="1089296"/>
+                    </a:xfrm>
+                    <a:prstGeom prst="rect">
+                      <a:avLst/>
+                    </a:prstGeom>
+                    <a:noFill/>
+                  </p:spPr>
+                  <p:style>
+                    <a:lnRef idx="2">
+                      <a:schemeClr val="accent1">
+                        <a:shade val="50000"/>
+                      </a:schemeClr>
+                    </a:lnRef>
+                    <a:fillRef idx="1">
+                      <a:schemeClr val="accent1"/>
+                    </a:fillRef>
+                    <a:effectRef idx="0">
+                      <a:schemeClr val="accent1"/>
+                    </a:effectRef>
+                    <a:fontRef idx="minor">
+                      <a:schemeClr val="lt1"/>
+                    </a:fontRef>
+                  </p:style>
+                  <p:txBody>
+                    <a:bodyPr rtlCol="0" anchor="ctr"/>
+                    <a:lstStyle/>
+                    <a:p>
+                      <a:pPr algn="ctr"/>
+                      <a:endParaRPr lang="nl-NL"/>
+                    </a:p>
+                  </p:txBody>
+                </p:sp>
+              </p:grpSp>
+              <p:pic>
+                <p:nvPicPr>
+                  <p:cNvPr id="19" name="Picture 2" descr="https://www.docker.com/sites/default/files/Whale%20Logo332_5.png">
+                    <a:extLst>
+                      <a:ext uri="{FF2B5EF4-FFF2-40B4-BE49-F238E27FC236}">
+                        <a16:creationId xmlns:a16="http://schemas.microsoft.com/office/drawing/2014/main" id="{C2B32713-CE93-450B-A77B-416104E5B10A}"/>
+                      </a:ext>
+                    </a:extLst>
+                  </p:cNvPr>
+                  <p:cNvPicPr>
+                    <a:picLocks noChangeAspect="1" noChangeArrowheads="1"/>
+                  </p:cNvPicPr>
+                  <p:nvPr/>
+                </p:nvPicPr>
+                <p:blipFill>
+                  <a:blip r:embed="rId3">
+                    <a:extLst>
+                      <a:ext uri="{28A0092B-C50C-407E-A947-70E740481C1C}">
+                        <a14:useLocalDpi xmlns:a14="http://schemas.microsoft.com/office/drawing/2010/main" val="0"/>
+                      </a:ext>
+                    </a:extLst>
+                  </a:blip>
+                  <a:srcRect/>
+                  <a:stretch>
+                    <a:fillRect/>
+                  </a:stretch>
+                </p:blipFill>
+                <p:spPr bwMode="auto">
+                  <a:xfrm>
+                    <a:off x="8826046" y="2809699"/>
+                    <a:ext cx="658529" cy="492061"/>
+                  </a:xfrm>
+                  <a:prstGeom prst="rect">
+                    <a:avLst/>
+                  </a:prstGeom>
+                  <a:noFill/>
+                  <a:extLst>
+                    <a:ext uri="{909E8E84-426E-40DD-AFC4-6F175D3DCCD1}">
+                      <a14:hiddenFill xmlns:a14="http://schemas.microsoft.com/office/drawing/2010/main">
+                        <a:solidFill>
+                          <a:srgbClr val="FFFFFF"/>
+                        </a:solidFill>
+                      </a14:hiddenFill>
+                    </a:ext>
+                  </a:extLst>
+                </p:spPr>
+              </p:pic>
+            </p:grpSp>
+            <p:grpSp>
+              <p:nvGrpSpPr>
+                <p:cNvPr id="22" name="Group 1051">
+                  <a:extLst>
+                    <a:ext uri="{FF2B5EF4-FFF2-40B4-BE49-F238E27FC236}">
+                      <a16:creationId xmlns:a16="http://schemas.microsoft.com/office/drawing/2014/main" id="{74A84BB7-B93F-4FC3-A85F-A12F40355DAF}"/>
+                    </a:ext>
+                  </a:extLst>
+                </p:cNvPr>
+                <p:cNvGrpSpPr/>
+                <p:nvPr/>
+              </p:nvGrpSpPr>
+              <p:grpSpPr>
+                <a:xfrm>
+                  <a:off x="5893272" y="4132421"/>
+                  <a:ext cx="1762041" cy="1296033"/>
+                  <a:chOff x="8826606" y="4161027"/>
+                  <a:chExt cx="1762041" cy="1296033"/>
+                </a:xfrm>
+              </p:grpSpPr>
+              <p:grpSp>
+                <p:nvGrpSpPr>
+                  <p:cNvPr id="23" name="Group 1042">
+                    <a:extLst>
+                      <a:ext uri="{FF2B5EF4-FFF2-40B4-BE49-F238E27FC236}">
+                        <a16:creationId xmlns:a16="http://schemas.microsoft.com/office/drawing/2014/main" id="{5BE00F5A-C2AA-4750-81B2-16D54956E2BA}"/>
+                      </a:ext>
+                    </a:extLst>
+                  </p:cNvPr>
+                  <p:cNvGrpSpPr/>
+                  <p:nvPr/>
+                </p:nvGrpSpPr>
+                <p:grpSpPr>
+                  <a:xfrm>
+                    <a:off x="8962770" y="4367764"/>
+                    <a:ext cx="1625877" cy="1089296"/>
+                    <a:chOff x="8962770" y="4170200"/>
+                    <a:chExt cx="1625877" cy="1089296"/>
+                  </a:xfrm>
+                </p:grpSpPr>
+                <p:pic>
+                  <p:nvPicPr>
+                    <p:cNvPr id="25" name="Picture 10" descr="Image result for php logo">
+                      <a:extLst>
+                        <a:ext uri="{FF2B5EF4-FFF2-40B4-BE49-F238E27FC236}">
+                          <a16:creationId xmlns:a16="http://schemas.microsoft.com/office/drawing/2014/main" id="{D64106B1-D056-47EE-8D1B-4AEF01C07623}"/>
+                        </a:ext>
+                      </a:extLst>
+                    </p:cNvPr>
+                    <p:cNvPicPr>
+                      <a:picLocks noChangeAspect="1" noChangeArrowheads="1"/>
+                    </p:cNvPicPr>
+                    <p:nvPr/>
+                  </p:nvPicPr>
+                  <p:blipFill>
+                    <a:blip r:embed="rId5">
+                      <a:extLst>
+                        <a:ext uri="{28A0092B-C50C-407E-A947-70E740481C1C}">
+                          <a14:useLocalDpi xmlns:a14="http://schemas.microsoft.com/office/drawing/2010/main" val="0"/>
+                        </a:ext>
+                      </a:extLst>
+                    </a:blip>
+                    <a:srcRect/>
+                    <a:stretch>
+                      <a:fillRect/>
+                    </a:stretch>
+                  </p:blipFill>
+                  <p:spPr bwMode="auto">
+                    <a:xfrm>
+                      <a:off x="9010092" y="4300737"/>
+                      <a:ext cx="1533745" cy="828222"/>
+                    </a:xfrm>
+                    <a:prstGeom prst="rect">
+                      <a:avLst/>
+                    </a:prstGeom>
+                    <a:noFill/>
+                    <a:extLst>
+                      <a:ext uri="{909E8E84-426E-40DD-AFC4-6F175D3DCCD1}">
+                        <a14:hiddenFill xmlns:a14="http://schemas.microsoft.com/office/drawing/2010/main">
+                          <a:solidFill>
+                            <a:srgbClr val="FFFFFF"/>
+                          </a:solidFill>
+                        </a14:hiddenFill>
+                      </a:ext>
+                    </a:extLst>
+                  </p:spPr>
+                </p:pic>
+                <p:sp>
+                  <p:nvSpPr>
+                    <p:cNvPr id="26" name="Rectangle 51">
+                      <a:extLst>
+                        <a:ext uri="{FF2B5EF4-FFF2-40B4-BE49-F238E27FC236}">
+                          <a16:creationId xmlns:a16="http://schemas.microsoft.com/office/drawing/2014/main" id="{F5968141-BD65-4D4D-8EA2-92EAAD26BD4E}"/>
+                        </a:ext>
+                      </a:extLst>
+                    </p:cNvPr>
+                    <p:cNvSpPr/>
+                    <p:nvPr/>
+                  </p:nvSpPr>
+                  <p:spPr>
+                    <a:xfrm>
+                      <a:off x="8962770" y="4170200"/>
+                      <a:ext cx="1625877" cy="1089296"/>
+                    </a:xfrm>
+                    <a:prstGeom prst="rect">
+                      <a:avLst/>
+                    </a:prstGeom>
+                    <a:noFill/>
+                  </p:spPr>
+                  <p:style>
+                    <a:lnRef idx="2">
+                      <a:schemeClr val="accent1">
+                        <a:shade val="50000"/>
+                      </a:schemeClr>
+                    </a:lnRef>
+                    <a:fillRef idx="1">
+                      <a:schemeClr val="accent1"/>
+                    </a:fillRef>
+                    <a:effectRef idx="0">
+                      <a:schemeClr val="accent1"/>
+                    </a:effectRef>
+                    <a:fontRef idx="minor">
+                      <a:schemeClr val="lt1"/>
+                    </a:fontRef>
+                  </p:style>
+                  <p:txBody>
+                    <a:bodyPr rtlCol="0" anchor="ctr"/>
+                    <a:lstStyle/>
+                    <a:p>
+                      <a:pPr algn="ctr"/>
+                      <a:endParaRPr lang="nl-NL"/>
+                    </a:p>
+                  </p:txBody>
+                </p:sp>
+              </p:grpSp>
+              <p:pic>
+                <p:nvPicPr>
+                  <p:cNvPr id="24" name="Picture 2" descr="https://www.docker.com/sites/default/files/Whale%20Logo332_5.png">
+                    <a:extLst>
+                      <a:ext uri="{FF2B5EF4-FFF2-40B4-BE49-F238E27FC236}">
+                        <a16:creationId xmlns:a16="http://schemas.microsoft.com/office/drawing/2014/main" id="{ACE826A5-7B75-4FB0-AA36-BE044DC282C8}"/>
+                      </a:ext>
+                    </a:extLst>
+                  </p:cNvPr>
+                  <p:cNvPicPr>
+                    <a:picLocks noChangeAspect="1" noChangeArrowheads="1"/>
+                  </p:cNvPicPr>
+                  <p:nvPr/>
+                </p:nvPicPr>
+                <p:blipFill>
+                  <a:blip r:embed="rId3">
+                    <a:extLst>
+                      <a:ext uri="{28A0092B-C50C-407E-A947-70E740481C1C}">
+                        <a14:useLocalDpi xmlns:a14="http://schemas.microsoft.com/office/drawing/2010/main" val="0"/>
+                      </a:ext>
+                    </a:extLst>
+                  </a:blip>
+                  <a:srcRect/>
+                  <a:stretch>
+                    <a:fillRect/>
+                  </a:stretch>
+                </p:blipFill>
+                <p:spPr bwMode="auto">
+                  <a:xfrm>
+                    <a:off x="8826606" y="4161027"/>
+                    <a:ext cx="658529" cy="492061"/>
+                  </a:xfrm>
+                  <a:prstGeom prst="rect">
+                    <a:avLst/>
+                  </a:prstGeom>
+                  <a:noFill/>
+                  <a:extLst>
+                    <a:ext uri="{909E8E84-426E-40DD-AFC4-6F175D3DCCD1}">
+                      <a14:hiddenFill xmlns:a14="http://schemas.microsoft.com/office/drawing/2010/main">
+                        <a:solidFill>
+                          <a:srgbClr val="FFFFFF"/>
+                        </a:solidFill>
+                      </a14:hiddenFill>
+                    </a:ext>
+                  </a:extLst>
+                </p:spPr>
+              </p:pic>
+            </p:grpSp>
+            <p:sp>
+              <p:nvSpPr>
+                <p:cNvPr id="32" name="Rectangle 4">
+                  <a:extLst>
+                    <a:ext uri="{FF2B5EF4-FFF2-40B4-BE49-F238E27FC236}">
+                      <a16:creationId xmlns:a16="http://schemas.microsoft.com/office/drawing/2014/main" id="{4E2237BA-D000-4345-8532-EC91DE905717}"/>
+                    </a:ext>
+                  </a:extLst>
+                </p:cNvPr>
+                <p:cNvSpPr/>
+                <p:nvPr/>
+              </p:nvSpPr>
+              <p:spPr>
+                <a:xfrm>
+                  <a:off x="2393090" y="1360457"/>
+                  <a:ext cx="2477169" cy="4303283"/>
+                </a:xfrm>
+                <a:prstGeom prst="rect">
+                  <a:avLst/>
+                </a:prstGeom>
+                <a:noFill/>
+                <a:ln>
+                  <a:solidFill>
+                    <a:schemeClr val="tx2"/>
+                  </a:solidFill>
+                </a:ln>
+              </p:spPr>
+              <p:style>
+                <a:lnRef idx="2">
+                  <a:schemeClr val="accent1">
+                    <a:shade val="50000"/>
+                  </a:schemeClr>
+                </a:lnRef>
+                <a:fillRef idx="1">
+                  <a:schemeClr val="accent1"/>
+                </a:fillRef>
+                <a:effectRef idx="0">
+                  <a:schemeClr val="accent1"/>
+                </a:effectRef>
+                <a:fontRef idx="minor">
+                  <a:schemeClr val="lt1"/>
+                </a:fontRef>
+              </p:style>
+              <p:txBody>
+                <a:bodyPr rtlCol="0" anchor="ctr"/>
+                <a:lstStyle/>
+                <a:p>
+                  <a:pPr algn="ctr"/>
+                  <a:endParaRPr lang="nl-NL"/>
+                </a:p>
+              </p:txBody>
+            </p:sp>
+            <p:grpSp>
+              <p:nvGrpSpPr>
+                <p:cNvPr id="33" name="Group 1053">
+                  <a:extLst>
+                    <a:ext uri="{FF2B5EF4-FFF2-40B4-BE49-F238E27FC236}">
+                      <a16:creationId xmlns:a16="http://schemas.microsoft.com/office/drawing/2014/main" id="{C97DB5E7-272D-4C57-B21E-CFAE41610A8A}"/>
+                    </a:ext>
+                  </a:extLst>
+                </p:cNvPr>
+                <p:cNvGrpSpPr/>
+                <p:nvPr/>
+              </p:nvGrpSpPr>
+              <p:grpSpPr>
+                <a:xfrm>
+                  <a:off x="2712799" y="1407582"/>
+                  <a:ext cx="1762044" cy="1324582"/>
+                  <a:chOff x="8826606" y="1436188"/>
+                  <a:chExt cx="1762044" cy="1324582"/>
+                </a:xfrm>
+              </p:grpSpPr>
+              <p:grpSp>
+                <p:nvGrpSpPr>
+                  <p:cNvPr id="34" name="Group 1040">
+                    <a:extLst>
+                      <a:ext uri="{FF2B5EF4-FFF2-40B4-BE49-F238E27FC236}">
+                        <a16:creationId xmlns:a16="http://schemas.microsoft.com/office/drawing/2014/main" id="{FFAE589F-FE6A-4EBE-BC7D-9DFC9CBDCAB5}"/>
+                      </a:ext>
+                    </a:extLst>
+                  </p:cNvPr>
+                  <p:cNvGrpSpPr/>
+                  <p:nvPr/>
+                </p:nvGrpSpPr>
+                <p:grpSpPr>
+                  <a:xfrm>
+                    <a:off x="8962773" y="1671474"/>
+                    <a:ext cx="1625877" cy="1089296"/>
+                    <a:chOff x="8962773" y="1919372"/>
+                    <a:chExt cx="1625877" cy="1089296"/>
+                  </a:xfrm>
+                </p:grpSpPr>
+                <p:pic>
+                  <p:nvPicPr>
+                    <p:cNvPr id="36" name="Picture 6" descr="https://codeopinion.com/wp-content/uploads/2016/02/aspnetcore.png">
+                      <a:extLst>
+                        <a:ext uri="{FF2B5EF4-FFF2-40B4-BE49-F238E27FC236}">
+                          <a16:creationId xmlns:a16="http://schemas.microsoft.com/office/drawing/2014/main" id="{8362BF0B-AC36-4653-B0C2-D796AAFC6B15}"/>
+                        </a:ext>
+                      </a:extLst>
+                    </p:cNvPr>
+                    <p:cNvPicPr>
+                      <a:picLocks noChangeAspect="1" noChangeArrowheads="1"/>
+                    </p:cNvPicPr>
+                    <p:nvPr/>
+                  </p:nvPicPr>
+                  <p:blipFill>
+                    <a:blip r:embed="rId2">
+                      <a:extLst>
+                        <a:ext uri="{28A0092B-C50C-407E-A947-70E740481C1C}">
+                          <a14:useLocalDpi xmlns:a14="http://schemas.microsoft.com/office/drawing/2010/main" val="0"/>
+                        </a:ext>
+                      </a:extLst>
+                    </a:blip>
+                    <a:srcRect/>
+                    <a:stretch>
+                      <a:fillRect/>
+                    </a:stretch>
+                  </p:blipFill>
+                  <p:spPr bwMode="auto">
+                    <a:xfrm>
+                      <a:off x="9073692" y="1953886"/>
+                      <a:ext cx="1404037" cy="1020267"/>
+                    </a:xfrm>
+                    <a:prstGeom prst="rect">
+                      <a:avLst/>
+                    </a:prstGeom>
+                    <a:noFill/>
+                    <a:extLst>
+                      <a:ext uri="{909E8E84-426E-40DD-AFC4-6F175D3DCCD1}">
+                        <a14:hiddenFill xmlns:a14="http://schemas.microsoft.com/office/drawing/2010/main">
+                          <a:solidFill>
+                            <a:srgbClr val="FFFFFF"/>
+                          </a:solidFill>
+                        </a14:hiddenFill>
+                      </a:ext>
+                    </a:extLst>
+                  </p:spPr>
+                </p:pic>
+                <p:sp>
+                  <p:nvSpPr>
+                    <p:cNvPr id="37" name="Rectangle 47">
+                      <a:extLst>
+                        <a:ext uri="{FF2B5EF4-FFF2-40B4-BE49-F238E27FC236}">
+                          <a16:creationId xmlns:a16="http://schemas.microsoft.com/office/drawing/2014/main" id="{CFB7E246-0646-4D23-9B67-621E114D69A1}"/>
+                        </a:ext>
+                      </a:extLst>
+                    </p:cNvPr>
+                    <p:cNvSpPr/>
+                    <p:nvPr/>
+                  </p:nvSpPr>
+                  <p:spPr>
+                    <a:xfrm>
+                      <a:off x="8962773" y="1919372"/>
+                      <a:ext cx="1625877" cy="1089296"/>
+                    </a:xfrm>
+                    <a:prstGeom prst="rect">
+                      <a:avLst/>
+                    </a:prstGeom>
+                    <a:noFill/>
+                  </p:spPr>
+                  <p:style>
+                    <a:lnRef idx="2">
+                      <a:schemeClr val="accent1">
+                        <a:shade val="50000"/>
+                      </a:schemeClr>
+                    </a:lnRef>
+                    <a:fillRef idx="1">
+                      <a:schemeClr val="accent1"/>
+                    </a:fillRef>
+                    <a:effectRef idx="0">
+                      <a:schemeClr val="accent1"/>
+                    </a:effectRef>
+                    <a:fontRef idx="minor">
+                      <a:schemeClr val="lt1"/>
+                    </a:fontRef>
+                  </p:style>
+                  <p:txBody>
+                    <a:bodyPr rtlCol="0" anchor="ctr"/>
+                    <a:lstStyle/>
+                    <a:p>
+                      <a:pPr algn="ctr"/>
+                      <a:endParaRPr lang="nl-NL"/>
+                    </a:p>
+                  </p:txBody>
+                </p:sp>
+              </p:grpSp>
+              <p:pic>
+                <p:nvPicPr>
+                  <p:cNvPr id="35" name="Picture 2" descr="https://www.docker.com/sites/default/files/Whale%20Logo332_5.png">
+                    <a:extLst>
+                      <a:ext uri="{FF2B5EF4-FFF2-40B4-BE49-F238E27FC236}">
+                        <a16:creationId xmlns:a16="http://schemas.microsoft.com/office/drawing/2014/main" id="{F74A8939-FAE1-4EC3-97A6-D14544E93128}"/>
+                      </a:ext>
+                    </a:extLst>
+                  </p:cNvPr>
+                  <p:cNvPicPr>
+                    <a:picLocks noChangeAspect="1" noChangeArrowheads="1"/>
+                  </p:cNvPicPr>
+                  <p:nvPr/>
+                </p:nvPicPr>
+                <p:blipFill>
+                  <a:blip r:embed="rId3">
+                    <a:extLst>
+                      <a:ext uri="{28A0092B-C50C-407E-A947-70E740481C1C}">
+                        <a14:useLocalDpi xmlns:a14="http://schemas.microsoft.com/office/drawing/2010/main" val="0"/>
+                      </a:ext>
+                    </a:extLst>
+                  </a:blip>
+                  <a:srcRect/>
+                  <a:stretch>
+                    <a:fillRect/>
+                  </a:stretch>
+                </p:blipFill>
+                <p:spPr bwMode="auto">
+                  <a:xfrm>
+                    <a:off x="8826606" y="1436188"/>
+                    <a:ext cx="658529" cy="492061"/>
+                  </a:xfrm>
+                  <a:prstGeom prst="rect">
+                    <a:avLst/>
+                  </a:prstGeom>
+                  <a:noFill/>
+                  <a:extLst>
+                    <a:ext uri="{909E8E84-426E-40DD-AFC4-6F175D3DCCD1}">
+                      <a14:hiddenFill xmlns:a14="http://schemas.microsoft.com/office/drawing/2010/main">
+                        <a:solidFill>
+                          <a:srgbClr val="FFFFFF"/>
+                        </a:solidFill>
+                      </a14:hiddenFill>
+                    </a:ext>
+                  </a:extLst>
+                </p:spPr>
+              </p:pic>
+            </p:grpSp>
+            <p:grpSp>
+              <p:nvGrpSpPr>
+                <p:cNvPr id="38" name="Group 1052">
+                  <a:extLst>
+                    <a:ext uri="{FF2B5EF4-FFF2-40B4-BE49-F238E27FC236}">
+                      <a16:creationId xmlns:a16="http://schemas.microsoft.com/office/drawing/2014/main" id="{1662E700-3F5C-45D8-B3B1-09858776E22E}"/>
+                    </a:ext>
+                  </a:extLst>
+                </p:cNvPr>
+                <p:cNvGrpSpPr/>
+                <p:nvPr/>
+              </p:nvGrpSpPr>
+              <p:grpSpPr>
+                <a:xfrm>
+                  <a:off x="2712239" y="2764617"/>
+                  <a:ext cx="1762602" cy="1298065"/>
+                  <a:chOff x="8826046" y="2809699"/>
+                  <a:chExt cx="1762602" cy="1298065"/>
+                </a:xfrm>
+              </p:grpSpPr>
+              <p:grpSp>
+                <p:nvGrpSpPr>
+                  <p:cNvPr id="39" name="Group 1041">
+                    <a:extLst>
+                      <a:ext uri="{FF2B5EF4-FFF2-40B4-BE49-F238E27FC236}">
+                        <a16:creationId xmlns:a16="http://schemas.microsoft.com/office/drawing/2014/main" id="{9F8617E0-6433-4D5F-84A6-5492A1BD2910}"/>
+                      </a:ext>
+                    </a:extLst>
+                  </p:cNvPr>
+                  <p:cNvGrpSpPr/>
+                  <p:nvPr/>
+                </p:nvGrpSpPr>
+                <p:grpSpPr>
+                  <a:xfrm>
+                    <a:off x="8962771" y="3018468"/>
+                    <a:ext cx="1625877" cy="1089296"/>
+                    <a:chOff x="8962771" y="3043182"/>
+                    <a:chExt cx="1625877" cy="1089296"/>
+                  </a:xfrm>
+                </p:grpSpPr>
+                <p:pic>
+                  <p:nvPicPr>
+                    <p:cNvPr id="41" name="Picture 8" descr="https://upload.wikimedia.org/wikipedia/commons/thumb/7/7e/Node.js_logo_2015.svg/2000px-Node.js_logo_2015.svg.png">
+                      <a:extLst>
+                        <a:ext uri="{FF2B5EF4-FFF2-40B4-BE49-F238E27FC236}">
+                          <a16:creationId xmlns:a16="http://schemas.microsoft.com/office/drawing/2014/main" id="{B1FF6FD6-7C60-4628-B63D-7EAE98360808}"/>
+                        </a:ext>
+                      </a:extLst>
+                    </p:cNvPr>
+                    <p:cNvPicPr>
+                      <a:picLocks noChangeAspect="1" noChangeArrowheads="1"/>
+                    </p:cNvPicPr>
+                    <p:nvPr/>
+                  </p:nvPicPr>
+                  <p:blipFill>
+                    <a:blip r:embed="rId4">
+                      <a:extLst>
+                        <a:ext uri="{28A0092B-C50C-407E-A947-70E740481C1C}">
+                          <a14:useLocalDpi xmlns:a14="http://schemas.microsoft.com/office/drawing/2010/main" val="0"/>
+                        </a:ext>
+                      </a:extLst>
+                    </a:blip>
+                    <a:srcRect/>
+                    <a:stretch>
+                      <a:fillRect/>
+                    </a:stretch>
+                  </p:blipFill>
+                  <p:spPr bwMode="auto">
+                    <a:xfrm>
+                      <a:off x="9043295" y="3332680"/>
+                      <a:ext cx="1533745" cy="412593"/>
+                    </a:xfrm>
+                    <a:prstGeom prst="rect">
+                      <a:avLst/>
+                    </a:prstGeom>
+                    <a:noFill/>
+                    <a:extLst>
+                      <a:ext uri="{909E8E84-426E-40DD-AFC4-6F175D3DCCD1}">
+                        <a14:hiddenFill xmlns:a14="http://schemas.microsoft.com/office/drawing/2010/main">
+                          <a:solidFill>
+                            <a:srgbClr val="FFFFFF"/>
+                          </a:solidFill>
+                        </a14:hiddenFill>
+                      </a:ext>
+                    </a:extLst>
+                  </p:spPr>
+                </p:pic>
+                <p:sp>
+                  <p:nvSpPr>
+                    <p:cNvPr id="42" name="Rectangle 50">
+                      <a:extLst>
+                        <a:ext uri="{FF2B5EF4-FFF2-40B4-BE49-F238E27FC236}">
+                          <a16:creationId xmlns:a16="http://schemas.microsoft.com/office/drawing/2014/main" id="{16A64E08-98AD-48AD-8FEF-CF7E5E2B8DC1}"/>
+                        </a:ext>
+                      </a:extLst>
+                    </p:cNvPr>
+                    <p:cNvSpPr/>
+                    <p:nvPr/>
+                  </p:nvSpPr>
+                  <p:spPr>
+                    <a:xfrm>
+                      <a:off x="8962771" y="3043182"/>
+                      <a:ext cx="1625877" cy="1089296"/>
+                    </a:xfrm>
+                    <a:prstGeom prst="rect">
+                      <a:avLst/>
+                    </a:prstGeom>
+                    <a:noFill/>
+                  </p:spPr>
+                  <p:style>
+                    <a:lnRef idx="2">
+                      <a:schemeClr val="accent1">
+                        <a:shade val="50000"/>
+                      </a:schemeClr>
+                    </a:lnRef>
+                    <a:fillRef idx="1">
+                      <a:schemeClr val="accent1"/>
+                    </a:fillRef>
+                    <a:effectRef idx="0">
+                      <a:schemeClr val="accent1"/>
+                    </a:effectRef>
+                    <a:fontRef idx="minor">
+                      <a:schemeClr val="lt1"/>
+                    </a:fontRef>
+                  </p:style>
+                  <p:txBody>
+                    <a:bodyPr rtlCol="0" anchor="ctr"/>
+                    <a:lstStyle/>
+                    <a:p>
+                      <a:pPr algn="ctr"/>
+                      <a:endParaRPr lang="nl-NL"/>
+                    </a:p>
+                  </p:txBody>
+                </p:sp>
+              </p:grpSp>
+              <p:pic>
+                <p:nvPicPr>
+                  <p:cNvPr id="40" name="Picture 2" descr="https://www.docker.com/sites/default/files/Whale%20Logo332_5.png">
+                    <a:extLst>
+                      <a:ext uri="{FF2B5EF4-FFF2-40B4-BE49-F238E27FC236}">
+                        <a16:creationId xmlns:a16="http://schemas.microsoft.com/office/drawing/2014/main" id="{49A274FF-7F11-488E-9EF2-5A068E6A990C}"/>
+                      </a:ext>
+                    </a:extLst>
+                  </p:cNvPr>
+                  <p:cNvPicPr>
+                    <a:picLocks noChangeAspect="1" noChangeArrowheads="1"/>
+                  </p:cNvPicPr>
+                  <p:nvPr/>
+                </p:nvPicPr>
+                <p:blipFill>
+                  <a:blip r:embed="rId3">
+                    <a:extLst>
+                      <a:ext uri="{28A0092B-C50C-407E-A947-70E740481C1C}">
+                        <a14:useLocalDpi xmlns:a14="http://schemas.microsoft.com/office/drawing/2010/main" val="0"/>
+                      </a:ext>
+                    </a:extLst>
+                  </a:blip>
+                  <a:srcRect/>
+                  <a:stretch>
+                    <a:fillRect/>
+                  </a:stretch>
+                </p:blipFill>
+                <p:spPr bwMode="auto">
+                  <a:xfrm>
+                    <a:off x="8826046" y="2809699"/>
+                    <a:ext cx="658529" cy="492061"/>
+                  </a:xfrm>
+                  <a:prstGeom prst="rect">
+                    <a:avLst/>
+                  </a:prstGeom>
+                  <a:noFill/>
+                  <a:extLst>
+                    <a:ext uri="{909E8E84-426E-40DD-AFC4-6F175D3DCCD1}">
+                      <a14:hiddenFill xmlns:a14="http://schemas.microsoft.com/office/drawing/2010/main">
+                        <a:solidFill>
+                          <a:srgbClr val="FFFFFF"/>
+                        </a:solidFill>
+                      </a14:hiddenFill>
+                    </a:ext>
+                  </a:extLst>
+                </p:spPr>
+              </p:pic>
+            </p:grpSp>
+            <p:grpSp>
+              <p:nvGrpSpPr>
+                <p:cNvPr id="43" name="Group 1051">
+                  <a:extLst>
+                    <a:ext uri="{FF2B5EF4-FFF2-40B4-BE49-F238E27FC236}">
+                      <a16:creationId xmlns:a16="http://schemas.microsoft.com/office/drawing/2014/main" id="{A8A20F0C-E19C-4746-8E65-B84CA0455457}"/>
+                    </a:ext>
+                  </a:extLst>
+                </p:cNvPr>
+                <p:cNvGrpSpPr/>
+                <p:nvPr/>
+              </p:nvGrpSpPr>
+              <p:grpSpPr>
+                <a:xfrm>
+                  <a:off x="2712799" y="4132421"/>
+                  <a:ext cx="1762041" cy="1296033"/>
+                  <a:chOff x="8826606" y="4161027"/>
+                  <a:chExt cx="1762041" cy="1296033"/>
+                </a:xfrm>
+              </p:grpSpPr>
+              <p:grpSp>
+                <p:nvGrpSpPr>
+                  <p:cNvPr id="44" name="Group 1042">
+                    <a:extLst>
+                      <a:ext uri="{FF2B5EF4-FFF2-40B4-BE49-F238E27FC236}">
+                        <a16:creationId xmlns:a16="http://schemas.microsoft.com/office/drawing/2014/main" id="{01F20F08-4815-454F-870B-0F840E3ACD47}"/>
+                      </a:ext>
+                    </a:extLst>
+                  </p:cNvPr>
+                  <p:cNvGrpSpPr/>
+                  <p:nvPr/>
+                </p:nvGrpSpPr>
+                <p:grpSpPr>
+                  <a:xfrm>
+                    <a:off x="8962770" y="4367764"/>
+                    <a:ext cx="1625877" cy="1089296"/>
+                    <a:chOff x="8962770" y="4170200"/>
+                    <a:chExt cx="1625877" cy="1089296"/>
+                  </a:xfrm>
+                </p:grpSpPr>
+                <p:pic>
+                  <p:nvPicPr>
+                    <p:cNvPr id="46" name="Picture 10" descr="Image result for php logo">
+                      <a:extLst>
+                        <a:ext uri="{FF2B5EF4-FFF2-40B4-BE49-F238E27FC236}">
+                          <a16:creationId xmlns:a16="http://schemas.microsoft.com/office/drawing/2014/main" id="{B820E0AD-69A4-4657-9348-C265D9C67F0E}"/>
+                        </a:ext>
+                      </a:extLst>
+                    </p:cNvPr>
+                    <p:cNvPicPr>
+                      <a:picLocks noChangeAspect="1" noChangeArrowheads="1"/>
+                    </p:cNvPicPr>
+                    <p:nvPr/>
+                  </p:nvPicPr>
+                  <p:blipFill>
+                    <a:blip r:embed="rId5">
+                      <a:extLst>
+                        <a:ext uri="{28A0092B-C50C-407E-A947-70E740481C1C}">
+                          <a14:useLocalDpi xmlns:a14="http://schemas.microsoft.com/office/drawing/2010/main" val="0"/>
+                        </a:ext>
+                      </a:extLst>
+                    </a:blip>
+                    <a:srcRect/>
+                    <a:stretch>
+                      <a:fillRect/>
+                    </a:stretch>
+                  </p:blipFill>
+                  <p:spPr bwMode="auto">
+                    <a:xfrm>
+                      <a:off x="9010092" y="4300737"/>
+                      <a:ext cx="1533745" cy="828222"/>
+                    </a:xfrm>
+                    <a:prstGeom prst="rect">
+                      <a:avLst/>
+                    </a:prstGeom>
+                    <a:noFill/>
+                    <a:extLst>
+                      <a:ext uri="{909E8E84-426E-40DD-AFC4-6F175D3DCCD1}">
+                        <a14:hiddenFill xmlns:a14="http://schemas.microsoft.com/office/drawing/2010/main">
+                          <a:solidFill>
+                            <a:srgbClr val="FFFFFF"/>
+                          </a:solidFill>
+                        </a14:hiddenFill>
+                      </a:ext>
+                    </a:extLst>
+                  </p:spPr>
+                </p:pic>
+                <p:sp>
+                  <p:nvSpPr>
+                    <p:cNvPr id="47" name="Rectangle 51">
+                      <a:extLst>
+                        <a:ext uri="{FF2B5EF4-FFF2-40B4-BE49-F238E27FC236}">
+                          <a16:creationId xmlns:a16="http://schemas.microsoft.com/office/drawing/2014/main" id="{D2E49281-34CF-40BD-B860-D4E8F329A740}"/>
+                        </a:ext>
+                      </a:extLst>
+                    </p:cNvPr>
+                    <p:cNvSpPr/>
+                    <p:nvPr/>
+                  </p:nvSpPr>
+                  <p:spPr>
+                    <a:xfrm>
+                      <a:off x="8962770" y="4170200"/>
+                      <a:ext cx="1625877" cy="1089296"/>
+                    </a:xfrm>
+                    <a:prstGeom prst="rect">
+                      <a:avLst/>
+                    </a:prstGeom>
+                    <a:noFill/>
+                  </p:spPr>
+                  <p:style>
+                    <a:lnRef idx="2">
+                      <a:schemeClr val="accent1">
+                        <a:shade val="50000"/>
+                      </a:schemeClr>
+                    </a:lnRef>
+                    <a:fillRef idx="1">
+                      <a:schemeClr val="accent1"/>
+                    </a:fillRef>
+                    <a:effectRef idx="0">
+                      <a:schemeClr val="accent1"/>
+                    </a:effectRef>
+                    <a:fontRef idx="minor">
+                      <a:schemeClr val="lt1"/>
+                    </a:fontRef>
+                  </p:style>
+                  <p:txBody>
+                    <a:bodyPr rtlCol="0" anchor="ctr"/>
+                    <a:lstStyle/>
+                    <a:p>
+                      <a:pPr algn="ctr"/>
+                      <a:endParaRPr lang="nl-NL"/>
+                    </a:p>
+                  </p:txBody>
+                </p:sp>
+              </p:grpSp>
+              <p:pic>
+                <p:nvPicPr>
+                  <p:cNvPr id="45" name="Picture 2" descr="https://www.docker.com/sites/default/files/Whale%20Logo332_5.png">
+                    <a:extLst>
+                      <a:ext uri="{FF2B5EF4-FFF2-40B4-BE49-F238E27FC236}">
+                        <a16:creationId xmlns:a16="http://schemas.microsoft.com/office/drawing/2014/main" id="{252F1754-2219-4A2B-82A5-764DE054D111}"/>
+                      </a:ext>
+                    </a:extLst>
+                  </p:cNvPr>
+                  <p:cNvPicPr>
+                    <a:picLocks noChangeAspect="1" noChangeArrowheads="1"/>
+                  </p:cNvPicPr>
+                  <p:nvPr/>
+                </p:nvPicPr>
+                <p:blipFill>
+                  <a:blip r:embed="rId3">
+                    <a:extLst>
+                      <a:ext uri="{28A0092B-C50C-407E-A947-70E740481C1C}">
+                        <a14:useLocalDpi xmlns:a14="http://schemas.microsoft.com/office/drawing/2010/main" val="0"/>
+                      </a:ext>
+                    </a:extLst>
+                  </a:blip>
+                  <a:srcRect/>
+                  <a:stretch>
+                    <a:fillRect/>
+                  </a:stretch>
+                </p:blipFill>
+                <p:spPr bwMode="auto">
+                  <a:xfrm>
+                    <a:off x="8826606" y="4161027"/>
+                    <a:ext cx="658529" cy="492061"/>
+                  </a:xfrm>
+                  <a:prstGeom prst="rect">
+                    <a:avLst/>
+                  </a:prstGeom>
+                  <a:noFill/>
+                  <a:extLst>
+                    <a:ext uri="{909E8E84-426E-40DD-AFC4-6F175D3DCCD1}">
+                      <a14:hiddenFill xmlns:a14="http://schemas.microsoft.com/office/drawing/2010/main">
+                        <a:solidFill>
+                          <a:srgbClr val="FFFFFF"/>
+                        </a:solidFill>
+                      </a14:hiddenFill>
+                    </a:ext>
+                  </a:extLst>
+                </p:spPr>
+              </p:pic>
+            </p:grpSp>
+          </p:grpSp>
+          <p:pic>
+            <p:nvPicPr>
+              <p:cNvPr id="2050" name="Picture 2" descr="https://www.seeklogo.net/wp-content/uploads/2012/12/windows-8-icon-logo-vector-400x400.png">
+                <a:extLst>
+                  <a:ext uri="{FF2B5EF4-FFF2-40B4-BE49-F238E27FC236}">
+                    <a16:creationId xmlns:a16="http://schemas.microsoft.com/office/drawing/2014/main" id="{1976C691-AE62-4774-AF08-89E104CE2F27}"/>
+                  </a:ext>
+                </a:extLst>
+              </p:cNvPr>
+              <p:cNvPicPr>
+                <a:picLocks noChangeAspect="1" noChangeArrowheads="1"/>
+              </p:cNvPicPr>
+              <p:nvPr/>
+            </p:nvPicPr>
+            <p:blipFill>
+              <a:blip r:embed="rId6">
+                <a:extLst>
+                  <a:ext uri="{28A0092B-C50C-407E-A947-70E740481C1C}">
+                    <a14:useLocalDpi xmlns:a14="http://schemas.microsoft.com/office/drawing/2010/main" val="0"/>
+                  </a:ext>
+                </a:extLst>
+              </a:blip>
+              <a:srcRect/>
+              <a:stretch>
+                <a:fillRect/>
+              </a:stretch>
+            </p:blipFill>
+            <p:spPr bwMode="auto">
+              <a:xfrm>
+                <a:off x="5269683" y="946212"/>
+                <a:ext cx="757794" cy="757794"/>
+              </a:xfrm>
+              <a:prstGeom prst="rect">
+                <a:avLst/>
+              </a:prstGeom>
+              <a:noFill/>
+              <a:extLst>
+                <a:ext uri="{909E8E84-426E-40DD-AFC4-6F175D3DCCD1}">
+                  <a14:hiddenFill xmlns:a14="http://schemas.microsoft.com/office/drawing/2010/main">
+                    <a:solidFill>
+                      <a:srgbClr val="FFFFFF"/>
+                    </a:solidFill>
+                  </a14:hiddenFill>
+                </a:ext>
+              </a:extLst>
+            </p:spPr>
+          </p:pic>
+        </p:grpSp>
+        <p:pic>
+          <p:nvPicPr>
+            <p:cNvPr id="2052" name="Picture 4" descr="https://upload.wikimedia.org/wikipedia/commons/thumb/5/55/Tux_Enhanced.svg/154px-Tux_Enhanced.svg.png">
+              <a:extLst>
+                <a:ext uri="{FF2B5EF4-FFF2-40B4-BE49-F238E27FC236}">
+                  <a16:creationId xmlns:a16="http://schemas.microsoft.com/office/drawing/2014/main" id="{01FEFF1B-F22D-4A8C-908F-A985EC2F70E9}"/>
+                </a:ext>
+              </a:extLst>
+            </p:cNvPr>
+            <p:cNvPicPr>
+              <a:picLocks noChangeAspect="1" noChangeArrowheads="1"/>
+            </p:cNvPicPr>
+            <p:nvPr/>
+          </p:nvPicPr>
+          <p:blipFill>
+            <a:blip r:embed="rId7">
+              <a:extLst>
+                <a:ext uri="{28A0092B-C50C-407E-A947-70E740481C1C}">
+                  <a14:useLocalDpi xmlns:a14="http://schemas.microsoft.com/office/drawing/2010/main" val="0"/>
+                </a:ext>
+              </a:extLst>
+            </a:blip>
+            <a:srcRect/>
+            <a:stretch>
+              <a:fillRect/>
+            </a:stretch>
+          </p:blipFill>
+          <p:spPr bwMode="auto">
+            <a:xfrm>
+              <a:off x="8137987" y="1097308"/>
+              <a:ext cx="618806" cy="723280"/>
+            </a:xfrm>
+            <a:prstGeom prst="rect">
+              <a:avLst/>
+            </a:prstGeom>
+            <a:noFill/>
+            <a:extLst>
+              <a:ext uri="{909E8E84-426E-40DD-AFC4-6F175D3DCCD1}">
+                <a14:hiddenFill xmlns:a14="http://schemas.microsoft.com/office/drawing/2010/main">
+                  <a:solidFill>
+                    <a:srgbClr val="FFFFFF"/>
+                  </a:solidFill>
+                </a14:hiddenFill>
+              </a:ext>
+            </a:extLst>
+          </p:spPr>
+        </p:pic>
+      </p:grpSp>
     </p:spTree>
     <p:extLst>
       <p:ext uri="{BB962C8B-B14F-4D97-AF65-F5344CB8AC3E}">
-        <p14:creationId xmlns:p14="http://schemas.microsoft.com/office/powerpoint/2010/main" val="4258537992"/>
+        <p14:creationId xmlns:p14="http://schemas.microsoft.com/office/powerpoint/2010/main" val="2028641943"/>
       </p:ext>
     </p:extLst>
   </p:cSld>
@@ -13033,53 +14106,6 @@
       </p:grpSpPr>
       <p:sp>
         <p:nvSpPr>
-          <p:cNvPr id="1025" name="Rectangle 1024">
-            <a:extLst>
-              <a:ext uri="{FF2B5EF4-FFF2-40B4-BE49-F238E27FC236}">
-                <a16:creationId xmlns:a16="http://schemas.microsoft.com/office/drawing/2014/main" id="{6A89272F-BA09-4D6B-98E8-342F8700FC7D}"/>
-              </a:ext>
-            </a:extLst>
-          </p:cNvPr>
-          <p:cNvSpPr/>
-          <p:nvPr/>
-        </p:nvSpPr>
-        <p:spPr>
-          <a:xfrm>
-            <a:off x="4879585" y="2848726"/>
-            <a:ext cx="1383957" cy="1383957"/>
-          </a:xfrm>
-          <a:prstGeom prst="rect">
-            <a:avLst/>
-          </a:prstGeom>
-          <a:noFill/>
-        </p:spPr>
-        <p:style>
-          <a:lnRef idx="2">
-            <a:schemeClr val="accent1">
-              <a:shade val="50000"/>
-            </a:schemeClr>
-          </a:lnRef>
-          <a:fillRef idx="1">
-            <a:schemeClr val="accent1"/>
-          </a:fillRef>
-          <a:effectRef idx="0">
-            <a:schemeClr val="accent1"/>
-          </a:effectRef>
-          <a:fontRef idx="minor">
-            <a:schemeClr val="lt1"/>
-          </a:fontRef>
-        </p:style>
-        <p:txBody>
-          <a:bodyPr rtlCol="0" anchor="ctr"/>
-          <a:lstStyle/>
-          <a:p>
-            <a:pPr algn="ctr"/>
-            <a:endParaRPr lang="nl-NL"/>
-          </a:p>
-        </p:txBody>
-      </p:sp>
-      <p:sp>
-        <p:nvSpPr>
           <p:cNvPr id="5" name="Rectangle 4">
             <a:extLst>
               <a:ext uri="{FF2B5EF4-FFF2-40B4-BE49-F238E27FC236}">
@@ -13092,8 +14118,8 @@
         </p:nvSpPr>
         <p:spPr>
           <a:xfrm>
-            <a:off x="4539048" y="1389063"/>
-            <a:ext cx="5645952" cy="4303283"/>
+            <a:off x="7694140" y="1389063"/>
+            <a:ext cx="2490859" cy="4303283"/>
           </a:xfrm>
           <a:prstGeom prst="rect">
             <a:avLst/>
@@ -13197,6 +14223,1015 @@
                 <a:defRPr/>
               </a:pPr>
               <a:t>5</a:t>
+            </a:fld>
+            <a:endParaRPr kumimoji="0" lang="en-US" sz="1050" b="0" i="0" u="none" strike="noStrike" kern="1200" cap="none" spc="0" normalizeH="0" baseline="0" noProof="0">
+              <a:ln>
+                <a:noFill/>
+              </a:ln>
+              <a:solidFill>
+                <a:srgbClr val="595959">
+                  <a:lumMod val="65000"/>
+                  <a:lumOff val="35000"/>
+                </a:srgbClr>
+              </a:solidFill>
+              <a:effectLst/>
+              <a:uLnTx/>
+              <a:uFillTx/>
+              <a:latin typeface="Segoe UI Light" charset="0"/>
+              <a:cs typeface="Segoe UI Light" charset="0"/>
+            </a:endParaRPr>
+          </a:p>
+        </p:txBody>
+      </p:sp>
+      <p:sp>
+        <p:nvSpPr>
+          <p:cNvPr id="4" name="Title 3"/>
+          <p:cNvSpPr>
+            <a:spLocks noGrp="1"/>
+          </p:cNvSpPr>
+          <p:nvPr>
+            <p:ph type="title"/>
+          </p:nvPr>
+        </p:nvSpPr>
+        <p:spPr/>
+        <p:txBody>
+          <a:bodyPr/>
+          <a:lstStyle/>
+          <a:p>
+            <a:r>
+              <a:rPr lang="en-GB" dirty="0"/>
+              <a:t>Demo 2: Multi-</a:t>
+            </a:r>
+            <a:r>
+              <a:rPr lang="en-GB" dirty="0" err="1"/>
+              <a:t>architectuur</a:t>
+            </a:r>
+            <a:r>
+              <a:rPr lang="en-GB" dirty="0"/>
+              <a:t> met Docker Compose</a:t>
+            </a:r>
+          </a:p>
+        </p:txBody>
+      </p:sp>
+      <p:cxnSp>
+        <p:nvCxnSpPr>
+          <p:cNvPr id="7" name="Straight Arrow Connector 6">
+            <a:extLst>
+              <a:ext uri="{FF2B5EF4-FFF2-40B4-BE49-F238E27FC236}">
+                <a16:creationId xmlns:a16="http://schemas.microsoft.com/office/drawing/2014/main" id="{A4E2878B-830C-4C5F-A506-BE3D1B5D6DB7}"/>
+              </a:ext>
+            </a:extLst>
+          </p:cNvPr>
+          <p:cNvCxnSpPr>
+            <a:cxnSpLocks/>
+            <a:stCxn id="51" idx="2"/>
+            <a:endCxn id="52" idx="0"/>
+          </p:cNvCxnSpPr>
+          <p:nvPr/>
+        </p:nvCxnSpPr>
+        <p:spPr>
+          <a:xfrm flipH="1">
+            <a:off x="8976642" y="4091288"/>
+            <a:ext cx="1" cy="276476"/>
+          </a:xfrm>
+          <a:prstGeom prst="straightConnector1">
+            <a:avLst/>
+          </a:prstGeom>
+          <a:ln>
+            <a:tailEnd type="triangle"/>
+          </a:ln>
+        </p:spPr>
+        <p:style>
+          <a:lnRef idx="1">
+            <a:schemeClr val="accent1"/>
+          </a:lnRef>
+          <a:fillRef idx="0">
+            <a:schemeClr val="accent1"/>
+          </a:fillRef>
+          <a:effectRef idx="0">
+            <a:schemeClr val="accent1"/>
+          </a:effectRef>
+          <a:fontRef idx="minor">
+            <a:schemeClr val="tx1"/>
+          </a:fontRef>
+        </p:style>
+      </p:cxnSp>
+      <p:cxnSp>
+        <p:nvCxnSpPr>
+          <p:cNvPr id="25" name="Straight Arrow Connector 24">
+            <a:extLst>
+              <a:ext uri="{FF2B5EF4-FFF2-40B4-BE49-F238E27FC236}">
+                <a16:creationId xmlns:a16="http://schemas.microsoft.com/office/drawing/2014/main" id="{DE69C362-CD56-485E-AD61-7697782F5202}"/>
+              </a:ext>
+            </a:extLst>
+          </p:cNvPr>
+          <p:cNvCxnSpPr>
+            <a:cxnSpLocks/>
+            <a:stCxn id="34" idx="0"/>
+            <a:endCxn id="51" idx="1"/>
+          </p:cNvCxnSpPr>
+          <p:nvPr/>
+        </p:nvCxnSpPr>
+        <p:spPr>
+          <a:xfrm>
+            <a:off x="2893996" y="3540705"/>
+            <a:ext cx="5269708" cy="5935"/>
+          </a:xfrm>
+          <a:prstGeom prst="straightConnector1">
+            <a:avLst/>
+          </a:prstGeom>
+          <a:ln>
+            <a:prstDash val="lgDash"/>
+            <a:tailEnd type="triangle"/>
+          </a:ln>
+        </p:spPr>
+        <p:style>
+          <a:lnRef idx="1">
+            <a:schemeClr val="accent1"/>
+          </a:lnRef>
+          <a:fillRef idx="0">
+            <a:schemeClr val="accent1"/>
+          </a:fillRef>
+          <a:effectRef idx="0">
+            <a:schemeClr val="accent1"/>
+          </a:effectRef>
+          <a:fontRef idx="minor">
+            <a:schemeClr val="tx1"/>
+          </a:fontRef>
+        </p:style>
+      </p:cxnSp>
+      <p:grpSp>
+        <p:nvGrpSpPr>
+          <p:cNvPr id="1054" name="Group 1053">
+            <a:extLst>
+              <a:ext uri="{FF2B5EF4-FFF2-40B4-BE49-F238E27FC236}">
+                <a16:creationId xmlns:a16="http://schemas.microsoft.com/office/drawing/2014/main" id="{EF091579-8E08-44EF-BA94-C87FB2365E5B}"/>
+              </a:ext>
+            </a:extLst>
+          </p:cNvPr>
+          <p:cNvGrpSpPr/>
+          <p:nvPr/>
+        </p:nvGrpSpPr>
+        <p:grpSpPr>
+          <a:xfrm>
+            <a:off x="8027539" y="1436188"/>
+            <a:ext cx="1762044" cy="1324582"/>
+            <a:chOff x="8826606" y="1436188"/>
+            <a:chExt cx="1762044" cy="1324582"/>
+          </a:xfrm>
+        </p:grpSpPr>
+        <p:grpSp>
+          <p:nvGrpSpPr>
+            <p:cNvPr id="1041" name="Group 1040">
+              <a:extLst>
+                <a:ext uri="{FF2B5EF4-FFF2-40B4-BE49-F238E27FC236}">
+                  <a16:creationId xmlns:a16="http://schemas.microsoft.com/office/drawing/2014/main" id="{EA91D407-9EC0-4205-9A2E-A5AD22BBBEEA}"/>
+                </a:ext>
+              </a:extLst>
+            </p:cNvPr>
+            <p:cNvGrpSpPr/>
+            <p:nvPr/>
+          </p:nvGrpSpPr>
+          <p:grpSpPr>
+            <a:xfrm>
+              <a:off x="8962773" y="1671474"/>
+              <a:ext cx="1625877" cy="1089296"/>
+              <a:chOff x="8962773" y="1919372"/>
+              <a:chExt cx="1625877" cy="1089296"/>
+            </a:xfrm>
+          </p:grpSpPr>
+          <p:pic>
+            <p:nvPicPr>
+              <p:cNvPr id="1030" name="Picture 6" descr="https://codeopinion.com/wp-content/uploads/2016/02/aspnetcore.png">
+                <a:extLst>
+                  <a:ext uri="{FF2B5EF4-FFF2-40B4-BE49-F238E27FC236}">
+                    <a16:creationId xmlns:a16="http://schemas.microsoft.com/office/drawing/2014/main" id="{83797498-A30C-420A-8438-7B7A9A42722A}"/>
+                  </a:ext>
+                </a:extLst>
+              </p:cNvPr>
+              <p:cNvPicPr>
+                <a:picLocks noChangeAspect="1" noChangeArrowheads="1"/>
+              </p:cNvPicPr>
+              <p:nvPr/>
+            </p:nvPicPr>
+            <p:blipFill>
+              <a:blip r:embed="rId2">
+                <a:extLst>
+                  <a:ext uri="{28A0092B-C50C-407E-A947-70E740481C1C}">
+                    <a14:useLocalDpi xmlns:a14="http://schemas.microsoft.com/office/drawing/2010/main" val="0"/>
+                  </a:ext>
+                </a:extLst>
+              </a:blip>
+              <a:srcRect/>
+              <a:stretch>
+                <a:fillRect/>
+              </a:stretch>
+            </p:blipFill>
+            <p:spPr bwMode="auto">
+              <a:xfrm>
+                <a:off x="9073692" y="1953886"/>
+                <a:ext cx="1404037" cy="1020267"/>
+              </a:xfrm>
+              <a:prstGeom prst="rect">
+                <a:avLst/>
+              </a:prstGeom>
+              <a:noFill/>
+              <a:extLst>
+                <a:ext uri="{909E8E84-426E-40DD-AFC4-6F175D3DCCD1}">
+                  <a14:hiddenFill xmlns:a14="http://schemas.microsoft.com/office/drawing/2010/main">
+                    <a:solidFill>
+                      <a:srgbClr val="FFFFFF"/>
+                    </a:solidFill>
+                  </a14:hiddenFill>
+                </a:ext>
+              </a:extLst>
+            </p:spPr>
+          </p:pic>
+          <p:sp>
+            <p:nvSpPr>
+              <p:cNvPr id="48" name="Rectangle 47">
+                <a:extLst>
+                  <a:ext uri="{FF2B5EF4-FFF2-40B4-BE49-F238E27FC236}">
+                    <a16:creationId xmlns:a16="http://schemas.microsoft.com/office/drawing/2014/main" id="{058DC6CE-FCCE-4F68-B5EB-377CF03BBAF9}"/>
+                  </a:ext>
+                </a:extLst>
+              </p:cNvPr>
+              <p:cNvSpPr/>
+              <p:nvPr/>
+            </p:nvSpPr>
+            <p:spPr>
+              <a:xfrm>
+                <a:off x="8962773" y="1919372"/>
+                <a:ext cx="1625877" cy="1089296"/>
+              </a:xfrm>
+              <a:prstGeom prst="rect">
+                <a:avLst/>
+              </a:prstGeom>
+              <a:noFill/>
+            </p:spPr>
+            <p:style>
+              <a:lnRef idx="2">
+                <a:schemeClr val="accent1">
+                  <a:shade val="50000"/>
+                </a:schemeClr>
+              </a:lnRef>
+              <a:fillRef idx="1">
+                <a:schemeClr val="accent1"/>
+              </a:fillRef>
+              <a:effectRef idx="0">
+                <a:schemeClr val="accent1"/>
+              </a:effectRef>
+              <a:fontRef idx="minor">
+                <a:schemeClr val="lt1"/>
+              </a:fontRef>
+            </p:style>
+            <p:txBody>
+              <a:bodyPr rtlCol="0" anchor="ctr"/>
+              <a:lstStyle/>
+              <a:p>
+                <a:pPr algn="ctr"/>
+                <a:endParaRPr lang="nl-NL"/>
+              </a:p>
+            </p:txBody>
+          </p:sp>
+        </p:grpSp>
+        <p:pic>
+          <p:nvPicPr>
+            <p:cNvPr id="66" name="Picture 2" descr="https://www.docker.com/sites/default/files/Whale%20Logo332_5.png">
+              <a:extLst>
+                <a:ext uri="{FF2B5EF4-FFF2-40B4-BE49-F238E27FC236}">
+                  <a16:creationId xmlns:a16="http://schemas.microsoft.com/office/drawing/2014/main" id="{3B6B5A53-CAE6-4855-A690-B9EB94D9A936}"/>
+                </a:ext>
+              </a:extLst>
+            </p:cNvPr>
+            <p:cNvPicPr>
+              <a:picLocks noChangeAspect="1" noChangeArrowheads="1"/>
+            </p:cNvPicPr>
+            <p:nvPr/>
+          </p:nvPicPr>
+          <p:blipFill>
+            <a:blip r:embed="rId3">
+              <a:extLst>
+                <a:ext uri="{28A0092B-C50C-407E-A947-70E740481C1C}">
+                  <a14:useLocalDpi xmlns:a14="http://schemas.microsoft.com/office/drawing/2010/main" val="0"/>
+                </a:ext>
+              </a:extLst>
+            </a:blip>
+            <a:srcRect/>
+            <a:stretch>
+              <a:fillRect/>
+            </a:stretch>
+          </p:blipFill>
+          <p:spPr bwMode="auto">
+            <a:xfrm>
+              <a:off x="8826606" y="1436188"/>
+              <a:ext cx="658529" cy="492061"/>
+            </a:xfrm>
+            <a:prstGeom prst="rect">
+              <a:avLst/>
+            </a:prstGeom>
+            <a:noFill/>
+            <a:extLst>
+              <a:ext uri="{909E8E84-426E-40DD-AFC4-6F175D3DCCD1}">
+                <a14:hiddenFill xmlns:a14="http://schemas.microsoft.com/office/drawing/2010/main">
+                  <a:solidFill>
+                    <a:srgbClr val="FFFFFF"/>
+                  </a:solidFill>
+                </a14:hiddenFill>
+              </a:ext>
+            </a:extLst>
+          </p:spPr>
+        </p:pic>
+      </p:grpSp>
+      <p:grpSp>
+        <p:nvGrpSpPr>
+          <p:cNvPr id="1053" name="Group 1052">
+            <a:extLst>
+              <a:ext uri="{FF2B5EF4-FFF2-40B4-BE49-F238E27FC236}">
+                <a16:creationId xmlns:a16="http://schemas.microsoft.com/office/drawing/2014/main" id="{D2B92564-A921-45C3-96EB-C47C5CDE81CA}"/>
+              </a:ext>
+            </a:extLst>
+          </p:cNvPr>
+          <p:cNvGrpSpPr/>
+          <p:nvPr/>
+        </p:nvGrpSpPr>
+        <p:grpSpPr>
+          <a:xfrm>
+            <a:off x="8026979" y="2793223"/>
+            <a:ext cx="1762602" cy="1298065"/>
+            <a:chOff x="8826046" y="2809699"/>
+            <a:chExt cx="1762602" cy="1298065"/>
+          </a:xfrm>
+        </p:grpSpPr>
+        <p:grpSp>
+          <p:nvGrpSpPr>
+            <p:cNvPr id="1042" name="Group 1041">
+              <a:extLst>
+                <a:ext uri="{FF2B5EF4-FFF2-40B4-BE49-F238E27FC236}">
+                  <a16:creationId xmlns:a16="http://schemas.microsoft.com/office/drawing/2014/main" id="{A3B7C3CA-61AA-4000-A26F-1DB1F402C988}"/>
+                </a:ext>
+              </a:extLst>
+            </p:cNvPr>
+            <p:cNvGrpSpPr/>
+            <p:nvPr/>
+          </p:nvGrpSpPr>
+          <p:grpSpPr>
+            <a:xfrm>
+              <a:off x="8962771" y="3018468"/>
+              <a:ext cx="1625877" cy="1089296"/>
+              <a:chOff x="8962771" y="3043182"/>
+              <a:chExt cx="1625877" cy="1089296"/>
+            </a:xfrm>
+          </p:grpSpPr>
+          <p:pic>
+            <p:nvPicPr>
+              <p:cNvPr id="1032" name="Picture 8" descr="https://upload.wikimedia.org/wikipedia/commons/thumb/7/7e/Node.js_logo_2015.svg/2000px-Node.js_logo_2015.svg.png">
+                <a:extLst>
+                  <a:ext uri="{FF2B5EF4-FFF2-40B4-BE49-F238E27FC236}">
+                    <a16:creationId xmlns:a16="http://schemas.microsoft.com/office/drawing/2014/main" id="{68FF180B-A6DD-4008-914C-69D3027F4F6E}"/>
+                  </a:ext>
+                </a:extLst>
+              </p:cNvPr>
+              <p:cNvPicPr>
+                <a:picLocks noChangeAspect="1" noChangeArrowheads="1"/>
+              </p:cNvPicPr>
+              <p:nvPr/>
+            </p:nvPicPr>
+            <p:blipFill>
+              <a:blip r:embed="rId4">
+                <a:extLst>
+                  <a:ext uri="{28A0092B-C50C-407E-A947-70E740481C1C}">
+                    <a14:useLocalDpi xmlns:a14="http://schemas.microsoft.com/office/drawing/2010/main" val="0"/>
+                  </a:ext>
+                </a:extLst>
+              </a:blip>
+              <a:srcRect/>
+              <a:stretch>
+                <a:fillRect/>
+              </a:stretch>
+            </p:blipFill>
+            <p:spPr bwMode="auto">
+              <a:xfrm>
+                <a:off x="9043295" y="3332680"/>
+                <a:ext cx="1533745" cy="412593"/>
+              </a:xfrm>
+              <a:prstGeom prst="rect">
+                <a:avLst/>
+              </a:prstGeom>
+              <a:noFill/>
+              <a:extLst>
+                <a:ext uri="{909E8E84-426E-40DD-AFC4-6F175D3DCCD1}">
+                  <a14:hiddenFill xmlns:a14="http://schemas.microsoft.com/office/drawing/2010/main">
+                    <a:solidFill>
+                      <a:srgbClr val="FFFFFF"/>
+                    </a:solidFill>
+                  </a14:hiddenFill>
+                </a:ext>
+              </a:extLst>
+            </p:spPr>
+          </p:pic>
+          <p:sp>
+            <p:nvSpPr>
+              <p:cNvPr id="51" name="Rectangle 50">
+                <a:extLst>
+                  <a:ext uri="{FF2B5EF4-FFF2-40B4-BE49-F238E27FC236}">
+                    <a16:creationId xmlns:a16="http://schemas.microsoft.com/office/drawing/2014/main" id="{70252D1B-D828-4C6C-9DC1-F50AE2DFA937}"/>
+                  </a:ext>
+                </a:extLst>
+              </p:cNvPr>
+              <p:cNvSpPr/>
+              <p:nvPr/>
+            </p:nvSpPr>
+            <p:spPr>
+              <a:xfrm>
+                <a:off x="8962771" y="3043182"/>
+                <a:ext cx="1625877" cy="1089296"/>
+              </a:xfrm>
+              <a:prstGeom prst="rect">
+                <a:avLst/>
+              </a:prstGeom>
+              <a:noFill/>
+            </p:spPr>
+            <p:style>
+              <a:lnRef idx="2">
+                <a:schemeClr val="accent1">
+                  <a:shade val="50000"/>
+                </a:schemeClr>
+              </a:lnRef>
+              <a:fillRef idx="1">
+                <a:schemeClr val="accent1"/>
+              </a:fillRef>
+              <a:effectRef idx="0">
+                <a:schemeClr val="accent1"/>
+              </a:effectRef>
+              <a:fontRef idx="minor">
+                <a:schemeClr val="lt1"/>
+              </a:fontRef>
+            </p:style>
+            <p:txBody>
+              <a:bodyPr rtlCol="0" anchor="ctr"/>
+              <a:lstStyle/>
+              <a:p>
+                <a:pPr algn="ctr"/>
+                <a:endParaRPr lang="nl-NL"/>
+              </a:p>
+            </p:txBody>
+          </p:sp>
+        </p:grpSp>
+        <p:pic>
+          <p:nvPicPr>
+            <p:cNvPr id="67" name="Picture 2" descr="https://www.docker.com/sites/default/files/Whale%20Logo332_5.png">
+              <a:extLst>
+                <a:ext uri="{FF2B5EF4-FFF2-40B4-BE49-F238E27FC236}">
+                  <a16:creationId xmlns:a16="http://schemas.microsoft.com/office/drawing/2014/main" id="{4150094E-C169-4575-A0AD-3B7EE6BC0CF0}"/>
+                </a:ext>
+              </a:extLst>
+            </p:cNvPr>
+            <p:cNvPicPr>
+              <a:picLocks noChangeAspect="1" noChangeArrowheads="1"/>
+            </p:cNvPicPr>
+            <p:nvPr/>
+          </p:nvPicPr>
+          <p:blipFill>
+            <a:blip r:embed="rId3">
+              <a:extLst>
+                <a:ext uri="{28A0092B-C50C-407E-A947-70E740481C1C}">
+                  <a14:useLocalDpi xmlns:a14="http://schemas.microsoft.com/office/drawing/2010/main" val="0"/>
+                </a:ext>
+              </a:extLst>
+            </a:blip>
+            <a:srcRect/>
+            <a:stretch>
+              <a:fillRect/>
+            </a:stretch>
+          </p:blipFill>
+          <p:spPr bwMode="auto">
+            <a:xfrm>
+              <a:off x="8826046" y="2809699"/>
+              <a:ext cx="658529" cy="492061"/>
+            </a:xfrm>
+            <a:prstGeom prst="rect">
+              <a:avLst/>
+            </a:prstGeom>
+            <a:noFill/>
+            <a:extLst>
+              <a:ext uri="{909E8E84-426E-40DD-AFC4-6F175D3DCCD1}">
+                <a14:hiddenFill xmlns:a14="http://schemas.microsoft.com/office/drawing/2010/main">
+                  <a:solidFill>
+                    <a:srgbClr val="FFFFFF"/>
+                  </a:solidFill>
+                </a14:hiddenFill>
+              </a:ext>
+            </a:extLst>
+          </p:spPr>
+        </p:pic>
+      </p:grpSp>
+      <p:grpSp>
+        <p:nvGrpSpPr>
+          <p:cNvPr id="1052" name="Group 1051">
+            <a:extLst>
+              <a:ext uri="{FF2B5EF4-FFF2-40B4-BE49-F238E27FC236}">
+                <a16:creationId xmlns:a16="http://schemas.microsoft.com/office/drawing/2014/main" id="{445FF9BD-C88D-437D-AF65-CBFBCBC2F1A7}"/>
+              </a:ext>
+            </a:extLst>
+          </p:cNvPr>
+          <p:cNvGrpSpPr/>
+          <p:nvPr/>
+        </p:nvGrpSpPr>
+        <p:grpSpPr>
+          <a:xfrm>
+            <a:off x="8027539" y="4161027"/>
+            <a:ext cx="1762041" cy="1296033"/>
+            <a:chOff x="8826606" y="4161027"/>
+            <a:chExt cx="1762041" cy="1296033"/>
+          </a:xfrm>
+        </p:grpSpPr>
+        <p:grpSp>
+          <p:nvGrpSpPr>
+            <p:cNvPr id="1043" name="Group 1042">
+              <a:extLst>
+                <a:ext uri="{FF2B5EF4-FFF2-40B4-BE49-F238E27FC236}">
+                  <a16:creationId xmlns:a16="http://schemas.microsoft.com/office/drawing/2014/main" id="{78044B33-0FCD-4097-A6E9-01E1209972AD}"/>
+                </a:ext>
+              </a:extLst>
+            </p:cNvPr>
+            <p:cNvGrpSpPr/>
+            <p:nvPr/>
+          </p:nvGrpSpPr>
+          <p:grpSpPr>
+            <a:xfrm>
+              <a:off x="8962770" y="4367764"/>
+              <a:ext cx="1625877" cy="1089296"/>
+              <a:chOff x="8962770" y="4170200"/>
+              <a:chExt cx="1625877" cy="1089296"/>
+            </a:xfrm>
+          </p:grpSpPr>
+          <p:pic>
+            <p:nvPicPr>
+              <p:cNvPr id="1034" name="Picture 10" descr="Image result for php logo">
+                <a:extLst>
+                  <a:ext uri="{FF2B5EF4-FFF2-40B4-BE49-F238E27FC236}">
+                    <a16:creationId xmlns:a16="http://schemas.microsoft.com/office/drawing/2014/main" id="{899EBDCA-06DF-4213-9DC3-A7544F7AA857}"/>
+                  </a:ext>
+                </a:extLst>
+              </p:cNvPr>
+              <p:cNvPicPr>
+                <a:picLocks noChangeAspect="1" noChangeArrowheads="1"/>
+              </p:cNvPicPr>
+              <p:nvPr/>
+            </p:nvPicPr>
+            <p:blipFill>
+              <a:blip r:embed="rId5">
+                <a:extLst>
+                  <a:ext uri="{28A0092B-C50C-407E-A947-70E740481C1C}">
+                    <a14:useLocalDpi xmlns:a14="http://schemas.microsoft.com/office/drawing/2010/main" val="0"/>
+                  </a:ext>
+                </a:extLst>
+              </a:blip>
+              <a:srcRect/>
+              <a:stretch>
+                <a:fillRect/>
+              </a:stretch>
+            </p:blipFill>
+            <p:spPr bwMode="auto">
+              <a:xfrm>
+                <a:off x="9010092" y="4300737"/>
+                <a:ext cx="1533745" cy="828222"/>
+              </a:xfrm>
+              <a:prstGeom prst="rect">
+                <a:avLst/>
+              </a:prstGeom>
+              <a:noFill/>
+              <a:extLst>
+                <a:ext uri="{909E8E84-426E-40DD-AFC4-6F175D3DCCD1}">
+                  <a14:hiddenFill xmlns:a14="http://schemas.microsoft.com/office/drawing/2010/main">
+                    <a:solidFill>
+                      <a:srgbClr val="FFFFFF"/>
+                    </a:solidFill>
+                  </a14:hiddenFill>
+                </a:ext>
+              </a:extLst>
+            </p:spPr>
+          </p:pic>
+          <p:sp>
+            <p:nvSpPr>
+              <p:cNvPr id="52" name="Rectangle 51">
+                <a:extLst>
+                  <a:ext uri="{FF2B5EF4-FFF2-40B4-BE49-F238E27FC236}">
+                    <a16:creationId xmlns:a16="http://schemas.microsoft.com/office/drawing/2014/main" id="{DC7F4E87-93BF-4E2C-8101-C0B7E55FC448}"/>
+                  </a:ext>
+                </a:extLst>
+              </p:cNvPr>
+              <p:cNvSpPr/>
+              <p:nvPr/>
+            </p:nvSpPr>
+            <p:spPr>
+              <a:xfrm>
+                <a:off x="8962770" y="4170200"/>
+                <a:ext cx="1625877" cy="1089296"/>
+              </a:xfrm>
+              <a:prstGeom prst="rect">
+                <a:avLst/>
+              </a:prstGeom>
+              <a:noFill/>
+            </p:spPr>
+            <p:style>
+              <a:lnRef idx="2">
+                <a:schemeClr val="accent1">
+                  <a:shade val="50000"/>
+                </a:schemeClr>
+              </a:lnRef>
+              <a:fillRef idx="1">
+                <a:schemeClr val="accent1"/>
+              </a:fillRef>
+              <a:effectRef idx="0">
+                <a:schemeClr val="accent1"/>
+              </a:effectRef>
+              <a:fontRef idx="minor">
+                <a:schemeClr val="lt1"/>
+              </a:fontRef>
+            </p:style>
+            <p:txBody>
+              <a:bodyPr rtlCol="0" anchor="ctr"/>
+              <a:lstStyle/>
+              <a:p>
+                <a:pPr algn="ctr"/>
+                <a:endParaRPr lang="nl-NL"/>
+              </a:p>
+            </p:txBody>
+          </p:sp>
+        </p:grpSp>
+        <p:pic>
+          <p:nvPicPr>
+            <p:cNvPr id="68" name="Picture 2" descr="https://www.docker.com/sites/default/files/Whale%20Logo332_5.png">
+              <a:extLst>
+                <a:ext uri="{FF2B5EF4-FFF2-40B4-BE49-F238E27FC236}">
+                  <a16:creationId xmlns:a16="http://schemas.microsoft.com/office/drawing/2014/main" id="{58BA554F-BE4C-45F1-9474-D774688E1D6D}"/>
+                </a:ext>
+              </a:extLst>
+            </p:cNvPr>
+            <p:cNvPicPr>
+              <a:picLocks noChangeAspect="1" noChangeArrowheads="1"/>
+            </p:cNvPicPr>
+            <p:nvPr/>
+          </p:nvPicPr>
+          <p:blipFill>
+            <a:blip r:embed="rId3">
+              <a:extLst>
+                <a:ext uri="{28A0092B-C50C-407E-A947-70E740481C1C}">
+                  <a14:useLocalDpi xmlns:a14="http://schemas.microsoft.com/office/drawing/2010/main" val="0"/>
+                </a:ext>
+              </a:extLst>
+            </a:blip>
+            <a:srcRect/>
+            <a:stretch>
+              <a:fillRect/>
+            </a:stretch>
+          </p:blipFill>
+          <p:spPr bwMode="auto">
+            <a:xfrm>
+              <a:off x="8826606" y="4161027"/>
+              <a:ext cx="658529" cy="492061"/>
+            </a:xfrm>
+            <a:prstGeom prst="rect">
+              <a:avLst/>
+            </a:prstGeom>
+            <a:noFill/>
+            <a:extLst>
+              <a:ext uri="{909E8E84-426E-40DD-AFC4-6F175D3DCCD1}">
+                <a14:hiddenFill xmlns:a14="http://schemas.microsoft.com/office/drawing/2010/main">
+                  <a:solidFill>
+                    <a:srgbClr val="FFFFFF"/>
+                  </a:solidFill>
+                </a14:hiddenFill>
+              </a:ext>
+            </a:extLst>
+          </p:spPr>
+        </p:pic>
+      </p:grpSp>
+      <p:sp>
+        <p:nvSpPr>
+          <p:cNvPr id="1055" name="TextBox 1054">
+            <a:extLst>
+              <a:ext uri="{FF2B5EF4-FFF2-40B4-BE49-F238E27FC236}">
+                <a16:creationId xmlns:a16="http://schemas.microsoft.com/office/drawing/2014/main" id="{9690521A-4286-445D-80AB-47279576D376}"/>
+              </a:ext>
+            </a:extLst>
+          </p:cNvPr>
+          <p:cNvSpPr txBox="1"/>
+          <p:nvPr/>
+        </p:nvSpPr>
+        <p:spPr>
+          <a:xfrm>
+            <a:off x="2969112" y="3209444"/>
+            <a:ext cx="1447832" cy="369332"/>
+          </a:xfrm>
+          <a:prstGeom prst="rect">
+            <a:avLst/>
+          </a:prstGeom>
+          <a:noFill/>
+        </p:spPr>
+        <p:txBody>
+          <a:bodyPr wrap="none" rtlCol="0">
+            <a:spAutoFit/>
+          </a:bodyPr>
+          <a:lstStyle/>
+          <a:p>
+            <a:r>
+              <a:rPr lang="nl-NL" dirty="0"/>
+              <a:t>sdfg.local:80</a:t>
+            </a:r>
+          </a:p>
+        </p:txBody>
+      </p:sp>
+      <p:sp>
+        <p:nvSpPr>
+          <p:cNvPr id="34" name="Cloud 22">
+            <a:extLst>
+              <a:ext uri="{FF2B5EF4-FFF2-40B4-BE49-F238E27FC236}">
+                <a16:creationId xmlns:a16="http://schemas.microsoft.com/office/drawing/2014/main" id="{A3776D4E-D73D-4EF8-A8B2-1FB4E37E87C8}"/>
+              </a:ext>
+            </a:extLst>
+          </p:cNvPr>
+          <p:cNvSpPr/>
+          <p:nvPr/>
+        </p:nvSpPr>
+        <p:spPr>
+          <a:xfrm>
+            <a:off x="1377928" y="3065933"/>
+            <a:ext cx="1517332" cy="949544"/>
+          </a:xfrm>
+          <a:prstGeom prst="cloud">
+            <a:avLst/>
+          </a:prstGeom>
+        </p:spPr>
+        <p:style>
+          <a:lnRef idx="2">
+            <a:schemeClr val="accent1">
+              <a:shade val="50000"/>
+            </a:schemeClr>
+          </a:lnRef>
+          <a:fillRef idx="1">
+            <a:schemeClr val="accent1"/>
+          </a:fillRef>
+          <a:effectRef idx="0">
+            <a:schemeClr val="accent1"/>
+          </a:effectRef>
+          <a:fontRef idx="minor">
+            <a:schemeClr val="lt1"/>
+          </a:fontRef>
+        </p:style>
+        <p:txBody>
+          <a:bodyPr rtlCol="0" anchor="ctr"/>
+          <a:lstStyle/>
+          <a:p>
+            <a:pPr algn="ctr"/>
+            <a:endParaRPr lang="nl-NL"/>
+          </a:p>
+        </p:txBody>
+      </p:sp>
+      <p:cxnSp>
+        <p:nvCxnSpPr>
+          <p:cNvPr id="39" name="Straight Arrow Connector 6">
+            <a:extLst>
+              <a:ext uri="{FF2B5EF4-FFF2-40B4-BE49-F238E27FC236}">
+                <a16:creationId xmlns:a16="http://schemas.microsoft.com/office/drawing/2014/main" id="{E346AB5C-458C-49AB-8110-8AEB7E9DA3B6}"/>
+              </a:ext>
+            </a:extLst>
+          </p:cNvPr>
+          <p:cNvCxnSpPr>
+            <a:cxnSpLocks/>
+            <a:stCxn id="51" idx="0"/>
+            <a:endCxn id="48" idx="2"/>
+          </p:cNvCxnSpPr>
+          <p:nvPr/>
+        </p:nvCxnSpPr>
+        <p:spPr>
+          <a:xfrm flipV="1">
+            <a:off x="8976643" y="2760770"/>
+            <a:ext cx="2" cy="241222"/>
+          </a:xfrm>
+          <a:prstGeom prst="straightConnector1">
+            <a:avLst/>
+          </a:prstGeom>
+          <a:ln>
+            <a:tailEnd type="triangle"/>
+          </a:ln>
+        </p:spPr>
+        <p:style>
+          <a:lnRef idx="1">
+            <a:schemeClr val="accent1"/>
+          </a:lnRef>
+          <a:fillRef idx="0">
+            <a:schemeClr val="accent1"/>
+          </a:fillRef>
+          <a:effectRef idx="0">
+            <a:schemeClr val="accent1"/>
+          </a:effectRef>
+          <a:fontRef idx="minor">
+            <a:schemeClr val="tx1"/>
+          </a:fontRef>
+        </p:style>
+      </p:cxnSp>
+    </p:spTree>
+    <p:extLst>
+      <p:ext uri="{BB962C8B-B14F-4D97-AF65-F5344CB8AC3E}">
+        <p14:creationId xmlns:p14="http://schemas.microsoft.com/office/powerpoint/2010/main" val="3877747119"/>
+      </p:ext>
+    </p:extLst>
+  </p:cSld>
+  <p:clrMapOvr>
+    <a:masterClrMapping/>
+  </p:clrMapOvr>
+  <p:transition>
+    <p:fade/>
+  </p:transition>
+</p:sld>
+</file>
+
+<file path=ppt/slides/slide6.xml><?xml version="1.0" encoding="utf-8"?>
+<p:sld xmlns:a="http://schemas.openxmlformats.org/drawingml/2006/main" xmlns:r="http://schemas.openxmlformats.org/officeDocument/2006/relationships" xmlns:p="http://schemas.openxmlformats.org/presentationml/2006/main">
+  <p:cSld>
+    <p:spTree>
+      <p:nvGrpSpPr>
+        <p:cNvPr id="1" name=""/>
+        <p:cNvGrpSpPr/>
+        <p:nvPr/>
+      </p:nvGrpSpPr>
+      <p:grpSpPr>
+        <a:xfrm>
+          <a:off x="0" y="0"/>
+          <a:ext cx="0" cy="0"/>
+          <a:chOff x="0" y="0"/>
+          <a:chExt cx="0" cy="0"/>
+        </a:xfrm>
+      </p:grpSpPr>
+      <p:sp>
+        <p:nvSpPr>
+          <p:cNvPr id="1025" name="Rectangle 1024">
+            <a:extLst>
+              <a:ext uri="{FF2B5EF4-FFF2-40B4-BE49-F238E27FC236}">
+                <a16:creationId xmlns:a16="http://schemas.microsoft.com/office/drawing/2014/main" id="{6A89272F-BA09-4D6B-98E8-342F8700FC7D}"/>
+              </a:ext>
+            </a:extLst>
+          </p:cNvPr>
+          <p:cNvSpPr/>
+          <p:nvPr/>
+        </p:nvSpPr>
+        <p:spPr>
+          <a:xfrm>
+            <a:off x="4879585" y="2848726"/>
+            <a:ext cx="1383957" cy="1383957"/>
+          </a:xfrm>
+          <a:prstGeom prst="rect">
+            <a:avLst/>
+          </a:prstGeom>
+          <a:noFill/>
+        </p:spPr>
+        <p:style>
+          <a:lnRef idx="2">
+            <a:schemeClr val="accent1">
+              <a:shade val="50000"/>
+            </a:schemeClr>
+          </a:lnRef>
+          <a:fillRef idx="1">
+            <a:schemeClr val="accent1"/>
+          </a:fillRef>
+          <a:effectRef idx="0">
+            <a:schemeClr val="accent1"/>
+          </a:effectRef>
+          <a:fontRef idx="minor">
+            <a:schemeClr val="lt1"/>
+          </a:fontRef>
+        </p:style>
+        <p:txBody>
+          <a:bodyPr rtlCol="0" anchor="ctr"/>
+          <a:lstStyle/>
+          <a:p>
+            <a:pPr algn="ctr"/>
+            <a:endParaRPr lang="nl-NL"/>
+          </a:p>
+        </p:txBody>
+      </p:sp>
+      <p:sp>
+        <p:nvSpPr>
+          <p:cNvPr id="5" name="Rectangle 4">
+            <a:extLst>
+              <a:ext uri="{FF2B5EF4-FFF2-40B4-BE49-F238E27FC236}">
+                <a16:creationId xmlns:a16="http://schemas.microsoft.com/office/drawing/2014/main" id="{DC9D2793-16C3-4B4F-A65B-9E5A440935BC}"/>
+              </a:ext>
+            </a:extLst>
+          </p:cNvPr>
+          <p:cNvSpPr/>
+          <p:nvPr/>
+        </p:nvSpPr>
+        <p:spPr>
+          <a:xfrm>
+            <a:off x="4539048" y="1389063"/>
+            <a:ext cx="5645952" cy="4303283"/>
+          </a:xfrm>
+          <a:prstGeom prst="rect">
+            <a:avLst/>
+          </a:prstGeom>
+          <a:noFill/>
+          <a:ln>
+            <a:solidFill>
+              <a:schemeClr val="tx2"/>
+            </a:solidFill>
+          </a:ln>
+        </p:spPr>
+        <p:style>
+          <a:lnRef idx="2">
+            <a:schemeClr val="accent1">
+              <a:shade val="50000"/>
+            </a:schemeClr>
+          </a:lnRef>
+          <a:fillRef idx="1">
+            <a:schemeClr val="accent1"/>
+          </a:fillRef>
+          <a:effectRef idx="0">
+            <a:schemeClr val="accent1"/>
+          </a:effectRef>
+          <a:fontRef idx="minor">
+            <a:schemeClr val="lt1"/>
+          </a:fontRef>
+        </p:style>
+        <p:txBody>
+          <a:bodyPr rtlCol="0" anchor="ctr"/>
+          <a:lstStyle/>
+          <a:p>
+            <a:pPr algn="ctr"/>
+            <a:endParaRPr lang="nl-NL"/>
+          </a:p>
+        </p:txBody>
+      </p:sp>
+      <p:sp>
+        <p:nvSpPr>
+          <p:cNvPr id="2" name="Slide Number Placeholder 1"/>
+          <p:cNvSpPr>
+            <a:spLocks noGrp="1"/>
+          </p:cNvSpPr>
+          <p:nvPr>
+            <p:ph type="sldNum" sz="quarter" idx="12"/>
+          </p:nvPr>
+        </p:nvSpPr>
+        <p:spPr/>
+        <p:txBody>
+          <a:bodyPr/>
+          <a:lstStyle/>
+          <a:p>
+            <a:pPr marL="0" marR="0" lvl="0" indent="0" algn="r" defTabSz="914400" rtl="0" eaLnBrk="1" fontAlgn="auto" latinLnBrk="0" hangingPunct="1">
+              <a:lnSpc>
+                <a:spcPct val="100000"/>
+              </a:lnSpc>
+              <a:spcBef>
+                <a:spcPts val="0"/>
+              </a:spcBef>
+              <a:spcAft>
+                <a:spcPts val="0"/>
+              </a:spcAft>
+              <a:buClrTx/>
+              <a:buSzTx/>
+              <a:buFontTx/>
+              <a:buNone/>
+              <a:tabLst/>
+              <a:defRPr/>
+            </a:pPr>
+            <a:fld id="{3847DB54-D037-B84F-B6F1-2E8DA40D09AD}" type="slidenum">
+              <a:rPr kumimoji="0" lang="en-US" sz="1050" b="0" i="0" u="none" strike="noStrike" kern="1200" cap="none" spc="0" normalizeH="0" baseline="0" noProof="0" smtClean="0">
+                <a:ln>
+                  <a:noFill/>
+                </a:ln>
+                <a:solidFill>
+                  <a:srgbClr val="595959">
+                    <a:lumMod val="65000"/>
+                    <a:lumOff val="35000"/>
+                  </a:srgbClr>
+                </a:solidFill>
+                <a:effectLst/>
+                <a:uLnTx/>
+                <a:uFillTx/>
+                <a:latin typeface="Segoe UI Light" charset="0"/>
+                <a:cs typeface="Segoe UI Light" charset="0"/>
+              </a:rPr>
+              <a:pPr marL="0" marR="0" lvl="0" indent="0" algn="r" defTabSz="914400" rtl="0" eaLnBrk="1" fontAlgn="auto" latinLnBrk="0" hangingPunct="1">
+                <a:lnSpc>
+                  <a:spcPct val="100000"/>
+                </a:lnSpc>
+                <a:spcBef>
+                  <a:spcPts val="0"/>
+                </a:spcBef>
+                <a:spcAft>
+                  <a:spcPts val="0"/>
+                </a:spcAft>
+                <a:buClrTx/>
+                <a:buSzTx/>
+                <a:buFontTx/>
+                <a:buNone/>
+                <a:tabLst/>
+                <a:defRPr/>
+              </a:pPr>
+              <a:t>6</a:t>
             </a:fld>
             <a:endParaRPr kumimoji="0" lang="en-US" sz="1050" b="0" i="0" u="none" strike="noStrike" kern="1200" cap="none" spc="0" normalizeH="0" baseline="0" noProof="0">
               <a:ln>
@@ -14246,219 +16281,7 @@
     </p:spTree>
     <p:extLst>
       <p:ext uri="{BB962C8B-B14F-4D97-AF65-F5344CB8AC3E}">
-        <p14:creationId xmlns:p14="http://schemas.microsoft.com/office/powerpoint/2010/main" val="3877747119"/>
-      </p:ext>
-    </p:extLst>
-  </p:cSld>
-  <p:clrMapOvr>
-    <a:masterClrMapping/>
-  </p:clrMapOvr>
-  <p:transition>
-    <p:fade/>
-  </p:transition>
-</p:sld>
-</file>
-
-<file path=ppt/slides/slide6.xml><?xml version="1.0" encoding="utf-8"?>
-<p:sld xmlns:a="http://schemas.openxmlformats.org/drawingml/2006/main" xmlns:r="http://schemas.openxmlformats.org/officeDocument/2006/relationships" xmlns:p="http://schemas.openxmlformats.org/presentationml/2006/main">
-  <p:cSld>
-    <p:spTree>
-      <p:nvGrpSpPr>
-        <p:cNvPr id="1" name=""/>
-        <p:cNvGrpSpPr/>
-        <p:nvPr/>
-      </p:nvGrpSpPr>
-      <p:grpSpPr>
-        <a:xfrm>
-          <a:off x="0" y="0"/>
-          <a:ext cx="0" cy="0"/>
-          <a:chOff x="0" y="0"/>
-          <a:chExt cx="0" cy="0"/>
-        </a:xfrm>
-      </p:grpSpPr>
-      <p:sp>
-        <p:nvSpPr>
-          <p:cNvPr id="2" name="Content Placeholder 1"/>
-          <p:cNvSpPr>
-            <a:spLocks noGrp="1"/>
-          </p:cNvSpPr>
-          <p:nvPr>
-            <p:ph idx="1"/>
-          </p:nvPr>
-        </p:nvSpPr>
-        <p:spPr/>
-        <p:txBody>
-          <a:bodyPr/>
-          <a:lstStyle/>
-          <a:p>
-            <a:r>
-              <a:rPr lang="en-US" sz="1800" dirty="0"/>
-              <a:t>Data Classifications help us identify how data  should be handled and protected. Classifying data provides a framework that enables ALL Avanade personnel to protect the confidentiality, integrity, and availability of company data and client data. Per the </a:t>
-            </a:r>
-            <a:r>
-              <a:rPr lang="en-US" sz="1800" dirty="0">
-                <a:hlinkClick r:id="rId3"/>
-              </a:rPr>
-              <a:t>Data Management Policy</a:t>
-            </a:r>
-            <a:r>
-              <a:rPr lang="en-US" sz="1800" dirty="0"/>
-              <a:t>, data in any form must be classified, labeled, and protected.</a:t>
-            </a:r>
-          </a:p>
-          <a:p>
-            <a:r>
-              <a:rPr lang="en-US" sz="1800" dirty="0"/>
-              <a:t>More information can be found on the </a:t>
-            </a:r>
-            <a:r>
-              <a:rPr lang="en-US" sz="1800" dirty="0">
-                <a:hlinkClick r:id="rId4"/>
-              </a:rPr>
-              <a:t>Data Classification and Protection website </a:t>
-            </a:r>
-            <a:r>
-              <a:rPr lang="en-US" sz="1800" dirty="0"/>
-              <a:t>including tools, templates, and training. </a:t>
-            </a:r>
-          </a:p>
-          <a:p>
-            <a:r>
-              <a:rPr lang="en-US" sz="1800" dirty="0"/>
-              <a:t>Please follow the below directions for using this template:</a:t>
-            </a:r>
-          </a:p>
-          <a:p>
-            <a:pPr defTabSz="283464"/>
-            <a:r>
-              <a:rPr lang="en-US" sz="1400" dirty="0"/>
-              <a:t>Using the </a:t>
-            </a:r>
-            <a:r>
-              <a:rPr lang="en-US" sz="1400" dirty="0">
-                <a:hlinkClick r:id="rId4"/>
-              </a:rPr>
-              <a:t>Data Classification and Protection website,</a:t>
-            </a:r>
-            <a:r>
-              <a:rPr lang="en-US" sz="1400" dirty="0"/>
-              <a:t> select the appropriate classification for this PowerPoint. The highest classification 	should be used for any file containing more than one classification of data (example: if there is one page in a PowerPoint 	that 	contains restricted data, the whole file is restricted).</a:t>
-            </a:r>
-          </a:p>
-          <a:p>
-            <a:pPr defTabSz="283464"/>
-            <a:r>
-              <a:rPr lang="en-US" sz="1400" dirty="0"/>
-              <a:t>Using the “New Slide” menu, make sure to pick the right classification. It should be the same classification throughout your presentation.</a:t>
-            </a:r>
-            <a:br>
-              <a:rPr lang="en-US" sz="1400" dirty="0"/>
-            </a:br>
-            <a:r>
-              <a:rPr lang="en-US" sz="1400" dirty="0"/>
-              <a:t>	The classification labels are bottom left of each page. </a:t>
-            </a:r>
-          </a:p>
-          <a:p>
-            <a:r>
-              <a:rPr lang="en-US" sz="1400" dirty="0"/>
-              <a:t>Delete the non-applicable Control page following this page.</a:t>
-            </a:r>
-          </a:p>
-          <a:p>
-            <a:r>
-              <a:rPr lang="en-US" sz="1400" dirty="0"/>
-              <a:t>Ensure you are following the mandatory protections indicated on the Control slide for the classification.</a:t>
-            </a:r>
-          </a:p>
-          <a:p>
-            <a:r>
-              <a:rPr lang="en-US" sz="1800" i="1" dirty="0"/>
-              <a:t>Note: Unrestricted is only to be used for data that is </a:t>
-            </a:r>
-            <a:r>
-              <a:rPr lang="en-US" sz="1800" b="1" i="1" dirty="0"/>
-              <a:t>currently published externally. </a:t>
-            </a:r>
-            <a:r>
-              <a:rPr lang="en-US" sz="1800" i="1" dirty="0"/>
-              <a:t>There are no labeling or protections requirements for unrestricted data. </a:t>
-            </a:r>
-          </a:p>
-        </p:txBody>
-      </p:sp>
-      <p:sp>
-        <p:nvSpPr>
-          <p:cNvPr id="12" name="Title 11"/>
-          <p:cNvSpPr>
-            <a:spLocks noGrp="1"/>
-          </p:cNvSpPr>
-          <p:nvPr>
-            <p:ph type="title"/>
-          </p:nvPr>
-        </p:nvSpPr>
-        <p:spPr/>
-        <p:txBody>
-          <a:bodyPr/>
-          <a:lstStyle/>
-          <a:p>
-            <a:r>
-              <a:rPr lang="en-US"/>
-              <a:t>Data Labeling Rules and Classifications</a:t>
-            </a:r>
-          </a:p>
-        </p:txBody>
-      </p:sp>
-      <p:sp>
-        <p:nvSpPr>
-          <p:cNvPr id="4" name="Oval 3"/>
-          <p:cNvSpPr/>
-          <p:nvPr/>
-        </p:nvSpPr>
-        <p:spPr>
-          <a:xfrm>
-            <a:off x="8829928" y="6056504"/>
-            <a:ext cx="2634938" cy="604960"/>
-          </a:xfrm>
-          <a:prstGeom prst="ellipse">
-            <a:avLst/>
-          </a:prstGeom>
-          <a:noFill/>
-          <a:ln w="12700">
-            <a:solidFill>
-              <a:srgbClr val="FF5800"/>
-            </a:solidFill>
-          </a:ln>
-        </p:spPr>
-        <p:style>
-          <a:lnRef idx="2">
-            <a:schemeClr val="accent1">
-              <a:shade val="50000"/>
-            </a:schemeClr>
-          </a:lnRef>
-          <a:fillRef idx="1">
-            <a:schemeClr val="accent1"/>
-          </a:fillRef>
-          <a:effectRef idx="0">
-            <a:schemeClr val="accent1"/>
-          </a:effectRef>
-          <a:fontRef idx="minor">
-            <a:schemeClr val="lt1"/>
-          </a:fontRef>
-        </p:style>
-        <p:txBody>
-          <a:bodyPr rtlCol="0" anchor="ctr"/>
-          <a:lstStyle/>
-          <a:p>
-            <a:pPr algn="ctr"/>
-            <a:endParaRPr lang="en-US" sz="2399"/>
-          </a:p>
-        </p:txBody>
-      </p:sp>
-    </p:spTree>
-    <p:extLst>
-      <p:ext uri="{BB962C8B-B14F-4D97-AF65-F5344CB8AC3E}">
-        <p14:creationId xmlns:p14="http://schemas.microsoft.com/office/powerpoint/2010/main" val="2709539789"/>
+        <p14:creationId xmlns:p14="http://schemas.microsoft.com/office/powerpoint/2010/main" val="3743727218"/>
       </p:ext>
     </p:extLst>
   </p:cSld>
@@ -14490,7 +16313,7 @@
       </p:grpSpPr>
       <p:sp>
         <p:nvSpPr>
-          <p:cNvPr id="3" name="Slide Number Placeholder 2"/>
+          <p:cNvPr id="2" name="Slide Number Placeholder 1"/>
           <p:cNvSpPr>
             <a:spLocks noGrp="1"/>
           </p:cNvSpPr>
@@ -14503,140 +16326,81 @@
           <a:bodyPr/>
           <a:lstStyle/>
           <a:p>
-            <a:fld id="{04C8A47B-212F-478E-912B-7F15ABA20E0B}" type="slidenum">
-              <a:rPr lang="en-US" smtClean="0"/>
-              <a:pPr/>
+            <a:pPr marL="0" marR="0" lvl="0" indent="0" algn="r" defTabSz="914400" rtl="0" eaLnBrk="1" fontAlgn="auto" latinLnBrk="0" hangingPunct="1">
+              <a:lnSpc>
+                <a:spcPct val="100000"/>
+              </a:lnSpc>
+              <a:spcBef>
+                <a:spcPts val="0"/>
+              </a:spcBef>
+              <a:spcAft>
+                <a:spcPts val="0"/>
+              </a:spcAft>
+              <a:buClrTx/>
+              <a:buSzTx/>
+              <a:buFontTx/>
+              <a:buNone/>
+              <a:tabLst/>
+              <a:defRPr/>
+            </a:pPr>
+            <a:fld id="{3847DB54-D037-B84F-B6F1-2E8DA40D09AD}" type="slidenum">
+              <a:rPr kumimoji="0" lang="en-US" sz="1050" b="0" i="0" u="none" strike="noStrike" kern="1200" cap="none" spc="0" normalizeH="0" baseline="0" noProof="0" smtClean="0">
+                <a:ln>
+                  <a:noFill/>
+                </a:ln>
+                <a:solidFill>
+                  <a:srgbClr val="595959">
+                    <a:lumMod val="65000"/>
+                    <a:lumOff val="35000"/>
+                  </a:srgbClr>
+                </a:solidFill>
+                <a:effectLst/>
+                <a:uLnTx/>
+                <a:uFillTx/>
+                <a:latin typeface="Segoe UI Light" charset="0"/>
+                <a:cs typeface="Segoe UI Light" charset="0"/>
+              </a:rPr>
+              <a:pPr marL="0" marR="0" lvl="0" indent="0" algn="r" defTabSz="914400" rtl="0" eaLnBrk="1" fontAlgn="auto" latinLnBrk="0" hangingPunct="1">
+                <a:lnSpc>
+                  <a:spcPct val="100000"/>
+                </a:lnSpc>
+                <a:spcBef>
+                  <a:spcPts val="0"/>
+                </a:spcBef>
+                <a:spcAft>
+                  <a:spcPts val="0"/>
+                </a:spcAft>
+                <a:buClrTx/>
+                <a:buSzTx/>
+                <a:buFontTx/>
+                <a:buNone/>
+                <a:tabLst/>
+                <a:defRPr/>
+              </a:pPr>
               <a:t>7</a:t>
             </a:fld>
-            <a:endParaRPr lang="en-US" dirty="0"/>
-          </a:p>
-        </p:txBody>
-      </p:sp>
-      <p:sp>
-        <p:nvSpPr>
-          <p:cNvPr id="5" name="Content Placeholder 4"/>
-          <p:cNvSpPr>
-            <a:spLocks noGrp="1"/>
-          </p:cNvSpPr>
-          <p:nvPr>
-            <p:ph idx="1"/>
-          </p:nvPr>
-        </p:nvSpPr>
-        <p:spPr/>
-        <p:txBody>
-          <a:bodyPr/>
-          <a:lstStyle/>
-          <a:p>
-            <a:r>
-              <a:rPr lang="en-US" sz="1800" dirty="0">
-                <a:solidFill>
-                  <a:srgbClr val="464646"/>
-                </a:solidFill>
-              </a:rPr>
-              <a:t>This document contains </a:t>
-            </a:r>
-            <a:r>
-              <a:rPr lang="en-US" sz="1800" b="1" dirty="0">
-                <a:solidFill>
-                  <a:schemeClr val="accent1"/>
-                </a:solidFill>
-              </a:rPr>
-              <a:t>&lt;Confidential&gt;</a:t>
-            </a:r>
-            <a:r>
-              <a:rPr lang="en-US" sz="1800" dirty="0"/>
-              <a:t> </a:t>
-            </a:r>
-            <a:r>
-              <a:rPr lang="en-US" sz="1800" dirty="0">
-                <a:solidFill>
-                  <a:srgbClr val="464646"/>
-                </a:solidFill>
-              </a:rPr>
-              <a:t>data per Avanade’s</a:t>
-            </a:r>
-            <a:r>
-              <a:rPr lang="en-US" sz="1800" dirty="0"/>
-              <a:t> </a:t>
-            </a:r>
-            <a:r>
-              <a:rPr lang="en-US" sz="1800" dirty="0">
-                <a:hlinkClick r:id="rId2"/>
-              </a:rPr>
-              <a:t>Data Classification &amp; Protection Standard</a:t>
-            </a:r>
-            <a:r>
-              <a:rPr lang="en-US" sz="1800" dirty="0"/>
-              <a:t>.</a:t>
-            </a:r>
-          </a:p>
-          <a:p>
-            <a:r>
-              <a:rPr lang="en-US" sz="1800" dirty="0">
-                <a:solidFill>
-                  <a:srgbClr val="464646"/>
-                </a:solidFill>
-              </a:rPr>
-              <a:t>Confidential data is company data and client data not classified as restricted or highly confidential, and is generally not available to the public.</a:t>
-            </a:r>
-          </a:p>
-          <a:p>
-            <a:r>
-              <a:rPr lang="en-US" sz="1800" dirty="0">
-                <a:solidFill>
-                  <a:srgbClr val="464646"/>
-                </a:solidFill>
-              </a:rPr>
-              <a:t>More information can be found on the </a:t>
-            </a:r>
-            <a:r>
-              <a:rPr lang="en-US" sz="1800" dirty="0">
-                <a:hlinkClick r:id="rId3"/>
-              </a:rPr>
-              <a:t>Data Classification and Protection website </a:t>
-            </a:r>
-            <a:r>
-              <a:rPr lang="en-US" sz="1800" dirty="0">
-                <a:solidFill>
-                  <a:srgbClr val="464646"/>
-                </a:solidFill>
-              </a:rPr>
-              <a:t>including tools, templates, and training</a:t>
-            </a:r>
-          </a:p>
-          <a:p>
-            <a:endParaRPr lang="en-US" sz="1800" dirty="0">
+            <a:endParaRPr kumimoji="0" lang="en-US" sz="1050" b="0" i="0" u="none" strike="noStrike" kern="1200" cap="none" spc="0" normalizeH="0" baseline="0" noProof="0">
+              <a:ln>
+                <a:noFill/>
+              </a:ln>
               <a:solidFill>
-                <a:srgbClr val="464646"/>
+                <a:srgbClr val="595959">
+                  <a:lumMod val="65000"/>
+                  <a:lumOff val="35000"/>
+                </a:srgbClr>
               </a:solidFill>
+              <a:effectLst/>
+              <a:uLnTx/>
+              <a:uFillTx/>
+              <a:latin typeface="Segoe UI Light" charset="0"/>
+              <a:cs typeface="Segoe UI Light" charset="0"/>
             </a:endParaRPr>
           </a:p>
-          <a:p>
-            <a:endParaRPr lang="en-US" sz="1800" dirty="0"/>
-          </a:p>
-          <a:p>
-            <a:endParaRPr lang="en-US" sz="1800" dirty="0"/>
-          </a:p>
-          <a:p>
-            <a:endParaRPr lang="en-US" sz="1800" dirty="0"/>
-          </a:p>
-          <a:p>
-            <a:endParaRPr lang="en-US" sz="1800" dirty="0"/>
-          </a:p>
-          <a:p>
-            <a:endParaRPr lang="en-US" sz="1800" dirty="0"/>
-          </a:p>
-          <a:p>
-            <a:endParaRPr lang="en-US" sz="1800" dirty="0"/>
-          </a:p>
-          <a:p>
-            <a:endParaRPr lang="en-US" sz="1800" dirty="0"/>
-          </a:p>
-        </p:txBody>
-      </p:sp>
-      <p:sp>
-        <p:nvSpPr>
-          <p:cNvPr id="2" name="Title 1"/>
+        </p:txBody>
+      </p:sp>
+      <p:sp>
+        <p:nvSpPr>
+          <p:cNvPr id="4" name="Title 3"/>
           <p:cNvSpPr>
             <a:spLocks noGrp="1"/>
           </p:cNvSpPr>
@@ -14650,1240 +16414,46 @@
           <a:lstStyle/>
           <a:p>
             <a:r>
-              <a:rPr lang="en-US" dirty="0"/>
-              <a:t>Classifications and Document Control – Confidential Data</a:t>
+              <a:rPr lang="en-GB" dirty="0"/>
+              <a:t>Demo 4: Deploying Docker Compose</a:t>
             </a:r>
           </a:p>
         </p:txBody>
       </p:sp>
-      <p:graphicFrame>
-        <p:nvGraphicFramePr>
-          <p:cNvPr id="9" name="Table 8"/>
-          <p:cNvGraphicFramePr>
-            <a:graphicFrameLocks noGrp="1"/>
-          </p:cNvGraphicFramePr>
-          <p:nvPr>
-            <p:extLst/>
-          </p:nvPr>
-        </p:nvGraphicFramePr>
-        <p:xfrm>
-          <a:off x="960792" y="3369256"/>
-          <a:ext cx="10270415" cy="2495731"/>
-        </p:xfrm>
-        <a:graphic>
-          <a:graphicData uri="http://schemas.openxmlformats.org/drawingml/2006/table">
-            <a:tbl>
-              <a:tblPr firstCol="1" bandRow="1">
-                <a:effectLst/>
-                <a:tableStyleId>{5C22544A-7EE6-4342-B048-85BDC9FD1C3A}</a:tableStyleId>
-              </a:tblPr>
-              <a:tblGrid>
-                <a:gridCol w="1501325">
-                  <a:extLst>
-                    <a:ext uri="{9D8B030D-6E8A-4147-A177-3AD203B41FA5}">
-                      <a16:colId xmlns:a16="http://schemas.microsoft.com/office/drawing/2014/main" val="20000"/>
-                    </a:ext>
-                  </a:extLst>
-                </a:gridCol>
-                <a:gridCol w="8769090">
-                  <a:extLst>
-                    <a:ext uri="{9D8B030D-6E8A-4147-A177-3AD203B41FA5}">
-                      <a16:colId xmlns:a16="http://schemas.microsoft.com/office/drawing/2014/main" val="20001"/>
-                    </a:ext>
-                  </a:extLst>
-                </a:gridCol>
-              </a:tblGrid>
-              <a:tr h="158760">
-                <a:tc gridSpan="2">
-                  <a:txBody>
-                    <a:bodyPr/>
-                    <a:lstStyle/>
-                    <a:p>
-                      <a:pPr algn="l" fontAlgn="t"/>
-                      <a:r>
-                        <a:rPr lang="en-US" sz="1100" b="1" i="0" u="none" strike="noStrike" dirty="0">
-                          <a:solidFill>
-                            <a:schemeClr val="tx2"/>
-                          </a:solidFill>
-                          <a:effectLst/>
-                          <a:latin typeface="+mn-lt"/>
-                        </a:rPr>
-                        <a:t>Mandatory Protection for </a:t>
-                      </a:r>
-                      <a:r>
-                        <a:rPr lang="en-US" sz="1100" b="1" i="0" u="none" strike="noStrike" dirty="0">
-                          <a:solidFill>
-                            <a:schemeClr val="accent1"/>
-                          </a:solidFill>
-                          <a:effectLst/>
-                          <a:latin typeface="+mn-lt"/>
-                        </a:rPr>
-                        <a:t>Confidential Data</a:t>
-                      </a:r>
-                    </a:p>
-                  </a:txBody>
-                  <a:tcPr marL="34290" marR="34290" marT="34290" marB="34290">
-                    <a:lnL w="6350" cap="flat" cmpd="sng" algn="ctr">
-                      <a:solidFill>
-                        <a:schemeClr val="tx1"/>
-                      </a:solidFill>
-                      <a:prstDash val="solid"/>
-                      <a:round/>
-                      <a:headEnd type="none" w="med" len="med"/>
-                      <a:tailEnd type="none" w="med" len="med"/>
-                    </a:lnL>
-                    <a:lnR w="6350" cap="flat" cmpd="sng" algn="ctr">
-                      <a:solidFill>
-                        <a:schemeClr val="tx1"/>
-                      </a:solidFill>
-                      <a:prstDash val="solid"/>
-                      <a:round/>
-                      <a:headEnd type="none" w="med" len="med"/>
-                      <a:tailEnd type="none" w="med" len="med"/>
-                    </a:lnR>
-                    <a:lnT w="6350" cap="flat" cmpd="sng" algn="ctr">
-                      <a:solidFill>
-                        <a:schemeClr val="tx1"/>
-                      </a:solidFill>
-                      <a:prstDash val="solid"/>
-                      <a:round/>
-                      <a:headEnd type="none" w="med" len="med"/>
-                      <a:tailEnd type="none" w="med" len="med"/>
-                    </a:lnT>
-                    <a:lnB w="6350" cap="flat" cmpd="sng" algn="ctr">
-                      <a:solidFill>
-                        <a:schemeClr val="tx1"/>
-                      </a:solidFill>
-                      <a:prstDash val="solid"/>
-                      <a:round/>
-                      <a:headEnd type="none" w="med" len="med"/>
-                      <a:tailEnd type="none" w="med" len="med"/>
-                    </a:lnB>
-                    <a:lnTlToBr w="12700" cmpd="sng">
-                      <a:noFill/>
-                      <a:prstDash val="solid"/>
-                    </a:lnTlToBr>
-                    <a:lnBlToTr w="12700" cmpd="sng">
-                      <a:noFill/>
-                      <a:prstDash val="solid"/>
-                    </a:lnBlToTr>
-                    <a:noFill/>
-                  </a:tcPr>
-                </a:tc>
-                <a:tc hMerge="1">
-                  <a:txBody>
-                    <a:bodyPr/>
-                    <a:lstStyle/>
-                    <a:p>
-                      <a:pPr algn="l" fontAlgn="t"/>
-                      <a:endParaRPr lang="en-US" sz="1000" b="1" i="0" u="none" strike="noStrike" dirty="0">
-                        <a:solidFill>
-                          <a:srgbClr val="000000"/>
-                        </a:solidFill>
-                        <a:effectLst/>
-                        <a:latin typeface="Arial" panose="020B0604020202020204" pitchFamily="34" charset="0"/>
-                      </a:endParaRPr>
-                    </a:p>
-                  </a:txBody>
-                  <a:tcPr marL="9525" marR="9525" marT="9525" marB="0"/>
-                </a:tc>
-                <a:extLst>
-                  <a:ext uri="{0D108BD9-81ED-4DB2-BD59-A6C34878D82A}">
-                    <a16:rowId xmlns:a16="http://schemas.microsoft.com/office/drawing/2014/main" val="10000"/>
-                  </a:ext>
-                </a:extLst>
-              </a:tr>
-              <a:tr h="644071">
-                <a:tc>
-                  <a:txBody>
-                    <a:bodyPr/>
-                    <a:lstStyle/>
-                    <a:p>
-                      <a:pPr marL="0" algn="l" defTabSz="914400" rtl="0" eaLnBrk="1" fontAlgn="t" latinLnBrk="0" hangingPunct="1"/>
-                      <a:r>
-                        <a:rPr lang="en-US" sz="1100" b="1" i="1" u="none" strike="noStrike" kern="1200" dirty="0">
-                          <a:solidFill>
-                            <a:schemeClr val="tx2"/>
-                          </a:solidFill>
-                          <a:effectLst/>
-                          <a:latin typeface="+mn-lt"/>
-                          <a:ea typeface="+mn-ea"/>
-                          <a:cs typeface="+mn-cs"/>
-                        </a:rPr>
-                        <a:t>Access</a:t>
-                      </a:r>
-                    </a:p>
-                  </a:txBody>
-                  <a:tcPr marL="34290" marR="34290" marT="34290" marB="34290">
-                    <a:lnL w="6350" cap="flat" cmpd="sng" algn="ctr">
-                      <a:solidFill>
-                        <a:schemeClr val="tx1"/>
-                      </a:solidFill>
-                      <a:prstDash val="solid"/>
-                      <a:round/>
-                      <a:headEnd type="none" w="med" len="med"/>
-                      <a:tailEnd type="none" w="med" len="med"/>
-                    </a:lnL>
-                    <a:lnR w="6350" cap="flat" cmpd="sng" algn="ctr">
-                      <a:solidFill>
-                        <a:schemeClr val="tx1"/>
-                      </a:solidFill>
-                      <a:prstDash val="solid"/>
-                      <a:round/>
-                      <a:headEnd type="none" w="med" len="med"/>
-                      <a:tailEnd type="none" w="med" len="med"/>
-                    </a:lnR>
-                    <a:lnT w="6350" cap="flat" cmpd="sng" algn="ctr">
-                      <a:solidFill>
-                        <a:schemeClr val="tx1"/>
-                      </a:solidFill>
-                      <a:prstDash val="solid"/>
-                      <a:round/>
-                      <a:headEnd type="none" w="med" len="med"/>
-                      <a:tailEnd type="none" w="med" len="med"/>
-                    </a:lnT>
-                    <a:lnB w="6350" cap="flat" cmpd="sng" algn="ctr">
-                      <a:solidFill>
-                        <a:schemeClr val="tx1"/>
-                      </a:solidFill>
-                      <a:prstDash val="solid"/>
-                      <a:round/>
-                      <a:headEnd type="none" w="med" len="med"/>
-                      <a:tailEnd type="none" w="med" len="med"/>
-                    </a:lnB>
-                    <a:lnTlToBr w="12700" cmpd="sng">
-                      <a:noFill/>
-                      <a:prstDash val="solid"/>
-                    </a:lnTlToBr>
-                    <a:lnBlToTr w="12700" cmpd="sng">
-                      <a:noFill/>
-                      <a:prstDash val="solid"/>
-                    </a:lnBlToTr>
-                    <a:noFill/>
-                  </a:tcPr>
-                </a:tc>
-                <a:tc>
-                  <a:txBody>
-                    <a:bodyPr/>
-                    <a:lstStyle/>
-                    <a:p>
-                      <a:pPr algn="l" fontAlgn="t"/>
-                      <a:r>
-                        <a:rPr lang="en-US" sz="1100" b="1" dirty="0">
-                          <a:solidFill>
-                            <a:schemeClr val="tx2"/>
-                          </a:solidFill>
-                          <a:hlinkClick r:id="rId4"/>
-                        </a:rPr>
-                        <a:t>Company data</a:t>
-                      </a:r>
-                      <a:r>
-                        <a:rPr lang="en-US" sz="1100" u="none" strike="noStrike" dirty="0">
-                          <a:solidFill>
-                            <a:srgbClr val="9933FF"/>
-                          </a:solidFill>
-                          <a:effectLst/>
-                          <a:latin typeface="+mn-lt"/>
-                        </a:rPr>
-                        <a:t>: </a:t>
-                      </a:r>
-                      <a:r>
-                        <a:rPr lang="en-US" sz="1100" u="none" strike="noStrike" dirty="0">
-                          <a:solidFill>
-                            <a:schemeClr val="tx2"/>
-                          </a:solidFill>
-                          <a:effectLst/>
-                          <a:latin typeface="+mn-lt"/>
-                        </a:rPr>
-                        <a:t>May be granted to all Avanade personnel to</a:t>
-                      </a:r>
-                      <a:r>
-                        <a:rPr lang="en-US" sz="1100" u="none" strike="noStrike" baseline="0" dirty="0">
-                          <a:solidFill>
-                            <a:schemeClr val="tx2"/>
-                          </a:solidFill>
-                          <a:effectLst/>
-                          <a:latin typeface="+mn-lt"/>
-                        </a:rPr>
-                        <a:t> the extent </a:t>
-                      </a:r>
-                      <a:r>
-                        <a:rPr lang="en-US" sz="1100" u="none" strike="noStrike" dirty="0">
-                          <a:solidFill>
-                            <a:schemeClr val="tx2"/>
-                          </a:solidFill>
-                          <a:effectLst/>
-                          <a:latin typeface="+mn-lt"/>
-                        </a:rPr>
-                        <a:t>there is a legitimate business</a:t>
-                      </a:r>
-                      <a:r>
-                        <a:rPr lang="en-US" sz="1100" u="none" strike="noStrike" baseline="0" dirty="0">
-                          <a:solidFill>
-                            <a:schemeClr val="tx2"/>
-                          </a:solidFill>
-                          <a:effectLst/>
-                          <a:latin typeface="+mn-lt"/>
-                        </a:rPr>
-                        <a:t> reason.</a:t>
-                      </a:r>
-                    </a:p>
-                    <a:p>
-                      <a:pPr algn="l" fontAlgn="t"/>
-                      <a:r>
-                        <a:rPr lang="en-US" sz="1100" b="1" i="0" u="none" strike="noStrike" dirty="0">
-                          <a:solidFill>
-                            <a:schemeClr val="accent1"/>
-                          </a:solidFill>
-                          <a:effectLst/>
-                          <a:latin typeface="+mn-lt"/>
-                          <a:hlinkClick r:id="rId5"/>
-                        </a:rPr>
-                        <a:t>Client data</a:t>
-                      </a:r>
-                      <a:r>
-                        <a:rPr lang="en-US" sz="1100" u="none" strike="noStrike" dirty="0">
-                          <a:solidFill>
-                            <a:schemeClr val="tx2"/>
-                          </a:solidFill>
-                          <a:effectLst/>
-                          <a:latin typeface="+mn-lt"/>
-                        </a:rPr>
-                        <a:t>:</a:t>
-                      </a:r>
-                      <a:r>
-                        <a:rPr lang="en-US" sz="1100" u="none" strike="noStrike" baseline="0" dirty="0">
-                          <a:solidFill>
-                            <a:srgbClr val="FF0000"/>
-                          </a:solidFill>
-                          <a:effectLst/>
-                          <a:latin typeface="+mn-lt"/>
-                        </a:rPr>
-                        <a:t> </a:t>
-                      </a:r>
-                      <a:r>
-                        <a:rPr lang="en-US" sz="1100" u="none" strike="noStrike" baseline="0" dirty="0">
-                          <a:solidFill>
-                            <a:schemeClr val="tx2"/>
-                          </a:solidFill>
-                          <a:effectLst/>
-                          <a:latin typeface="+mn-lt"/>
-                        </a:rPr>
-                        <a:t>M</a:t>
-                      </a:r>
-                      <a:r>
-                        <a:rPr lang="en-US" sz="1100" u="none" strike="noStrike" dirty="0">
-                          <a:solidFill>
-                            <a:schemeClr val="tx2"/>
-                          </a:solidFill>
-                          <a:effectLst/>
-                          <a:latin typeface="+mn-lt"/>
-                        </a:rPr>
-                        <a:t>ay be shared with the entire</a:t>
-                      </a:r>
-                      <a:r>
-                        <a:rPr lang="en-US" sz="1100" u="none" strike="noStrike" baseline="0" dirty="0">
-                          <a:solidFill>
-                            <a:schemeClr val="tx2"/>
-                          </a:solidFill>
-                          <a:effectLst/>
-                          <a:latin typeface="+mn-lt"/>
-                        </a:rPr>
-                        <a:t> engagement team.</a:t>
-                      </a:r>
-                      <a:endParaRPr lang="en-US" sz="1100" u="none" strike="noStrike" dirty="0">
-                        <a:solidFill>
-                          <a:schemeClr val="tx2"/>
-                        </a:solidFill>
-                        <a:effectLst/>
-                        <a:latin typeface="+mn-lt"/>
-                      </a:endParaRPr>
-                    </a:p>
-                  </a:txBody>
-                  <a:tcPr marL="34290" marR="34290" marT="34290" marB="34290">
-                    <a:lnL w="6350" cap="flat" cmpd="sng" algn="ctr">
-                      <a:solidFill>
-                        <a:schemeClr val="tx1"/>
-                      </a:solidFill>
-                      <a:prstDash val="solid"/>
-                      <a:round/>
-                      <a:headEnd type="none" w="med" len="med"/>
-                      <a:tailEnd type="none" w="med" len="med"/>
-                    </a:lnL>
-                    <a:lnR w="6350" cap="flat" cmpd="sng" algn="ctr">
-                      <a:solidFill>
-                        <a:schemeClr val="tx1"/>
-                      </a:solidFill>
-                      <a:prstDash val="solid"/>
-                      <a:round/>
-                      <a:headEnd type="none" w="med" len="med"/>
-                      <a:tailEnd type="none" w="med" len="med"/>
-                    </a:lnR>
-                    <a:lnT w="6350" cap="flat" cmpd="sng" algn="ctr">
-                      <a:solidFill>
-                        <a:schemeClr val="tx1"/>
-                      </a:solidFill>
-                      <a:prstDash val="solid"/>
-                      <a:round/>
-                      <a:headEnd type="none" w="med" len="med"/>
-                      <a:tailEnd type="none" w="med" len="med"/>
-                    </a:lnT>
-                    <a:lnB w="6350" cap="flat" cmpd="sng" algn="ctr">
-                      <a:solidFill>
-                        <a:schemeClr val="tx1"/>
-                      </a:solidFill>
-                      <a:prstDash val="solid"/>
-                      <a:round/>
-                      <a:headEnd type="none" w="med" len="med"/>
-                      <a:tailEnd type="none" w="med" len="med"/>
-                    </a:lnB>
-                    <a:lnTlToBr w="12700" cmpd="sng">
-                      <a:noFill/>
-                      <a:prstDash val="solid"/>
-                    </a:lnTlToBr>
-                    <a:lnBlToTr w="12700" cmpd="sng">
-                      <a:noFill/>
-                      <a:prstDash val="solid"/>
-                    </a:lnBlToTr>
-                    <a:noFill/>
-                  </a:tcPr>
-                </a:tc>
-                <a:extLst>
-                  <a:ext uri="{0D108BD9-81ED-4DB2-BD59-A6C34878D82A}">
-                    <a16:rowId xmlns:a16="http://schemas.microsoft.com/office/drawing/2014/main" val="10001"/>
-                  </a:ext>
-                </a:extLst>
-              </a:tr>
-              <a:tr h="271428">
-                <a:tc>
-                  <a:txBody>
-                    <a:bodyPr/>
-                    <a:lstStyle/>
-                    <a:p>
-                      <a:pPr marL="0" algn="l" defTabSz="914400" rtl="0" eaLnBrk="1" fontAlgn="t" latinLnBrk="0" hangingPunct="1"/>
-                      <a:r>
-                        <a:rPr lang="en-US" sz="1100" b="1" i="1" u="none" strike="noStrike" kern="1200" dirty="0">
-                          <a:solidFill>
-                            <a:schemeClr val="tx2"/>
-                          </a:solidFill>
-                          <a:effectLst/>
-                          <a:latin typeface="+mn-lt"/>
-                          <a:ea typeface="+mn-ea"/>
-                          <a:cs typeface="+mn-cs"/>
-                        </a:rPr>
-                        <a:t>Devices</a:t>
-                      </a:r>
-                    </a:p>
-                  </a:txBody>
-                  <a:tcPr marL="34290" marR="34290" marT="34290" marB="34290">
-                    <a:lnL w="6350" cap="flat" cmpd="sng" algn="ctr">
-                      <a:solidFill>
-                        <a:schemeClr val="tx1"/>
-                      </a:solidFill>
-                      <a:prstDash val="solid"/>
-                      <a:round/>
-                      <a:headEnd type="none" w="med" len="med"/>
-                      <a:tailEnd type="none" w="med" len="med"/>
-                    </a:lnL>
-                    <a:lnR w="6350" cap="flat" cmpd="sng" algn="ctr">
-                      <a:solidFill>
-                        <a:schemeClr val="tx1"/>
-                      </a:solidFill>
-                      <a:prstDash val="solid"/>
-                      <a:round/>
-                      <a:headEnd type="none" w="med" len="med"/>
-                      <a:tailEnd type="none" w="med" len="med"/>
-                    </a:lnR>
-                    <a:lnT w="6350" cap="flat" cmpd="sng" algn="ctr">
-                      <a:solidFill>
-                        <a:schemeClr val="tx1"/>
-                      </a:solidFill>
-                      <a:prstDash val="solid"/>
-                      <a:round/>
-                      <a:headEnd type="none" w="med" len="med"/>
-                      <a:tailEnd type="none" w="med" len="med"/>
-                    </a:lnT>
-                    <a:lnB w="6350" cap="flat" cmpd="sng" algn="ctr">
-                      <a:solidFill>
-                        <a:schemeClr val="tx1"/>
-                      </a:solidFill>
-                      <a:prstDash val="solid"/>
-                      <a:round/>
-                      <a:headEnd type="none" w="med" len="med"/>
-                      <a:tailEnd type="none" w="med" len="med"/>
-                    </a:lnB>
-                    <a:lnTlToBr w="12700" cmpd="sng">
-                      <a:noFill/>
-                      <a:prstDash val="solid"/>
-                    </a:lnTlToBr>
-                    <a:lnBlToTr w="12700" cmpd="sng">
-                      <a:noFill/>
-                      <a:prstDash val="solid"/>
-                    </a:lnBlToTr>
-                    <a:noFill/>
-                  </a:tcPr>
-                </a:tc>
-                <a:tc>
-                  <a:txBody>
-                    <a:bodyPr/>
-                    <a:lstStyle/>
-                    <a:p>
-                      <a:pPr algn="l" fontAlgn="t"/>
-                      <a:r>
-                        <a:rPr lang="en-US" sz="1100" u="none" strike="noStrike" dirty="0">
-                          <a:solidFill>
-                            <a:schemeClr val="tx2"/>
-                          </a:solidFill>
-                          <a:effectLst/>
-                          <a:latin typeface="+mn-lt"/>
-                        </a:rPr>
-                        <a:t>Drive is encrypted to minimum 256 bit encryption; when disposal is necessary, physically destroy or securely overwrite when no longer needed.</a:t>
-                      </a:r>
-                      <a:endParaRPr lang="en-US" sz="1100" b="1" i="0" u="none" strike="noStrike" dirty="0">
-                        <a:solidFill>
-                          <a:schemeClr val="tx2"/>
-                        </a:solidFill>
-                        <a:effectLst/>
-                        <a:latin typeface="+mn-lt"/>
-                      </a:endParaRPr>
-                    </a:p>
-                  </a:txBody>
-                  <a:tcPr marL="34290" marR="34290" marT="34290" marB="34290">
-                    <a:lnL w="6350" cap="flat" cmpd="sng" algn="ctr">
-                      <a:solidFill>
-                        <a:schemeClr val="tx1"/>
-                      </a:solidFill>
-                      <a:prstDash val="solid"/>
-                      <a:round/>
-                      <a:headEnd type="none" w="med" len="med"/>
-                      <a:tailEnd type="none" w="med" len="med"/>
-                    </a:lnL>
-                    <a:lnR w="6350" cap="flat" cmpd="sng" algn="ctr">
-                      <a:solidFill>
-                        <a:schemeClr val="tx1"/>
-                      </a:solidFill>
-                      <a:prstDash val="solid"/>
-                      <a:round/>
-                      <a:headEnd type="none" w="med" len="med"/>
-                      <a:tailEnd type="none" w="med" len="med"/>
-                    </a:lnR>
-                    <a:lnT w="6350" cap="flat" cmpd="sng" algn="ctr">
-                      <a:solidFill>
-                        <a:schemeClr val="tx1"/>
-                      </a:solidFill>
-                      <a:prstDash val="solid"/>
-                      <a:round/>
-                      <a:headEnd type="none" w="med" len="med"/>
-                      <a:tailEnd type="none" w="med" len="med"/>
-                    </a:lnT>
-                    <a:lnB w="6350" cap="flat" cmpd="sng" algn="ctr">
-                      <a:solidFill>
-                        <a:schemeClr val="tx1"/>
-                      </a:solidFill>
-                      <a:prstDash val="solid"/>
-                      <a:round/>
-                      <a:headEnd type="none" w="med" len="med"/>
-                      <a:tailEnd type="none" w="med" len="med"/>
-                    </a:lnB>
-                    <a:lnTlToBr w="12700" cmpd="sng">
-                      <a:noFill/>
-                      <a:prstDash val="solid"/>
-                    </a:lnTlToBr>
-                    <a:lnBlToTr w="12700" cmpd="sng">
-                      <a:noFill/>
-                      <a:prstDash val="solid"/>
-                    </a:lnBlToTr>
-                    <a:noFill/>
-                  </a:tcPr>
-                </a:tc>
-                <a:extLst>
-                  <a:ext uri="{0D108BD9-81ED-4DB2-BD59-A6C34878D82A}">
-                    <a16:rowId xmlns:a16="http://schemas.microsoft.com/office/drawing/2014/main" val="10002"/>
-                  </a:ext>
-                </a:extLst>
-              </a:tr>
-              <a:tr h="158760">
-                <a:tc>
-                  <a:txBody>
-                    <a:bodyPr/>
-                    <a:lstStyle/>
-                    <a:p>
-                      <a:pPr marL="0" algn="l" defTabSz="914400" rtl="0" eaLnBrk="1" fontAlgn="t" latinLnBrk="0" hangingPunct="1"/>
-                      <a:r>
-                        <a:rPr lang="en-US" sz="1100" b="1" i="1" u="none" strike="noStrike" kern="1200" dirty="0">
-                          <a:solidFill>
-                            <a:schemeClr val="tx2"/>
-                          </a:solidFill>
-                          <a:effectLst/>
-                          <a:latin typeface="+mn-lt"/>
-                          <a:ea typeface="+mn-ea"/>
-                          <a:cs typeface="+mn-cs"/>
-                        </a:rPr>
-                        <a:t>Storage/Sharing</a:t>
-                      </a:r>
-                    </a:p>
-                  </a:txBody>
-                  <a:tcPr marL="34290" marR="34290" marT="34290" marB="34290">
-                    <a:lnL w="6350" cap="flat" cmpd="sng" algn="ctr">
-                      <a:solidFill>
-                        <a:schemeClr val="tx1"/>
-                      </a:solidFill>
-                      <a:prstDash val="solid"/>
-                      <a:round/>
-                      <a:headEnd type="none" w="med" len="med"/>
-                      <a:tailEnd type="none" w="med" len="med"/>
-                    </a:lnL>
-                    <a:lnR w="6350" cap="flat" cmpd="sng" algn="ctr">
-                      <a:solidFill>
-                        <a:schemeClr val="tx1"/>
-                      </a:solidFill>
-                      <a:prstDash val="solid"/>
-                      <a:round/>
-                      <a:headEnd type="none" w="med" len="med"/>
-                      <a:tailEnd type="none" w="med" len="med"/>
-                    </a:lnR>
-                    <a:lnT w="6350" cap="flat" cmpd="sng" algn="ctr">
-                      <a:solidFill>
-                        <a:schemeClr val="tx1"/>
-                      </a:solidFill>
-                      <a:prstDash val="solid"/>
-                      <a:round/>
-                      <a:headEnd type="none" w="med" len="med"/>
-                      <a:tailEnd type="none" w="med" len="med"/>
-                    </a:lnT>
-                    <a:lnB w="6350" cap="flat" cmpd="sng" algn="ctr">
-                      <a:solidFill>
-                        <a:schemeClr val="tx1"/>
-                      </a:solidFill>
-                      <a:prstDash val="solid"/>
-                      <a:round/>
-                      <a:headEnd type="none" w="med" len="med"/>
-                      <a:tailEnd type="none" w="med" len="med"/>
-                    </a:lnB>
-                    <a:lnTlToBr w="12700" cmpd="sng">
-                      <a:noFill/>
-                      <a:prstDash val="solid"/>
-                    </a:lnTlToBr>
-                    <a:lnBlToTr w="12700" cmpd="sng">
-                      <a:noFill/>
-                      <a:prstDash val="solid"/>
-                    </a:lnBlToTr>
-                    <a:noFill/>
-                  </a:tcPr>
-                </a:tc>
-                <a:tc>
-                  <a:txBody>
-                    <a:bodyPr/>
-                    <a:lstStyle/>
-                    <a:p>
-                      <a:pPr marL="0" marR="0" indent="0" algn="l" defTabSz="914400" rtl="0" eaLnBrk="1" fontAlgn="auto" latinLnBrk="0" hangingPunct="1">
-                        <a:lnSpc>
-                          <a:spcPct val="100000"/>
-                        </a:lnSpc>
-                        <a:spcBef>
-                          <a:spcPts val="0"/>
-                        </a:spcBef>
-                        <a:spcAft>
-                          <a:spcPts val="0"/>
-                        </a:spcAft>
-                        <a:buClrTx/>
-                        <a:buSzTx/>
-                        <a:buFont typeface="Arial" panose="020B0604020202020204" pitchFamily="34" charset="0"/>
-                        <a:buNone/>
-                        <a:tabLst/>
-                        <a:defRPr/>
-                      </a:pPr>
-                      <a:r>
-                        <a:rPr lang="en-US" sz="1100" b="0" i="0" u="none" strike="noStrike" baseline="0" dirty="0">
-                          <a:solidFill>
-                            <a:schemeClr val="tx2"/>
-                          </a:solidFill>
-                          <a:effectLst/>
-                          <a:latin typeface="+mn-lt"/>
-                        </a:rPr>
-                        <a:t>Any company or client provided tool for storage or sharing is permissible.</a:t>
-                      </a:r>
-                      <a:endParaRPr lang="en-US" sz="1100" b="0" dirty="0">
-                        <a:solidFill>
-                          <a:schemeClr val="tx2"/>
-                        </a:solidFill>
-                      </a:endParaRPr>
-                    </a:p>
-                  </a:txBody>
-                  <a:tcPr marL="34290" marR="34290" marT="34290" marB="34290">
-                    <a:lnL w="6350" cap="flat" cmpd="sng" algn="ctr">
-                      <a:solidFill>
-                        <a:schemeClr val="tx1"/>
-                      </a:solidFill>
-                      <a:prstDash val="solid"/>
-                      <a:round/>
-                      <a:headEnd type="none" w="med" len="med"/>
-                      <a:tailEnd type="none" w="med" len="med"/>
-                    </a:lnL>
-                    <a:lnR w="6350" cap="flat" cmpd="sng" algn="ctr">
-                      <a:solidFill>
-                        <a:schemeClr val="tx1"/>
-                      </a:solidFill>
-                      <a:prstDash val="solid"/>
-                      <a:round/>
-                      <a:headEnd type="none" w="med" len="med"/>
-                      <a:tailEnd type="none" w="med" len="med"/>
-                    </a:lnR>
-                    <a:lnT w="6350" cap="flat" cmpd="sng" algn="ctr">
-                      <a:solidFill>
-                        <a:schemeClr val="tx1"/>
-                      </a:solidFill>
-                      <a:prstDash val="solid"/>
-                      <a:round/>
-                      <a:headEnd type="none" w="med" len="med"/>
-                      <a:tailEnd type="none" w="med" len="med"/>
-                    </a:lnT>
-                    <a:lnB w="6350" cap="flat" cmpd="sng" algn="ctr">
-                      <a:solidFill>
-                        <a:schemeClr val="tx1"/>
-                      </a:solidFill>
-                      <a:prstDash val="solid"/>
-                      <a:round/>
-                      <a:headEnd type="none" w="med" len="med"/>
-                      <a:tailEnd type="none" w="med" len="med"/>
-                    </a:lnB>
-                    <a:lnTlToBr w="12700" cmpd="sng">
-                      <a:noFill/>
-                      <a:prstDash val="solid"/>
-                    </a:lnTlToBr>
-                    <a:lnBlToTr w="12700" cmpd="sng">
-                      <a:noFill/>
-                      <a:prstDash val="solid"/>
-                    </a:lnBlToTr>
-                    <a:noFill/>
-                  </a:tcPr>
-                </a:tc>
-                <a:extLst>
-                  <a:ext uri="{0D108BD9-81ED-4DB2-BD59-A6C34878D82A}">
-                    <a16:rowId xmlns:a16="http://schemas.microsoft.com/office/drawing/2014/main" val="10003"/>
-                  </a:ext>
-                </a:extLst>
-              </a:tr>
-              <a:tr h="158760">
-                <a:tc>
-                  <a:txBody>
-                    <a:bodyPr/>
-                    <a:lstStyle/>
-                    <a:p>
-                      <a:pPr marL="0" algn="l" defTabSz="914400" rtl="0" eaLnBrk="1" fontAlgn="t" latinLnBrk="0" hangingPunct="1"/>
-                      <a:r>
-                        <a:rPr lang="en-US" sz="1100" b="1" i="1" u="none" strike="noStrike" kern="1200" dirty="0">
-                          <a:solidFill>
-                            <a:schemeClr val="tx2"/>
-                          </a:solidFill>
-                          <a:effectLst/>
-                          <a:latin typeface="+mn-lt"/>
-                          <a:ea typeface="+mn-ea"/>
-                          <a:cs typeface="+mn-cs"/>
-                        </a:rPr>
-                        <a:t>Transmission</a:t>
-                      </a:r>
-                    </a:p>
-                  </a:txBody>
-                  <a:tcPr marL="34290" marR="34290" marT="34290" marB="34290">
-                    <a:lnL w="6350" cap="flat" cmpd="sng" algn="ctr">
-                      <a:solidFill>
-                        <a:schemeClr val="tx1"/>
-                      </a:solidFill>
-                      <a:prstDash val="solid"/>
-                      <a:round/>
-                      <a:headEnd type="none" w="med" len="med"/>
-                      <a:tailEnd type="none" w="med" len="med"/>
-                    </a:lnL>
-                    <a:lnR w="6350" cap="flat" cmpd="sng" algn="ctr">
-                      <a:solidFill>
-                        <a:schemeClr val="tx1"/>
-                      </a:solidFill>
-                      <a:prstDash val="solid"/>
-                      <a:round/>
-                      <a:headEnd type="none" w="med" len="med"/>
-                      <a:tailEnd type="none" w="med" len="med"/>
-                    </a:lnR>
-                    <a:lnT w="6350" cap="flat" cmpd="sng" algn="ctr">
-                      <a:solidFill>
-                        <a:schemeClr val="tx1"/>
-                      </a:solidFill>
-                      <a:prstDash val="solid"/>
-                      <a:round/>
-                      <a:headEnd type="none" w="med" len="med"/>
-                      <a:tailEnd type="none" w="med" len="med"/>
-                    </a:lnT>
-                    <a:lnB w="6350" cap="flat" cmpd="sng" algn="ctr">
-                      <a:solidFill>
-                        <a:schemeClr val="tx1"/>
-                      </a:solidFill>
-                      <a:prstDash val="solid"/>
-                      <a:round/>
-                      <a:headEnd type="none" w="med" len="med"/>
-                      <a:tailEnd type="none" w="med" len="med"/>
-                    </a:lnB>
-                    <a:lnTlToBr w="12700" cmpd="sng">
-                      <a:noFill/>
-                      <a:prstDash val="solid"/>
-                    </a:lnTlToBr>
-                    <a:lnBlToTr w="12700" cmpd="sng">
-                      <a:noFill/>
-                      <a:prstDash val="solid"/>
-                    </a:lnBlToTr>
-                    <a:noFill/>
-                  </a:tcPr>
-                </a:tc>
-                <a:tc>
-                  <a:txBody>
-                    <a:bodyPr/>
-                    <a:lstStyle/>
-                    <a:p>
-                      <a:pPr marL="0" marR="0" indent="0" algn="l" defTabSz="914400" rtl="0" eaLnBrk="1" fontAlgn="auto" latinLnBrk="0" hangingPunct="1">
-                        <a:lnSpc>
-                          <a:spcPct val="100000"/>
-                        </a:lnSpc>
-                        <a:spcBef>
-                          <a:spcPts val="0"/>
-                        </a:spcBef>
-                        <a:spcAft>
-                          <a:spcPts val="0"/>
-                        </a:spcAft>
-                        <a:buClrTx/>
-                        <a:buSzTx/>
-                        <a:buFont typeface="Arial" panose="020B0604020202020204" pitchFamily="34" charset="0"/>
-                        <a:buNone/>
-                        <a:tabLst/>
-                        <a:defRPr/>
-                      </a:pPr>
-                      <a:r>
-                        <a:rPr lang="en-US" sz="1100" b="0" dirty="0">
-                          <a:solidFill>
-                            <a:schemeClr val="tx2"/>
-                          </a:solidFill>
-                          <a:hlinkClick r:id="rId4"/>
-                        </a:rPr>
-                        <a:t>Company data</a:t>
-                      </a:r>
-                      <a:r>
-                        <a:rPr lang="en-US" sz="1100" b="0" dirty="0">
-                          <a:solidFill>
-                            <a:schemeClr val="tx2"/>
-                          </a:solidFill>
-                        </a:rPr>
-                        <a:t> and </a:t>
-                      </a:r>
-                      <a:r>
-                        <a:rPr lang="en-US" sz="1100" b="0" i="0" u="none" strike="noStrike" dirty="0">
-                          <a:solidFill>
-                            <a:schemeClr val="tx2"/>
-                          </a:solidFill>
-                          <a:effectLst/>
-                          <a:latin typeface="+mn-lt"/>
-                          <a:hlinkClick r:id="rId5"/>
-                        </a:rPr>
-                        <a:t>client data</a:t>
-                      </a:r>
-                      <a:r>
-                        <a:rPr lang="en-US" sz="1100" b="0" i="0" u="none" strike="noStrike" dirty="0">
-                          <a:solidFill>
-                            <a:schemeClr val="tx2"/>
-                          </a:solidFill>
-                          <a:effectLst/>
-                          <a:latin typeface="+mn-lt"/>
-                        </a:rPr>
-                        <a:t> </a:t>
-                      </a:r>
-                      <a:r>
-                        <a:rPr lang="en-US" sz="1100" dirty="0">
-                          <a:solidFill>
-                            <a:schemeClr val="tx2"/>
-                          </a:solidFill>
-                        </a:rPr>
-                        <a:t>that is transmitted to or received from</a:t>
-                      </a:r>
-                      <a:r>
-                        <a:rPr lang="en-US" sz="1100" baseline="0" dirty="0">
-                          <a:solidFill>
-                            <a:schemeClr val="tx2"/>
-                          </a:solidFill>
-                        </a:rPr>
-                        <a:t> </a:t>
-                      </a:r>
-                      <a:r>
-                        <a:rPr lang="en-US" sz="1100" dirty="0">
-                          <a:solidFill>
-                            <a:schemeClr val="tx2"/>
-                          </a:solidFill>
-                        </a:rPr>
-                        <a:t>outside</a:t>
-                      </a:r>
-                      <a:r>
-                        <a:rPr lang="en-US" sz="1100" baseline="0" dirty="0">
-                          <a:solidFill>
-                            <a:schemeClr val="tx2"/>
-                          </a:solidFill>
-                        </a:rPr>
-                        <a:t> of Avanade</a:t>
-                      </a:r>
-                      <a:r>
-                        <a:rPr lang="en-US" sz="1100" dirty="0">
-                          <a:solidFill>
-                            <a:schemeClr val="tx2"/>
-                          </a:solidFill>
-                        </a:rPr>
-                        <a:t> must be encrypted</a:t>
-                      </a:r>
-                      <a:r>
-                        <a:rPr lang="en-US" sz="1100" baseline="0" dirty="0">
-                          <a:solidFill>
-                            <a:schemeClr val="tx2"/>
-                          </a:solidFill>
-                        </a:rPr>
-                        <a:t> (e.g., FTPS, SSL, HTTPS, TLS).</a:t>
-                      </a:r>
-                      <a:endParaRPr lang="en-US" sz="1100" dirty="0">
-                        <a:solidFill>
-                          <a:schemeClr val="tx2"/>
-                        </a:solidFill>
-                      </a:endParaRPr>
-                    </a:p>
-                  </a:txBody>
-                  <a:tcPr marL="34290" marR="34290" marT="34290" marB="34290">
-                    <a:lnL w="6350" cap="flat" cmpd="sng" algn="ctr">
-                      <a:solidFill>
-                        <a:schemeClr val="tx1"/>
-                      </a:solidFill>
-                      <a:prstDash val="solid"/>
-                      <a:round/>
-                      <a:headEnd type="none" w="med" len="med"/>
-                      <a:tailEnd type="none" w="med" len="med"/>
-                    </a:lnL>
-                    <a:lnR w="6350" cap="flat" cmpd="sng" algn="ctr">
-                      <a:solidFill>
-                        <a:schemeClr val="tx1"/>
-                      </a:solidFill>
-                      <a:prstDash val="solid"/>
-                      <a:round/>
-                      <a:headEnd type="none" w="med" len="med"/>
-                      <a:tailEnd type="none" w="med" len="med"/>
-                    </a:lnR>
-                    <a:lnT w="6350" cap="flat" cmpd="sng" algn="ctr">
-                      <a:solidFill>
-                        <a:schemeClr val="tx1"/>
-                      </a:solidFill>
-                      <a:prstDash val="solid"/>
-                      <a:round/>
-                      <a:headEnd type="none" w="med" len="med"/>
-                      <a:tailEnd type="none" w="med" len="med"/>
-                    </a:lnT>
-                    <a:lnB w="6350" cap="flat" cmpd="sng" algn="ctr">
-                      <a:solidFill>
-                        <a:schemeClr val="tx1"/>
-                      </a:solidFill>
-                      <a:prstDash val="solid"/>
-                      <a:round/>
-                      <a:headEnd type="none" w="med" len="med"/>
-                      <a:tailEnd type="none" w="med" len="med"/>
-                    </a:lnB>
-                    <a:lnTlToBr w="12700" cmpd="sng">
-                      <a:noFill/>
-                      <a:prstDash val="solid"/>
-                    </a:lnTlToBr>
-                    <a:lnBlToTr w="12700" cmpd="sng">
-                      <a:noFill/>
-                      <a:prstDash val="solid"/>
-                    </a:lnBlToTr>
-                    <a:noFill/>
-                  </a:tcPr>
-                </a:tc>
-                <a:extLst>
-                  <a:ext uri="{0D108BD9-81ED-4DB2-BD59-A6C34878D82A}">
-                    <a16:rowId xmlns:a16="http://schemas.microsoft.com/office/drawing/2014/main" val="10004"/>
-                  </a:ext>
-                </a:extLst>
-              </a:tr>
-              <a:tr h="496765">
-                <a:tc>
-                  <a:txBody>
-                    <a:bodyPr/>
-                    <a:lstStyle/>
-                    <a:p>
-                      <a:pPr marL="0" algn="l" defTabSz="914400" rtl="0" eaLnBrk="1" fontAlgn="t" latinLnBrk="0" hangingPunct="1"/>
-                      <a:r>
-                        <a:rPr lang="en-US" sz="1100" b="1" i="1" u="none" strike="noStrike" kern="1200" dirty="0">
-                          <a:solidFill>
-                            <a:schemeClr val="tx2"/>
-                          </a:solidFill>
-                          <a:effectLst/>
-                          <a:latin typeface="+mn-lt"/>
-                          <a:ea typeface="+mn-ea"/>
-                          <a:cs typeface="+mn-cs"/>
-                        </a:rPr>
-                        <a:t>Retention</a:t>
-                      </a:r>
-                    </a:p>
-                  </a:txBody>
-                  <a:tcPr marL="34290" marR="34290" marT="34290" marB="34290">
-                    <a:lnL w="6350" cap="flat" cmpd="sng" algn="ctr">
-                      <a:solidFill>
-                        <a:schemeClr val="tx1"/>
-                      </a:solidFill>
-                      <a:prstDash val="solid"/>
-                      <a:round/>
-                      <a:headEnd type="none" w="med" len="med"/>
-                      <a:tailEnd type="none" w="med" len="med"/>
-                    </a:lnL>
-                    <a:lnR w="6350" cap="flat" cmpd="sng" algn="ctr">
-                      <a:solidFill>
-                        <a:schemeClr val="tx1"/>
-                      </a:solidFill>
-                      <a:prstDash val="solid"/>
-                      <a:round/>
-                      <a:headEnd type="none" w="med" len="med"/>
-                      <a:tailEnd type="none" w="med" len="med"/>
-                    </a:lnR>
-                    <a:lnT w="6350" cap="flat" cmpd="sng" algn="ctr">
-                      <a:solidFill>
-                        <a:schemeClr val="tx1"/>
-                      </a:solidFill>
-                      <a:prstDash val="solid"/>
-                      <a:round/>
-                      <a:headEnd type="none" w="med" len="med"/>
-                      <a:tailEnd type="none" w="med" len="med"/>
-                    </a:lnT>
-                    <a:lnB w="6350" cap="flat" cmpd="sng" algn="ctr">
-                      <a:solidFill>
-                        <a:schemeClr val="tx1"/>
-                      </a:solidFill>
-                      <a:prstDash val="solid"/>
-                      <a:round/>
-                      <a:headEnd type="none" w="med" len="med"/>
-                      <a:tailEnd type="none" w="med" len="med"/>
-                    </a:lnB>
-                    <a:lnTlToBr w="12700" cmpd="sng">
-                      <a:noFill/>
-                      <a:prstDash val="solid"/>
-                    </a:lnTlToBr>
-                    <a:lnBlToTr w="12700" cmpd="sng">
-                      <a:noFill/>
-                      <a:prstDash val="solid"/>
-                    </a:lnBlToTr>
-                    <a:noFill/>
-                  </a:tcPr>
-                </a:tc>
-                <a:tc>
-                  <a:txBody>
-                    <a:bodyPr/>
-                    <a:lstStyle/>
-                    <a:p>
-                      <a:pPr algn="l" fontAlgn="t"/>
-                      <a:r>
-                        <a:rPr lang="en-US" sz="1100" b="1" dirty="0">
-                          <a:solidFill>
-                            <a:schemeClr val="tx2"/>
-                          </a:solidFill>
-                          <a:hlinkClick r:id="rId4"/>
-                        </a:rPr>
-                        <a:t>Company data</a:t>
-                      </a:r>
-                      <a:r>
-                        <a:rPr lang="en-US" sz="1100" b="1" dirty="0">
-                          <a:solidFill>
-                            <a:schemeClr val="tx2"/>
-                          </a:solidFill>
-                        </a:rPr>
-                        <a:t>: </a:t>
-                      </a:r>
-                      <a:r>
-                        <a:rPr lang="en-US" sz="1100" b="0" dirty="0">
-                          <a:solidFill>
-                            <a:schemeClr val="tx2"/>
-                          </a:solidFill>
-                        </a:rPr>
-                        <a:t>If</a:t>
-                      </a:r>
-                      <a:r>
-                        <a:rPr lang="en-US" sz="1100" b="0" baseline="0" dirty="0">
-                          <a:solidFill>
-                            <a:schemeClr val="tx2"/>
-                          </a:solidFill>
-                        </a:rPr>
-                        <a:t> retention is required per </a:t>
-                      </a:r>
-                      <a:r>
-                        <a:rPr lang="en-US" sz="1100" b="0" baseline="0" dirty="0">
-                          <a:solidFill>
-                            <a:schemeClr val="tx2"/>
-                          </a:solidFill>
-                          <a:hlinkClick r:id="rId6"/>
-                        </a:rPr>
-                        <a:t>Policy 1413AVA: Corporate Records Management</a:t>
-                      </a:r>
-                      <a:r>
-                        <a:rPr lang="en-US" sz="1100" b="0" baseline="0" dirty="0">
-                          <a:solidFill>
-                            <a:schemeClr val="tx2"/>
-                          </a:solidFill>
-                        </a:rPr>
-                        <a:t>, contact your Functional Records Lead. All other company data should be </a:t>
-                      </a:r>
-                      <a:r>
-                        <a:rPr lang="en-US" sz="1100" dirty="0">
-                          <a:solidFill>
-                            <a:schemeClr val="tx2"/>
-                          </a:solidFill>
-                        </a:rPr>
-                        <a:t>retained for 3 years once template/document/record is no longer current, then</a:t>
-                      </a:r>
-                      <a:r>
-                        <a:rPr lang="en-US" sz="1100" baseline="0" dirty="0">
-                          <a:solidFill>
-                            <a:schemeClr val="tx2"/>
-                          </a:solidFill>
-                        </a:rPr>
-                        <a:t> securely deleted.</a:t>
-                      </a:r>
-                      <a:endParaRPr lang="en-US" sz="1100" dirty="0">
-                        <a:solidFill>
-                          <a:schemeClr val="tx2"/>
-                        </a:solidFill>
-                      </a:endParaRPr>
-                    </a:p>
-                    <a:p>
-                      <a:pPr algn="l" fontAlgn="t"/>
-                      <a:r>
-                        <a:rPr lang="en-US" sz="1100" b="1" i="0" u="none" strike="noStrike" dirty="0">
-                          <a:solidFill>
-                            <a:schemeClr val="tx2"/>
-                          </a:solidFill>
-                          <a:effectLst/>
-                          <a:latin typeface="+mn-lt"/>
-                          <a:hlinkClick r:id="rId5"/>
-                        </a:rPr>
-                        <a:t>Client data</a:t>
-                      </a:r>
-                      <a:r>
-                        <a:rPr lang="en-US" sz="1100" b="1" i="0" u="none" strike="noStrike" dirty="0">
-                          <a:solidFill>
-                            <a:schemeClr val="tx2"/>
-                          </a:solidFill>
-                          <a:effectLst/>
-                          <a:latin typeface="+mn-lt"/>
-                        </a:rPr>
-                        <a:t>: </a:t>
-                      </a:r>
-                      <a:r>
-                        <a:rPr lang="en-US" sz="1100" b="0" i="0" u="none" strike="noStrike" dirty="0">
-                          <a:solidFill>
-                            <a:schemeClr val="tx2"/>
-                          </a:solidFill>
-                          <a:effectLst/>
-                          <a:latin typeface="+mn-lt"/>
-                        </a:rPr>
-                        <a:t>If</a:t>
-                      </a:r>
-                      <a:r>
-                        <a:rPr lang="en-US" sz="1100" b="0" i="0" u="none" strike="noStrike" baseline="0" dirty="0">
-                          <a:solidFill>
-                            <a:schemeClr val="tx2"/>
-                          </a:solidFill>
-                          <a:effectLst/>
-                          <a:latin typeface="+mn-lt"/>
-                        </a:rPr>
-                        <a:t> retention is required per </a:t>
-                      </a:r>
-                      <a:r>
-                        <a:rPr lang="en-US" sz="1100" b="0" i="0" u="none" strike="noStrike" baseline="0" dirty="0">
-                          <a:solidFill>
-                            <a:schemeClr val="tx2"/>
-                          </a:solidFill>
-                          <a:effectLst/>
-                          <a:latin typeface="+mn-lt"/>
-                          <a:hlinkClick r:id="rId7"/>
-                        </a:rPr>
-                        <a:t>Policy 0123AVA: Client Records Management</a:t>
-                      </a:r>
-                      <a:r>
-                        <a:rPr lang="en-US" sz="1100" b="0" i="0" u="none" strike="noStrike" baseline="0" dirty="0">
-                          <a:solidFill>
-                            <a:schemeClr val="tx2"/>
-                          </a:solidFill>
-                          <a:effectLst/>
-                          <a:latin typeface="+mn-lt"/>
-                        </a:rPr>
-                        <a:t>, contact your Project Lead for more information. All other client data should be deleted at the end of an engagement if there is no business need.</a:t>
-                      </a:r>
-                      <a:endParaRPr lang="en-US" sz="1100" b="0" i="0" u="none" strike="noStrike" dirty="0">
-                        <a:solidFill>
-                          <a:schemeClr val="tx2"/>
-                        </a:solidFill>
-                        <a:effectLst/>
-                        <a:latin typeface="+mn-lt"/>
-                      </a:endParaRPr>
-                    </a:p>
-                  </a:txBody>
-                  <a:tcPr marL="34290" marR="34290" marT="34290" marB="34290">
-                    <a:lnL w="6350" cap="flat" cmpd="sng" algn="ctr">
-                      <a:solidFill>
-                        <a:schemeClr val="tx1"/>
-                      </a:solidFill>
-                      <a:prstDash val="solid"/>
-                      <a:round/>
-                      <a:headEnd type="none" w="med" len="med"/>
-                      <a:tailEnd type="none" w="med" len="med"/>
-                    </a:lnL>
-                    <a:lnR w="6350" cap="flat" cmpd="sng" algn="ctr">
-                      <a:solidFill>
-                        <a:schemeClr val="tx1"/>
-                      </a:solidFill>
-                      <a:prstDash val="solid"/>
-                      <a:round/>
-                      <a:headEnd type="none" w="med" len="med"/>
-                      <a:tailEnd type="none" w="med" len="med"/>
-                    </a:lnR>
-                    <a:lnT w="6350" cap="flat" cmpd="sng" algn="ctr">
-                      <a:solidFill>
-                        <a:schemeClr val="tx1"/>
-                      </a:solidFill>
-                      <a:prstDash val="solid"/>
-                      <a:round/>
-                      <a:headEnd type="none" w="med" len="med"/>
-                      <a:tailEnd type="none" w="med" len="med"/>
-                    </a:lnT>
-                    <a:lnB w="6350" cap="flat" cmpd="sng" algn="ctr">
-                      <a:solidFill>
-                        <a:schemeClr val="tx1"/>
-                      </a:solidFill>
-                      <a:prstDash val="solid"/>
-                      <a:round/>
-                      <a:headEnd type="none" w="med" len="med"/>
-                      <a:tailEnd type="none" w="med" len="med"/>
-                    </a:lnB>
-                    <a:lnTlToBr w="12700" cmpd="sng">
-                      <a:noFill/>
-                      <a:prstDash val="solid"/>
-                    </a:lnTlToBr>
-                    <a:lnBlToTr w="12700" cmpd="sng">
-                      <a:noFill/>
-                      <a:prstDash val="solid"/>
-                    </a:lnBlToTr>
-                    <a:noFill/>
-                  </a:tcPr>
-                </a:tc>
-                <a:extLst>
-                  <a:ext uri="{0D108BD9-81ED-4DB2-BD59-A6C34878D82A}">
-                    <a16:rowId xmlns:a16="http://schemas.microsoft.com/office/drawing/2014/main" val="10005"/>
-                  </a:ext>
-                </a:extLst>
-              </a:tr>
-            </a:tbl>
-          </a:graphicData>
-        </a:graphic>
-      </p:graphicFrame>
+      <p:pic>
+        <p:nvPicPr>
+          <p:cNvPr id="18" name="Afbeelding 17">
+            <a:extLst>
+              <a:ext uri="{FF2B5EF4-FFF2-40B4-BE49-F238E27FC236}">
+                <a16:creationId xmlns:a16="http://schemas.microsoft.com/office/drawing/2014/main" id="{F013C390-96B5-4664-92A3-49BECE35E34C}"/>
+              </a:ext>
+            </a:extLst>
+          </p:cNvPr>
+          <p:cNvPicPr>
+            <a:picLocks noChangeAspect="1"/>
+          </p:cNvPicPr>
+          <p:nvPr/>
+        </p:nvPicPr>
+        <p:blipFill>
+          <a:blip r:embed="rId2"/>
+          <a:stretch>
+            <a:fillRect/>
+          </a:stretch>
+        </p:blipFill>
+        <p:spPr>
+          <a:xfrm>
+            <a:off x="1783136" y="972065"/>
+            <a:ext cx="8625729" cy="5120649"/>
+          </a:xfrm>
+          <a:prstGeom prst="rect">
+            <a:avLst/>
+          </a:prstGeom>
+        </p:spPr>
+      </p:pic>
     </p:spTree>
     <p:extLst>
       <p:ext uri="{BB962C8B-B14F-4D97-AF65-F5344CB8AC3E}">
-        <p14:creationId xmlns:p14="http://schemas.microsoft.com/office/powerpoint/2010/main" val="1943290500"/>
+        <p14:creationId xmlns:p14="http://schemas.microsoft.com/office/powerpoint/2010/main" val="3678016817"/>
       </p:ext>
     </p:extLst>
   </p:cSld>
@@ -15915,7 +16485,7 @@
       </p:grpSpPr>
       <p:sp>
         <p:nvSpPr>
-          <p:cNvPr id="3" name="Slide Number Placeholder 2"/>
+          <p:cNvPr id="2" name="Slide Number Placeholder 1"/>
           <p:cNvSpPr>
             <a:spLocks noGrp="1"/>
           </p:cNvSpPr>
@@ -15928,150 +16498,81 @@
           <a:bodyPr/>
           <a:lstStyle/>
           <a:p>
-            <a:fld id="{04C8A47B-212F-478E-912B-7F15ABA20E0B}" type="slidenum">
-              <a:rPr lang="en-US" smtClean="0"/>
-              <a:pPr/>
+            <a:pPr marL="0" marR="0" lvl="0" indent="0" algn="r" defTabSz="914400" rtl="0" eaLnBrk="1" fontAlgn="auto" latinLnBrk="0" hangingPunct="1">
+              <a:lnSpc>
+                <a:spcPct val="100000"/>
+              </a:lnSpc>
+              <a:spcBef>
+                <a:spcPts val="0"/>
+              </a:spcBef>
+              <a:spcAft>
+                <a:spcPts val="0"/>
+              </a:spcAft>
+              <a:buClrTx/>
+              <a:buSzTx/>
+              <a:buFontTx/>
+              <a:buNone/>
+              <a:tabLst/>
+              <a:defRPr/>
+            </a:pPr>
+            <a:fld id="{3847DB54-D037-B84F-B6F1-2E8DA40D09AD}" type="slidenum">
+              <a:rPr kumimoji="0" lang="en-US" sz="1050" b="0" i="0" u="none" strike="noStrike" kern="1200" cap="none" spc="0" normalizeH="0" baseline="0" noProof="0" smtClean="0">
+                <a:ln>
+                  <a:noFill/>
+                </a:ln>
+                <a:solidFill>
+                  <a:srgbClr val="595959">
+                    <a:lumMod val="65000"/>
+                    <a:lumOff val="35000"/>
+                  </a:srgbClr>
+                </a:solidFill>
+                <a:effectLst/>
+                <a:uLnTx/>
+                <a:uFillTx/>
+                <a:latin typeface="Segoe UI Light" charset="0"/>
+                <a:cs typeface="Segoe UI Light" charset="0"/>
+              </a:rPr>
+              <a:pPr marL="0" marR="0" lvl="0" indent="0" algn="r" defTabSz="914400" rtl="0" eaLnBrk="1" fontAlgn="auto" latinLnBrk="0" hangingPunct="1">
+                <a:lnSpc>
+                  <a:spcPct val="100000"/>
+                </a:lnSpc>
+                <a:spcBef>
+                  <a:spcPts val="0"/>
+                </a:spcBef>
+                <a:spcAft>
+                  <a:spcPts val="0"/>
+                </a:spcAft>
+                <a:buClrTx/>
+                <a:buSzTx/>
+                <a:buFontTx/>
+                <a:buNone/>
+                <a:tabLst/>
+                <a:defRPr/>
+              </a:pPr>
               <a:t>8</a:t>
             </a:fld>
-            <a:endParaRPr lang="en-US" dirty="0"/>
-          </a:p>
-        </p:txBody>
-      </p:sp>
-      <p:sp>
-        <p:nvSpPr>
-          <p:cNvPr id="5" name="Content Placeholder 4"/>
-          <p:cNvSpPr>
-            <a:spLocks noGrp="1"/>
-          </p:cNvSpPr>
-          <p:nvPr>
-            <p:ph idx="1"/>
-          </p:nvPr>
-        </p:nvSpPr>
-        <p:spPr/>
-        <p:txBody>
-          <a:bodyPr/>
-          <a:lstStyle/>
-          <a:p>
-            <a:r>
-              <a:rPr lang="en-US" sz="1800" dirty="0">
-                <a:solidFill>
-                  <a:srgbClr val="464646"/>
-                </a:solidFill>
-              </a:rPr>
-              <a:t>This document contains </a:t>
-            </a:r>
-            <a:r>
-              <a:rPr lang="en-US" sz="1800" b="1" dirty="0">
-                <a:solidFill>
-                  <a:schemeClr val="accent1"/>
-                </a:solidFill>
-              </a:rPr>
-              <a:t>&lt;Highly Confidential Data&gt;</a:t>
-            </a:r>
-            <a:r>
-              <a:rPr lang="en-US" sz="1800" dirty="0">
-                <a:solidFill>
-                  <a:srgbClr val="464646"/>
-                </a:solidFill>
-              </a:rPr>
-              <a:t> per Avanade’s </a:t>
-            </a:r>
-            <a:r>
-              <a:rPr lang="en-US" sz="1800" dirty="0">
-                <a:solidFill>
-                  <a:srgbClr val="464646"/>
-                </a:solidFill>
-                <a:hlinkClick r:id="rId2"/>
-              </a:rPr>
-              <a:t>Data Classification &amp; Protection Standard</a:t>
-            </a:r>
-            <a:r>
-              <a:rPr lang="en-US" sz="1800" dirty="0"/>
-              <a:t>.</a:t>
-            </a:r>
-            <a:endParaRPr lang="en-GB" sz="1800" dirty="0">
-              <a:cs typeface="Calibri" pitchFamily="34" charset="0"/>
+            <a:endParaRPr kumimoji="0" lang="en-US" sz="1050" b="0" i="0" u="none" strike="noStrike" kern="1200" cap="none" spc="0" normalizeH="0" baseline="0" noProof="0">
+              <a:ln>
+                <a:noFill/>
+              </a:ln>
+              <a:solidFill>
+                <a:srgbClr val="595959">
+                  <a:lumMod val="65000"/>
+                  <a:lumOff val="35000"/>
+                </a:srgbClr>
+              </a:solidFill>
+              <a:effectLst/>
+              <a:uLnTx/>
+              <a:uFillTx/>
+              <a:latin typeface="Segoe UI Light" charset="0"/>
+              <a:cs typeface="Segoe UI Light" charset="0"/>
             </a:endParaRPr>
           </a:p>
-          <a:p>
-            <a:r>
-              <a:rPr lang="en-US" sz="1800" dirty="0">
-                <a:solidFill>
-                  <a:srgbClr val="464646"/>
-                </a:solidFill>
-              </a:rPr>
-              <a:t>Highly confidential data is very sensitive company data, client data, and personal data that is used for legitimate business purposes. </a:t>
-            </a:r>
-          </a:p>
-          <a:p>
-            <a:r>
-              <a:rPr lang="en-US" sz="1800" dirty="0">
-                <a:solidFill>
-                  <a:srgbClr val="464646"/>
-                </a:solidFill>
-              </a:rPr>
-              <a:t>More information can be found on the </a:t>
-            </a:r>
-            <a:r>
-              <a:rPr lang="en-US" sz="1800" dirty="0">
-                <a:solidFill>
-                  <a:schemeClr val="accent1"/>
-                </a:solidFill>
-                <a:hlinkClick r:id="rId3"/>
-              </a:rPr>
-              <a:t>Data Classification and Protection website</a:t>
-            </a:r>
-            <a:r>
-              <a:rPr lang="en-US" sz="1800" dirty="0">
-                <a:solidFill>
-                  <a:schemeClr val="tx2"/>
-                </a:solidFill>
-                <a:hlinkClick r:id="rId3"/>
-              </a:rPr>
-              <a:t> </a:t>
-            </a:r>
-            <a:r>
-              <a:rPr lang="en-US" sz="1800" dirty="0">
-                <a:solidFill>
-                  <a:srgbClr val="464646"/>
-                </a:solidFill>
-              </a:rPr>
-              <a:t>including tools, templates, and training. </a:t>
-            </a:r>
-          </a:p>
-          <a:p>
-            <a:endParaRPr lang="en-US" sz="1800" dirty="0">
-              <a:solidFill>
-                <a:srgbClr val="464646"/>
-              </a:solidFill>
-            </a:endParaRPr>
-          </a:p>
-          <a:p>
-            <a:endParaRPr lang="en-US" sz="1800" dirty="0"/>
-          </a:p>
-          <a:p>
-            <a:endParaRPr lang="en-US" sz="1800" dirty="0"/>
-          </a:p>
-          <a:p>
-            <a:endParaRPr lang="en-US" sz="1800" dirty="0"/>
-          </a:p>
-          <a:p>
-            <a:endParaRPr lang="en-US" sz="1800" dirty="0"/>
-          </a:p>
-          <a:p>
-            <a:endParaRPr lang="en-US" sz="1800" dirty="0"/>
-          </a:p>
-          <a:p>
-            <a:endParaRPr lang="en-US" sz="1800" dirty="0"/>
-          </a:p>
-          <a:p>
-            <a:endParaRPr lang="en-US" sz="1800" dirty="0"/>
-          </a:p>
-        </p:txBody>
-      </p:sp>
-      <p:sp>
-        <p:nvSpPr>
-          <p:cNvPr id="2" name="Title 1"/>
+        </p:txBody>
+      </p:sp>
+      <p:sp>
+        <p:nvSpPr>
+          <p:cNvPr id="4" name="Title 3"/>
           <p:cNvSpPr>
             <a:spLocks noGrp="1"/>
           </p:cNvSpPr>
@@ -16085,1213 +16586,572 @@
           <a:lstStyle/>
           <a:p>
             <a:r>
-              <a:rPr lang="en-US" dirty="0"/>
-              <a:t>Classifications and Document Control – Highly Confidential Data</a:t>
+              <a:rPr lang="en-GB" dirty="0"/>
+              <a:t>Demo 5: Docker Volumes</a:t>
             </a:r>
           </a:p>
         </p:txBody>
       </p:sp>
-      <p:graphicFrame>
-        <p:nvGraphicFramePr>
-          <p:cNvPr id="9" name="Table 8"/>
-          <p:cNvGraphicFramePr>
-            <a:graphicFrameLocks noGrp="1"/>
-          </p:cNvGraphicFramePr>
-          <p:nvPr>
-            <p:extLst/>
-          </p:nvPr>
-        </p:nvGraphicFramePr>
-        <p:xfrm>
-          <a:off x="960792" y="3425469"/>
-          <a:ext cx="10270415" cy="2705100"/>
-        </p:xfrm>
-        <a:graphic>
-          <a:graphicData uri="http://schemas.openxmlformats.org/drawingml/2006/table">
-            <a:tbl>
-              <a:tblPr firstCol="1" bandRow="1">
-                <a:effectLst/>
-                <a:tableStyleId>{5C22544A-7EE6-4342-B048-85BDC9FD1C3A}</a:tableStyleId>
-              </a:tblPr>
-              <a:tblGrid>
-                <a:gridCol w="1501325">
+      <p:grpSp>
+        <p:nvGrpSpPr>
+          <p:cNvPr id="28" name="Groep 27">
+            <a:extLst>
+              <a:ext uri="{FF2B5EF4-FFF2-40B4-BE49-F238E27FC236}">
+                <a16:creationId xmlns:a16="http://schemas.microsoft.com/office/drawing/2014/main" id="{A1E56CDA-33F4-4C3D-817D-442F24DFFD15}"/>
+              </a:ext>
+            </a:extLst>
+          </p:cNvPr>
+          <p:cNvGrpSpPr/>
+          <p:nvPr/>
+        </p:nvGrpSpPr>
+        <p:grpSpPr>
+          <a:xfrm>
+            <a:off x="2055340" y="2123303"/>
+            <a:ext cx="8081320" cy="2611395"/>
+            <a:chOff x="2133600" y="2034746"/>
+            <a:chExt cx="8081320" cy="2611395"/>
+          </a:xfrm>
+        </p:grpSpPr>
+        <p:sp>
+          <p:nvSpPr>
+            <p:cNvPr id="35" name="Rectangle 4">
+              <a:extLst>
+                <a:ext uri="{FF2B5EF4-FFF2-40B4-BE49-F238E27FC236}">
+                  <a16:creationId xmlns:a16="http://schemas.microsoft.com/office/drawing/2014/main" id="{D528C71B-768E-429D-8004-5244D4BCF48C}"/>
+                </a:ext>
+              </a:extLst>
+            </p:cNvPr>
+            <p:cNvSpPr/>
+            <p:nvPr/>
+          </p:nvSpPr>
+          <p:spPr>
+            <a:xfrm>
+              <a:off x="2133600" y="2034746"/>
+              <a:ext cx="8081320" cy="2611395"/>
+            </a:xfrm>
+            <a:prstGeom prst="rect">
+              <a:avLst/>
+            </a:prstGeom>
+            <a:noFill/>
+            <a:ln>
+              <a:solidFill>
+                <a:schemeClr val="tx2"/>
+              </a:solidFill>
+            </a:ln>
+          </p:spPr>
+          <p:style>
+            <a:lnRef idx="2">
+              <a:schemeClr val="accent1">
+                <a:shade val="50000"/>
+              </a:schemeClr>
+            </a:lnRef>
+            <a:fillRef idx="1">
+              <a:schemeClr val="accent1"/>
+            </a:fillRef>
+            <a:effectRef idx="0">
+              <a:schemeClr val="accent1"/>
+            </a:effectRef>
+            <a:fontRef idx="minor">
+              <a:schemeClr val="lt1"/>
+            </a:fontRef>
+          </p:style>
+          <p:txBody>
+            <a:bodyPr rtlCol="0" anchor="ctr"/>
+            <a:lstStyle/>
+            <a:p>
+              <a:pPr algn="ctr"/>
+              <a:endParaRPr lang="nl-NL"/>
+            </a:p>
+          </p:txBody>
+        </p:sp>
+        <p:grpSp>
+          <p:nvGrpSpPr>
+            <p:cNvPr id="27" name="Groep 26">
+              <a:extLst>
+                <a:ext uri="{FF2B5EF4-FFF2-40B4-BE49-F238E27FC236}">
+                  <a16:creationId xmlns:a16="http://schemas.microsoft.com/office/drawing/2014/main" id="{42111816-2A59-483A-B0E6-A97D3BA85218}"/>
+                </a:ext>
+              </a:extLst>
+            </p:cNvPr>
+            <p:cNvGrpSpPr/>
+            <p:nvPr/>
+          </p:nvGrpSpPr>
+          <p:grpSpPr>
+            <a:xfrm>
+              <a:off x="2651354" y="2370918"/>
+              <a:ext cx="6984137" cy="1816657"/>
+              <a:chOff x="2651354" y="2370918"/>
+              <a:chExt cx="6984137" cy="1816657"/>
+            </a:xfrm>
+          </p:grpSpPr>
+          <p:grpSp>
+            <p:nvGrpSpPr>
+              <p:cNvPr id="23" name="Groep 22">
+                <a:extLst>
+                  <a:ext uri="{FF2B5EF4-FFF2-40B4-BE49-F238E27FC236}">
+                    <a16:creationId xmlns:a16="http://schemas.microsoft.com/office/drawing/2014/main" id="{8D58D543-55AD-467E-90F3-77DC2A80A9AA}"/>
+                  </a:ext>
+                </a:extLst>
+              </p:cNvPr>
+              <p:cNvGrpSpPr/>
+              <p:nvPr/>
+            </p:nvGrpSpPr>
+            <p:grpSpPr>
+              <a:xfrm>
+                <a:off x="2651354" y="2370918"/>
+                <a:ext cx="5233055" cy="1797309"/>
+                <a:chOff x="2633083" y="2462142"/>
+                <a:chExt cx="5233055" cy="1797309"/>
+              </a:xfrm>
+            </p:grpSpPr>
+            <p:grpSp>
+              <p:nvGrpSpPr>
+                <p:cNvPr id="9" name="Groep 8">
                   <a:extLst>
-                    <a:ext uri="{9D8B030D-6E8A-4147-A177-3AD203B41FA5}">
-                      <a16:colId xmlns:a16="http://schemas.microsoft.com/office/drawing/2014/main" val="20000"/>
+                    <a:ext uri="{FF2B5EF4-FFF2-40B4-BE49-F238E27FC236}">
+                      <a16:creationId xmlns:a16="http://schemas.microsoft.com/office/drawing/2014/main" id="{5C188230-14EE-4934-99F7-ACA4EFCE66F5}"/>
                     </a:ext>
                   </a:extLst>
-                </a:gridCol>
-                <a:gridCol w="8769090">
+                </p:cNvPr>
+                <p:cNvGrpSpPr/>
+                <p:nvPr/>
+              </p:nvGrpSpPr>
+              <p:grpSpPr>
+                <a:xfrm>
+                  <a:off x="2633083" y="2462142"/>
+                  <a:ext cx="4200744" cy="1797309"/>
+                  <a:chOff x="1549267" y="2248992"/>
+                  <a:chExt cx="4200744" cy="1797309"/>
+                </a:xfrm>
+              </p:grpSpPr>
+              <p:sp>
+                <p:nvSpPr>
+                  <p:cNvPr id="36" name="Rectangle 4">
+                    <a:extLst>
+                      <a:ext uri="{FF2B5EF4-FFF2-40B4-BE49-F238E27FC236}">
+                        <a16:creationId xmlns:a16="http://schemas.microsoft.com/office/drawing/2014/main" id="{B6B92695-C2A1-4328-AE96-FA0B5BF6E33C}"/>
+                      </a:ext>
+                    </a:extLst>
+                  </p:cNvPr>
+                  <p:cNvSpPr/>
+                  <p:nvPr/>
+                </p:nvSpPr>
+                <p:spPr>
+                  <a:xfrm>
+                    <a:off x="1774712" y="2604583"/>
+                    <a:ext cx="1751082" cy="1301990"/>
+                  </a:xfrm>
+                  <a:prstGeom prst="rect">
+                    <a:avLst/>
+                  </a:prstGeom>
+                  <a:noFill/>
+                  <a:ln>
+                    <a:solidFill>
+                      <a:schemeClr val="tx2"/>
+                    </a:solidFill>
+                  </a:ln>
+                </p:spPr>
+                <p:style>
+                  <a:lnRef idx="2">
+                    <a:schemeClr val="accent1">
+                      <a:shade val="50000"/>
+                    </a:schemeClr>
+                  </a:lnRef>
+                  <a:fillRef idx="1">
+                    <a:schemeClr val="accent1"/>
+                  </a:fillRef>
+                  <a:effectRef idx="0">
+                    <a:schemeClr val="accent1"/>
+                  </a:effectRef>
+                  <a:fontRef idx="minor">
+                    <a:schemeClr val="lt1"/>
+                  </a:fontRef>
+                </p:style>
+                <p:txBody>
+                  <a:bodyPr rtlCol="0" anchor="ctr"/>
+                  <a:lstStyle/>
+                  <a:p>
+                    <a:pPr algn="ctr"/>
+                    <a:endParaRPr lang="nl-NL"/>
+                  </a:p>
+                </p:txBody>
+              </p:sp>
+              <p:pic>
+                <p:nvPicPr>
+                  <p:cNvPr id="38" name="Picture 2" descr="https://www.docker.com/sites/default/files/Whale%20Logo332_5.png">
+                    <a:extLst>
+                      <a:ext uri="{FF2B5EF4-FFF2-40B4-BE49-F238E27FC236}">
+                        <a16:creationId xmlns:a16="http://schemas.microsoft.com/office/drawing/2014/main" id="{40D8DA1E-C77D-4CAD-8A52-108768E5E258}"/>
+                      </a:ext>
+                    </a:extLst>
+                  </p:cNvPr>
+                  <p:cNvPicPr>
+                    <a:picLocks noChangeAspect="1" noChangeArrowheads="1"/>
+                  </p:cNvPicPr>
+                  <p:nvPr/>
+                </p:nvPicPr>
+                <p:blipFill>
+                  <a:blip r:embed="rId2">
+                    <a:extLst>
+                      <a:ext uri="{28A0092B-C50C-407E-A947-70E740481C1C}">
+                        <a14:useLocalDpi xmlns:a14="http://schemas.microsoft.com/office/drawing/2010/main" val="0"/>
+                      </a:ext>
+                    </a:extLst>
+                  </a:blip>
+                  <a:srcRect/>
+                  <a:stretch>
+                    <a:fillRect/>
+                  </a:stretch>
+                </p:blipFill>
+                <p:spPr bwMode="auto">
+                  <a:xfrm>
+                    <a:off x="1549267" y="2248992"/>
+                    <a:ext cx="598663" cy="447328"/>
+                  </a:xfrm>
+                  <a:prstGeom prst="rect">
+                    <a:avLst/>
+                  </a:prstGeom>
+                  <a:noFill/>
                   <a:extLst>
-                    <a:ext uri="{9D8B030D-6E8A-4147-A177-3AD203B41FA5}">
-                      <a16:colId xmlns:a16="http://schemas.microsoft.com/office/drawing/2014/main" val="20001"/>
+                    <a:ext uri="{909E8E84-426E-40DD-AFC4-6F175D3DCCD1}">
+                      <a14:hiddenFill xmlns:a14="http://schemas.microsoft.com/office/drawing/2010/main">
+                        <a:solidFill>
+                          <a:srgbClr val="FFFFFF"/>
+                        </a:solidFill>
+                      </a14:hiddenFill>
                     </a:ext>
                   </a:extLst>
-                </a:gridCol>
-              </a:tblGrid>
-              <a:tr h="0">
-                <a:tc gridSpan="2">
-                  <a:txBody>
-                    <a:bodyPr/>
-                    <a:lstStyle/>
-                    <a:p>
-                      <a:pPr algn="l" fontAlgn="t"/>
-                      <a:r>
-                        <a:rPr lang="en-US" sz="1100" b="1" i="0" u="none" strike="noStrike" dirty="0">
-                          <a:solidFill>
-                            <a:schemeClr val="tx2"/>
-                          </a:solidFill>
-                          <a:effectLst/>
-                          <a:latin typeface="Segoe UI" panose="020B0502040204020203" pitchFamily="34" charset="0"/>
-                          <a:cs typeface="Segoe UI" panose="020B0502040204020203" pitchFamily="34" charset="0"/>
-                        </a:rPr>
-                        <a:t>Mandatory Protection for </a:t>
-                      </a:r>
-                      <a:r>
-                        <a:rPr lang="en-US" sz="1100" b="1" i="0" u="none" strike="noStrike" dirty="0">
-                          <a:solidFill>
-                            <a:schemeClr val="accent1"/>
-                          </a:solidFill>
-                          <a:effectLst/>
-                          <a:latin typeface="Segoe UI" panose="020B0502040204020203" pitchFamily="34" charset="0"/>
-                          <a:cs typeface="Segoe UI" panose="020B0502040204020203" pitchFamily="34" charset="0"/>
-                        </a:rPr>
-                        <a:t>Highly Confidential Data</a:t>
-                      </a:r>
-                    </a:p>
-                  </a:txBody>
-                  <a:tcPr marL="25724" marR="25724" marT="34290" marB="34290">
-                    <a:lnL w="6350" cap="flat" cmpd="sng" algn="ctr">
-                      <a:solidFill>
-                        <a:schemeClr val="tx1"/>
-                      </a:solidFill>
-                      <a:prstDash val="solid"/>
-                      <a:round/>
-                      <a:headEnd type="none" w="med" len="med"/>
-                      <a:tailEnd type="none" w="med" len="med"/>
-                    </a:lnL>
-                    <a:lnR w="6350" cap="flat" cmpd="sng" algn="ctr">
-                      <a:solidFill>
-                        <a:schemeClr val="tx1"/>
-                      </a:solidFill>
-                      <a:prstDash val="solid"/>
-                      <a:round/>
-                      <a:headEnd type="none" w="med" len="med"/>
-                      <a:tailEnd type="none" w="med" len="med"/>
-                    </a:lnR>
-                    <a:lnT w="6350" cap="flat" cmpd="sng" algn="ctr">
-                      <a:solidFill>
-                        <a:schemeClr val="tx1"/>
-                      </a:solidFill>
-                      <a:prstDash val="solid"/>
-                      <a:round/>
-                      <a:headEnd type="none" w="med" len="med"/>
-                      <a:tailEnd type="none" w="med" len="med"/>
-                    </a:lnT>
-                    <a:lnB w="6350" cap="flat" cmpd="sng" algn="ctr">
-                      <a:solidFill>
-                        <a:schemeClr val="tx1"/>
-                      </a:solidFill>
-                      <a:prstDash val="solid"/>
-                      <a:round/>
-                      <a:headEnd type="none" w="med" len="med"/>
-                      <a:tailEnd type="none" w="med" len="med"/>
-                    </a:lnB>
-                    <a:lnTlToBr w="12700" cmpd="sng">
-                      <a:noFill/>
-                      <a:prstDash val="solid"/>
-                    </a:lnTlToBr>
-                    <a:lnBlToTr w="12700" cmpd="sng">
-                      <a:noFill/>
-                      <a:prstDash val="solid"/>
-                    </a:lnBlToTr>
-                    <a:noFill/>
-                  </a:tcPr>
-                </a:tc>
-                <a:tc hMerge="1">
-                  <a:txBody>
-                    <a:bodyPr/>
-                    <a:lstStyle/>
-                    <a:p>
-                      <a:pPr algn="l" fontAlgn="t"/>
-                      <a:endParaRPr lang="en-US" sz="1000" b="1" i="0" u="none" strike="noStrike" dirty="0">
-                        <a:solidFill>
-                          <a:srgbClr val="000000"/>
-                        </a:solidFill>
-                        <a:effectLst/>
-                        <a:latin typeface="Arial" panose="020B0604020202020204" pitchFamily="34" charset="0"/>
-                      </a:endParaRPr>
-                    </a:p>
-                  </a:txBody>
-                  <a:tcPr marL="9525" marR="9525" marT="9525" marB="0"/>
-                </a:tc>
+                </p:spPr>
+              </p:pic>
+              <p:pic>
+                <p:nvPicPr>
+                  <p:cNvPr id="8" name="Afbeelding 7">
+                    <a:extLst>
+                      <a:ext uri="{FF2B5EF4-FFF2-40B4-BE49-F238E27FC236}">
+                        <a16:creationId xmlns:a16="http://schemas.microsoft.com/office/drawing/2014/main" id="{9032FEA6-B13F-4DD6-84C5-51D35FE9A211}"/>
+                      </a:ext>
+                    </a:extLst>
+                  </p:cNvPr>
+                  <p:cNvPicPr>
+                    <a:picLocks noChangeAspect="1"/>
+                  </p:cNvPicPr>
+                  <p:nvPr/>
+                </p:nvPicPr>
+                <p:blipFill>
+                  <a:blip r:embed="rId3"/>
+                  <a:stretch>
+                    <a:fillRect/>
+                  </a:stretch>
+                </p:blipFill>
+                <p:spPr>
+                  <a:xfrm>
+                    <a:off x="4504398" y="2470360"/>
+                    <a:ext cx="1245613" cy="1575941"/>
+                  </a:xfrm>
+                  <a:prstGeom prst="rect">
+                    <a:avLst/>
+                  </a:prstGeom>
+                </p:spPr>
+              </p:pic>
+            </p:grpSp>
+            <p:cxnSp>
+              <p:nvCxnSpPr>
+                <p:cNvPr id="11" name="Rechte verbindingslijn met pijl 10">
+                  <a:extLst>
+                    <a:ext uri="{FF2B5EF4-FFF2-40B4-BE49-F238E27FC236}">
+                      <a16:creationId xmlns:a16="http://schemas.microsoft.com/office/drawing/2014/main" id="{E7E0FD05-E6D9-4D23-AF47-BD774745262F}"/>
+                    </a:ext>
+                  </a:extLst>
+                </p:cNvPr>
+                <p:cNvCxnSpPr>
+                  <a:cxnSpLocks/>
+                  <a:stCxn id="36" idx="3"/>
+                  <a:endCxn id="8" idx="1"/>
+                </p:cNvCxnSpPr>
+                <p:nvPr/>
+              </p:nvCxnSpPr>
+              <p:spPr>
+                <a:xfrm>
+                  <a:off x="4609610" y="3468728"/>
+                  <a:ext cx="978604" cy="2753"/>
+                </a:xfrm>
+                <a:prstGeom prst="straightConnector1">
+                  <a:avLst/>
+                </a:prstGeom>
+                <a:ln>
+                  <a:tailEnd type="triangle"/>
+                </a:ln>
+              </p:spPr>
+              <p:style>
+                <a:lnRef idx="1">
+                  <a:schemeClr val="accent1"/>
+                </a:lnRef>
+                <a:fillRef idx="0">
+                  <a:schemeClr val="accent1"/>
+                </a:fillRef>
+                <a:effectRef idx="0">
+                  <a:schemeClr val="accent1"/>
+                </a:effectRef>
+                <a:fontRef idx="minor">
+                  <a:schemeClr val="tx1"/>
+                </a:fontRef>
+              </p:style>
+            </p:cxnSp>
+            <p:cxnSp>
+              <p:nvCxnSpPr>
+                <p:cNvPr id="14" name="Rechte verbindingslijn met pijl 13">
+                  <a:extLst>
+                    <a:ext uri="{FF2B5EF4-FFF2-40B4-BE49-F238E27FC236}">
+                      <a16:creationId xmlns:a16="http://schemas.microsoft.com/office/drawing/2014/main" id="{789AF169-47B7-462B-8CCD-A7C08C32B59D}"/>
+                    </a:ext>
+                  </a:extLst>
+                </p:cNvPr>
+                <p:cNvCxnSpPr>
+                  <a:cxnSpLocks/>
+                  <a:endCxn id="8" idx="3"/>
+                </p:cNvCxnSpPr>
+                <p:nvPr/>
+              </p:nvCxnSpPr>
+              <p:spPr>
+                <a:xfrm flipH="1">
+                  <a:off x="6833827" y="3471480"/>
+                  <a:ext cx="1032311" cy="1"/>
+                </a:xfrm>
+                <a:prstGeom prst="straightConnector1">
+                  <a:avLst/>
+                </a:prstGeom>
+                <a:ln>
+                  <a:tailEnd type="triangle"/>
+                </a:ln>
+              </p:spPr>
+              <p:style>
+                <a:lnRef idx="1">
+                  <a:schemeClr val="accent1"/>
+                </a:lnRef>
+                <a:fillRef idx="0">
+                  <a:schemeClr val="accent1"/>
+                </a:fillRef>
+                <a:effectRef idx="0">
+                  <a:schemeClr val="accent1"/>
+                </a:effectRef>
+                <a:fontRef idx="minor">
+                  <a:schemeClr val="tx1"/>
+                </a:fontRef>
+              </p:style>
+            </p:cxnSp>
+            <p:pic>
+              <p:nvPicPr>
+                <p:cNvPr id="20" name="Afbeelding 19">
+                  <a:extLst>
+                    <a:ext uri="{FF2B5EF4-FFF2-40B4-BE49-F238E27FC236}">
+                      <a16:creationId xmlns:a16="http://schemas.microsoft.com/office/drawing/2014/main" id="{EE4AD315-02F6-492D-807C-13CE2BFB64F0}"/>
+                    </a:ext>
+                  </a:extLst>
+                </p:cNvPr>
+                <p:cNvPicPr>
+                  <a:picLocks noChangeAspect="1"/>
+                </p:cNvPicPr>
+                <p:nvPr/>
+              </p:nvPicPr>
+              <p:blipFill>
+                <a:blip r:embed="rId4"/>
+                <a:stretch>
+                  <a:fillRect/>
+                </a:stretch>
+              </p:blipFill>
+              <p:spPr>
+                <a:xfrm>
+                  <a:off x="3073876" y="2961863"/>
+                  <a:ext cx="1338657" cy="1005359"/>
+                </a:xfrm>
+                <a:prstGeom prst="rect">
+                  <a:avLst/>
+                </a:prstGeom>
+              </p:spPr>
+            </p:pic>
+          </p:grpSp>
+          <p:sp>
+            <p:nvSpPr>
+              <p:cNvPr id="54" name="Rectangle 4">
                 <a:extLst>
-                  <a:ext uri="{0D108BD9-81ED-4DB2-BD59-A6C34878D82A}">
-                    <a16:rowId xmlns:a16="http://schemas.microsoft.com/office/drawing/2014/main" val="10000"/>
+                  <a:ext uri="{FF2B5EF4-FFF2-40B4-BE49-F238E27FC236}">
+                    <a16:creationId xmlns:a16="http://schemas.microsoft.com/office/drawing/2014/main" id="{A1AED5A9-DFC4-4407-B368-E1A0C2745CD0}"/>
                   </a:ext>
                 </a:extLst>
-              </a:tr>
-              <a:tr h="0">
-                <a:tc>
-                  <a:txBody>
-                    <a:bodyPr/>
-                    <a:lstStyle/>
-                    <a:p>
-                      <a:pPr marL="0" algn="l" defTabSz="914400" rtl="0" eaLnBrk="1" fontAlgn="t" latinLnBrk="0" hangingPunct="1"/>
-                      <a:r>
-                        <a:rPr lang="en-US" sz="1100" b="1" i="1" u="none" strike="noStrike" kern="1200" dirty="0">
-                          <a:solidFill>
-                            <a:schemeClr val="tx2"/>
-                          </a:solidFill>
-                          <a:effectLst/>
-                          <a:latin typeface="Segoe UI" panose="020B0502040204020203" pitchFamily="34" charset="0"/>
-                          <a:ea typeface="+mn-ea"/>
-                          <a:cs typeface="Segoe UI" panose="020B0502040204020203" pitchFamily="34" charset="0"/>
-                        </a:rPr>
-                        <a:t>Access</a:t>
-                      </a:r>
-                    </a:p>
-                  </a:txBody>
-                  <a:tcPr marL="25724" marR="25724" marT="34290" marB="34290">
-                    <a:lnL w="6350" cap="flat" cmpd="sng" algn="ctr">
-                      <a:solidFill>
-                        <a:schemeClr val="tx1"/>
-                      </a:solidFill>
-                      <a:prstDash val="solid"/>
-                      <a:round/>
-                      <a:headEnd type="none" w="med" len="med"/>
-                      <a:tailEnd type="none" w="med" len="med"/>
-                    </a:lnL>
-                    <a:lnR w="6350" cap="flat" cmpd="sng" algn="ctr">
-                      <a:solidFill>
-                        <a:schemeClr val="tx1"/>
-                      </a:solidFill>
-                      <a:prstDash val="solid"/>
-                      <a:round/>
-                      <a:headEnd type="none" w="med" len="med"/>
-                      <a:tailEnd type="none" w="med" len="med"/>
-                    </a:lnR>
-                    <a:lnT w="6350" cap="flat" cmpd="sng" algn="ctr">
-                      <a:solidFill>
-                        <a:schemeClr val="tx1"/>
-                      </a:solidFill>
-                      <a:prstDash val="solid"/>
-                      <a:round/>
-                      <a:headEnd type="none" w="med" len="med"/>
-                      <a:tailEnd type="none" w="med" len="med"/>
-                    </a:lnT>
-                    <a:lnB w="6350" cap="flat" cmpd="sng" algn="ctr">
-                      <a:solidFill>
-                        <a:schemeClr val="tx1"/>
-                      </a:solidFill>
-                      <a:prstDash val="solid"/>
-                      <a:round/>
-                      <a:headEnd type="none" w="med" len="med"/>
-                      <a:tailEnd type="none" w="med" len="med"/>
-                    </a:lnB>
-                    <a:lnTlToBr w="12700" cmpd="sng">
-                      <a:noFill/>
-                      <a:prstDash val="solid"/>
-                    </a:lnTlToBr>
-                    <a:lnBlToTr w="12700" cmpd="sng">
-                      <a:noFill/>
-                      <a:prstDash val="solid"/>
-                    </a:lnBlToTr>
-                    <a:noFill/>
-                  </a:tcPr>
-                </a:tc>
-                <a:tc>
-                  <a:txBody>
-                    <a:bodyPr/>
-                    <a:lstStyle/>
-                    <a:p>
-                      <a:pPr algn="l" fontAlgn="t"/>
-                      <a:r>
-                        <a:rPr lang="en-US" sz="1100" u="none" strike="noStrike" dirty="0">
-                          <a:solidFill>
-                            <a:schemeClr val="tx2"/>
-                          </a:solidFill>
-                          <a:effectLst/>
-                          <a:latin typeface="Segoe UI" panose="020B0502040204020203" pitchFamily="34" charset="0"/>
-                          <a:cs typeface="Segoe UI" panose="020B0502040204020203" pitchFamily="34" charset="0"/>
-                        </a:rPr>
-                        <a:t>Access is limited</a:t>
-                      </a:r>
-                      <a:r>
-                        <a:rPr lang="en-US" sz="1100" u="none" strike="noStrike" baseline="0" dirty="0">
-                          <a:solidFill>
-                            <a:schemeClr val="tx2"/>
-                          </a:solidFill>
-                          <a:effectLst/>
-                          <a:latin typeface="Segoe UI" panose="020B0502040204020203" pitchFamily="34" charset="0"/>
-                          <a:cs typeface="Segoe UI" panose="020B0502040204020203" pitchFamily="34" charset="0"/>
-                        </a:rPr>
-                        <a:t> to select individuals/groups that need it to perform their job duties</a:t>
-                      </a:r>
-                      <a:r>
-                        <a:rPr lang="en-US" sz="1100" b="0" u="none" strike="noStrike" baseline="0" dirty="0">
-                          <a:solidFill>
-                            <a:schemeClr val="tx2"/>
-                          </a:solidFill>
-                          <a:effectLst/>
-                          <a:latin typeface="Segoe UI" panose="020B0502040204020203" pitchFamily="34" charset="0"/>
-                          <a:cs typeface="Segoe UI" panose="020B0502040204020203" pitchFamily="34" charset="0"/>
-                        </a:rPr>
-                        <a:t>. Access is enforced by encrypting the file </a:t>
-                      </a:r>
-                      <a:r>
-                        <a:rPr lang="en-US" sz="1100" b="0" u="none" strike="noStrike" dirty="0">
-                          <a:solidFill>
-                            <a:schemeClr val="tx2"/>
-                          </a:solidFill>
-                          <a:effectLst/>
-                          <a:latin typeface="Segoe UI" panose="020B0502040204020203" pitchFamily="34" charset="0"/>
-                          <a:cs typeface="Segoe UI" panose="020B0502040204020203" pitchFamily="34" charset="0"/>
-                        </a:rPr>
-                        <a:t>using minimum 256-bit encryption</a:t>
-                      </a:r>
-                      <a:r>
-                        <a:rPr lang="en-US" sz="1100" b="0" u="none" strike="noStrike" baseline="0" dirty="0">
-                          <a:solidFill>
-                            <a:schemeClr val="tx2"/>
-                          </a:solidFill>
-                          <a:effectLst/>
-                          <a:latin typeface="Segoe UI" panose="020B0502040204020203" pitchFamily="34" charset="0"/>
-                          <a:cs typeface="Segoe UI" panose="020B0502040204020203" pitchFamily="34" charset="0"/>
-                        </a:rPr>
-                        <a:t> before being shared or stored anywhere except Avanade workstations</a:t>
-                      </a:r>
-                      <a:r>
-                        <a:rPr lang="en-US" sz="1100" b="0" u="none" strike="noStrike" dirty="0">
-                          <a:solidFill>
-                            <a:schemeClr val="tx2"/>
-                          </a:solidFill>
-                          <a:effectLst/>
-                          <a:latin typeface="Segoe UI" panose="020B0502040204020203" pitchFamily="34" charset="0"/>
-                          <a:cs typeface="Segoe UI" panose="020B0502040204020203" pitchFamily="34" charset="0"/>
-                        </a:rPr>
-                        <a:t>. </a:t>
-                      </a:r>
-                      <a:endParaRPr lang="en-US" sz="1100" b="0" i="0" u="none" strike="noStrike" dirty="0">
-                        <a:solidFill>
-                          <a:schemeClr val="tx2"/>
-                        </a:solidFill>
-                        <a:effectLst/>
-                        <a:latin typeface="Segoe UI" panose="020B0502040204020203" pitchFamily="34" charset="0"/>
-                        <a:cs typeface="Segoe UI" panose="020B0502040204020203" pitchFamily="34" charset="0"/>
-                      </a:endParaRPr>
-                    </a:p>
-                  </a:txBody>
-                  <a:tcPr marL="34290" marR="34290">
-                    <a:lnL w="6350" cap="flat" cmpd="sng" algn="ctr">
-                      <a:solidFill>
-                        <a:schemeClr val="tx1"/>
-                      </a:solidFill>
-                      <a:prstDash val="solid"/>
-                      <a:round/>
-                      <a:headEnd type="none" w="med" len="med"/>
-                      <a:tailEnd type="none" w="med" len="med"/>
-                    </a:lnL>
-                    <a:lnR w="6350" cap="flat" cmpd="sng" algn="ctr">
-                      <a:solidFill>
-                        <a:schemeClr val="tx1"/>
-                      </a:solidFill>
-                      <a:prstDash val="solid"/>
-                      <a:round/>
-                      <a:headEnd type="none" w="med" len="med"/>
-                      <a:tailEnd type="none" w="med" len="med"/>
-                    </a:lnR>
-                    <a:lnT w="6350" cap="flat" cmpd="sng" algn="ctr">
-                      <a:solidFill>
-                        <a:schemeClr val="tx1"/>
-                      </a:solidFill>
-                      <a:prstDash val="solid"/>
-                      <a:round/>
-                      <a:headEnd type="none" w="med" len="med"/>
-                      <a:tailEnd type="none" w="med" len="med"/>
-                    </a:lnT>
-                    <a:lnB w="6350" cap="flat" cmpd="sng" algn="ctr">
-                      <a:solidFill>
-                        <a:schemeClr val="tx1"/>
-                      </a:solidFill>
-                      <a:prstDash val="solid"/>
-                      <a:round/>
-                      <a:headEnd type="none" w="med" len="med"/>
-                      <a:tailEnd type="none" w="med" len="med"/>
-                    </a:lnB>
-                    <a:lnTlToBr w="12700" cmpd="sng">
-                      <a:noFill/>
-                      <a:prstDash val="solid"/>
-                    </a:lnTlToBr>
-                    <a:lnBlToTr w="12700" cmpd="sng">
-                      <a:noFill/>
-                      <a:prstDash val="solid"/>
-                    </a:lnBlToTr>
-                    <a:noFill/>
-                  </a:tcPr>
-                </a:tc>
+              </p:cNvPr>
+              <p:cNvSpPr/>
+              <p:nvPr/>
+            </p:nvSpPr>
+            <p:spPr>
+              <a:xfrm>
+                <a:off x="7884409" y="2755386"/>
+                <a:ext cx="1751082" cy="1432189"/>
+              </a:xfrm>
+              <a:prstGeom prst="rect">
+                <a:avLst/>
+              </a:prstGeom>
+              <a:noFill/>
+              <a:ln>
+                <a:solidFill>
+                  <a:schemeClr val="tx2"/>
+                </a:solidFill>
+              </a:ln>
+            </p:spPr>
+            <p:style>
+              <a:lnRef idx="2">
+                <a:schemeClr val="accent1">
+                  <a:shade val="50000"/>
+                </a:schemeClr>
+              </a:lnRef>
+              <a:fillRef idx="1">
+                <a:schemeClr val="accent1"/>
+              </a:fillRef>
+              <a:effectRef idx="0">
+                <a:schemeClr val="accent1"/>
+              </a:effectRef>
+              <a:fontRef idx="minor">
+                <a:schemeClr val="lt1"/>
+              </a:fontRef>
+            </p:style>
+            <p:txBody>
+              <a:bodyPr rtlCol="0" anchor="ctr"/>
+              <a:lstStyle/>
+              <a:p>
+                <a:pPr algn="ctr"/>
+                <a:endParaRPr lang="nl-NL"/>
+              </a:p>
+            </p:txBody>
+          </p:sp>
+          <p:pic>
+            <p:nvPicPr>
+              <p:cNvPr id="55" name="Picture 2" descr="https://www.docker.com/sites/default/files/Whale%20Logo332_5.png">
                 <a:extLst>
-                  <a:ext uri="{0D108BD9-81ED-4DB2-BD59-A6C34878D82A}">
-                    <a16:rowId xmlns:a16="http://schemas.microsoft.com/office/drawing/2014/main" val="10001"/>
+                  <a:ext uri="{FF2B5EF4-FFF2-40B4-BE49-F238E27FC236}">
+                    <a16:creationId xmlns:a16="http://schemas.microsoft.com/office/drawing/2014/main" id="{DAAF9342-0356-42DA-B18F-443F67EC41F2}"/>
                   </a:ext>
                 </a:extLst>
-              </a:tr>
-              <a:tr h="0">
-                <a:tc>
-                  <a:txBody>
-                    <a:bodyPr/>
-                    <a:lstStyle/>
-                    <a:p>
-                      <a:pPr marL="0" algn="l" defTabSz="914400" rtl="0" eaLnBrk="1" fontAlgn="t" latinLnBrk="0" hangingPunct="1"/>
-                      <a:r>
-                        <a:rPr lang="en-US" sz="1100" b="1" i="1" u="none" strike="noStrike" kern="1200" dirty="0">
-                          <a:solidFill>
-                            <a:schemeClr val="tx2"/>
-                          </a:solidFill>
-                          <a:effectLst/>
-                          <a:latin typeface="Segoe UI" panose="020B0502040204020203" pitchFamily="34" charset="0"/>
-                          <a:ea typeface="+mn-ea"/>
-                          <a:cs typeface="Segoe UI" panose="020B0502040204020203" pitchFamily="34" charset="0"/>
-                        </a:rPr>
-                        <a:t>Devices</a:t>
-                      </a:r>
-                    </a:p>
-                  </a:txBody>
-                  <a:tcPr marL="25724" marR="25724" marT="34290" marB="34290">
-                    <a:lnL w="6350" cap="flat" cmpd="sng" algn="ctr">
-                      <a:solidFill>
-                        <a:schemeClr val="tx1"/>
-                      </a:solidFill>
-                      <a:prstDash val="solid"/>
-                      <a:round/>
-                      <a:headEnd type="none" w="med" len="med"/>
-                      <a:tailEnd type="none" w="med" len="med"/>
-                    </a:lnL>
-                    <a:lnR w="6350" cap="flat" cmpd="sng" algn="ctr">
-                      <a:solidFill>
-                        <a:schemeClr val="tx1"/>
-                      </a:solidFill>
-                      <a:prstDash val="solid"/>
-                      <a:round/>
-                      <a:headEnd type="none" w="med" len="med"/>
-                      <a:tailEnd type="none" w="med" len="med"/>
-                    </a:lnR>
-                    <a:lnT w="6350" cap="flat" cmpd="sng" algn="ctr">
-                      <a:solidFill>
-                        <a:schemeClr val="tx1"/>
-                      </a:solidFill>
-                      <a:prstDash val="solid"/>
-                      <a:round/>
-                      <a:headEnd type="none" w="med" len="med"/>
-                      <a:tailEnd type="none" w="med" len="med"/>
-                    </a:lnT>
-                    <a:lnB w="6350" cap="flat" cmpd="sng" algn="ctr">
-                      <a:solidFill>
-                        <a:schemeClr val="tx1"/>
-                      </a:solidFill>
-                      <a:prstDash val="solid"/>
-                      <a:round/>
-                      <a:headEnd type="none" w="med" len="med"/>
-                      <a:tailEnd type="none" w="med" len="med"/>
-                    </a:lnB>
-                    <a:lnTlToBr w="12700" cmpd="sng">
-                      <a:noFill/>
-                      <a:prstDash val="solid"/>
-                    </a:lnTlToBr>
-                    <a:lnBlToTr w="12700" cmpd="sng">
-                      <a:noFill/>
-                      <a:prstDash val="solid"/>
-                    </a:lnBlToTr>
-                    <a:noFill/>
-                  </a:tcPr>
-                </a:tc>
-                <a:tc>
-                  <a:txBody>
-                    <a:bodyPr/>
-                    <a:lstStyle/>
-                    <a:p>
-                      <a:pPr algn="l" fontAlgn="t"/>
-                      <a:r>
-                        <a:rPr lang="en-US" sz="1100" u="none" strike="noStrike" dirty="0">
-                          <a:solidFill>
-                            <a:schemeClr val="tx2"/>
-                          </a:solidFill>
-                          <a:effectLst/>
-                          <a:latin typeface="Segoe UI" panose="020B0502040204020203" pitchFamily="34" charset="0"/>
-                          <a:cs typeface="Segoe UI" panose="020B0502040204020203" pitchFamily="34" charset="0"/>
-                        </a:rPr>
-                        <a:t>Drive is encrypted to minimum 256 bit encryption; when disposal is necessary, physically destroy or securely overwrite when no longer needed.</a:t>
-                      </a:r>
-                      <a:endParaRPr lang="en-US" sz="1100" b="1" i="0" u="none" strike="noStrike" dirty="0">
-                        <a:solidFill>
-                          <a:schemeClr val="tx2"/>
-                        </a:solidFill>
-                        <a:effectLst/>
-                        <a:latin typeface="Segoe UI" panose="020B0502040204020203" pitchFamily="34" charset="0"/>
-                        <a:cs typeface="Segoe UI" panose="020B0502040204020203" pitchFamily="34" charset="0"/>
-                      </a:endParaRPr>
-                    </a:p>
-                  </a:txBody>
-                  <a:tcPr marL="34290" marR="34290">
-                    <a:lnL w="6350" cap="flat" cmpd="sng" algn="ctr">
-                      <a:solidFill>
-                        <a:schemeClr val="tx1"/>
-                      </a:solidFill>
-                      <a:prstDash val="solid"/>
-                      <a:round/>
-                      <a:headEnd type="none" w="med" len="med"/>
-                      <a:tailEnd type="none" w="med" len="med"/>
-                    </a:lnL>
-                    <a:lnR w="6350" cap="flat" cmpd="sng" algn="ctr">
-                      <a:solidFill>
-                        <a:schemeClr val="tx1"/>
-                      </a:solidFill>
-                      <a:prstDash val="solid"/>
-                      <a:round/>
-                      <a:headEnd type="none" w="med" len="med"/>
-                      <a:tailEnd type="none" w="med" len="med"/>
-                    </a:lnR>
-                    <a:lnT w="6350" cap="flat" cmpd="sng" algn="ctr">
-                      <a:solidFill>
-                        <a:schemeClr val="tx1"/>
-                      </a:solidFill>
-                      <a:prstDash val="solid"/>
-                      <a:round/>
-                      <a:headEnd type="none" w="med" len="med"/>
-                      <a:tailEnd type="none" w="med" len="med"/>
-                    </a:lnT>
-                    <a:lnB w="6350" cap="flat" cmpd="sng" algn="ctr">
-                      <a:solidFill>
-                        <a:schemeClr val="tx1"/>
-                      </a:solidFill>
-                      <a:prstDash val="solid"/>
-                      <a:round/>
-                      <a:headEnd type="none" w="med" len="med"/>
-                      <a:tailEnd type="none" w="med" len="med"/>
-                    </a:lnB>
-                    <a:lnTlToBr w="12700" cmpd="sng">
-                      <a:noFill/>
-                      <a:prstDash val="solid"/>
-                    </a:lnTlToBr>
-                    <a:lnBlToTr w="12700" cmpd="sng">
-                      <a:noFill/>
-                      <a:prstDash val="solid"/>
-                    </a:lnBlToTr>
-                    <a:noFill/>
-                  </a:tcPr>
-                </a:tc>
+              </p:cNvPr>
+              <p:cNvPicPr>
+                <a:picLocks noChangeAspect="1" noChangeArrowheads="1"/>
+              </p:cNvPicPr>
+              <p:nvPr/>
+            </p:nvPicPr>
+            <p:blipFill>
+              <a:blip r:embed="rId2">
                 <a:extLst>
-                  <a:ext uri="{0D108BD9-81ED-4DB2-BD59-A6C34878D82A}">
-                    <a16:rowId xmlns:a16="http://schemas.microsoft.com/office/drawing/2014/main" val="10002"/>
+                  <a:ext uri="{28A0092B-C50C-407E-A947-70E740481C1C}">
+                    <a14:useLocalDpi xmlns:a14="http://schemas.microsoft.com/office/drawing/2010/main" val="0"/>
                   </a:ext>
                 </a:extLst>
-              </a:tr>
-              <a:tr h="0">
-                <a:tc>
-                  <a:txBody>
-                    <a:bodyPr/>
-                    <a:lstStyle/>
-                    <a:p>
-                      <a:pPr marL="0" algn="l" defTabSz="914400" rtl="0" eaLnBrk="1" fontAlgn="t" latinLnBrk="0" hangingPunct="1"/>
-                      <a:r>
-                        <a:rPr lang="en-US" sz="1100" b="1" i="1" u="none" strike="noStrike" kern="1200" dirty="0">
-                          <a:solidFill>
-                            <a:schemeClr val="tx2"/>
-                          </a:solidFill>
-                          <a:effectLst/>
-                          <a:latin typeface="Segoe UI" panose="020B0502040204020203" pitchFamily="34" charset="0"/>
-                          <a:ea typeface="+mn-ea"/>
-                          <a:cs typeface="Segoe UI" panose="020B0502040204020203" pitchFamily="34" charset="0"/>
-                        </a:rPr>
-                        <a:t>Storage/Sharing</a:t>
-                      </a:r>
-                    </a:p>
-                  </a:txBody>
-                  <a:tcPr marL="25724" marR="25724" marT="34290" marB="34290">
-                    <a:lnL w="6350" cap="flat" cmpd="sng" algn="ctr">
-                      <a:solidFill>
-                        <a:schemeClr val="tx1"/>
-                      </a:solidFill>
-                      <a:prstDash val="solid"/>
-                      <a:round/>
-                      <a:headEnd type="none" w="med" len="med"/>
-                      <a:tailEnd type="none" w="med" len="med"/>
-                    </a:lnL>
-                    <a:lnR w="6350" cap="flat" cmpd="sng" algn="ctr">
-                      <a:solidFill>
-                        <a:schemeClr val="tx1"/>
-                      </a:solidFill>
-                      <a:prstDash val="solid"/>
-                      <a:round/>
-                      <a:headEnd type="none" w="med" len="med"/>
-                      <a:tailEnd type="none" w="med" len="med"/>
-                    </a:lnR>
-                    <a:lnT w="6350" cap="flat" cmpd="sng" algn="ctr">
-                      <a:solidFill>
-                        <a:schemeClr val="tx1"/>
-                      </a:solidFill>
-                      <a:prstDash val="solid"/>
-                      <a:round/>
-                      <a:headEnd type="none" w="med" len="med"/>
-                      <a:tailEnd type="none" w="med" len="med"/>
-                    </a:lnT>
-                    <a:lnB w="6350" cap="flat" cmpd="sng" algn="ctr">
-                      <a:solidFill>
-                        <a:schemeClr val="tx1"/>
-                      </a:solidFill>
-                      <a:prstDash val="solid"/>
-                      <a:round/>
-                      <a:headEnd type="none" w="med" len="med"/>
-                      <a:tailEnd type="none" w="med" len="med"/>
-                    </a:lnB>
-                    <a:lnTlToBr w="12700" cmpd="sng">
-                      <a:noFill/>
-                      <a:prstDash val="solid"/>
-                    </a:lnTlToBr>
-                    <a:lnBlToTr w="12700" cmpd="sng">
-                      <a:noFill/>
-                      <a:prstDash val="solid"/>
-                    </a:lnBlToTr>
-                    <a:noFill/>
-                  </a:tcPr>
-                </a:tc>
-                <a:tc>
-                  <a:txBody>
-                    <a:bodyPr/>
-                    <a:lstStyle/>
-                    <a:p>
-                      <a:pPr algn="l" fontAlgn="t"/>
-                      <a:r>
-                        <a:rPr lang="en-US" sz="1100" b="0" i="0" u="none" strike="noStrike" dirty="0">
-                          <a:solidFill>
-                            <a:schemeClr val="tx2"/>
-                          </a:solidFill>
-                          <a:effectLst/>
-                          <a:latin typeface="Segoe UI" panose="020B0502040204020203" pitchFamily="34" charset="0"/>
-                          <a:cs typeface="Segoe UI" panose="020B0502040204020203" pitchFamily="34" charset="0"/>
-                        </a:rPr>
-                        <a:t>If highly confidential data will be leaving your workstation for any reason (e.g., email, SharePoint, syncing with OneDrive), it must be encrypted with Active Directory RMS or other approved tools to limit access to the intended audience.  Once the data is encrypted, the data may be shared using any Avanade-approved sharing and storage platforms (e.g., SharePoint, OneDrive, email).</a:t>
-                      </a:r>
-                    </a:p>
-                  </a:txBody>
-                  <a:tcPr marL="34290" marR="34290">
-                    <a:lnL w="6350" cap="flat" cmpd="sng" algn="ctr">
-                      <a:solidFill>
-                        <a:schemeClr val="tx1"/>
-                      </a:solidFill>
-                      <a:prstDash val="solid"/>
-                      <a:round/>
-                      <a:headEnd type="none" w="med" len="med"/>
-                      <a:tailEnd type="none" w="med" len="med"/>
-                    </a:lnL>
-                    <a:lnR w="6350" cap="flat" cmpd="sng" algn="ctr">
-                      <a:solidFill>
-                        <a:schemeClr val="tx1"/>
-                      </a:solidFill>
-                      <a:prstDash val="solid"/>
-                      <a:round/>
-                      <a:headEnd type="none" w="med" len="med"/>
-                      <a:tailEnd type="none" w="med" len="med"/>
-                    </a:lnR>
-                    <a:lnT w="6350" cap="flat" cmpd="sng" algn="ctr">
-                      <a:solidFill>
-                        <a:schemeClr val="tx1"/>
-                      </a:solidFill>
-                      <a:prstDash val="solid"/>
-                      <a:round/>
-                      <a:headEnd type="none" w="med" len="med"/>
-                      <a:tailEnd type="none" w="med" len="med"/>
-                    </a:lnT>
-                    <a:lnB w="6350" cap="flat" cmpd="sng" algn="ctr">
-                      <a:solidFill>
-                        <a:schemeClr val="tx1"/>
-                      </a:solidFill>
-                      <a:prstDash val="solid"/>
-                      <a:round/>
-                      <a:headEnd type="none" w="med" len="med"/>
-                      <a:tailEnd type="none" w="med" len="med"/>
-                    </a:lnB>
-                    <a:lnTlToBr w="12700" cmpd="sng">
-                      <a:noFill/>
-                      <a:prstDash val="solid"/>
-                    </a:lnTlToBr>
-                    <a:lnBlToTr w="12700" cmpd="sng">
-                      <a:noFill/>
-                      <a:prstDash val="solid"/>
-                    </a:lnBlToTr>
-                    <a:noFill/>
-                  </a:tcPr>
-                </a:tc>
+              </a:blip>
+              <a:srcRect/>
+              <a:stretch>
+                <a:fillRect/>
+              </a:stretch>
+            </p:blipFill>
+            <p:spPr bwMode="auto">
+              <a:xfrm>
+                <a:off x="7629031" y="2442528"/>
+                <a:ext cx="658529" cy="492061"/>
+              </a:xfrm>
+              <a:prstGeom prst="rect">
+                <a:avLst/>
+              </a:prstGeom>
+              <a:noFill/>
+              <a:extLst>
+                <a:ext uri="{909E8E84-426E-40DD-AFC4-6F175D3DCCD1}">
+                  <a14:hiddenFill xmlns:a14="http://schemas.microsoft.com/office/drawing/2010/main">
+                    <a:solidFill>
+                      <a:srgbClr val="FFFFFF"/>
+                    </a:solidFill>
+                  </a14:hiddenFill>
+                </a:ext>
+              </a:extLst>
+            </p:spPr>
+          </p:pic>
+          <p:pic>
+            <p:nvPicPr>
+              <p:cNvPr id="56" name="Afbeelding 55">
                 <a:extLst>
-                  <a:ext uri="{0D108BD9-81ED-4DB2-BD59-A6C34878D82A}">
-                    <a16:rowId xmlns:a16="http://schemas.microsoft.com/office/drawing/2014/main" val="10003"/>
+                  <a:ext uri="{FF2B5EF4-FFF2-40B4-BE49-F238E27FC236}">
+                    <a16:creationId xmlns:a16="http://schemas.microsoft.com/office/drawing/2014/main" id="{9DFE3BF8-13BD-4907-AC58-05EDF3E22A1C}"/>
                   </a:ext>
                 </a:extLst>
-              </a:tr>
-              <a:tr h="0">
-                <a:tc>
-                  <a:txBody>
-                    <a:bodyPr/>
-                    <a:lstStyle/>
-                    <a:p>
-                      <a:pPr marL="0" algn="l" defTabSz="914400" rtl="0" eaLnBrk="1" fontAlgn="t" latinLnBrk="0" hangingPunct="1"/>
-                      <a:r>
-                        <a:rPr lang="en-US" sz="1100" b="1" i="1" u="none" strike="noStrike" kern="1200" dirty="0">
-                          <a:solidFill>
-                            <a:schemeClr val="tx2"/>
-                          </a:solidFill>
-                          <a:effectLst/>
-                          <a:latin typeface="Segoe UI" panose="020B0502040204020203" pitchFamily="34" charset="0"/>
-                          <a:ea typeface="+mn-ea"/>
-                          <a:cs typeface="Segoe UI" panose="020B0502040204020203" pitchFamily="34" charset="0"/>
-                        </a:rPr>
-                        <a:t>Transmission</a:t>
-                      </a:r>
-                    </a:p>
-                  </a:txBody>
-                  <a:tcPr marL="25724" marR="25724" marT="34290" marB="34290">
-                    <a:lnL w="6350" cap="flat" cmpd="sng" algn="ctr">
-                      <a:solidFill>
-                        <a:schemeClr val="tx1"/>
-                      </a:solidFill>
-                      <a:prstDash val="solid"/>
-                      <a:round/>
-                      <a:headEnd type="none" w="med" len="med"/>
-                      <a:tailEnd type="none" w="med" len="med"/>
-                    </a:lnL>
-                    <a:lnR w="6350" cap="flat" cmpd="sng" algn="ctr">
-                      <a:solidFill>
-                        <a:schemeClr val="tx1"/>
-                      </a:solidFill>
-                      <a:prstDash val="solid"/>
-                      <a:round/>
-                      <a:headEnd type="none" w="med" len="med"/>
-                      <a:tailEnd type="none" w="med" len="med"/>
-                    </a:lnR>
-                    <a:lnT w="6350" cap="flat" cmpd="sng" algn="ctr">
-                      <a:solidFill>
-                        <a:schemeClr val="tx1"/>
-                      </a:solidFill>
-                      <a:prstDash val="solid"/>
-                      <a:round/>
-                      <a:headEnd type="none" w="med" len="med"/>
-                      <a:tailEnd type="none" w="med" len="med"/>
-                    </a:lnT>
-                    <a:lnB w="6350" cap="flat" cmpd="sng" algn="ctr">
-                      <a:solidFill>
-                        <a:schemeClr val="tx1"/>
-                      </a:solidFill>
-                      <a:prstDash val="solid"/>
-                      <a:round/>
-                      <a:headEnd type="none" w="med" len="med"/>
-                      <a:tailEnd type="none" w="med" len="med"/>
-                    </a:lnB>
-                    <a:lnTlToBr w="12700" cmpd="sng">
-                      <a:noFill/>
-                      <a:prstDash val="solid"/>
-                    </a:lnTlToBr>
-                    <a:lnBlToTr w="12700" cmpd="sng">
-                      <a:noFill/>
-                      <a:prstDash val="solid"/>
-                    </a:lnBlToTr>
-                    <a:noFill/>
-                  </a:tcPr>
-                </a:tc>
-                <a:tc>
-                  <a:txBody>
-                    <a:bodyPr/>
-                    <a:lstStyle/>
-                    <a:p>
-                      <a:pPr marL="0" marR="0" indent="0" algn="l" defTabSz="914400" rtl="0" eaLnBrk="1" fontAlgn="auto" latinLnBrk="0" hangingPunct="1">
-                        <a:lnSpc>
-                          <a:spcPct val="100000"/>
-                        </a:lnSpc>
-                        <a:spcBef>
-                          <a:spcPts val="0"/>
-                        </a:spcBef>
-                        <a:spcAft>
-                          <a:spcPts val="0"/>
-                        </a:spcAft>
-                        <a:buClrTx/>
-                        <a:buSzTx/>
-                        <a:buFont typeface="Arial" panose="020B0604020202020204" pitchFamily="34" charset="0"/>
-                        <a:buNone/>
-                        <a:tabLst/>
-                        <a:defRPr/>
-                      </a:pPr>
-                      <a:r>
-                        <a:rPr lang="en-US" sz="1100" b="0" dirty="0">
-                          <a:solidFill>
-                            <a:schemeClr val="tx2"/>
-                          </a:solidFill>
-                          <a:latin typeface="Segoe UI" panose="020B0502040204020203" pitchFamily="34" charset="0"/>
-                          <a:cs typeface="Segoe UI" panose="020B0502040204020203" pitchFamily="34" charset="0"/>
-                          <a:hlinkClick r:id="rId4"/>
-                        </a:rPr>
-                        <a:t>Company data</a:t>
-                      </a:r>
-                      <a:r>
-                        <a:rPr lang="en-US" sz="1100" b="0" dirty="0">
-                          <a:solidFill>
-                            <a:schemeClr val="tx2"/>
-                          </a:solidFill>
-                          <a:latin typeface="Segoe UI" panose="020B0502040204020203" pitchFamily="34" charset="0"/>
-                          <a:cs typeface="Segoe UI" panose="020B0502040204020203" pitchFamily="34" charset="0"/>
-                        </a:rPr>
-                        <a:t> and </a:t>
-                      </a:r>
-                      <a:r>
-                        <a:rPr lang="en-US" sz="1100" b="0" i="0" u="none" strike="noStrike" dirty="0">
-                          <a:solidFill>
-                            <a:schemeClr val="tx2"/>
-                          </a:solidFill>
-                          <a:effectLst/>
-                          <a:latin typeface="Segoe UI" panose="020B0502040204020203" pitchFamily="34" charset="0"/>
-                          <a:cs typeface="Segoe UI" panose="020B0502040204020203" pitchFamily="34" charset="0"/>
-                          <a:hlinkClick r:id="rId5"/>
-                        </a:rPr>
-                        <a:t>client data</a:t>
-                      </a:r>
-                      <a:r>
-                        <a:rPr lang="en-US" sz="1100" b="0" i="0" u="none" strike="noStrike" dirty="0">
-                          <a:solidFill>
-                            <a:schemeClr val="tx2"/>
-                          </a:solidFill>
-                          <a:effectLst/>
-                          <a:latin typeface="Segoe UI" panose="020B0502040204020203" pitchFamily="34" charset="0"/>
-                          <a:cs typeface="Segoe UI" panose="020B0502040204020203" pitchFamily="34" charset="0"/>
-                        </a:rPr>
-                        <a:t> </a:t>
-                      </a:r>
-                      <a:r>
-                        <a:rPr lang="en-US" sz="1100" dirty="0">
-                          <a:solidFill>
-                            <a:schemeClr val="tx2"/>
-                          </a:solidFill>
-                          <a:latin typeface="Segoe UI" panose="020B0502040204020203" pitchFamily="34" charset="0"/>
-                          <a:cs typeface="Segoe UI" panose="020B0502040204020203" pitchFamily="34" charset="0"/>
-                        </a:rPr>
-                        <a:t>that is transmitted to or received from</a:t>
-                      </a:r>
-                      <a:r>
-                        <a:rPr lang="en-US" sz="1100" baseline="0" dirty="0">
-                          <a:solidFill>
-                            <a:schemeClr val="tx2"/>
-                          </a:solidFill>
-                          <a:latin typeface="Segoe UI" panose="020B0502040204020203" pitchFamily="34" charset="0"/>
-                          <a:cs typeface="Segoe UI" panose="020B0502040204020203" pitchFamily="34" charset="0"/>
-                        </a:rPr>
-                        <a:t> </a:t>
-                      </a:r>
-                      <a:r>
-                        <a:rPr lang="en-US" sz="1100" dirty="0">
-                          <a:solidFill>
-                            <a:schemeClr val="tx2"/>
-                          </a:solidFill>
-                          <a:latin typeface="Segoe UI" panose="020B0502040204020203" pitchFamily="34" charset="0"/>
-                          <a:cs typeface="Segoe UI" panose="020B0502040204020203" pitchFamily="34" charset="0"/>
-                        </a:rPr>
-                        <a:t>outside</a:t>
-                      </a:r>
-                      <a:r>
-                        <a:rPr lang="en-US" sz="1100" baseline="0" dirty="0">
-                          <a:solidFill>
-                            <a:schemeClr val="tx2"/>
-                          </a:solidFill>
-                          <a:latin typeface="Segoe UI" panose="020B0502040204020203" pitchFamily="34" charset="0"/>
-                          <a:cs typeface="Segoe UI" panose="020B0502040204020203" pitchFamily="34" charset="0"/>
-                        </a:rPr>
-                        <a:t> of Avanade</a:t>
-                      </a:r>
-                      <a:r>
-                        <a:rPr lang="en-US" sz="1100" dirty="0">
-                          <a:solidFill>
-                            <a:schemeClr val="tx2"/>
-                          </a:solidFill>
-                          <a:latin typeface="Segoe UI" panose="020B0502040204020203" pitchFamily="34" charset="0"/>
-                          <a:cs typeface="Segoe UI" panose="020B0502040204020203" pitchFamily="34" charset="0"/>
-                        </a:rPr>
-                        <a:t> must be encrypted</a:t>
-                      </a:r>
-                      <a:r>
-                        <a:rPr lang="en-US" sz="1100" baseline="0" dirty="0">
-                          <a:solidFill>
-                            <a:schemeClr val="tx2"/>
-                          </a:solidFill>
-                          <a:latin typeface="Segoe UI" panose="020B0502040204020203" pitchFamily="34" charset="0"/>
-                          <a:cs typeface="Segoe UI" panose="020B0502040204020203" pitchFamily="34" charset="0"/>
-                        </a:rPr>
-                        <a:t> (e.g., FTPS, SSL, HTTPS, TLS).</a:t>
-                      </a:r>
-                      <a:endParaRPr lang="en-US" sz="1100" dirty="0">
-                        <a:solidFill>
-                          <a:schemeClr val="tx2"/>
-                        </a:solidFill>
-                        <a:latin typeface="Segoe UI" panose="020B0502040204020203" pitchFamily="34" charset="0"/>
-                        <a:cs typeface="Segoe UI" panose="020B0502040204020203" pitchFamily="34" charset="0"/>
-                      </a:endParaRPr>
-                    </a:p>
-                  </a:txBody>
-                  <a:tcPr marL="34290" marR="34290">
-                    <a:lnL w="6350" cap="flat" cmpd="sng" algn="ctr">
-                      <a:solidFill>
-                        <a:schemeClr val="tx1"/>
-                      </a:solidFill>
-                      <a:prstDash val="solid"/>
-                      <a:round/>
-                      <a:headEnd type="none" w="med" len="med"/>
-                      <a:tailEnd type="none" w="med" len="med"/>
-                    </a:lnL>
-                    <a:lnR w="6350" cap="flat" cmpd="sng" algn="ctr">
-                      <a:solidFill>
-                        <a:schemeClr val="tx1"/>
-                      </a:solidFill>
-                      <a:prstDash val="solid"/>
-                      <a:round/>
-                      <a:headEnd type="none" w="med" len="med"/>
-                      <a:tailEnd type="none" w="med" len="med"/>
-                    </a:lnR>
-                    <a:lnT w="6350" cap="flat" cmpd="sng" algn="ctr">
-                      <a:solidFill>
-                        <a:schemeClr val="tx1"/>
-                      </a:solidFill>
-                      <a:prstDash val="solid"/>
-                      <a:round/>
-                      <a:headEnd type="none" w="med" len="med"/>
-                      <a:tailEnd type="none" w="med" len="med"/>
-                    </a:lnT>
-                    <a:lnB w="6350" cap="flat" cmpd="sng" algn="ctr">
-                      <a:solidFill>
-                        <a:schemeClr val="tx1"/>
-                      </a:solidFill>
-                      <a:prstDash val="solid"/>
-                      <a:round/>
-                      <a:headEnd type="none" w="med" len="med"/>
-                      <a:tailEnd type="none" w="med" len="med"/>
-                    </a:lnB>
-                    <a:lnTlToBr w="12700" cmpd="sng">
-                      <a:noFill/>
-                      <a:prstDash val="solid"/>
-                    </a:lnTlToBr>
-                    <a:lnBlToTr w="12700" cmpd="sng">
-                      <a:noFill/>
-                      <a:prstDash val="solid"/>
-                    </a:lnBlToTr>
-                    <a:noFill/>
-                  </a:tcPr>
-                </a:tc>
-                <a:extLst>
-                  <a:ext uri="{0D108BD9-81ED-4DB2-BD59-A6C34878D82A}">
-                    <a16:rowId xmlns:a16="http://schemas.microsoft.com/office/drawing/2014/main" val="10004"/>
-                  </a:ext>
-                </a:extLst>
-              </a:tr>
-              <a:tr h="0">
-                <a:tc>
-                  <a:txBody>
-                    <a:bodyPr/>
-                    <a:lstStyle/>
-                    <a:p>
-                      <a:pPr marL="0" algn="l" defTabSz="914400" rtl="0" eaLnBrk="1" fontAlgn="t" latinLnBrk="0" hangingPunct="1"/>
-                      <a:r>
-                        <a:rPr lang="en-US" sz="1100" b="1" i="1" u="none" strike="noStrike" kern="1200" dirty="0">
-                          <a:solidFill>
-                            <a:schemeClr val="tx2"/>
-                          </a:solidFill>
-                          <a:effectLst/>
-                          <a:latin typeface="Segoe UI" panose="020B0502040204020203" pitchFamily="34" charset="0"/>
-                          <a:ea typeface="+mn-ea"/>
-                          <a:cs typeface="Segoe UI" panose="020B0502040204020203" pitchFamily="34" charset="0"/>
-                        </a:rPr>
-                        <a:t>Retention</a:t>
-                      </a:r>
-                    </a:p>
-                  </a:txBody>
-                  <a:tcPr marL="25724" marR="25724" marT="34290" marB="34290">
-                    <a:lnL w="6350" cap="flat" cmpd="sng" algn="ctr">
-                      <a:solidFill>
-                        <a:schemeClr val="tx1"/>
-                      </a:solidFill>
-                      <a:prstDash val="solid"/>
-                      <a:round/>
-                      <a:headEnd type="none" w="med" len="med"/>
-                      <a:tailEnd type="none" w="med" len="med"/>
-                    </a:lnL>
-                    <a:lnR w="6350" cap="flat" cmpd="sng" algn="ctr">
-                      <a:solidFill>
-                        <a:schemeClr val="tx1"/>
-                      </a:solidFill>
-                      <a:prstDash val="solid"/>
-                      <a:round/>
-                      <a:headEnd type="none" w="med" len="med"/>
-                      <a:tailEnd type="none" w="med" len="med"/>
-                    </a:lnR>
-                    <a:lnT w="6350" cap="flat" cmpd="sng" algn="ctr">
-                      <a:solidFill>
-                        <a:schemeClr val="tx1"/>
-                      </a:solidFill>
-                      <a:prstDash val="solid"/>
-                      <a:round/>
-                      <a:headEnd type="none" w="med" len="med"/>
-                      <a:tailEnd type="none" w="med" len="med"/>
-                    </a:lnT>
-                    <a:lnB w="6350" cap="flat" cmpd="sng" algn="ctr">
-                      <a:solidFill>
-                        <a:schemeClr val="tx1"/>
-                      </a:solidFill>
-                      <a:prstDash val="solid"/>
-                      <a:round/>
-                      <a:headEnd type="none" w="med" len="med"/>
-                      <a:tailEnd type="none" w="med" len="med"/>
-                    </a:lnB>
-                    <a:lnTlToBr w="12700" cmpd="sng">
-                      <a:noFill/>
-                      <a:prstDash val="solid"/>
-                    </a:lnTlToBr>
-                    <a:lnBlToTr w="12700" cmpd="sng">
-                      <a:noFill/>
-                      <a:prstDash val="solid"/>
-                    </a:lnBlToTr>
-                    <a:noFill/>
-                  </a:tcPr>
-                </a:tc>
-                <a:tc>
-                  <a:txBody>
-                    <a:bodyPr/>
-                    <a:lstStyle/>
-                    <a:p>
-                      <a:pPr algn="l" fontAlgn="t"/>
-                      <a:r>
-                        <a:rPr lang="en-US" sz="1100" b="1" dirty="0">
-                          <a:solidFill>
-                            <a:schemeClr val="tx2"/>
-                          </a:solidFill>
-                          <a:latin typeface="Segoe UI" panose="020B0502040204020203" pitchFamily="34" charset="0"/>
-                          <a:cs typeface="Segoe UI" panose="020B0502040204020203" pitchFamily="34" charset="0"/>
-                          <a:hlinkClick r:id="rId4"/>
-                        </a:rPr>
-                        <a:t>Company data</a:t>
-                      </a:r>
-                      <a:r>
-                        <a:rPr lang="en-US" sz="1100" b="1" dirty="0">
-                          <a:solidFill>
-                            <a:schemeClr val="tx2"/>
-                          </a:solidFill>
-                          <a:latin typeface="Segoe UI" panose="020B0502040204020203" pitchFamily="34" charset="0"/>
-                          <a:cs typeface="Segoe UI" panose="020B0502040204020203" pitchFamily="34" charset="0"/>
-                        </a:rPr>
-                        <a:t>: </a:t>
-                      </a:r>
-                      <a:r>
-                        <a:rPr lang="en-US" sz="1100" b="0" dirty="0">
-                          <a:solidFill>
-                            <a:schemeClr val="tx2"/>
-                          </a:solidFill>
-                          <a:latin typeface="Segoe UI" panose="020B0502040204020203" pitchFamily="34" charset="0"/>
-                          <a:cs typeface="Segoe UI" panose="020B0502040204020203" pitchFamily="34" charset="0"/>
-                        </a:rPr>
-                        <a:t>If</a:t>
-                      </a:r>
-                      <a:r>
-                        <a:rPr lang="en-US" sz="1100" b="0" baseline="0" dirty="0">
-                          <a:solidFill>
-                            <a:schemeClr val="tx2"/>
-                          </a:solidFill>
-                          <a:latin typeface="Segoe UI" panose="020B0502040204020203" pitchFamily="34" charset="0"/>
-                          <a:cs typeface="Segoe UI" panose="020B0502040204020203" pitchFamily="34" charset="0"/>
-                        </a:rPr>
-                        <a:t> retention is required per </a:t>
-                      </a:r>
-                      <a:r>
-                        <a:rPr lang="en-US" sz="1100" b="0" baseline="0" dirty="0">
-                          <a:solidFill>
-                            <a:schemeClr val="tx2"/>
-                          </a:solidFill>
-                          <a:latin typeface="Segoe UI" panose="020B0502040204020203" pitchFamily="34" charset="0"/>
-                          <a:cs typeface="Segoe UI" panose="020B0502040204020203" pitchFamily="34" charset="0"/>
-                          <a:hlinkClick r:id="rId6"/>
-                        </a:rPr>
-                        <a:t>Policy 1413AVA: Corporate Records Management</a:t>
-                      </a:r>
-                      <a:r>
-                        <a:rPr lang="en-US" sz="1100" b="0" baseline="0" dirty="0">
-                          <a:solidFill>
-                            <a:schemeClr val="tx2"/>
-                          </a:solidFill>
-                          <a:latin typeface="Segoe UI" panose="020B0502040204020203" pitchFamily="34" charset="0"/>
-                          <a:cs typeface="Segoe UI" panose="020B0502040204020203" pitchFamily="34" charset="0"/>
-                        </a:rPr>
-                        <a:t>, contact your Functional Records Lead. All other company data should be </a:t>
-                      </a:r>
-                      <a:r>
-                        <a:rPr lang="en-US" sz="1100" dirty="0">
-                          <a:solidFill>
-                            <a:schemeClr val="tx2"/>
-                          </a:solidFill>
-                          <a:latin typeface="Segoe UI" panose="020B0502040204020203" pitchFamily="34" charset="0"/>
-                          <a:cs typeface="Segoe UI" panose="020B0502040204020203" pitchFamily="34" charset="0"/>
-                        </a:rPr>
-                        <a:t>retained for 3 years once template/document/record is no longer current, then</a:t>
-                      </a:r>
-                      <a:r>
-                        <a:rPr lang="en-US" sz="1100" baseline="0" dirty="0">
-                          <a:solidFill>
-                            <a:schemeClr val="tx2"/>
-                          </a:solidFill>
-                          <a:latin typeface="Segoe UI" panose="020B0502040204020203" pitchFamily="34" charset="0"/>
-                          <a:cs typeface="Segoe UI" panose="020B0502040204020203" pitchFamily="34" charset="0"/>
-                        </a:rPr>
-                        <a:t> securely deleted.</a:t>
-                      </a:r>
-                      <a:endParaRPr lang="en-US" sz="1100" dirty="0">
-                        <a:solidFill>
-                          <a:schemeClr val="tx2"/>
-                        </a:solidFill>
-                        <a:latin typeface="Segoe UI" panose="020B0502040204020203" pitchFamily="34" charset="0"/>
-                        <a:cs typeface="Segoe UI" panose="020B0502040204020203" pitchFamily="34" charset="0"/>
-                      </a:endParaRPr>
-                    </a:p>
-                    <a:p>
-                      <a:pPr algn="l" fontAlgn="t"/>
-                      <a:r>
-                        <a:rPr lang="en-US" sz="1100" b="1" i="0" u="none" strike="noStrike" dirty="0">
-                          <a:solidFill>
-                            <a:schemeClr val="tx2"/>
-                          </a:solidFill>
-                          <a:effectLst/>
-                          <a:latin typeface="Segoe UI" panose="020B0502040204020203" pitchFamily="34" charset="0"/>
-                          <a:cs typeface="Segoe UI" panose="020B0502040204020203" pitchFamily="34" charset="0"/>
-                          <a:hlinkClick r:id="rId5"/>
-                        </a:rPr>
-                        <a:t>Client data</a:t>
-                      </a:r>
-                      <a:r>
-                        <a:rPr lang="en-US" sz="1100" b="1" i="0" u="none" strike="noStrike" dirty="0">
-                          <a:solidFill>
-                            <a:schemeClr val="tx2"/>
-                          </a:solidFill>
-                          <a:effectLst/>
-                          <a:latin typeface="Segoe UI" panose="020B0502040204020203" pitchFamily="34" charset="0"/>
-                          <a:cs typeface="Segoe UI" panose="020B0502040204020203" pitchFamily="34" charset="0"/>
-                        </a:rPr>
-                        <a:t>: </a:t>
-                      </a:r>
-                      <a:r>
-                        <a:rPr lang="en-US" sz="1100" b="0" i="0" u="none" strike="noStrike" dirty="0">
-                          <a:solidFill>
-                            <a:schemeClr val="tx2"/>
-                          </a:solidFill>
-                          <a:effectLst/>
-                          <a:latin typeface="Segoe UI" panose="020B0502040204020203" pitchFamily="34" charset="0"/>
-                          <a:cs typeface="Segoe UI" panose="020B0502040204020203" pitchFamily="34" charset="0"/>
-                        </a:rPr>
-                        <a:t>If</a:t>
-                      </a:r>
-                      <a:r>
-                        <a:rPr lang="en-US" sz="1100" b="0" i="0" u="none" strike="noStrike" baseline="0" dirty="0">
-                          <a:solidFill>
-                            <a:schemeClr val="tx2"/>
-                          </a:solidFill>
-                          <a:effectLst/>
-                          <a:latin typeface="Segoe UI" panose="020B0502040204020203" pitchFamily="34" charset="0"/>
-                          <a:cs typeface="Segoe UI" panose="020B0502040204020203" pitchFamily="34" charset="0"/>
-                        </a:rPr>
-                        <a:t> retention is required per </a:t>
-                      </a:r>
-                      <a:r>
-                        <a:rPr lang="en-US" sz="1100" b="0" i="0" u="none" strike="noStrike" baseline="0" dirty="0">
-                          <a:solidFill>
-                            <a:schemeClr val="tx2"/>
-                          </a:solidFill>
-                          <a:effectLst/>
-                          <a:latin typeface="Segoe UI" panose="020B0502040204020203" pitchFamily="34" charset="0"/>
-                          <a:cs typeface="Segoe UI" panose="020B0502040204020203" pitchFamily="34" charset="0"/>
-                          <a:hlinkClick r:id="rId7"/>
-                        </a:rPr>
-                        <a:t>Policy 0123AVA: Client Records Management</a:t>
-                      </a:r>
-                      <a:r>
-                        <a:rPr lang="en-US" sz="1100" b="0" i="0" u="none" strike="noStrike" baseline="0" dirty="0">
-                          <a:solidFill>
-                            <a:schemeClr val="tx2"/>
-                          </a:solidFill>
-                          <a:effectLst/>
-                          <a:latin typeface="Segoe UI" panose="020B0502040204020203" pitchFamily="34" charset="0"/>
-                          <a:cs typeface="Segoe UI" panose="020B0502040204020203" pitchFamily="34" charset="0"/>
-                        </a:rPr>
-                        <a:t>, contact your Project Lead for more information. All other client data should be deleted at the end of an engagement if there is no business need.</a:t>
-                      </a:r>
-                      <a:endParaRPr lang="en-US" sz="1100" b="0" i="0" u="none" strike="noStrike" dirty="0">
-                        <a:solidFill>
-                          <a:schemeClr val="tx2"/>
-                        </a:solidFill>
-                        <a:effectLst/>
-                        <a:latin typeface="Segoe UI" panose="020B0502040204020203" pitchFamily="34" charset="0"/>
-                        <a:cs typeface="Segoe UI" panose="020B0502040204020203" pitchFamily="34" charset="0"/>
-                      </a:endParaRPr>
-                    </a:p>
-                  </a:txBody>
-                  <a:tcPr marL="34290" marR="34290">
-                    <a:lnL w="6350" cap="flat" cmpd="sng" algn="ctr">
-                      <a:solidFill>
-                        <a:schemeClr val="tx1"/>
-                      </a:solidFill>
-                      <a:prstDash val="solid"/>
-                      <a:round/>
-                      <a:headEnd type="none" w="med" len="med"/>
-                      <a:tailEnd type="none" w="med" len="med"/>
-                    </a:lnL>
-                    <a:lnR w="6350" cap="flat" cmpd="sng" algn="ctr">
-                      <a:solidFill>
-                        <a:schemeClr val="tx1"/>
-                      </a:solidFill>
-                      <a:prstDash val="solid"/>
-                      <a:round/>
-                      <a:headEnd type="none" w="med" len="med"/>
-                      <a:tailEnd type="none" w="med" len="med"/>
-                    </a:lnR>
-                    <a:lnT w="6350" cap="flat" cmpd="sng" algn="ctr">
-                      <a:solidFill>
-                        <a:schemeClr val="tx1"/>
-                      </a:solidFill>
-                      <a:prstDash val="solid"/>
-                      <a:round/>
-                      <a:headEnd type="none" w="med" len="med"/>
-                      <a:tailEnd type="none" w="med" len="med"/>
-                    </a:lnT>
-                    <a:lnB w="6350" cap="flat" cmpd="sng" algn="ctr">
-                      <a:solidFill>
-                        <a:schemeClr val="tx1"/>
-                      </a:solidFill>
-                      <a:prstDash val="solid"/>
-                      <a:round/>
-                      <a:headEnd type="none" w="med" len="med"/>
-                      <a:tailEnd type="none" w="med" len="med"/>
-                    </a:lnB>
-                    <a:lnTlToBr w="12700" cmpd="sng">
-                      <a:noFill/>
-                      <a:prstDash val="solid"/>
-                    </a:lnTlToBr>
-                    <a:lnBlToTr w="12700" cmpd="sng">
-                      <a:noFill/>
-                      <a:prstDash val="solid"/>
-                    </a:lnBlToTr>
-                    <a:noFill/>
-                  </a:tcPr>
-                </a:tc>
-                <a:extLst>
-                  <a:ext uri="{0D108BD9-81ED-4DB2-BD59-A6C34878D82A}">
-                    <a16:rowId xmlns:a16="http://schemas.microsoft.com/office/drawing/2014/main" val="10005"/>
-                  </a:ext>
-                </a:extLst>
-              </a:tr>
-            </a:tbl>
-          </a:graphicData>
-        </a:graphic>
-      </p:graphicFrame>
+              </p:cNvPr>
+              <p:cNvPicPr>
+                <a:picLocks noChangeAspect="1"/>
+              </p:cNvPicPr>
+              <p:nvPr/>
+            </p:nvPicPr>
+            <p:blipFill>
+              <a:blip r:embed="rId4"/>
+              <a:stretch>
+                <a:fillRect/>
+              </a:stretch>
+            </p:blipFill>
+            <p:spPr>
+              <a:xfrm>
+                <a:off x="8032824" y="2914347"/>
+                <a:ext cx="1472523" cy="1105895"/>
+              </a:xfrm>
+              <a:prstGeom prst="rect">
+                <a:avLst/>
+              </a:prstGeom>
+            </p:spPr>
+          </p:pic>
+        </p:grpSp>
+      </p:grpSp>
+      <p:pic>
+        <p:nvPicPr>
+          <p:cNvPr id="61" name="Picture 2" descr="https://www.seeklogo.net/wp-content/uploads/2012/12/windows-8-icon-logo-vector-400x400.png">
+            <a:extLst>
+              <a:ext uri="{FF2B5EF4-FFF2-40B4-BE49-F238E27FC236}">
+                <a16:creationId xmlns:a16="http://schemas.microsoft.com/office/drawing/2014/main" id="{4921C3AC-35D1-4568-B3A1-46715D887FA3}"/>
+              </a:ext>
+            </a:extLst>
+          </p:cNvPr>
+          <p:cNvPicPr>
+            <a:picLocks noChangeAspect="1" noChangeArrowheads="1"/>
+          </p:cNvPicPr>
+          <p:nvPr/>
+        </p:nvPicPr>
+        <p:blipFill>
+          <a:blip r:embed="rId5">
+            <a:extLst>
+              <a:ext uri="{28A0092B-C50C-407E-A947-70E740481C1C}">
+                <a14:useLocalDpi xmlns:a14="http://schemas.microsoft.com/office/drawing/2010/main" val="0"/>
+              </a:ext>
+            </a:extLst>
+          </a:blip>
+          <a:srcRect/>
+          <a:stretch>
+            <a:fillRect/>
+          </a:stretch>
+        </p:blipFill>
+        <p:spPr bwMode="auto">
+          <a:xfrm>
+            <a:off x="1676443" y="1701681"/>
+            <a:ext cx="757794" cy="757794"/>
+          </a:xfrm>
+          <a:prstGeom prst="rect">
+            <a:avLst/>
+          </a:prstGeom>
+          <a:noFill/>
+          <a:extLst>
+            <a:ext uri="{909E8E84-426E-40DD-AFC4-6F175D3DCCD1}">
+              <a14:hiddenFill xmlns:a14="http://schemas.microsoft.com/office/drawing/2010/main">
+                <a:solidFill>
+                  <a:srgbClr val="FFFFFF"/>
+                </a:solidFill>
+              </a14:hiddenFill>
+            </a:ext>
+          </a:extLst>
+        </p:spPr>
+      </p:pic>
     </p:spTree>
     <p:extLst>
       <p:ext uri="{BB962C8B-B14F-4D97-AF65-F5344CB8AC3E}">
-        <p14:creationId xmlns:p14="http://schemas.microsoft.com/office/powerpoint/2010/main" val="1884650130"/>
+        <p14:creationId xmlns:p14="http://schemas.microsoft.com/office/powerpoint/2010/main" val="1440223155"/>
       </p:ext>
     </p:extLst>
   </p:cSld>
@@ -17323,161 +17183,7 @@
       </p:grpSpPr>
       <p:sp>
         <p:nvSpPr>
-          <p:cNvPr id="3" name="Slide Number Placeholder 2"/>
-          <p:cNvSpPr>
-            <a:spLocks noGrp="1"/>
-          </p:cNvSpPr>
-          <p:nvPr>
-            <p:ph type="sldNum" sz="quarter" idx="12"/>
-          </p:nvPr>
-        </p:nvSpPr>
-        <p:spPr/>
-        <p:txBody>
-          <a:bodyPr/>
-          <a:lstStyle/>
-          <a:p>
-            <a:fld id="{04C8A47B-212F-478E-912B-7F15ABA20E0B}" type="slidenum">
-              <a:rPr lang="en-US" smtClean="0"/>
-              <a:pPr/>
-              <a:t>9</a:t>
-            </a:fld>
-            <a:endParaRPr lang="en-US" dirty="0"/>
-          </a:p>
-        </p:txBody>
-      </p:sp>
-      <p:sp>
-        <p:nvSpPr>
-          <p:cNvPr id="5" name="Content Placeholder 4"/>
-          <p:cNvSpPr>
-            <a:spLocks noGrp="1"/>
-          </p:cNvSpPr>
-          <p:nvPr>
-            <p:ph idx="1"/>
-          </p:nvPr>
-        </p:nvSpPr>
-        <p:spPr/>
-        <p:txBody>
-          <a:bodyPr/>
-          <a:lstStyle/>
-          <a:p>
-            <a:r>
-              <a:rPr lang="en-US" sz="1600" dirty="0">
-                <a:solidFill>
-                  <a:srgbClr val="464646"/>
-                </a:solidFill>
-              </a:rPr>
-              <a:t>This document contains </a:t>
-            </a:r>
-            <a:r>
-              <a:rPr lang="en-US" sz="1600" b="1" dirty="0">
-                <a:solidFill>
-                  <a:schemeClr val="accent1"/>
-                </a:solidFill>
-              </a:rPr>
-              <a:t>&lt;Restricted Data&gt;</a:t>
-            </a:r>
-            <a:r>
-              <a:rPr lang="en-US" sz="1600" dirty="0">
-                <a:solidFill>
-                  <a:srgbClr val="464646"/>
-                </a:solidFill>
-              </a:rPr>
-              <a:t> per Avanade’s </a:t>
-            </a:r>
-            <a:r>
-              <a:rPr lang="en-US" sz="1600" dirty="0">
-                <a:solidFill>
-                  <a:srgbClr val="464646"/>
-                </a:solidFill>
-                <a:hlinkClick r:id="rId2"/>
-              </a:rPr>
-              <a:t>Data Classification &amp; Protection Standard</a:t>
-            </a:r>
-            <a:r>
-              <a:rPr lang="en-US" sz="1600" kern="0" dirty="0"/>
-              <a:t>.</a:t>
-            </a:r>
-            <a:endParaRPr lang="en-GB" sz="1600" kern="0" dirty="0"/>
-          </a:p>
-          <a:p>
-            <a:r>
-              <a:rPr lang="en-US" sz="1600" dirty="0">
-                <a:solidFill>
-                  <a:srgbClr val="464646"/>
-                </a:solidFill>
-              </a:rPr>
-              <a:t>Restricted data is highly sensitive, strategic company data that is material, non-public and relates to company matters. It is intended for business use only by a limited number of personnel.  Restricted data is not available to all personnel and must not be shared with media, analysts, competitors, or other external audiences. </a:t>
-            </a:r>
-          </a:p>
-          <a:p>
-            <a:r>
-              <a:rPr lang="en-US" sz="1600" dirty="0">
-                <a:solidFill>
-                  <a:srgbClr val="464646"/>
-                </a:solidFill>
-              </a:rPr>
-              <a:t>More information can be found on the </a:t>
-            </a:r>
-            <a:r>
-              <a:rPr lang="en-US" sz="1600" dirty="0">
-                <a:solidFill>
-                  <a:schemeClr val="accent1"/>
-                </a:solidFill>
-                <a:hlinkClick r:id="rId3"/>
-              </a:rPr>
-              <a:t>Data Classification and Protection website</a:t>
-            </a:r>
-            <a:r>
-              <a:rPr lang="en-US" sz="1600" dirty="0">
-                <a:solidFill>
-                  <a:schemeClr val="tx2"/>
-                </a:solidFill>
-                <a:hlinkClick r:id="rId3"/>
-              </a:rPr>
-              <a:t> </a:t>
-            </a:r>
-            <a:r>
-              <a:rPr lang="en-US" sz="1600" dirty="0">
-                <a:solidFill>
-                  <a:srgbClr val="464646"/>
-                </a:solidFill>
-              </a:rPr>
-              <a:t>including tools, templates, and training. </a:t>
-            </a:r>
-          </a:p>
-          <a:p>
-            <a:endParaRPr lang="en-US" sz="1800" dirty="0">
-              <a:solidFill>
-                <a:srgbClr val="464646"/>
-              </a:solidFill>
-            </a:endParaRPr>
-          </a:p>
-          <a:p>
-            <a:endParaRPr lang="en-US" sz="1800" dirty="0"/>
-          </a:p>
-          <a:p>
-            <a:endParaRPr lang="en-US" sz="1800" dirty="0"/>
-          </a:p>
-          <a:p>
-            <a:endParaRPr lang="en-US" sz="1800" dirty="0"/>
-          </a:p>
-          <a:p>
-            <a:endParaRPr lang="en-US" sz="1800" dirty="0"/>
-          </a:p>
-          <a:p>
-            <a:endParaRPr lang="en-US" sz="1800" dirty="0"/>
-          </a:p>
-          <a:p>
-            <a:endParaRPr lang="en-US" sz="1800" dirty="0"/>
-          </a:p>
-          <a:p>
-            <a:endParaRPr lang="en-US" sz="1800" dirty="0"/>
-          </a:p>
-        </p:txBody>
-      </p:sp>
-      <p:sp>
-        <p:nvSpPr>
-          <p:cNvPr id="2" name="Title 1"/>
+          <p:cNvPr id="4" name="Title 3"/>
           <p:cNvSpPr>
             <a:spLocks noGrp="1"/>
           </p:cNvSpPr>
@@ -17485,1249 +17191,31 @@
             <p:ph type="title"/>
           </p:nvPr>
         </p:nvSpPr>
-        <p:spPr/>
-        <p:txBody>
-          <a:bodyPr/>
+        <p:spPr>
+          <a:xfrm>
+            <a:off x="4909750" y="3029466"/>
+            <a:ext cx="2446639" cy="799069"/>
+          </a:xfrm>
+        </p:spPr>
+        <p:txBody>
+          <a:bodyPr anchor="ctr"/>
           <a:lstStyle/>
           <a:p>
             <a:r>
-              <a:rPr lang="en-US" dirty="0"/>
-              <a:t>Classifications and Document Control – Restricted Data</a:t>
+              <a:rPr lang="en-GB" dirty="0" err="1"/>
+              <a:t>Bedankt</a:t>
             </a:r>
-          </a:p>
-        </p:txBody>
-      </p:sp>
-      <p:graphicFrame>
-        <p:nvGraphicFramePr>
-          <p:cNvPr id="9" name="Table 8"/>
-          <p:cNvGraphicFramePr>
-            <a:graphicFrameLocks noGrp="1"/>
-          </p:cNvGraphicFramePr>
-          <p:nvPr>
-            <p:extLst/>
-          </p:nvPr>
-        </p:nvGraphicFramePr>
-        <p:xfrm>
-          <a:off x="960791" y="3222362"/>
-          <a:ext cx="10270415" cy="2893482"/>
-        </p:xfrm>
-        <a:graphic>
-          <a:graphicData uri="http://schemas.openxmlformats.org/drawingml/2006/table">
-            <a:tbl>
-              <a:tblPr firstCol="1" bandRow="1">
-                <a:effectLst/>
-                <a:tableStyleId>{5C22544A-7EE6-4342-B048-85BDC9FD1C3A}</a:tableStyleId>
-              </a:tblPr>
-              <a:tblGrid>
-                <a:gridCol w="1501326">
-                  <a:extLst>
-                    <a:ext uri="{9D8B030D-6E8A-4147-A177-3AD203B41FA5}">
-                      <a16:colId xmlns:a16="http://schemas.microsoft.com/office/drawing/2014/main" val="20000"/>
-                    </a:ext>
-                  </a:extLst>
-                </a:gridCol>
-                <a:gridCol w="8769089">
-                  <a:extLst>
-                    <a:ext uri="{9D8B030D-6E8A-4147-A177-3AD203B41FA5}">
-                      <a16:colId xmlns:a16="http://schemas.microsoft.com/office/drawing/2014/main" val="20001"/>
-                    </a:ext>
-                  </a:extLst>
-                </a:gridCol>
-              </a:tblGrid>
-              <a:tr h="256962">
-                <a:tc gridSpan="2">
-                  <a:txBody>
-                    <a:bodyPr/>
-                    <a:lstStyle/>
-                    <a:p>
-                      <a:pPr algn="l" fontAlgn="t"/>
-                      <a:r>
-                        <a:rPr lang="en-US" sz="1100" b="1" i="0" u="none" strike="noStrike" dirty="0">
-                          <a:solidFill>
-                            <a:schemeClr val="tx2"/>
-                          </a:solidFill>
-                          <a:effectLst/>
-                          <a:latin typeface="Segoe UI" panose="020B0502040204020203" pitchFamily="34" charset="0"/>
-                          <a:cs typeface="Segoe UI" panose="020B0502040204020203" pitchFamily="34" charset="0"/>
-                        </a:rPr>
-                        <a:t>Mandatory Protection for </a:t>
-                      </a:r>
-                      <a:r>
-                        <a:rPr lang="en-US" sz="1100" b="1" i="0" u="none" strike="noStrike" dirty="0">
-                          <a:solidFill>
-                            <a:schemeClr val="accent1"/>
-                          </a:solidFill>
-                          <a:effectLst/>
-                          <a:latin typeface="Segoe UI" panose="020B0502040204020203" pitchFamily="34" charset="0"/>
-                          <a:cs typeface="Segoe UI" panose="020B0502040204020203" pitchFamily="34" charset="0"/>
-                        </a:rPr>
-                        <a:t>Restricted Data</a:t>
-                      </a:r>
-                    </a:p>
-                  </a:txBody>
-                  <a:tcPr marL="25724" marR="25724" marT="34290" marB="34290">
-                    <a:lnL w="6350" cap="flat" cmpd="sng" algn="ctr">
-                      <a:solidFill>
-                        <a:schemeClr val="tx1"/>
-                      </a:solidFill>
-                      <a:prstDash val="solid"/>
-                      <a:round/>
-                      <a:headEnd type="none" w="med" len="med"/>
-                      <a:tailEnd type="none" w="med" len="med"/>
-                    </a:lnL>
-                    <a:lnR w="6350" cap="flat" cmpd="sng" algn="ctr">
-                      <a:solidFill>
-                        <a:schemeClr val="tx1"/>
-                      </a:solidFill>
-                      <a:prstDash val="solid"/>
-                      <a:round/>
-                      <a:headEnd type="none" w="med" len="med"/>
-                      <a:tailEnd type="none" w="med" len="med"/>
-                    </a:lnR>
-                    <a:lnT w="6350" cap="flat" cmpd="sng" algn="ctr">
-                      <a:solidFill>
-                        <a:schemeClr val="tx1"/>
-                      </a:solidFill>
-                      <a:prstDash val="solid"/>
-                      <a:round/>
-                      <a:headEnd type="none" w="med" len="med"/>
-                      <a:tailEnd type="none" w="med" len="med"/>
-                    </a:lnT>
-                    <a:lnB w="6350" cap="flat" cmpd="sng" algn="ctr">
-                      <a:solidFill>
-                        <a:schemeClr val="tx1"/>
-                      </a:solidFill>
-                      <a:prstDash val="solid"/>
-                      <a:round/>
-                      <a:headEnd type="none" w="med" len="med"/>
-                      <a:tailEnd type="none" w="med" len="med"/>
-                    </a:lnB>
-                    <a:lnTlToBr w="12700" cmpd="sng">
-                      <a:noFill/>
-                      <a:prstDash val="solid"/>
-                    </a:lnTlToBr>
-                    <a:lnBlToTr w="12700" cmpd="sng">
-                      <a:noFill/>
-                      <a:prstDash val="solid"/>
-                    </a:lnBlToTr>
-                    <a:noFill/>
-                  </a:tcPr>
-                </a:tc>
-                <a:tc hMerge="1">
-                  <a:txBody>
-                    <a:bodyPr/>
-                    <a:lstStyle/>
-                    <a:p>
-                      <a:pPr algn="l" fontAlgn="t"/>
-                      <a:endParaRPr lang="en-US" sz="1000" b="1" i="0" u="none" strike="noStrike" dirty="0">
-                        <a:solidFill>
-                          <a:srgbClr val="000000"/>
-                        </a:solidFill>
-                        <a:effectLst/>
-                        <a:latin typeface="Arial" panose="020B0604020202020204" pitchFamily="34" charset="0"/>
-                      </a:endParaRPr>
-                    </a:p>
-                  </a:txBody>
-                  <a:tcPr marL="9525" marR="9525" marT="9525" marB="0"/>
-                </a:tc>
-                <a:extLst>
-                  <a:ext uri="{0D108BD9-81ED-4DB2-BD59-A6C34878D82A}">
-                    <a16:rowId xmlns:a16="http://schemas.microsoft.com/office/drawing/2014/main" val="10000"/>
-                  </a:ext>
-                </a:extLst>
-              </a:tr>
-              <a:tr h="0">
-                <a:tc>
-                  <a:txBody>
-                    <a:bodyPr/>
-                    <a:lstStyle/>
-                    <a:p>
-                      <a:pPr marL="0" algn="l" defTabSz="914400" rtl="0" eaLnBrk="1" fontAlgn="t" latinLnBrk="0" hangingPunct="1"/>
-                      <a:r>
-                        <a:rPr lang="en-US" sz="1100" b="1" i="1" u="none" strike="noStrike" kern="1200" dirty="0">
-                          <a:solidFill>
-                            <a:schemeClr val="tx2"/>
-                          </a:solidFill>
-                          <a:effectLst/>
-                          <a:latin typeface="Segoe UI" panose="020B0502040204020203" pitchFamily="34" charset="0"/>
-                          <a:ea typeface="+mn-ea"/>
-                          <a:cs typeface="Segoe UI" panose="020B0502040204020203" pitchFamily="34" charset="0"/>
-                        </a:rPr>
-                        <a:t>Access</a:t>
-                      </a:r>
-                    </a:p>
-                  </a:txBody>
-                  <a:tcPr marL="25724" marR="25724" marT="34290" marB="34290">
-                    <a:lnL w="6350" cap="flat" cmpd="sng" algn="ctr">
-                      <a:solidFill>
-                        <a:schemeClr val="tx1"/>
-                      </a:solidFill>
-                      <a:prstDash val="solid"/>
-                      <a:round/>
-                      <a:headEnd type="none" w="med" len="med"/>
-                      <a:tailEnd type="none" w="med" len="med"/>
-                    </a:lnL>
-                    <a:lnR w="6350" cap="flat" cmpd="sng" algn="ctr">
-                      <a:solidFill>
-                        <a:schemeClr val="tx1"/>
-                      </a:solidFill>
-                      <a:prstDash val="solid"/>
-                      <a:round/>
-                      <a:headEnd type="none" w="med" len="med"/>
-                      <a:tailEnd type="none" w="med" len="med"/>
-                    </a:lnR>
-                    <a:lnT w="6350" cap="flat" cmpd="sng" algn="ctr">
-                      <a:solidFill>
-                        <a:schemeClr val="tx1"/>
-                      </a:solidFill>
-                      <a:prstDash val="solid"/>
-                      <a:round/>
-                      <a:headEnd type="none" w="med" len="med"/>
-                      <a:tailEnd type="none" w="med" len="med"/>
-                    </a:lnT>
-                    <a:lnB w="6350" cap="flat" cmpd="sng" algn="ctr">
-                      <a:solidFill>
-                        <a:schemeClr val="tx1"/>
-                      </a:solidFill>
-                      <a:prstDash val="solid"/>
-                      <a:round/>
-                      <a:headEnd type="none" w="med" len="med"/>
-                      <a:tailEnd type="none" w="med" len="med"/>
-                    </a:lnB>
-                    <a:lnTlToBr w="12700" cmpd="sng">
-                      <a:noFill/>
-                      <a:prstDash val="solid"/>
-                    </a:lnTlToBr>
-                    <a:lnBlToTr w="12700" cmpd="sng">
-                      <a:noFill/>
-                      <a:prstDash val="solid"/>
-                    </a:lnBlToTr>
-                    <a:noFill/>
-                  </a:tcPr>
-                </a:tc>
-                <a:tc>
-                  <a:txBody>
-                    <a:bodyPr/>
-                    <a:lstStyle/>
-                    <a:p>
-                      <a:pPr algn="l" fontAlgn="t"/>
-                      <a:r>
-                        <a:rPr lang="en-US" sz="1100" u="none" strike="noStrike" dirty="0">
-                          <a:solidFill>
-                            <a:schemeClr val="tx2"/>
-                          </a:solidFill>
-                          <a:effectLst/>
-                          <a:latin typeface="Segoe UI" panose="020B0502040204020203" pitchFamily="34" charset="0"/>
-                          <a:cs typeface="Segoe UI" panose="020B0502040204020203" pitchFamily="34" charset="0"/>
-                        </a:rPr>
-                        <a:t>Access is limited</a:t>
-                      </a:r>
-                      <a:r>
-                        <a:rPr lang="en-US" sz="1100" u="none" strike="noStrike" baseline="0" dirty="0">
-                          <a:solidFill>
-                            <a:schemeClr val="tx2"/>
-                          </a:solidFill>
-                          <a:effectLst/>
-                          <a:latin typeface="Segoe UI" panose="020B0502040204020203" pitchFamily="34" charset="0"/>
-                          <a:cs typeface="Segoe UI" panose="020B0502040204020203" pitchFamily="34" charset="0"/>
-                        </a:rPr>
-                        <a:t> to a VERY small group of people - only select individuals who have legitimate business need</a:t>
-                      </a:r>
-                      <a:r>
-                        <a:rPr lang="en-US" sz="1100" b="0" u="none" strike="noStrike" baseline="0" dirty="0">
-                          <a:solidFill>
-                            <a:schemeClr val="tx2"/>
-                          </a:solidFill>
-                          <a:effectLst/>
-                          <a:latin typeface="Segoe UI" panose="020B0502040204020203" pitchFamily="34" charset="0"/>
-                          <a:cs typeface="Segoe UI" panose="020B0502040204020203" pitchFamily="34" charset="0"/>
-                        </a:rPr>
-                        <a:t>. Access is enforced by encrypting the file </a:t>
-                      </a:r>
-                      <a:r>
-                        <a:rPr lang="en-US" sz="1100" b="0" u="none" strike="noStrike" dirty="0">
-                          <a:solidFill>
-                            <a:schemeClr val="tx2"/>
-                          </a:solidFill>
-                          <a:effectLst/>
-                          <a:latin typeface="Segoe UI" panose="020B0502040204020203" pitchFamily="34" charset="0"/>
-                          <a:cs typeface="Segoe UI" panose="020B0502040204020203" pitchFamily="34" charset="0"/>
-                        </a:rPr>
-                        <a:t>using minimum 256-bit encryption</a:t>
-                      </a:r>
-                      <a:r>
-                        <a:rPr lang="en-US" sz="1100" b="0" u="none" strike="noStrike" baseline="0" dirty="0">
-                          <a:solidFill>
-                            <a:schemeClr val="tx2"/>
-                          </a:solidFill>
-                          <a:effectLst/>
-                          <a:latin typeface="Segoe UI" panose="020B0502040204020203" pitchFamily="34" charset="0"/>
-                          <a:cs typeface="Segoe UI" panose="020B0502040204020203" pitchFamily="34" charset="0"/>
-                        </a:rPr>
-                        <a:t> before being shared or stored anywhere except Avanade workstations</a:t>
-                      </a:r>
-                      <a:r>
-                        <a:rPr lang="en-US" sz="1100" b="0" u="none" strike="noStrike" dirty="0">
-                          <a:solidFill>
-                            <a:schemeClr val="tx2"/>
-                          </a:solidFill>
-                          <a:effectLst/>
-                          <a:latin typeface="Segoe UI" panose="020B0502040204020203" pitchFamily="34" charset="0"/>
-                          <a:cs typeface="Segoe UI" panose="020B0502040204020203" pitchFamily="34" charset="0"/>
-                        </a:rPr>
-                        <a:t>. Test data containing restricted data has additional</a:t>
-                      </a:r>
-                      <a:r>
-                        <a:rPr lang="en-US" sz="1100" b="0" u="none" strike="noStrike" baseline="0" dirty="0">
-                          <a:solidFill>
-                            <a:schemeClr val="tx2"/>
-                          </a:solidFill>
-                          <a:effectLst/>
-                          <a:latin typeface="Segoe UI" panose="020B0502040204020203" pitchFamily="34" charset="0"/>
-                          <a:cs typeface="Segoe UI" panose="020B0502040204020203" pitchFamily="34" charset="0"/>
-                        </a:rPr>
-                        <a:t> limitations.</a:t>
-                      </a:r>
-                      <a:r>
-                        <a:rPr lang="en-US" sz="1100" b="0" u="none" strike="noStrike" dirty="0">
-                          <a:solidFill>
-                            <a:schemeClr val="tx2"/>
-                          </a:solidFill>
-                          <a:effectLst/>
-                          <a:latin typeface="Segoe UI" panose="020B0502040204020203" pitchFamily="34" charset="0"/>
-                          <a:cs typeface="Segoe UI" panose="020B0502040204020203" pitchFamily="34" charset="0"/>
-                        </a:rPr>
-                        <a:t> </a:t>
-                      </a:r>
-                      <a:endParaRPr lang="en-US" sz="1100" b="0" i="0" u="none" strike="noStrike" dirty="0">
-                        <a:solidFill>
-                          <a:schemeClr val="tx2"/>
-                        </a:solidFill>
-                        <a:effectLst/>
-                        <a:latin typeface="Segoe UI" panose="020B0502040204020203" pitchFamily="34" charset="0"/>
-                        <a:cs typeface="Segoe UI" panose="020B0502040204020203" pitchFamily="34" charset="0"/>
-                      </a:endParaRPr>
-                    </a:p>
-                  </a:txBody>
-                  <a:tcPr marL="34290" marR="34290">
-                    <a:lnL w="6350" cap="flat" cmpd="sng" algn="ctr">
-                      <a:solidFill>
-                        <a:schemeClr val="tx1"/>
-                      </a:solidFill>
-                      <a:prstDash val="solid"/>
-                      <a:round/>
-                      <a:headEnd type="none" w="med" len="med"/>
-                      <a:tailEnd type="none" w="med" len="med"/>
-                    </a:lnL>
-                    <a:lnR w="6350" cap="flat" cmpd="sng" algn="ctr">
-                      <a:solidFill>
-                        <a:schemeClr val="tx1"/>
-                      </a:solidFill>
-                      <a:prstDash val="solid"/>
-                      <a:round/>
-                      <a:headEnd type="none" w="med" len="med"/>
-                      <a:tailEnd type="none" w="med" len="med"/>
-                    </a:lnR>
-                    <a:lnT w="6350" cap="flat" cmpd="sng" algn="ctr">
-                      <a:solidFill>
-                        <a:schemeClr val="tx1"/>
-                      </a:solidFill>
-                      <a:prstDash val="solid"/>
-                      <a:round/>
-                      <a:headEnd type="none" w="med" len="med"/>
-                      <a:tailEnd type="none" w="med" len="med"/>
-                    </a:lnT>
-                    <a:lnB w="6350" cap="flat" cmpd="sng" algn="ctr">
-                      <a:solidFill>
-                        <a:schemeClr val="tx1"/>
-                      </a:solidFill>
-                      <a:prstDash val="solid"/>
-                      <a:round/>
-                      <a:headEnd type="none" w="med" len="med"/>
-                      <a:tailEnd type="none" w="med" len="med"/>
-                    </a:lnB>
-                    <a:lnTlToBr w="12700" cmpd="sng">
-                      <a:noFill/>
-                      <a:prstDash val="solid"/>
-                    </a:lnTlToBr>
-                    <a:lnBlToTr w="12700" cmpd="sng">
-                      <a:noFill/>
-                      <a:prstDash val="solid"/>
-                    </a:lnBlToTr>
-                    <a:noFill/>
-                  </a:tcPr>
-                </a:tc>
-                <a:extLst>
-                  <a:ext uri="{0D108BD9-81ED-4DB2-BD59-A6C34878D82A}">
-                    <a16:rowId xmlns:a16="http://schemas.microsoft.com/office/drawing/2014/main" val="10001"/>
-                  </a:ext>
-                </a:extLst>
-              </a:tr>
-              <a:tr h="0">
-                <a:tc>
-                  <a:txBody>
-                    <a:bodyPr/>
-                    <a:lstStyle/>
-                    <a:p>
-                      <a:pPr marL="0" algn="l" defTabSz="914400" rtl="0" eaLnBrk="1" fontAlgn="t" latinLnBrk="0" hangingPunct="1"/>
-                      <a:r>
-                        <a:rPr lang="en-US" sz="1100" b="1" i="1" u="none" strike="noStrike" kern="1200" dirty="0">
-                          <a:solidFill>
-                            <a:schemeClr val="tx2"/>
-                          </a:solidFill>
-                          <a:effectLst/>
-                          <a:latin typeface="Segoe UI" panose="020B0502040204020203" pitchFamily="34" charset="0"/>
-                          <a:ea typeface="+mn-ea"/>
-                          <a:cs typeface="Segoe UI" panose="020B0502040204020203" pitchFamily="34" charset="0"/>
-                        </a:rPr>
-                        <a:t>Devices</a:t>
-                      </a:r>
-                    </a:p>
-                  </a:txBody>
-                  <a:tcPr marL="25724" marR="25724" marT="34290" marB="34290">
-                    <a:lnL w="6350" cap="flat" cmpd="sng" algn="ctr">
-                      <a:solidFill>
-                        <a:schemeClr val="tx1"/>
-                      </a:solidFill>
-                      <a:prstDash val="solid"/>
-                      <a:round/>
-                      <a:headEnd type="none" w="med" len="med"/>
-                      <a:tailEnd type="none" w="med" len="med"/>
-                    </a:lnL>
-                    <a:lnR w="6350" cap="flat" cmpd="sng" algn="ctr">
-                      <a:solidFill>
-                        <a:schemeClr val="tx1"/>
-                      </a:solidFill>
-                      <a:prstDash val="solid"/>
-                      <a:round/>
-                      <a:headEnd type="none" w="med" len="med"/>
-                      <a:tailEnd type="none" w="med" len="med"/>
-                    </a:lnR>
-                    <a:lnT w="6350" cap="flat" cmpd="sng" algn="ctr">
-                      <a:solidFill>
-                        <a:schemeClr val="tx1"/>
-                      </a:solidFill>
-                      <a:prstDash val="solid"/>
-                      <a:round/>
-                      <a:headEnd type="none" w="med" len="med"/>
-                      <a:tailEnd type="none" w="med" len="med"/>
-                    </a:lnT>
-                    <a:lnB w="6350" cap="flat" cmpd="sng" algn="ctr">
-                      <a:solidFill>
-                        <a:schemeClr val="tx1"/>
-                      </a:solidFill>
-                      <a:prstDash val="solid"/>
-                      <a:round/>
-                      <a:headEnd type="none" w="med" len="med"/>
-                      <a:tailEnd type="none" w="med" len="med"/>
-                    </a:lnB>
-                    <a:lnTlToBr w="12700" cmpd="sng">
-                      <a:noFill/>
-                      <a:prstDash val="solid"/>
-                    </a:lnTlToBr>
-                    <a:lnBlToTr w="12700" cmpd="sng">
-                      <a:noFill/>
-                      <a:prstDash val="solid"/>
-                    </a:lnBlToTr>
-                    <a:noFill/>
-                  </a:tcPr>
-                </a:tc>
-                <a:tc>
-                  <a:txBody>
-                    <a:bodyPr/>
-                    <a:lstStyle/>
-                    <a:p>
-                      <a:pPr algn="l" fontAlgn="t"/>
-                      <a:r>
-                        <a:rPr lang="en-US" sz="1100" u="none" strike="noStrike" dirty="0">
-                          <a:solidFill>
-                            <a:schemeClr val="tx2"/>
-                          </a:solidFill>
-                          <a:effectLst/>
-                          <a:latin typeface="Segoe UI" panose="020B0502040204020203" pitchFamily="34" charset="0"/>
-                          <a:cs typeface="Segoe UI" panose="020B0502040204020203" pitchFamily="34" charset="0"/>
-                        </a:rPr>
-                        <a:t>Drive is encrypted to minimum 256 bit encryption; when disposal is necessary, physically destroy or securely overwrite when no longer needed.</a:t>
-                      </a:r>
-                      <a:endParaRPr lang="en-US" sz="1100" b="1" i="0" u="none" strike="noStrike" dirty="0">
-                        <a:solidFill>
-                          <a:schemeClr val="tx2"/>
-                        </a:solidFill>
-                        <a:effectLst/>
-                        <a:latin typeface="Segoe UI" panose="020B0502040204020203" pitchFamily="34" charset="0"/>
-                        <a:cs typeface="Segoe UI" panose="020B0502040204020203" pitchFamily="34" charset="0"/>
-                      </a:endParaRPr>
-                    </a:p>
-                  </a:txBody>
-                  <a:tcPr marL="34290" marR="34290">
-                    <a:lnL w="6350" cap="flat" cmpd="sng" algn="ctr">
-                      <a:solidFill>
-                        <a:schemeClr val="tx1"/>
-                      </a:solidFill>
-                      <a:prstDash val="solid"/>
-                      <a:round/>
-                      <a:headEnd type="none" w="med" len="med"/>
-                      <a:tailEnd type="none" w="med" len="med"/>
-                    </a:lnL>
-                    <a:lnR w="6350" cap="flat" cmpd="sng" algn="ctr">
-                      <a:solidFill>
-                        <a:schemeClr val="tx1"/>
-                      </a:solidFill>
-                      <a:prstDash val="solid"/>
-                      <a:round/>
-                      <a:headEnd type="none" w="med" len="med"/>
-                      <a:tailEnd type="none" w="med" len="med"/>
-                    </a:lnR>
-                    <a:lnT w="6350" cap="flat" cmpd="sng" algn="ctr">
-                      <a:solidFill>
-                        <a:schemeClr val="tx1"/>
-                      </a:solidFill>
-                      <a:prstDash val="solid"/>
-                      <a:round/>
-                      <a:headEnd type="none" w="med" len="med"/>
-                      <a:tailEnd type="none" w="med" len="med"/>
-                    </a:lnT>
-                    <a:lnB w="6350" cap="flat" cmpd="sng" algn="ctr">
-                      <a:solidFill>
-                        <a:schemeClr val="tx1"/>
-                      </a:solidFill>
-                      <a:prstDash val="solid"/>
-                      <a:round/>
-                      <a:headEnd type="none" w="med" len="med"/>
-                      <a:tailEnd type="none" w="med" len="med"/>
-                    </a:lnB>
-                    <a:lnTlToBr w="12700" cmpd="sng">
-                      <a:noFill/>
-                      <a:prstDash val="solid"/>
-                    </a:lnTlToBr>
-                    <a:lnBlToTr w="12700" cmpd="sng">
-                      <a:noFill/>
-                      <a:prstDash val="solid"/>
-                    </a:lnBlToTr>
-                    <a:noFill/>
-                  </a:tcPr>
-                </a:tc>
-                <a:extLst>
-                  <a:ext uri="{0D108BD9-81ED-4DB2-BD59-A6C34878D82A}">
-                    <a16:rowId xmlns:a16="http://schemas.microsoft.com/office/drawing/2014/main" val="10002"/>
-                  </a:ext>
-                </a:extLst>
-              </a:tr>
-              <a:tr h="0">
-                <a:tc>
-                  <a:txBody>
-                    <a:bodyPr/>
-                    <a:lstStyle/>
-                    <a:p>
-                      <a:pPr marL="0" algn="l" defTabSz="914400" rtl="0" eaLnBrk="1" fontAlgn="t" latinLnBrk="0" hangingPunct="1"/>
-                      <a:r>
-                        <a:rPr lang="en-US" sz="1100" b="1" i="1" u="none" strike="noStrike" kern="1200" dirty="0">
-                          <a:solidFill>
-                            <a:schemeClr val="tx2"/>
-                          </a:solidFill>
-                          <a:effectLst/>
-                          <a:latin typeface="Segoe UI" panose="020B0502040204020203" pitchFamily="34" charset="0"/>
-                          <a:ea typeface="+mn-ea"/>
-                          <a:cs typeface="Segoe UI" panose="020B0502040204020203" pitchFamily="34" charset="0"/>
-                        </a:rPr>
-                        <a:t>Storage/Sharing</a:t>
-                      </a:r>
-                    </a:p>
-                  </a:txBody>
-                  <a:tcPr marL="25724" marR="25724" marT="34290" marB="34290">
-                    <a:lnL w="6350" cap="flat" cmpd="sng" algn="ctr">
-                      <a:solidFill>
-                        <a:schemeClr val="tx1"/>
-                      </a:solidFill>
-                      <a:prstDash val="solid"/>
-                      <a:round/>
-                      <a:headEnd type="none" w="med" len="med"/>
-                      <a:tailEnd type="none" w="med" len="med"/>
-                    </a:lnL>
-                    <a:lnR w="6350" cap="flat" cmpd="sng" algn="ctr">
-                      <a:solidFill>
-                        <a:schemeClr val="tx1"/>
-                      </a:solidFill>
-                      <a:prstDash val="solid"/>
-                      <a:round/>
-                      <a:headEnd type="none" w="med" len="med"/>
-                      <a:tailEnd type="none" w="med" len="med"/>
-                    </a:lnR>
-                    <a:lnT w="6350" cap="flat" cmpd="sng" algn="ctr">
-                      <a:solidFill>
-                        <a:schemeClr val="tx1"/>
-                      </a:solidFill>
-                      <a:prstDash val="solid"/>
-                      <a:round/>
-                      <a:headEnd type="none" w="med" len="med"/>
-                      <a:tailEnd type="none" w="med" len="med"/>
-                    </a:lnT>
-                    <a:lnB w="6350" cap="flat" cmpd="sng" algn="ctr">
-                      <a:solidFill>
-                        <a:schemeClr val="tx1"/>
-                      </a:solidFill>
-                      <a:prstDash val="solid"/>
-                      <a:round/>
-                      <a:headEnd type="none" w="med" len="med"/>
-                      <a:tailEnd type="none" w="med" len="med"/>
-                    </a:lnB>
-                    <a:lnTlToBr w="12700" cmpd="sng">
-                      <a:noFill/>
-                      <a:prstDash val="solid"/>
-                    </a:lnTlToBr>
-                    <a:lnBlToTr w="12700" cmpd="sng">
-                      <a:noFill/>
-                      <a:prstDash val="solid"/>
-                    </a:lnBlToTr>
-                    <a:noFill/>
-                  </a:tcPr>
-                </a:tc>
-                <a:tc>
-                  <a:txBody>
-                    <a:bodyPr/>
-                    <a:lstStyle/>
-                    <a:p>
-                      <a:pPr algn="l" fontAlgn="t"/>
-                      <a:r>
-                        <a:rPr lang="en-US" sz="1100" b="0" i="0" u="none" strike="noStrike" dirty="0">
-                          <a:solidFill>
-                            <a:schemeClr val="tx2"/>
-                          </a:solidFill>
-                          <a:effectLst/>
-                          <a:latin typeface="Segoe UI" panose="020B0502040204020203" pitchFamily="34" charset="0"/>
-                          <a:cs typeface="Segoe UI" panose="020B0502040204020203" pitchFamily="34" charset="0"/>
-                        </a:rPr>
-                        <a:t>If Restricted Data will be leaving your workstation for any reason (e.g., email, SharePoint, syncing with OneDrive), it must be encrypted with Active Directory RMS or other approved tools to limit access to the intended audience.  Once the data is encrypted, the data may be shared using any Avanade-approved sharing and storage platforms (e.g., SharePoint, OneDrive, email).</a:t>
-                      </a:r>
-                      <a:endParaRPr lang="en-US" sz="1100" b="1" i="0" u="none" strike="noStrike" dirty="0">
-                        <a:solidFill>
-                          <a:schemeClr val="tx2"/>
-                        </a:solidFill>
-                        <a:effectLst/>
-                        <a:latin typeface="Segoe UI" panose="020B0502040204020203" pitchFamily="34" charset="0"/>
-                        <a:cs typeface="Segoe UI" panose="020B0502040204020203" pitchFamily="34" charset="0"/>
-                      </a:endParaRPr>
-                    </a:p>
-                  </a:txBody>
-                  <a:tcPr marL="34290" marR="34290">
-                    <a:lnL w="6350" cap="flat" cmpd="sng" algn="ctr">
-                      <a:solidFill>
-                        <a:schemeClr val="tx1"/>
-                      </a:solidFill>
-                      <a:prstDash val="solid"/>
-                      <a:round/>
-                      <a:headEnd type="none" w="med" len="med"/>
-                      <a:tailEnd type="none" w="med" len="med"/>
-                    </a:lnL>
-                    <a:lnR w="6350" cap="flat" cmpd="sng" algn="ctr">
-                      <a:solidFill>
-                        <a:schemeClr val="tx1"/>
-                      </a:solidFill>
-                      <a:prstDash val="solid"/>
-                      <a:round/>
-                      <a:headEnd type="none" w="med" len="med"/>
-                      <a:tailEnd type="none" w="med" len="med"/>
-                    </a:lnR>
-                    <a:lnT w="6350" cap="flat" cmpd="sng" algn="ctr">
-                      <a:solidFill>
-                        <a:schemeClr val="tx1"/>
-                      </a:solidFill>
-                      <a:prstDash val="solid"/>
-                      <a:round/>
-                      <a:headEnd type="none" w="med" len="med"/>
-                      <a:tailEnd type="none" w="med" len="med"/>
-                    </a:lnT>
-                    <a:lnB w="6350" cap="flat" cmpd="sng" algn="ctr">
-                      <a:solidFill>
-                        <a:schemeClr val="tx1"/>
-                      </a:solidFill>
-                      <a:prstDash val="solid"/>
-                      <a:round/>
-                      <a:headEnd type="none" w="med" len="med"/>
-                      <a:tailEnd type="none" w="med" len="med"/>
-                    </a:lnB>
-                    <a:lnTlToBr w="12700" cmpd="sng">
-                      <a:noFill/>
-                      <a:prstDash val="solid"/>
-                    </a:lnTlToBr>
-                    <a:lnBlToTr w="12700" cmpd="sng">
-                      <a:noFill/>
-                      <a:prstDash val="solid"/>
-                    </a:lnBlToTr>
-                    <a:noFill/>
-                  </a:tcPr>
-                </a:tc>
-                <a:extLst>
-                  <a:ext uri="{0D108BD9-81ED-4DB2-BD59-A6C34878D82A}">
-                    <a16:rowId xmlns:a16="http://schemas.microsoft.com/office/drawing/2014/main" val="10003"/>
-                  </a:ext>
-                </a:extLst>
-              </a:tr>
-              <a:tr h="0">
-                <a:tc>
-                  <a:txBody>
-                    <a:bodyPr/>
-                    <a:lstStyle/>
-                    <a:p>
-                      <a:pPr marL="0" algn="l" defTabSz="914400" rtl="0" eaLnBrk="1" fontAlgn="t" latinLnBrk="0" hangingPunct="1"/>
-                      <a:r>
-                        <a:rPr lang="en-US" sz="1100" b="1" i="1" u="none" strike="noStrike" kern="1200" dirty="0">
-                          <a:solidFill>
-                            <a:schemeClr val="tx2"/>
-                          </a:solidFill>
-                          <a:effectLst/>
-                          <a:latin typeface="Segoe UI" panose="020B0502040204020203" pitchFamily="34" charset="0"/>
-                          <a:ea typeface="+mn-ea"/>
-                          <a:cs typeface="Segoe UI" panose="020B0502040204020203" pitchFamily="34" charset="0"/>
-                        </a:rPr>
-                        <a:t>Transmission</a:t>
-                      </a:r>
-                    </a:p>
-                  </a:txBody>
-                  <a:tcPr marL="25724" marR="25724" marT="34290" marB="34290">
-                    <a:lnL w="6350" cap="flat" cmpd="sng" algn="ctr">
-                      <a:solidFill>
-                        <a:schemeClr val="tx1"/>
-                      </a:solidFill>
-                      <a:prstDash val="solid"/>
-                      <a:round/>
-                      <a:headEnd type="none" w="med" len="med"/>
-                      <a:tailEnd type="none" w="med" len="med"/>
-                    </a:lnL>
-                    <a:lnR w="6350" cap="flat" cmpd="sng" algn="ctr">
-                      <a:solidFill>
-                        <a:schemeClr val="tx1"/>
-                      </a:solidFill>
-                      <a:prstDash val="solid"/>
-                      <a:round/>
-                      <a:headEnd type="none" w="med" len="med"/>
-                      <a:tailEnd type="none" w="med" len="med"/>
-                    </a:lnR>
-                    <a:lnT w="6350" cap="flat" cmpd="sng" algn="ctr">
-                      <a:solidFill>
-                        <a:schemeClr val="tx1"/>
-                      </a:solidFill>
-                      <a:prstDash val="solid"/>
-                      <a:round/>
-                      <a:headEnd type="none" w="med" len="med"/>
-                      <a:tailEnd type="none" w="med" len="med"/>
-                    </a:lnT>
-                    <a:lnB w="6350" cap="flat" cmpd="sng" algn="ctr">
-                      <a:solidFill>
-                        <a:schemeClr val="tx1"/>
-                      </a:solidFill>
-                      <a:prstDash val="solid"/>
-                      <a:round/>
-                      <a:headEnd type="none" w="med" len="med"/>
-                      <a:tailEnd type="none" w="med" len="med"/>
-                    </a:lnB>
-                    <a:lnTlToBr w="12700" cmpd="sng">
-                      <a:noFill/>
-                      <a:prstDash val="solid"/>
-                    </a:lnTlToBr>
-                    <a:lnBlToTr w="12700" cmpd="sng">
-                      <a:noFill/>
-                      <a:prstDash val="solid"/>
-                    </a:lnBlToTr>
-                    <a:noFill/>
-                  </a:tcPr>
-                </a:tc>
-                <a:tc>
-                  <a:txBody>
-                    <a:bodyPr/>
-                    <a:lstStyle/>
-                    <a:p>
-                      <a:pPr marL="0" marR="0" indent="0" algn="l" defTabSz="914400" rtl="0" eaLnBrk="1" fontAlgn="auto" latinLnBrk="0" hangingPunct="1">
-                        <a:lnSpc>
-                          <a:spcPct val="100000"/>
-                        </a:lnSpc>
-                        <a:spcBef>
-                          <a:spcPts val="0"/>
-                        </a:spcBef>
-                        <a:spcAft>
-                          <a:spcPts val="0"/>
-                        </a:spcAft>
-                        <a:buClrTx/>
-                        <a:buSzTx/>
-                        <a:buFont typeface="Arial" panose="020B0604020202020204" pitchFamily="34" charset="0"/>
-                        <a:buNone/>
-                        <a:tabLst/>
-                        <a:defRPr/>
-                      </a:pPr>
-                      <a:r>
-                        <a:rPr lang="en-US" sz="1100" b="0" dirty="0">
-                          <a:solidFill>
-                            <a:schemeClr val="tx2"/>
-                          </a:solidFill>
-                          <a:latin typeface="Segoe UI" panose="020B0502040204020203" pitchFamily="34" charset="0"/>
-                          <a:cs typeface="Segoe UI" panose="020B0502040204020203" pitchFamily="34" charset="0"/>
-                          <a:hlinkClick r:id="rId4"/>
-                        </a:rPr>
-                        <a:t>Company data</a:t>
-                      </a:r>
-                      <a:r>
-                        <a:rPr lang="en-US" sz="1100" b="0" dirty="0">
-                          <a:solidFill>
-                            <a:schemeClr val="tx2"/>
-                          </a:solidFill>
-                          <a:latin typeface="Segoe UI" panose="020B0502040204020203" pitchFamily="34" charset="0"/>
-                          <a:cs typeface="Segoe UI" panose="020B0502040204020203" pitchFamily="34" charset="0"/>
-                        </a:rPr>
-                        <a:t> and </a:t>
-                      </a:r>
-                      <a:r>
-                        <a:rPr lang="en-US" sz="1100" b="0" i="0" u="none" strike="noStrike" dirty="0">
-                          <a:solidFill>
-                            <a:schemeClr val="tx2"/>
-                          </a:solidFill>
-                          <a:effectLst/>
-                          <a:latin typeface="Segoe UI" panose="020B0502040204020203" pitchFamily="34" charset="0"/>
-                          <a:cs typeface="Segoe UI" panose="020B0502040204020203" pitchFamily="34" charset="0"/>
-                          <a:hlinkClick r:id="rId5"/>
-                        </a:rPr>
-                        <a:t>client data</a:t>
-                      </a:r>
-                      <a:r>
-                        <a:rPr lang="en-US" sz="1100" b="0" i="0" u="none" strike="noStrike" dirty="0">
-                          <a:solidFill>
-                            <a:schemeClr val="tx2"/>
-                          </a:solidFill>
-                          <a:effectLst/>
-                          <a:latin typeface="Segoe UI" panose="020B0502040204020203" pitchFamily="34" charset="0"/>
-                          <a:cs typeface="Segoe UI" panose="020B0502040204020203" pitchFamily="34" charset="0"/>
-                        </a:rPr>
-                        <a:t>  </a:t>
-                      </a:r>
-                      <a:r>
-                        <a:rPr lang="en-US" sz="1100" dirty="0">
-                          <a:solidFill>
-                            <a:schemeClr val="tx2"/>
-                          </a:solidFill>
-                          <a:latin typeface="Segoe UI" panose="020B0502040204020203" pitchFamily="34" charset="0"/>
-                          <a:cs typeface="Segoe UI" panose="020B0502040204020203" pitchFamily="34" charset="0"/>
-                        </a:rPr>
-                        <a:t>that is transmitted to or received from</a:t>
-                      </a:r>
-                      <a:r>
-                        <a:rPr lang="en-US" sz="1100" baseline="0" dirty="0">
-                          <a:solidFill>
-                            <a:schemeClr val="tx2"/>
-                          </a:solidFill>
-                          <a:latin typeface="Segoe UI" panose="020B0502040204020203" pitchFamily="34" charset="0"/>
-                          <a:cs typeface="Segoe UI" panose="020B0502040204020203" pitchFamily="34" charset="0"/>
-                        </a:rPr>
-                        <a:t> </a:t>
-                      </a:r>
-                      <a:r>
-                        <a:rPr lang="en-US" sz="1100" dirty="0">
-                          <a:solidFill>
-                            <a:schemeClr val="tx2"/>
-                          </a:solidFill>
-                          <a:latin typeface="Segoe UI" panose="020B0502040204020203" pitchFamily="34" charset="0"/>
-                          <a:cs typeface="Segoe UI" panose="020B0502040204020203" pitchFamily="34" charset="0"/>
-                        </a:rPr>
-                        <a:t>outside</a:t>
-                      </a:r>
-                      <a:r>
-                        <a:rPr lang="en-US" sz="1100" baseline="0" dirty="0">
-                          <a:solidFill>
-                            <a:schemeClr val="tx2"/>
-                          </a:solidFill>
-                          <a:latin typeface="Segoe UI" panose="020B0502040204020203" pitchFamily="34" charset="0"/>
-                          <a:cs typeface="Segoe UI" panose="020B0502040204020203" pitchFamily="34" charset="0"/>
-                        </a:rPr>
-                        <a:t> of Avanade</a:t>
-                      </a:r>
-                      <a:r>
-                        <a:rPr lang="en-US" sz="1100" dirty="0">
-                          <a:solidFill>
-                            <a:schemeClr val="tx2"/>
-                          </a:solidFill>
-                          <a:latin typeface="Segoe UI" panose="020B0502040204020203" pitchFamily="34" charset="0"/>
-                          <a:cs typeface="Segoe UI" panose="020B0502040204020203" pitchFamily="34" charset="0"/>
-                        </a:rPr>
-                        <a:t> must be encrypted</a:t>
-                      </a:r>
-                      <a:r>
-                        <a:rPr lang="en-US" sz="1100" baseline="0" dirty="0">
-                          <a:solidFill>
-                            <a:schemeClr val="tx2"/>
-                          </a:solidFill>
-                          <a:latin typeface="Segoe UI" panose="020B0502040204020203" pitchFamily="34" charset="0"/>
-                          <a:cs typeface="Segoe UI" panose="020B0502040204020203" pitchFamily="34" charset="0"/>
-                        </a:rPr>
-                        <a:t> (e.g., FTPS, SSL, HTTPS, TLS).</a:t>
-                      </a:r>
-                      <a:endParaRPr lang="en-US" sz="1100" dirty="0">
-                        <a:solidFill>
-                          <a:schemeClr val="tx2"/>
-                        </a:solidFill>
-                        <a:latin typeface="Segoe UI" panose="020B0502040204020203" pitchFamily="34" charset="0"/>
-                        <a:cs typeface="Segoe UI" panose="020B0502040204020203" pitchFamily="34" charset="0"/>
-                      </a:endParaRPr>
-                    </a:p>
-                  </a:txBody>
-                  <a:tcPr marL="34290" marR="34290">
-                    <a:lnL w="6350" cap="flat" cmpd="sng" algn="ctr">
-                      <a:solidFill>
-                        <a:schemeClr val="tx1"/>
-                      </a:solidFill>
-                      <a:prstDash val="solid"/>
-                      <a:round/>
-                      <a:headEnd type="none" w="med" len="med"/>
-                      <a:tailEnd type="none" w="med" len="med"/>
-                    </a:lnL>
-                    <a:lnR w="6350" cap="flat" cmpd="sng" algn="ctr">
-                      <a:solidFill>
-                        <a:schemeClr val="tx1"/>
-                      </a:solidFill>
-                      <a:prstDash val="solid"/>
-                      <a:round/>
-                      <a:headEnd type="none" w="med" len="med"/>
-                      <a:tailEnd type="none" w="med" len="med"/>
-                    </a:lnR>
-                    <a:lnT w="6350" cap="flat" cmpd="sng" algn="ctr">
-                      <a:solidFill>
-                        <a:schemeClr val="tx1"/>
-                      </a:solidFill>
-                      <a:prstDash val="solid"/>
-                      <a:round/>
-                      <a:headEnd type="none" w="med" len="med"/>
-                      <a:tailEnd type="none" w="med" len="med"/>
-                    </a:lnT>
-                    <a:lnB w="6350" cap="flat" cmpd="sng" algn="ctr">
-                      <a:solidFill>
-                        <a:schemeClr val="tx1"/>
-                      </a:solidFill>
-                      <a:prstDash val="solid"/>
-                      <a:round/>
-                      <a:headEnd type="none" w="med" len="med"/>
-                      <a:tailEnd type="none" w="med" len="med"/>
-                    </a:lnB>
-                    <a:lnTlToBr w="12700" cmpd="sng">
-                      <a:noFill/>
-                      <a:prstDash val="solid"/>
-                    </a:lnTlToBr>
-                    <a:lnBlToTr w="12700" cmpd="sng">
-                      <a:noFill/>
-                      <a:prstDash val="solid"/>
-                    </a:lnBlToTr>
-                    <a:noFill/>
-                  </a:tcPr>
-                </a:tc>
-                <a:extLst>
-                  <a:ext uri="{0D108BD9-81ED-4DB2-BD59-A6C34878D82A}">
-                    <a16:rowId xmlns:a16="http://schemas.microsoft.com/office/drawing/2014/main" val="10004"/>
-                  </a:ext>
-                </a:extLst>
-              </a:tr>
-              <a:tr h="0">
-                <a:tc>
-                  <a:txBody>
-                    <a:bodyPr/>
-                    <a:lstStyle/>
-                    <a:p>
-                      <a:pPr marL="0" algn="l" defTabSz="914400" rtl="0" eaLnBrk="1" fontAlgn="t" latinLnBrk="0" hangingPunct="1"/>
-                      <a:r>
-                        <a:rPr lang="en-US" sz="1100" b="1" i="1" u="none" strike="noStrike" kern="1200" dirty="0">
-                          <a:solidFill>
-                            <a:schemeClr val="tx2"/>
-                          </a:solidFill>
-                          <a:effectLst/>
-                          <a:latin typeface="Segoe UI" panose="020B0502040204020203" pitchFamily="34" charset="0"/>
-                          <a:ea typeface="+mn-ea"/>
-                          <a:cs typeface="Segoe UI" panose="020B0502040204020203" pitchFamily="34" charset="0"/>
-                        </a:rPr>
-                        <a:t>Retention</a:t>
-                      </a:r>
-                    </a:p>
-                  </a:txBody>
-                  <a:tcPr marL="25724" marR="25724" marT="34290" marB="34290">
-                    <a:lnL w="6350" cap="flat" cmpd="sng" algn="ctr">
-                      <a:solidFill>
-                        <a:schemeClr val="tx1"/>
-                      </a:solidFill>
-                      <a:prstDash val="solid"/>
-                      <a:round/>
-                      <a:headEnd type="none" w="med" len="med"/>
-                      <a:tailEnd type="none" w="med" len="med"/>
-                    </a:lnL>
-                    <a:lnR w="6350" cap="flat" cmpd="sng" algn="ctr">
-                      <a:solidFill>
-                        <a:schemeClr val="tx1"/>
-                      </a:solidFill>
-                      <a:prstDash val="solid"/>
-                      <a:round/>
-                      <a:headEnd type="none" w="med" len="med"/>
-                      <a:tailEnd type="none" w="med" len="med"/>
-                    </a:lnR>
-                    <a:lnT w="6350" cap="flat" cmpd="sng" algn="ctr">
-                      <a:solidFill>
-                        <a:schemeClr val="tx1"/>
-                      </a:solidFill>
-                      <a:prstDash val="solid"/>
-                      <a:round/>
-                      <a:headEnd type="none" w="med" len="med"/>
-                      <a:tailEnd type="none" w="med" len="med"/>
-                    </a:lnT>
-                    <a:lnB w="6350" cap="flat" cmpd="sng" algn="ctr">
-                      <a:solidFill>
-                        <a:schemeClr val="tx1"/>
-                      </a:solidFill>
-                      <a:prstDash val="solid"/>
-                      <a:round/>
-                      <a:headEnd type="none" w="med" len="med"/>
-                      <a:tailEnd type="none" w="med" len="med"/>
-                    </a:lnB>
-                    <a:lnTlToBr w="12700" cmpd="sng">
-                      <a:noFill/>
-                      <a:prstDash val="solid"/>
-                    </a:lnTlToBr>
-                    <a:lnBlToTr w="12700" cmpd="sng">
-                      <a:noFill/>
-                      <a:prstDash val="solid"/>
-                    </a:lnBlToTr>
-                    <a:noFill/>
-                  </a:tcPr>
-                </a:tc>
-                <a:tc>
-                  <a:txBody>
-                    <a:bodyPr/>
-                    <a:lstStyle/>
-                    <a:p>
-                      <a:pPr algn="l" fontAlgn="t"/>
-                      <a:r>
-                        <a:rPr lang="en-US" sz="1100" b="1" dirty="0">
-                          <a:solidFill>
-                            <a:schemeClr val="tx2"/>
-                          </a:solidFill>
-                          <a:latin typeface="Segoe UI" panose="020B0502040204020203" pitchFamily="34" charset="0"/>
-                          <a:cs typeface="Segoe UI" panose="020B0502040204020203" pitchFamily="34" charset="0"/>
-                          <a:hlinkClick r:id="rId4"/>
-                        </a:rPr>
-                        <a:t>Company data</a:t>
-                      </a:r>
-                      <a:r>
-                        <a:rPr lang="en-US" sz="1100" b="1" dirty="0">
-                          <a:solidFill>
-                            <a:schemeClr val="tx2"/>
-                          </a:solidFill>
-                          <a:latin typeface="Segoe UI" panose="020B0502040204020203" pitchFamily="34" charset="0"/>
-                          <a:cs typeface="Segoe UI" panose="020B0502040204020203" pitchFamily="34" charset="0"/>
-                        </a:rPr>
-                        <a:t>: </a:t>
-                      </a:r>
-                      <a:r>
-                        <a:rPr lang="en-US" sz="1100" b="0" dirty="0">
-                          <a:solidFill>
-                            <a:schemeClr val="tx2"/>
-                          </a:solidFill>
-                          <a:latin typeface="Segoe UI" panose="020B0502040204020203" pitchFamily="34" charset="0"/>
-                          <a:cs typeface="Segoe UI" panose="020B0502040204020203" pitchFamily="34" charset="0"/>
-                        </a:rPr>
-                        <a:t>If</a:t>
-                      </a:r>
-                      <a:r>
-                        <a:rPr lang="en-US" sz="1100" b="0" baseline="0" dirty="0">
-                          <a:solidFill>
-                            <a:schemeClr val="tx2"/>
-                          </a:solidFill>
-                          <a:latin typeface="Segoe UI" panose="020B0502040204020203" pitchFamily="34" charset="0"/>
-                          <a:cs typeface="Segoe UI" panose="020B0502040204020203" pitchFamily="34" charset="0"/>
-                        </a:rPr>
-                        <a:t> retention is required per </a:t>
-                      </a:r>
-                      <a:r>
-                        <a:rPr lang="en-US" sz="1100" b="0" baseline="0" dirty="0">
-                          <a:solidFill>
-                            <a:schemeClr val="tx2"/>
-                          </a:solidFill>
-                          <a:latin typeface="Segoe UI" panose="020B0502040204020203" pitchFamily="34" charset="0"/>
-                          <a:cs typeface="Segoe UI" panose="020B0502040204020203" pitchFamily="34" charset="0"/>
-                          <a:hlinkClick r:id="rId6"/>
-                        </a:rPr>
-                        <a:t>Policy 1413AVA: Corporate Records Management</a:t>
-                      </a:r>
-                      <a:r>
-                        <a:rPr lang="en-US" sz="1100" b="0" baseline="0" dirty="0">
-                          <a:solidFill>
-                            <a:schemeClr val="tx2"/>
-                          </a:solidFill>
-                          <a:latin typeface="Segoe UI" panose="020B0502040204020203" pitchFamily="34" charset="0"/>
-                          <a:cs typeface="Segoe UI" panose="020B0502040204020203" pitchFamily="34" charset="0"/>
-                        </a:rPr>
-                        <a:t>, contact your Functional Records Lead. All other company data should be </a:t>
-                      </a:r>
-                      <a:r>
-                        <a:rPr lang="en-US" sz="1100" dirty="0">
-                          <a:solidFill>
-                            <a:schemeClr val="tx2"/>
-                          </a:solidFill>
-                          <a:latin typeface="Segoe UI" panose="020B0502040204020203" pitchFamily="34" charset="0"/>
-                          <a:cs typeface="Segoe UI" panose="020B0502040204020203" pitchFamily="34" charset="0"/>
-                        </a:rPr>
-                        <a:t>retained for 3 years once template/document/record is no longer current, then</a:t>
-                      </a:r>
-                      <a:r>
-                        <a:rPr lang="en-US" sz="1100" baseline="0" dirty="0">
-                          <a:solidFill>
-                            <a:schemeClr val="tx2"/>
-                          </a:solidFill>
-                          <a:latin typeface="Segoe UI" panose="020B0502040204020203" pitchFamily="34" charset="0"/>
-                          <a:cs typeface="Segoe UI" panose="020B0502040204020203" pitchFamily="34" charset="0"/>
-                        </a:rPr>
-                        <a:t> securely deleted.</a:t>
-                      </a:r>
-                      <a:endParaRPr lang="en-US" sz="1100" dirty="0">
-                        <a:solidFill>
-                          <a:schemeClr val="tx2"/>
-                        </a:solidFill>
-                        <a:latin typeface="Segoe UI" panose="020B0502040204020203" pitchFamily="34" charset="0"/>
-                        <a:cs typeface="Segoe UI" panose="020B0502040204020203" pitchFamily="34" charset="0"/>
-                      </a:endParaRPr>
-                    </a:p>
-                    <a:p>
-                      <a:pPr algn="l" fontAlgn="t"/>
-                      <a:r>
-                        <a:rPr lang="en-US" sz="1100" b="1" i="0" u="none" strike="noStrike" dirty="0">
-                          <a:solidFill>
-                            <a:schemeClr val="tx2"/>
-                          </a:solidFill>
-                          <a:effectLst/>
-                          <a:latin typeface="Segoe UI" panose="020B0502040204020203" pitchFamily="34" charset="0"/>
-                          <a:cs typeface="Segoe UI" panose="020B0502040204020203" pitchFamily="34" charset="0"/>
-                          <a:hlinkClick r:id="rId5"/>
-                        </a:rPr>
-                        <a:t>Client data</a:t>
-                      </a:r>
-                      <a:r>
-                        <a:rPr lang="en-US" sz="1100" b="1" i="0" u="none" strike="noStrike" dirty="0">
-                          <a:solidFill>
-                            <a:schemeClr val="tx2"/>
-                          </a:solidFill>
-                          <a:effectLst/>
-                          <a:latin typeface="Segoe UI" panose="020B0502040204020203" pitchFamily="34" charset="0"/>
-                          <a:cs typeface="Segoe UI" panose="020B0502040204020203" pitchFamily="34" charset="0"/>
-                        </a:rPr>
-                        <a:t>: </a:t>
-                      </a:r>
-                      <a:r>
-                        <a:rPr lang="en-US" sz="1100" b="0" i="0" u="none" strike="noStrike" dirty="0">
-                          <a:solidFill>
-                            <a:schemeClr val="tx2"/>
-                          </a:solidFill>
-                          <a:effectLst/>
-                          <a:latin typeface="Segoe UI" panose="020B0502040204020203" pitchFamily="34" charset="0"/>
-                          <a:cs typeface="Segoe UI" panose="020B0502040204020203" pitchFamily="34" charset="0"/>
-                        </a:rPr>
-                        <a:t>If</a:t>
-                      </a:r>
-                      <a:r>
-                        <a:rPr lang="en-US" sz="1100" b="0" i="0" u="none" strike="noStrike" baseline="0" dirty="0">
-                          <a:solidFill>
-                            <a:schemeClr val="tx2"/>
-                          </a:solidFill>
-                          <a:effectLst/>
-                          <a:latin typeface="Segoe UI" panose="020B0502040204020203" pitchFamily="34" charset="0"/>
-                          <a:cs typeface="Segoe UI" panose="020B0502040204020203" pitchFamily="34" charset="0"/>
-                        </a:rPr>
-                        <a:t> retention is required per </a:t>
-                      </a:r>
-                      <a:r>
-                        <a:rPr lang="en-US" sz="1100" b="0" i="0" u="none" strike="noStrike" baseline="0" dirty="0">
-                          <a:solidFill>
-                            <a:schemeClr val="tx2"/>
-                          </a:solidFill>
-                          <a:effectLst/>
-                          <a:latin typeface="Segoe UI" panose="020B0502040204020203" pitchFamily="34" charset="0"/>
-                          <a:cs typeface="Segoe UI" panose="020B0502040204020203" pitchFamily="34" charset="0"/>
-                          <a:hlinkClick r:id="rId7"/>
-                        </a:rPr>
-                        <a:t>Policy 0123AVA: Client Records Management</a:t>
-                      </a:r>
-                      <a:r>
-                        <a:rPr lang="en-US" sz="1100" b="0" i="0" u="none" strike="noStrike" baseline="0" dirty="0">
-                          <a:solidFill>
-                            <a:schemeClr val="tx2"/>
-                          </a:solidFill>
-                          <a:effectLst/>
-                          <a:latin typeface="Segoe UI" panose="020B0502040204020203" pitchFamily="34" charset="0"/>
-                          <a:cs typeface="Segoe UI" panose="020B0502040204020203" pitchFamily="34" charset="0"/>
-                        </a:rPr>
-                        <a:t>, contact your Project Lead for more information. All other client data should be deleted at the end of an engagement if there is no business need.</a:t>
-                      </a:r>
-                      <a:endParaRPr lang="en-US" sz="1100" b="0" i="0" u="none" strike="noStrike" dirty="0">
-                        <a:solidFill>
-                          <a:schemeClr val="tx2"/>
-                        </a:solidFill>
-                        <a:effectLst/>
-                        <a:latin typeface="Segoe UI" panose="020B0502040204020203" pitchFamily="34" charset="0"/>
-                        <a:cs typeface="Segoe UI" panose="020B0502040204020203" pitchFamily="34" charset="0"/>
-                      </a:endParaRPr>
-                    </a:p>
-                  </a:txBody>
-                  <a:tcPr marL="34290" marR="34290">
-                    <a:lnL w="6350" cap="flat" cmpd="sng" algn="ctr">
-                      <a:solidFill>
-                        <a:schemeClr val="tx1"/>
-                      </a:solidFill>
-                      <a:prstDash val="solid"/>
-                      <a:round/>
-                      <a:headEnd type="none" w="med" len="med"/>
-                      <a:tailEnd type="none" w="med" len="med"/>
-                    </a:lnL>
-                    <a:lnR w="6350" cap="flat" cmpd="sng" algn="ctr">
-                      <a:solidFill>
-                        <a:schemeClr val="tx1"/>
-                      </a:solidFill>
-                      <a:prstDash val="solid"/>
-                      <a:round/>
-                      <a:headEnd type="none" w="med" len="med"/>
-                      <a:tailEnd type="none" w="med" len="med"/>
-                    </a:lnR>
-                    <a:lnT w="6350" cap="flat" cmpd="sng" algn="ctr">
-                      <a:solidFill>
-                        <a:schemeClr val="tx1"/>
-                      </a:solidFill>
-                      <a:prstDash val="solid"/>
-                      <a:round/>
-                      <a:headEnd type="none" w="med" len="med"/>
-                      <a:tailEnd type="none" w="med" len="med"/>
-                    </a:lnT>
-                    <a:lnB w="6350" cap="flat" cmpd="sng" algn="ctr">
-                      <a:solidFill>
-                        <a:schemeClr val="tx1"/>
-                      </a:solidFill>
-                      <a:prstDash val="solid"/>
-                      <a:round/>
-                      <a:headEnd type="none" w="med" len="med"/>
-                      <a:tailEnd type="none" w="med" len="med"/>
-                    </a:lnB>
-                    <a:lnTlToBr w="12700" cmpd="sng">
-                      <a:noFill/>
-                      <a:prstDash val="solid"/>
-                    </a:lnTlToBr>
-                    <a:lnBlToTr w="12700" cmpd="sng">
-                      <a:noFill/>
-                      <a:prstDash val="solid"/>
-                    </a:lnBlToTr>
-                    <a:noFill/>
-                  </a:tcPr>
-                </a:tc>
-                <a:extLst>
-                  <a:ext uri="{0D108BD9-81ED-4DB2-BD59-A6C34878D82A}">
-                    <a16:rowId xmlns:a16="http://schemas.microsoft.com/office/drawing/2014/main" val="10005"/>
-                  </a:ext>
-                </a:extLst>
-              </a:tr>
-            </a:tbl>
-          </a:graphicData>
-        </a:graphic>
-      </p:graphicFrame>
+            <a:r>
+              <a:rPr lang="en-GB" dirty="0"/>
+              <a:t>!</a:t>
+            </a:r>
+          </a:p>
+        </p:txBody>
+      </p:sp>
     </p:spTree>
     <p:extLst>
       <p:ext uri="{BB962C8B-B14F-4D97-AF65-F5344CB8AC3E}">
-        <p14:creationId xmlns:p14="http://schemas.microsoft.com/office/powerpoint/2010/main" val="3443482265"/>
+        <p14:creationId xmlns:p14="http://schemas.microsoft.com/office/powerpoint/2010/main" val="3823633715"/>
       </p:ext>
     </p:extLst>
   </p:cSld>

--- a/presentatie.pptx
+++ b/presentatie.pptx
@@ -12189,6 +12189,206 @@
           </a:p>
         </p:txBody>
       </p:sp>
+      <p:sp>
+        <p:nvSpPr>
+          <p:cNvPr id="3" name="Ondertitel 1">
+            <a:extLst>
+              <a:ext uri="{FF2B5EF4-FFF2-40B4-BE49-F238E27FC236}">
+                <a16:creationId xmlns:a16="http://schemas.microsoft.com/office/drawing/2014/main" id="{7FEF9C6B-0215-48FC-841A-6A7B6632B38C}"/>
+              </a:ext>
+            </a:extLst>
+          </p:cNvPr>
+          <p:cNvSpPr txBox="1">
+            <a:spLocks/>
+          </p:cNvSpPr>
+          <p:nvPr/>
+        </p:nvSpPr>
+        <p:spPr>
+          <a:xfrm>
+            <a:off x="4631377" y="5961413"/>
+            <a:ext cx="6968395" cy="475302"/>
+          </a:xfrm>
+          <a:prstGeom prst="rect">
+            <a:avLst/>
+          </a:prstGeom>
+        </p:spPr>
+        <p:txBody>
+          <a:bodyPr vert="horz" lIns="91440" tIns="45720" rIns="91440" bIns="45720" rtlCol="0">
+            <a:noAutofit/>
+          </a:bodyPr>
+          <a:lstStyle>
+            <a:lvl1pPr marL="0" indent="0" algn="l" defTabSz="914400" rtl="0" eaLnBrk="1" latinLnBrk="0" hangingPunct="1">
+              <a:lnSpc>
+                <a:spcPct val="90000"/>
+              </a:lnSpc>
+              <a:spcBef>
+                <a:spcPts val="1000"/>
+              </a:spcBef>
+              <a:buFont typeface="Arial"/>
+              <a:buNone/>
+              <a:defRPr lang="en-US" sz="2800" b="0" i="0" kern="1200" dirty="0">
+                <a:solidFill>
+                  <a:schemeClr val="bg1"/>
+                </a:solidFill>
+                <a:latin typeface="Segoe UI Light" charset="0"/>
+                <a:ea typeface="Segoe UI Light" charset="0"/>
+                <a:cs typeface="Segoe UI Light" charset="0"/>
+              </a:defRPr>
+            </a:lvl1pPr>
+            <a:lvl2pPr marL="457200" indent="0" algn="ctr" defTabSz="914400" rtl="0" eaLnBrk="1" latinLnBrk="0" hangingPunct="1">
+              <a:lnSpc>
+                <a:spcPct val="90000"/>
+              </a:lnSpc>
+              <a:spcBef>
+                <a:spcPts val="500"/>
+              </a:spcBef>
+              <a:buFont typeface="Arial"/>
+              <a:buNone/>
+              <a:defRPr sz="2000" b="0" i="0" kern="1200">
+                <a:solidFill>
+                  <a:schemeClr val="tx1"/>
+                </a:solidFill>
+                <a:latin typeface="Segoe UI Light" charset="0"/>
+                <a:ea typeface="Segoe UI Light" charset="0"/>
+                <a:cs typeface="Segoe UI Light" charset="0"/>
+              </a:defRPr>
+            </a:lvl2pPr>
+            <a:lvl3pPr marL="914400" indent="0" algn="ctr" defTabSz="914400" rtl="0" eaLnBrk="1" latinLnBrk="0" hangingPunct="1">
+              <a:lnSpc>
+                <a:spcPct val="90000"/>
+              </a:lnSpc>
+              <a:spcBef>
+                <a:spcPts val="500"/>
+              </a:spcBef>
+              <a:buFont typeface="Arial"/>
+              <a:buNone/>
+              <a:defRPr sz="1800" b="0" i="0" kern="1200">
+                <a:solidFill>
+                  <a:schemeClr val="tx1"/>
+                </a:solidFill>
+                <a:latin typeface="Segoe UI Light" charset="0"/>
+                <a:ea typeface="Segoe UI Light" charset="0"/>
+                <a:cs typeface="Segoe UI Light" charset="0"/>
+              </a:defRPr>
+            </a:lvl3pPr>
+            <a:lvl4pPr marL="1371600" indent="0" algn="ctr" defTabSz="914400" rtl="0" eaLnBrk="1" latinLnBrk="0" hangingPunct="1">
+              <a:lnSpc>
+                <a:spcPct val="90000"/>
+              </a:lnSpc>
+              <a:spcBef>
+                <a:spcPts val="500"/>
+              </a:spcBef>
+              <a:buFont typeface="Arial"/>
+              <a:buNone/>
+              <a:defRPr sz="1600" b="0" i="0" kern="1200">
+                <a:solidFill>
+                  <a:schemeClr val="tx1"/>
+                </a:solidFill>
+                <a:latin typeface="Segoe UI Light" charset="0"/>
+                <a:ea typeface="Segoe UI Light" charset="0"/>
+                <a:cs typeface="Segoe UI Light" charset="0"/>
+              </a:defRPr>
+            </a:lvl4pPr>
+            <a:lvl5pPr marL="1828800" indent="0" algn="ctr" defTabSz="914400" rtl="0" eaLnBrk="1" latinLnBrk="0" hangingPunct="1">
+              <a:lnSpc>
+                <a:spcPct val="90000"/>
+              </a:lnSpc>
+              <a:spcBef>
+                <a:spcPts val="500"/>
+              </a:spcBef>
+              <a:buFont typeface="Arial"/>
+              <a:buNone/>
+              <a:defRPr sz="1600" b="0" i="0" kern="1200">
+                <a:solidFill>
+                  <a:schemeClr val="tx1"/>
+                </a:solidFill>
+                <a:latin typeface="Segoe UI Light" charset="0"/>
+                <a:ea typeface="Segoe UI Light" charset="0"/>
+                <a:cs typeface="Segoe UI Light" charset="0"/>
+              </a:defRPr>
+            </a:lvl5pPr>
+            <a:lvl6pPr marL="2286000" indent="0" algn="ctr" defTabSz="914400" rtl="0" eaLnBrk="1" latinLnBrk="0" hangingPunct="1">
+              <a:lnSpc>
+                <a:spcPct val="90000"/>
+              </a:lnSpc>
+              <a:spcBef>
+                <a:spcPts val="500"/>
+              </a:spcBef>
+              <a:buFont typeface="Arial"/>
+              <a:buNone/>
+              <a:defRPr sz="1600" kern="1200">
+                <a:solidFill>
+                  <a:schemeClr val="tx1"/>
+                </a:solidFill>
+                <a:latin typeface="+mn-lt"/>
+                <a:ea typeface="+mn-ea"/>
+                <a:cs typeface="+mn-cs"/>
+              </a:defRPr>
+            </a:lvl6pPr>
+            <a:lvl7pPr marL="2743200" indent="0" algn="ctr" defTabSz="914400" rtl="0" eaLnBrk="1" latinLnBrk="0" hangingPunct="1">
+              <a:lnSpc>
+                <a:spcPct val="90000"/>
+              </a:lnSpc>
+              <a:spcBef>
+                <a:spcPts val="500"/>
+              </a:spcBef>
+              <a:buFont typeface="Arial"/>
+              <a:buNone/>
+              <a:defRPr sz="1600" kern="1200">
+                <a:solidFill>
+                  <a:schemeClr val="tx1"/>
+                </a:solidFill>
+                <a:latin typeface="+mn-lt"/>
+                <a:ea typeface="+mn-ea"/>
+                <a:cs typeface="+mn-cs"/>
+              </a:defRPr>
+            </a:lvl7pPr>
+            <a:lvl8pPr marL="3200400" indent="0" algn="ctr" defTabSz="914400" rtl="0" eaLnBrk="1" latinLnBrk="0" hangingPunct="1">
+              <a:lnSpc>
+                <a:spcPct val="90000"/>
+              </a:lnSpc>
+              <a:spcBef>
+                <a:spcPts val="500"/>
+              </a:spcBef>
+              <a:buFont typeface="Arial"/>
+              <a:buNone/>
+              <a:defRPr sz="1600" kern="1200">
+                <a:solidFill>
+                  <a:schemeClr val="tx1"/>
+                </a:solidFill>
+                <a:latin typeface="+mn-lt"/>
+                <a:ea typeface="+mn-ea"/>
+                <a:cs typeface="+mn-cs"/>
+              </a:defRPr>
+            </a:lvl8pPr>
+            <a:lvl9pPr marL="3657600" indent="0" algn="ctr" defTabSz="914400" rtl="0" eaLnBrk="1" latinLnBrk="0" hangingPunct="1">
+              <a:lnSpc>
+                <a:spcPct val="90000"/>
+              </a:lnSpc>
+              <a:spcBef>
+                <a:spcPts val="500"/>
+              </a:spcBef>
+              <a:buFont typeface="Arial"/>
+              <a:buNone/>
+              <a:defRPr sz="1600" kern="1200">
+                <a:solidFill>
+                  <a:schemeClr val="tx1"/>
+                </a:solidFill>
+                <a:latin typeface="+mn-lt"/>
+                <a:ea typeface="+mn-ea"/>
+                <a:cs typeface="+mn-cs"/>
+              </a:defRPr>
+            </a:lvl9pPr>
+          </a:lstStyle>
+          <a:p>
+            <a:pPr algn="r"/>
+            <a:r>
+              <a:rPr lang="nl-NL" sz="2000" dirty="0"/>
+              <a:t>https://github.com/andregeuze/sdfg-2017</a:t>
+            </a:r>
+          </a:p>
+        </p:txBody>
+      </p:sp>
     </p:spTree>
     <p:extLst>
       <p:ext uri="{BB962C8B-B14F-4D97-AF65-F5344CB8AC3E}">
@@ -12309,6 +12509,205 @@
               <a:t>met Docker Compose</a:t>
             </a:r>
             <a:endParaRPr lang="nl-NL" dirty="0"/>
+          </a:p>
+        </p:txBody>
+      </p:sp>
+      <p:sp>
+        <p:nvSpPr>
+          <p:cNvPr id="4" name="Ondertitel 1">
+            <a:extLst>
+              <a:ext uri="{FF2B5EF4-FFF2-40B4-BE49-F238E27FC236}">
+                <a16:creationId xmlns:a16="http://schemas.microsoft.com/office/drawing/2014/main" id="{3EE1A038-2855-4844-9C72-66C9B90B804F}"/>
+              </a:ext>
+            </a:extLst>
+          </p:cNvPr>
+          <p:cNvSpPr txBox="1">
+            <a:spLocks/>
+          </p:cNvSpPr>
+          <p:nvPr/>
+        </p:nvSpPr>
+        <p:spPr>
+          <a:xfrm>
+            <a:off x="1074875" y="5343896"/>
+            <a:ext cx="10524898" cy="1092819"/>
+          </a:xfrm>
+          <a:prstGeom prst="rect">
+            <a:avLst/>
+          </a:prstGeom>
+        </p:spPr>
+        <p:txBody>
+          <a:bodyPr vert="horz" lIns="91440" tIns="45720" rIns="91440" bIns="45720" rtlCol="0">
+            <a:noAutofit/>
+          </a:bodyPr>
+          <a:lstStyle>
+            <a:lvl1pPr marL="0" indent="0" algn="l" defTabSz="914400" rtl="0" eaLnBrk="1" latinLnBrk="0" hangingPunct="1">
+              <a:lnSpc>
+                <a:spcPct val="90000"/>
+              </a:lnSpc>
+              <a:spcBef>
+                <a:spcPts val="1000"/>
+              </a:spcBef>
+              <a:buFont typeface="Arial"/>
+              <a:buNone/>
+              <a:defRPr lang="en-US" sz="2800" b="0" i="0" kern="1200" dirty="0">
+                <a:solidFill>
+                  <a:schemeClr val="bg1"/>
+                </a:solidFill>
+                <a:latin typeface="Segoe UI Light" charset="0"/>
+                <a:ea typeface="Segoe UI Light" charset="0"/>
+                <a:cs typeface="Segoe UI Light" charset="0"/>
+              </a:defRPr>
+            </a:lvl1pPr>
+            <a:lvl2pPr marL="457200" indent="0" algn="ctr" defTabSz="914400" rtl="0" eaLnBrk="1" latinLnBrk="0" hangingPunct="1">
+              <a:lnSpc>
+                <a:spcPct val="90000"/>
+              </a:lnSpc>
+              <a:spcBef>
+                <a:spcPts val="500"/>
+              </a:spcBef>
+              <a:buFont typeface="Arial"/>
+              <a:buNone/>
+              <a:defRPr sz="2000" b="0" i="0" kern="1200">
+                <a:solidFill>
+                  <a:schemeClr val="tx1"/>
+                </a:solidFill>
+                <a:latin typeface="Segoe UI Light" charset="0"/>
+                <a:ea typeface="Segoe UI Light" charset="0"/>
+                <a:cs typeface="Segoe UI Light" charset="0"/>
+              </a:defRPr>
+            </a:lvl2pPr>
+            <a:lvl3pPr marL="914400" indent="0" algn="ctr" defTabSz="914400" rtl="0" eaLnBrk="1" latinLnBrk="0" hangingPunct="1">
+              <a:lnSpc>
+                <a:spcPct val="90000"/>
+              </a:lnSpc>
+              <a:spcBef>
+                <a:spcPts val="500"/>
+              </a:spcBef>
+              <a:buFont typeface="Arial"/>
+              <a:buNone/>
+              <a:defRPr sz="1800" b="0" i="0" kern="1200">
+                <a:solidFill>
+                  <a:schemeClr val="tx1"/>
+                </a:solidFill>
+                <a:latin typeface="Segoe UI Light" charset="0"/>
+                <a:ea typeface="Segoe UI Light" charset="0"/>
+                <a:cs typeface="Segoe UI Light" charset="0"/>
+              </a:defRPr>
+            </a:lvl3pPr>
+            <a:lvl4pPr marL="1371600" indent="0" algn="ctr" defTabSz="914400" rtl="0" eaLnBrk="1" latinLnBrk="0" hangingPunct="1">
+              <a:lnSpc>
+                <a:spcPct val="90000"/>
+              </a:lnSpc>
+              <a:spcBef>
+                <a:spcPts val="500"/>
+              </a:spcBef>
+              <a:buFont typeface="Arial"/>
+              <a:buNone/>
+              <a:defRPr sz="1600" b="0" i="0" kern="1200">
+                <a:solidFill>
+                  <a:schemeClr val="tx1"/>
+                </a:solidFill>
+                <a:latin typeface="Segoe UI Light" charset="0"/>
+                <a:ea typeface="Segoe UI Light" charset="0"/>
+                <a:cs typeface="Segoe UI Light" charset="0"/>
+              </a:defRPr>
+            </a:lvl4pPr>
+            <a:lvl5pPr marL="1828800" indent="0" algn="ctr" defTabSz="914400" rtl="0" eaLnBrk="1" latinLnBrk="0" hangingPunct="1">
+              <a:lnSpc>
+                <a:spcPct val="90000"/>
+              </a:lnSpc>
+              <a:spcBef>
+                <a:spcPts val="500"/>
+              </a:spcBef>
+              <a:buFont typeface="Arial"/>
+              <a:buNone/>
+              <a:defRPr sz="1600" b="0" i="0" kern="1200">
+                <a:solidFill>
+                  <a:schemeClr val="tx1"/>
+                </a:solidFill>
+                <a:latin typeface="Segoe UI Light" charset="0"/>
+                <a:ea typeface="Segoe UI Light" charset="0"/>
+                <a:cs typeface="Segoe UI Light" charset="0"/>
+              </a:defRPr>
+            </a:lvl5pPr>
+            <a:lvl6pPr marL="2286000" indent="0" algn="ctr" defTabSz="914400" rtl="0" eaLnBrk="1" latinLnBrk="0" hangingPunct="1">
+              <a:lnSpc>
+                <a:spcPct val="90000"/>
+              </a:lnSpc>
+              <a:spcBef>
+                <a:spcPts val="500"/>
+              </a:spcBef>
+              <a:buFont typeface="Arial"/>
+              <a:buNone/>
+              <a:defRPr sz="1600" kern="1200">
+                <a:solidFill>
+                  <a:schemeClr val="tx1"/>
+                </a:solidFill>
+                <a:latin typeface="+mn-lt"/>
+                <a:ea typeface="+mn-ea"/>
+                <a:cs typeface="+mn-cs"/>
+              </a:defRPr>
+            </a:lvl6pPr>
+            <a:lvl7pPr marL="2743200" indent="0" algn="ctr" defTabSz="914400" rtl="0" eaLnBrk="1" latinLnBrk="0" hangingPunct="1">
+              <a:lnSpc>
+                <a:spcPct val="90000"/>
+              </a:lnSpc>
+              <a:spcBef>
+                <a:spcPts val="500"/>
+              </a:spcBef>
+              <a:buFont typeface="Arial"/>
+              <a:buNone/>
+              <a:defRPr sz="1600" kern="1200">
+                <a:solidFill>
+                  <a:schemeClr val="tx1"/>
+                </a:solidFill>
+                <a:latin typeface="+mn-lt"/>
+                <a:ea typeface="+mn-ea"/>
+                <a:cs typeface="+mn-cs"/>
+              </a:defRPr>
+            </a:lvl7pPr>
+            <a:lvl8pPr marL="3200400" indent="0" algn="ctr" defTabSz="914400" rtl="0" eaLnBrk="1" latinLnBrk="0" hangingPunct="1">
+              <a:lnSpc>
+                <a:spcPct val="90000"/>
+              </a:lnSpc>
+              <a:spcBef>
+                <a:spcPts val="500"/>
+              </a:spcBef>
+              <a:buFont typeface="Arial"/>
+              <a:buNone/>
+              <a:defRPr sz="1600" kern="1200">
+                <a:solidFill>
+                  <a:schemeClr val="tx1"/>
+                </a:solidFill>
+                <a:latin typeface="+mn-lt"/>
+                <a:ea typeface="+mn-ea"/>
+                <a:cs typeface="+mn-cs"/>
+              </a:defRPr>
+            </a:lvl8pPr>
+            <a:lvl9pPr marL="3657600" indent="0" algn="ctr" defTabSz="914400" rtl="0" eaLnBrk="1" latinLnBrk="0" hangingPunct="1">
+              <a:lnSpc>
+                <a:spcPct val="90000"/>
+              </a:lnSpc>
+              <a:spcBef>
+                <a:spcPts val="500"/>
+              </a:spcBef>
+              <a:buFont typeface="Arial"/>
+              <a:buNone/>
+              <a:defRPr sz="1600" kern="1200">
+                <a:solidFill>
+                  <a:schemeClr val="tx1"/>
+                </a:solidFill>
+                <a:latin typeface="+mn-lt"/>
+                <a:ea typeface="+mn-ea"/>
+                <a:cs typeface="+mn-cs"/>
+              </a:defRPr>
+            </a:lvl9pPr>
+          </a:lstStyle>
+          <a:p>
+            <a:r>
+              <a:rPr lang="nl-NL" dirty="0"/>
+              <a:t>https://github.com/andregeuze/sdfg-2017</a:t>
+            </a:r>
           </a:p>
         </p:txBody>
       </p:sp>
